--- a/units/10/lessons/2/resources/petascale-lesson-10.2-slides.pptx
+++ b/units/10/lessons/2/resources/petascale-lesson-10.2-slides.pptx
@@ -1,35 +1,36 @@
 
 <file path=ppt/presentation.xml><?xml version="1.0" encoding="utf-8"?>
-<p:presentation xmlns:a="http://schemas.openxmlformats.org/drawingml/2006/main" xmlns:r="http://schemas.openxmlformats.org/officeDocument/2006/relationships" xmlns:mc="http://schemas.openxmlformats.org/markup-compatibility/2006" xmlns:mv="urn:schemas-microsoft-com:mac:vml" xmlns:p="http://schemas.openxmlformats.org/presentationml/2006/main" xmlns:c="http://schemas.openxmlformats.org/drawingml/2006/chart" xmlns:dgm="http://schemas.openxmlformats.org/drawingml/2006/diagram" xmlns:o="urn:schemas-microsoft-com:office:office" xmlns:v="urn:schemas-microsoft-com:vml" xmlns:pvml="urn:schemas-microsoft-com:office:powerpoint" xmlns:com="http://schemas.openxmlformats.org/drawingml/2006/compatibility" xmlns:p14="http://schemas.microsoft.com/office/powerpoint/2010/main" xmlns:p15="http://schemas.microsoft.com/office/powerpoint/2012/main" autoCompressPictures="0" strictFirstAndLastChars="0" saveSubsetFonts="1">
+<p:presentation xmlns:a="http://schemas.openxmlformats.org/drawingml/2006/main" xmlns:r="http://schemas.openxmlformats.org/officeDocument/2006/relationships" xmlns:p="http://schemas.openxmlformats.org/presentationml/2006/main" strictFirstAndLastChars="0" saveSubsetFonts="1" autoCompressPictures="0">
   <p:sldMasterIdLst>
-    <p:sldMasterId id="2147483659" r:id="rId4"/>
+    <p:sldMasterId id="2147483659" r:id="rId1"/>
   </p:sldMasterIdLst>
   <p:notesMasterIdLst>
-    <p:notesMasterId r:id="rId5"/>
+    <p:notesMasterId r:id="rId20"/>
   </p:notesMasterIdLst>
   <p:sldIdLst>
-    <p:sldId id="256" r:id="rId6"/>
-    <p:sldId id="257" r:id="rId7"/>
-    <p:sldId id="258" r:id="rId8"/>
-    <p:sldId id="259" r:id="rId9"/>
-    <p:sldId id="260" r:id="rId10"/>
-    <p:sldId id="261" r:id="rId11"/>
-    <p:sldId id="262" r:id="rId12"/>
-    <p:sldId id="263" r:id="rId13"/>
-    <p:sldId id="264" r:id="rId14"/>
-    <p:sldId id="265" r:id="rId15"/>
-    <p:sldId id="266" r:id="rId16"/>
-    <p:sldId id="267" r:id="rId17"/>
-    <p:sldId id="268" r:id="rId18"/>
-    <p:sldId id="269" r:id="rId19"/>
-    <p:sldId id="270" r:id="rId20"/>
-    <p:sldId id="271" r:id="rId21"/>
-    <p:sldId id="272" r:id="rId22"/>
+    <p:sldId id="273" r:id="rId2"/>
+    <p:sldId id="274" r:id="rId3"/>
+    <p:sldId id="257" r:id="rId4"/>
+    <p:sldId id="258" r:id="rId5"/>
+    <p:sldId id="259" r:id="rId6"/>
+    <p:sldId id="260" r:id="rId7"/>
+    <p:sldId id="261" r:id="rId8"/>
+    <p:sldId id="262" r:id="rId9"/>
+    <p:sldId id="263" r:id="rId10"/>
+    <p:sldId id="264" r:id="rId11"/>
+    <p:sldId id="265" r:id="rId12"/>
+    <p:sldId id="266" r:id="rId13"/>
+    <p:sldId id="267" r:id="rId14"/>
+    <p:sldId id="268" r:id="rId15"/>
+    <p:sldId id="269" r:id="rId16"/>
+    <p:sldId id="270" r:id="rId17"/>
+    <p:sldId id="271" r:id="rId18"/>
+    <p:sldId id="272" r:id="rId19"/>
   </p:sldIdLst>
-  <p:sldSz cy="5143500" cx="9144000"/>
+  <p:sldSz cx="9144000" cy="5143500" type="screen16x9"/>
   <p:notesSz cx="6858000" cy="9144000"/>
   <p:defaultTextStyle>
-    <a:defPPr lvl="0" marR="0" rtl="0" algn="l">
+    <a:defPPr marR="0" lvl="0" algn="l" rtl="0">
       <a:lnSpc>
         <a:spcPct val="100000"/>
       </a:lnSpc>
@@ -40,7 +41,7 @@
         <a:spcPts val="0"/>
       </a:spcAft>
     </a:defPPr>
-    <a:lvl1pPr lvl="0" marR="0" rtl="0" algn="l">
+    <a:lvl1pPr marR="0" lvl="0" algn="l" rtl="0">
       <a:lnSpc>
         <a:spcPct val="100000"/>
       </a:lnSpc>
@@ -54,7 +55,7 @@
         <a:srgbClr val="000000"/>
       </a:buClr>
       <a:buFont typeface="Arial"/>
-      <a:defRPr b="0" i="0" sz="1400" u="none" cap="none" strike="noStrike">
+      <a:defRPr sz="1400" b="0" i="0" u="none" strike="noStrike" cap="none">
         <a:solidFill>
           <a:srgbClr val="000000"/>
         </a:solidFill>
@@ -64,7 +65,7 @@
         <a:sym typeface="Arial"/>
       </a:defRPr>
     </a:lvl1pPr>
-    <a:lvl2pPr lvl="1" marR="0" rtl="0" algn="l">
+    <a:lvl2pPr marR="0" lvl="1" algn="l" rtl="0">
       <a:lnSpc>
         <a:spcPct val="100000"/>
       </a:lnSpc>
@@ -78,7 +79,7 @@
         <a:srgbClr val="000000"/>
       </a:buClr>
       <a:buFont typeface="Arial"/>
-      <a:defRPr b="0" i="0" sz="1400" u="none" cap="none" strike="noStrike">
+      <a:defRPr sz="1400" b="0" i="0" u="none" strike="noStrike" cap="none">
         <a:solidFill>
           <a:srgbClr val="000000"/>
         </a:solidFill>
@@ -88,7 +89,7 @@
         <a:sym typeface="Arial"/>
       </a:defRPr>
     </a:lvl2pPr>
-    <a:lvl3pPr lvl="2" marR="0" rtl="0" algn="l">
+    <a:lvl3pPr marR="0" lvl="2" algn="l" rtl="0">
       <a:lnSpc>
         <a:spcPct val="100000"/>
       </a:lnSpc>
@@ -102,7 +103,7 @@
         <a:srgbClr val="000000"/>
       </a:buClr>
       <a:buFont typeface="Arial"/>
-      <a:defRPr b="0" i="0" sz="1400" u="none" cap="none" strike="noStrike">
+      <a:defRPr sz="1400" b="0" i="0" u="none" strike="noStrike" cap="none">
         <a:solidFill>
           <a:srgbClr val="000000"/>
         </a:solidFill>
@@ -112,7 +113,7 @@
         <a:sym typeface="Arial"/>
       </a:defRPr>
     </a:lvl3pPr>
-    <a:lvl4pPr lvl="3" marR="0" rtl="0" algn="l">
+    <a:lvl4pPr marR="0" lvl="3" algn="l" rtl="0">
       <a:lnSpc>
         <a:spcPct val="100000"/>
       </a:lnSpc>
@@ -126,7 +127,7 @@
         <a:srgbClr val="000000"/>
       </a:buClr>
       <a:buFont typeface="Arial"/>
-      <a:defRPr b="0" i="0" sz="1400" u="none" cap="none" strike="noStrike">
+      <a:defRPr sz="1400" b="0" i="0" u="none" strike="noStrike" cap="none">
         <a:solidFill>
           <a:srgbClr val="000000"/>
         </a:solidFill>
@@ -136,7 +137,7 @@
         <a:sym typeface="Arial"/>
       </a:defRPr>
     </a:lvl4pPr>
-    <a:lvl5pPr lvl="4" marR="0" rtl="0" algn="l">
+    <a:lvl5pPr marR="0" lvl="4" algn="l" rtl="0">
       <a:lnSpc>
         <a:spcPct val="100000"/>
       </a:lnSpc>
@@ -150,7 +151,7 @@
         <a:srgbClr val="000000"/>
       </a:buClr>
       <a:buFont typeface="Arial"/>
-      <a:defRPr b="0" i="0" sz="1400" u="none" cap="none" strike="noStrike">
+      <a:defRPr sz="1400" b="0" i="0" u="none" strike="noStrike" cap="none">
         <a:solidFill>
           <a:srgbClr val="000000"/>
         </a:solidFill>
@@ -160,7 +161,7 @@
         <a:sym typeface="Arial"/>
       </a:defRPr>
     </a:lvl5pPr>
-    <a:lvl6pPr lvl="5" marR="0" rtl="0" algn="l">
+    <a:lvl6pPr marR="0" lvl="5" algn="l" rtl="0">
       <a:lnSpc>
         <a:spcPct val="100000"/>
       </a:lnSpc>
@@ -174,7 +175,7 @@
         <a:srgbClr val="000000"/>
       </a:buClr>
       <a:buFont typeface="Arial"/>
-      <a:defRPr b="0" i="0" sz="1400" u="none" cap="none" strike="noStrike">
+      <a:defRPr sz="1400" b="0" i="0" u="none" strike="noStrike" cap="none">
         <a:solidFill>
           <a:srgbClr val="000000"/>
         </a:solidFill>
@@ -184,7 +185,7 @@
         <a:sym typeface="Arial"/>
       </a:defRPr>
     </a:lvl6pPr>
-    <a:lvl7pPr lvl="6" marR="0" rtl="0" algn="l">
+    <a:lvl7pPr marR="0" lvl="6" algn="l" rtl="0">
       <a:lnSpc>
         <a:spcPct val="100000"/>
       </a:lnSpc>
@@ -198,7 +199,7 @@
         <a:srgbClr val="000000"/>
       </a:buClr>
       <a:buFont typeface="Arial"/>
-      <a:defRPr b="0" i="0" sz="1400" u="none" cap="none" strike="noStrike">
+      <a:defRPr sz="1400" b="0" i="0" u="none" strike="noStrike" cap="none">
         <a:solidFill>
           <a:srgbClr val="000000"/>
         </a:solidFill>
@@ -208,7 +209,7 @@
         <a:sym typeface="Arial"/>
       </a:defRPr>
     </a:lvl7pPr>
-    <a:lvl8pPr lvl="7" marR="0" rtl="0" algn="l">
+    <a:lvl8pPr marR="0" lvl="7" algn="l" rtl="0">
       <a:lnSpc>
         <a:spcPct val="100000"/>
       </a:lnSpc>
@@ -222,7 +223,7 @@
         <a:srgbClr val="000000"/>
       </a:buClr>
       <a:buFont typeface="Arial"/>
-      <a:defRPr b="0" i="0" sz="1400" u="none" cap="none" strike="noStrike">
+      <a:defRPr sz="1400" b="0" i="0" u="none" strike="noStrike" cap="none">
         <a:solidFill>
           <a:srgbClr val="000000"/>
         </a:solidFill>
@@ -232,7 +233,7 @@
         <a:sym typeface="Arial"/>
       </a:defRPr>
     </a:lvl8pPr>
-    <a:lvl9pPr lvl="8" marR="0" rtl="0" algn="l">
+    <a:lvl9pPr marR="0" lvl="8" algn="l" rtl="0">
       <a:lnSpc>
         <a:spcPct val="100000"/>
       </a:lnSpc>
@@ -246,7 +247,7 @@
         <a:srgbClr val="000000"/>
       </a:buClr>
       <a:buFont typeface="Arial"/>
-      <a:defRPr b="0" i="0" sz="1400" u="none" cap="none" strike="noStrike">
+      <a:defRPr sz="1400" b="0" i="0" u="none" strike="noStrike" cap="none">
         <a:solidFill>
           <a:srgbClr val="000000"/>
         </a:solidFill>
@@ -259,7 +260,7 @@
   </p:defaultTextStyle>
   <p:extLst>
     <p:ext uri="{EFAFB233-063F-42B5-8137-9DF3F51BA10A}">
-      <p15:sldGuideLst>
+      <p15:sldGuideLst xmlns:p15="http://schemas.microsoft.com/office/powerpoint/2012/main">
         <p15:guide id="1" orient="horz" pos="1620">
           <p15:clr>
             <a:srgbClr val="A4A3A4"/>
@@ -277,11 +278,16 @@
 </file>
 
 <file path=ppt/notesMasters/notesMaster1.xml><?xml version="1.0" encoding="utf-8"?>
-<p:notesMaster xmlns:a="http://schemas.openxmlformats.org/drawingml/2006/main" xmlns:r="http://schemas.openxmlformats.org/officeDocument/2006/relationships" xmlns:mc="http://schemas.openxmlformats.org/markup-compatibility/2006" xmlns:mv="urn:schemas-microsoft-com:mac:vml" xmlns:p="http://schemas.openxmlformats.org/presentationml/2006/main" xmlns:c="http://schemas.openxmlformats.org/drawingml/2006/chart" xmlns:dgm="http://schemas.openxmlformats.org/drawingml/2006/diagram" xmlns:o="urn:schemas-microsoft-com:office:office" xmlns:v="urn:schemas-microsoft-com:vml" xmlns:pvml="urn:schemas-microsoft-com:office:powerpoint" xmlns:com="http://schemas.openxmlformats.org/drawingml/2006/compatibility" xmlns:p14="http://schemas.microsoft.com/office/powerpoint/2010/main" xmlns:p15="http://schemas.microsoft.com/office/powerpoint/2012/main">
+<p:notesMaster xmlns:a="http://schemas.openxmlformats.org/drawingml/2006/main" xmlns:r="http://schemas.openxmlformats.org/officeDocument/2006/relationships" xmlns:p="http://schemas.openxmlformats.org/presentationml/2006/main">
   <p:cSld>
+    <p:bg>
+      <p:bgRef idx="1001">
+        <a:schemeClr val="bg1"/>
+      </p:bgRef>
+    </p:bg>
     <p:spTree>
       <p:nvGrpSpPr>
-        <p:cNvPr id="2" name="Shape 2"/>
+        <p:cNvPr id="1" name="Shape 2"/>
         <p:cNvGrpSpPr/>
         <p:nvPr/>
       </p:nvGrpSpPr>
@@ -296,9 +302,11 @@
       <p:sp>
         <p:nvSpPr>
           <p:cNvPr id="3" name="Google Shape;3;n"/>
-          <p:cNvSpPr/>
+          <p:cNvSpPr>
+            <a:spLocks noGrp="1" noRot="1" noChangeAspect="1"/>
+          </p:cNvSpPr>
           <p:nvPr>
-            <p:ph idx="2" type="sldImg"/>
+            <p:ph type="sldImg" idx="2"/>
           </p:nvPr>
         </p:nvSpPr>
         <p:spPr>
@@ -307,9 +315,13 @@
             <a:ext cx="6096075" cy="3429000"/>
           </a:xfrm>
           <a:custGeom>
-            <a:rect b="b" l="l" r="r" t="t"/>
+            <a:avLst/>
+            <a:gdLst/>
+            <a:ahLst/>
+            <a:cxnLst/>
+            <a:rect l="l" t="t" r="r" b="b"/>
             <a:pathLst>
-              <a:path extrusionOk="0" h="120000" w="120000">
+              <a:path w="120000" h="120000" extrusionOk="0">
                 <a:moveTo>
                   <a:pt x="0" y="0"/>
                 </a:moveTo>
@@ -327,23 +339,25 @@
             </a:pathLst>
           </a:custGeom>
           <a:noFill/>
-          <a:ln cap="flat" cmpd="sng" w="9525">
+          <a:ln w="9525" cap="flat" cmpd="sng">
             <a:solidFill>
               <a:srgbClr val="000000"/>
             </a:solidFill>
             <a:prstDash val="solid"/>
             <a:round/>
-            <a:headEnd len="sm" w="sm" type="none"/>
-            <a:tailEnd len="sm" w="sm" type="none"/>
+            <a:headEnd type="none" w="sm" len="sm"/>
+            <a:tailEnd type="none" w="sm" len="sm"/>
           </a:ln>
         </p:spPr>
       </p:sp>
       <p:sp>
         <p:nvSpPr>
           <p:cNvPr id="4" name="Google Shape;4;n"/>
-          <p:cNvSpPr txBox="1"/>
+          <p:cNvSpPr txBox="1">
+            <a:spLocks noGrp="1"/>
+          </p:cNvSpPr>
           <p:nvPr>
-            <p:ph idx="1" type="body"/>
+            <p:ph type="body" idx="1"/>
           </p:nvPr>
         </p:nvSpPr>
         <p:spPr>
@@ -360,11 +374,11 @@
           </a:ln>
         </p:spPr>
         <p:txBody>
-          <a:bodyPr anchorCtr="0" anchor="t" bIns="91425" lIns="91425" spcFirstLastPara="1" rIns="91425" wrap="square" tIns="91425">
+          <a:bodyPr spcFirstLastPara="1" wrap="square" lIns="91425" tIns="91425" rIns="91425" bIns="91425" anchor="t" anchorCtr="0">
             <a:noAutofit/>
           </a:bodyPr>
           <a:lstStyle>
-            <a:lvl1pPr indent="-298450" lvl="0" marL="457200">
+            <a:lvl1pPr marL="457200" lvl="0" indent="-298450">
               <a:spcBef>
                 <a:spcPts val="0"/>
               </a:spcBef>
@@ -375,7 +389,7 @@
               <a:buChar char="●"/>
               <a:defRPr sz="1100"/>
             </a:lvl1pPr>
-            <a:lvl2pPr indent="-298450" lvl="1" marL="914400">
+            <a:lvl2pPr marL="914400" lvl="1" indent="-298450">
               <a:spcBef>
                 <a:spcPts val="0"/>
               </a:spcBef>
@@ -386,7 +400,7 @@
               <a:buChar char="○"/>
               <a:defRPr sz="1100"/>
             </a:lvl2pPr>
-            <a:lvl3pPr indent="-298450" lvl="2" marL="1371600">
+            <a:lvl3pPr marL="1371600" lvl="2" indent="-298450">
               <a:spcBef>
                 <a:spcPts val="0"/>
               </a:spcBef>
@@ -397,7 +411,7 @@
               <a:buChar char="■"/>
               <a:defRPr sz="1100"/>
             </a:lvl3pPr>
-            <a:lvl4pPr indent="-298450" lvl="3" marL="1828800">
+            <a:lvl4pPr marL="1828800" lvl="3" indent="-298450">
               <a:spcBef>
                 <a:spcPts val="0"/>
               </a:spcBef>
@@ -408,7 +422,7 @@
               <a:buChar char="●"/>
               <a:defRPr sz="1100"/>
             </a:lvl4pPr>
-            <a:lvl5pPr indent="-298450" lvl="4" marL="2286000">
+            <a:lvl5pPr marL="2286000" lvl="4" indent="-298450">
               <a:spcBef>
                 <a:spcPts val="0"/>
               </a:spcBef>
@@ -419,7 +433,7 @@
               <a:buChar char="○"/>
               <a:defRPr sz="1100"/>
             </a:lvl5pPr>
-            <a:lvl6pPr indent="-298450" lvl="5" marL="2743200">
+            <a:lvl6pPr marL="2743200" lvl="5" indent="-298450">
               <a:spcBef>
                 <a:spcPts val="0"/>
               </a:spcBef>
@@ -430,7 +444,7 @@
               <a:buChar char="■"/>
               <a:defRPr sz="1100"/>
             </a:lvl6pPr>
-            <a:lvl7pPr indent="-298450" lvl="6" marL="3200400">
+            <a:lvl7pPr marL="3200400" lvl="6" indent="-298450">
               <a:spcBef>
                 <a:spcPts val="0"/>
               </a:spcBef>
@@ -441,7 +455,7 @@
               <a:buChar char="●"/>
               <a:defRPr sz="1100"/>
             </a:lvl7pPr>
-            <a:lvl8pPr indent="-298450" lvl="7" marL="3657600">
+            <a:lvl8pPr marL="3657600" lvl="7" indent="-298450">
               <a:spcBef>
                 <a:spcPts val="0"/>
               </a:spcBef>
@@ -452,7 +466,7 @@
               <a:buChar char="○"/>
               <a:defRPr sz="1100"/>
             </a:lvl8pPr>
-            <a:lvl9pPr indent="-298450" lvl="8" marL="4114800">
+            <a:lvl9pPr marL="4114800" lvl="8" indent="-298450">
               <a:spcBef>
                 <a:spcPts val="0"/>
               </a:spcBef>
@@ -464,14 +478,16 @@
               <a:defRPr sz="1100"/>
             </a:lvl9pPr>
           </a:lstStyle>
-          <a:p/>
+          <a:p>
+            <a:endParaRPr/>
+          </a:p>
         </p:txBody>
       </p:sp>
     </p:spTree>
   </p:cSld>
-  <p:clrMap accent1="accent1" accent2="accent2" accent3="accent3" accent4="accent4" accent5="accent5" accent6="accent6" bg1="lt1" bg2="dk2" tx1="dk1" tx2="lt2" folHlink="folHlink" hlink="hlink"/>
+  <p:clrMap bg1="lt1" tx1="dk1" bg2="dk2" tx2="lt2" accent1="accent1" accent2="accent2" accent3="accent3" accent4="accent4" accent5="accent5" accent6="accent6" hlink="hlink" folHlink="folHlink"/>
   <p:notesStyle>
-    <a:defPPr lvl="0" marR="0" rtl="0" algn="l">
+    <a:defPPr marR="0" lvl="0" algn="l" rtl="0">
       <a:lnSpc>
         <a:spcPct val="100000"/>
       </a:lnSpc>
@@ -482,7 +498,7 @@
         <a:spcPts val="0"/>
       </a:spcAft>
     </a:defPPr>
-    <a:lvl1pPr lvl="0" marR="0" rtl="0" algn="l">
+    <a:lvl1pPr marR="0" lvl="0" algn="l" rtl="0">
       <a:lnSpc>
         <a:spcPct val="100000"/>
       </a:lnSpc>
@@ -496,7 +512,7 @@
         <a:srgbClr val="000000"/>
       </a:buClr>
       <a:buFont typeface="Arial"/>
-      <a:defRPr b="0" i="0" sz="1400" u="none" cap="none" strike="noStrike">
+      <a:defRPr sz="1400" b="0" i="0" u="none" strike="noStrike" cap="none">
         <a:solidFill>
           <a:srgbClr val="000000"/>
         </a:solidFill>
@@ -506,7 +522,7 @@
         <a:sym typeface="Arial"/>
       </a:defRPr>
     </a:lvl1pPr>
-    <a:lvl2pPr lvl="1" marR="0" rtl="0" algn="l">
+    <a:lvl2pPr marR="0" lvl="1" algn="l" rtl="0">
       <a:lnSpc>
         <a:spcPct val="100000"/>
       </a:lnSpc>
@@ -520,7 +536,7 @@
         <a:srgbClr val="000000"/>
       </a:buClr>
       <a:buFont typeface="Arial"/>
-      <a:defRPr b="0" i="0" sz="1400" u="none" cap="none" strike="noStrike">
+      <a:defRPr sz="1400" b="0" i="0" u="none" strike="noStrike" cap="none">
         <a:solidFill>
           <a:srgbClr val="000000"/>
         </a:solidFill>
@@ -530,7 +546,7 @@
         <a:sym typeface="Arial"/>
       </a:defRPr>
     </a:lvl2pPr>
-    <a:lvl3pPr lvl="2" marR="0" rtl="0" algn="l">
+    <a:lvl3pPr marR="0" lvl="2" algn="l" rtl="0">
       <a:lnSpc>
         <a:spcPct val="100000"/>
       </a:lnSpc>
@@ -544,7 +560,7 @@
         <a:srgbClr val="000000"/>
       </a:buClr>
       <a:buFont typeface="Arial"/>
-      <a:defRPr b="0" i="0" sz="1400" u="none" cap="none" strike="noStrike">
+      <a:defRPr sz="1400" b="0" i="0" u="none" strike="noStrike" cap="none">
         <a:solidFill>
           <a:srgbClr val="000000"/>
         </a:solidFill>
@@ -554,7 +570,7 @@
         <a:sym typeface="Arial"/>
       </a:defRPr>
     </a:lvl3pPr>
-    <a:lvl4pPr lvl="3" marR="0" rtl="0" algn="l">
+    <a:lvl4pPr marR="0" lvl="3" algn="l" rtl="0">
       <a:lnSpc>
         <a:spcPct val="100000"/>
       </a:lnSpc>
@@ -568,7 +584,7 @@
         <a:srgbClr val="000000"/>
       </a:buClr>
       <a:buFont typeface="Arial"/>
-      <a:defRPr b="0" i="0" sz="1400" u="none" cap="none" strike="noStrike">
+      <a:defRPr sz="1400" b="0" i="0" u="none" strike="noStrike" cap="none">
         <a:solidFill>
           <a:srgbClr val="000000"/>
         </a:solidFill>
@@ -578,7 +594,7 @@
         <a:sym typeface="Arial"/>
       </a:defRPr>
     </a:lvl4pPr>
-    <a:lvl5pPr lvl="4" marR="0" rtl="0" algn="l">
+    <a:lvl5pPr marR="0" lvl="4" algn="l" rtl="0">
       <a:lnSpc>
         <a:spcPct val="100000"/>
       </a:lnSpc>
@@ -592,7 +608,7 @@
         <a:srgbClr val="000000"/>
       </a:buClr>
       <a:buFont typeface="Arial"/>
-      <a:defRPr b="0" i="0" sz="1400" u="none" cap="none" strike="noStrike">
+      <a:defRPr sz="1400" b="0" i="0" u="none" strike="noStrike" cap="none">
         <a:solidFill>
           <a:srgbClr val="000000"/>
         </a:solidFill>
@@ -602,7 +618,7 @@
         <a:sym typeface="Arial"/>
       </a:defRPr>
     </a:lvl5pPr>
-    <a:lvl6pPr lvl="5" marR="0" rtl="0" algn="l">
+    <a:lvl6pPr marR="0" lvl="5" algn="l" rtl="0">
       <a:lnSpc>
         <a:spcPct val="100000"/>
       </a:lnSpc>
@@ -616,7 +632,7 @@
         <a:srgbClr val="000000"/>
       </a:buClr>
       <a:buFont typeface="Arial"/>
-      <a:defRPr b="0" i="0" sz="1400" u="none" cap="none" strike="noStrike">
+      <a:defRPr sz="1400" b="0" i="0" u="none" strike="noStrike" cap="none">
         <a:solidFill>
           <a:srgbClr val="000000"/>
         </a:solidFill>
@@ -626,7 +642,7 @@
         <a:sym typeface="Arial"/>
       </a:defRPr>
     </a:lvl6pPr>
-    <a:lvl7pPr lvl="6" marR="0" rtl="0" algn="l">
+    <a:lvl7pPr marR="0" lvl="6" algn="l" rtl="0">
       <a:lnSpc>
         <a:spcPct val="100000"/>
       </a:lnSpc>
@@ -640,7 +656,7 @@
         <a:srgbClr val="000000"/>
       </a:buClr>
       <a:buFont typeface="Arial"/>
-      <a:defRPr b="0" i="0" sz="1400" u="none" cap="none" strike="noStrike">
+      <a:defRPr sz="1400" b="0" i="0" u="none" strike="noStrike" cap="none">
         <a:solidFill>
           <a:srgbClr val="000000"/>
         </a:solidFill>
@@ -650,7 +666,7 @@
         <a:sym typeface="Arial"/>
       </a:defRPr>
     </a:lvl7pPr>
-    <a:lvl8pPr lvl="7" marR="0" rtl="0" algn="l">
+    <a:lvl8pPr marR="0" lvl="7" algn="l" rtl="0">
       <a:lnSpc>
         <a:spcPct val="100000"/>
       </a:lnSpc>
@@ -664,7 +680,7 @@
         <a:srgbClr val="000000"/>
       </a:buClr>
       <a:buFont typeface="Arial"/>
-      <a:defRPr b="0" i="0" sz="1400" u="none" cap="none" strike="noStrike">
+      <a:defRPr sz="1400" b="0" i="0" u="none" strike="noStrike" cap="none">
         <a:solidFill>
           <a:srgbClr val="000000"/>
         </a:solidFill>
@@ -674,7 +690,7 @@
         <a:sym typeface="Arial"/>
       </a:defRPr>
     </a:lvl8pPr>
-    <a:lvl9pPr lvl="8" marR="0" rtl="0" algn="l">
+    <a:lvl9pPr marR="0" lvl="8" algn="l" rtl="0">
       <a:lnSpc>
         <a:spcPct val="100000"/>
       </a:lnSpc>
@@ -688,7 +704,7 @@
         <a:srgbClr val="000000"/>
       </a:buClr>
       <a:buFont typeface="Arial"/>
-      <a:defRPr b="0" i="0" sz="1400" u="none" cap="none" strike="noStrike">
+      <a:defRPr sz="1400" b="0" i="0" u="none" strike="noStrike" cap="none">
         <a:solidFill>
           <a:srgbClr val="000000"/>
         </a:solidFill>
@@ -703,11 +719,11 @@
 </file>
 
 <file path=ppt/notesSlides/notesSlide1.xml><?xml version="1.0" encoding="utf-8"?>
-<p:notes xmlns:a="http://schemas.openxmlformats.org/drawingml/2006/main" xmlns:r="http://schemas.openxmlformats.org/officeDocument/2006/relationships" xmlns:mc="http://schemas.openxmlformats.org/markup-compatibility/2006" xmlns:mv="urn:schemas-microsoft-com:mac:vml" xmlns:p="http://schemas.openxmlformats.org/presentationml/2006/main" xmlns:c="http://schemas.openxmlformats.org/drawingml/2006/chart" xmlns:dgm="http://schemas.openxmlformats.org/drawingml/2006/diagram" xmlns:o="urn:schemas-microsoft-com:office:office" xmlns:v="urn:schemas-microsoft-com:vml" xmlns:pvml="urn:schemas-microsoft-com:office:powerpoint" xmlns:com="http://schemas.openxmlformats.org/drawingml/2006/compatibility" xmlns:p14="http://schemas.microsoft.com/office/powerpoint/2010/main" xmlns:p15="http://schemas.microsoft.com/office/powerpoint/2012/main" showMasterPhAnim="0" showMasterSp="0">
+<p:notes xmlns:a="http://schemas.openxmlformats.org/drawingml/2006/main" xmlns:r="http://schemas.openxmlformats.org/officeDocument/2006/relationships" xmlns:p="http://schemas.openxmlformats.org/presentationml/2006/main">
   <p:cSld>
     <p:spTree>
       <p:nvGrpSpPr>
-        <p:cNvPr id="50" name="Shape 50"/>
+        <p:cNvPr id="1" name=""/>
         <p:cNvGrpSpPr/>
         <p:nvPr/>
       </p:nvGrpSpPr>
@@ -721,21 +737,112 @@
       </p:grpSpPr>
       <p:sp>
         <p:nvSpPr>
-          <p:cNvPr id="51" name="Google Shape;51;p:notes"/>
-          <p:cNvSpPr/>
+          <p:cNvPr id="2" name="Slide Image Placeholder 1"/>
+          <p:cNvSpPr>
+            <a:spLocks noGrp="1" noRot="1" noChangeAspect="1"/>
+          </p:cNvSpPr>
           <p:nvPr>
-            <p:ph idx="2" type="sldImg"/>
+            <p:ph type="sldImg"/>
           </p:nvPr>
         </p:nvSpPr>
         <p:spPr>
           <a:xfrm>
+            <a:off x="381000" y="685800"/>
+            <a:ext cx="6096000" cy="3429000"/>
+          </a:xfrm>
+        </p:spPr>
+      </p:sp>
+      <p:sp>
+        <p:nvSpPr>
+          <p:cNvPr id="3" name="Notes Placeholder 2"/>
+          <p:cNvSpPr>
+            <a:spLocks noGrp="1"/>
+          </p:cNvSpPr>
+          <p:nvPr>
+            <p:ph type="body" idx="1"/>
+          </p:nvPr>
+        </p:nvSpPr>
+        <p:spPr/>
+        <p:txBody>
+          <a:bodyPr/>
+          <a:lstStyle/>
+          <a:p>
+            <a:pPr marL="457200" marR="0" lvl="0" indent="-298450" algn="l" defTabSz="914400" rtl="0" eaLnBrk="1" fontAlgn="auto" latinLnBrk="0" hangingPunct="1">
+              <a:lnSpc>
+                <a:spcPct val="100000"/>
+              </a:lnSpc>
+              <a:spcBef>
+                <a:spcPts val="0"/>
+              </a:spcBef>
+              <a:spcAft>
+                <a:spcPts val="0"/>
+              </a:spcAft>
+              <a:buClr>
+                <a:srgbClr val="000000"/>
+              </a:buClr>
+              <a:buSzPts val="1100"/>
+              <a:buFont typeface="Arial"/>
+              <a:buNone/>
+              <a:tabLst/>
+              <a:defRPr/>
+            </a:pPr>
+            <a:endParaRPr lang="en-US" dirty="0"/>
+          </a:p>
+        </p:txBody>
+      </p:sp>
+    </p:spTree>
+    <p:extLst>
+      <p:ext uri="{BB962C8B-B14F-4D97-AF65-F5344CB8AC3E}">
+        <p14:creationId xmlns:p14="http://schemas.microsoft.com/office/powerpoint/2010/main" val="785383378"/>
+      </p:ext>
+    </p:extLst>
+  </p:cSld>
+  <p:clrMapOvr>
+    <a:masterClrMapping/>
+  </p:clrMapOvr>
+</p:notes>
+</file>
+
+<file path=ppt/notesSlides/notesSlide10.xml><?xml version="1.0" encoding="utf-8"?>
+<p:notes xmlns:a="http://schemas.openxmlformats.org/drawingml/2006/main" xmlns:r="http://schemas.openxmlformats.org/officeDocument/2006/relationships" xmlns:p="http://schemas.openxmlformats.org/presentationml/2006/main" showMasterSp="0" showMasterPhAnim="0">
+  <p:cSld>
+    <p:spTree>
+      <p:nvGrpSpPr>
+        <p:cNvPr id="1" name="Shape 110"/>
+        <p:cNvGrpSpPr/>
+        <p:nvPr/>
+      </p:nvGrpSpPr>
+      <p:grpSpPr>
+        <a:xfrm>
+          <a:off x="0" y="0"/>
+          <a:ext cx="0" cy="0"/>
+          <a:chOff x="0" y="0"/>
+          <a:chExt cx="0" cy="0"/>
+        </a:xfrm>
+      </p:grpSpPr>
+      <p:sp>
+        <p:nvSpPr>
+          <p:cNvPr id="111" name="Google Shape;111;g8c5542cac0_0_103:notes"/>
+          <p:cNvSpPr>
+            <a:spLocks noGrp="1" noRot="1" noChangeAspect="1"/>
+          </p:cNvSpPr>
+          <p:nvPr>
+            <p:ph type="sldImg" idx="2"/>
+          </p:nvPr>
+        </p:nvSpPr>
+        <p:spPr>
+          <a:xfrm>
             <a:off x="381300" y="685800"/>
-            <a:ext cx="6096075" cy="3429000"/>
+            <a:ext cx="6096000" cy="3429000"/>
           </a:xfrm>
           <a:custGeom>
-            <a:rect b="b" l="l" r="r" t="t"/>
+            <a:avLst/>
+            <a:gdLst/>
+            <a:ahLst/>
+            <a:cxnLst/>
+            <a:rect l="l" t="t" r="r" b="b"/>
             <a:pathLst>
-              <a:path extrusionOk="0" h="120000" w="120000">
+              <a:path w="120000" h="120000" extrusionOk="0">
                 <a:moveTo>
                   <a:pt x="0" y="0"/>
                 </a:moveTo>
@@ -756,10 +863,12 @@
       </p:sp>
       <p:sp>
         <p:nvSpPr>
-          <p:cNvPr id="52" name="Google Shape;52;p:notes"/>
-          <p:cNvSpPr txBox="1"/>
+          <p:cNvPr id="112" name="Google Shape;112;g8c5542cac0_0_103:notes"/>
+          <p:cNvSpPr txBox="1">
+            <a:spLocks noGrp="1"/>
+          </p:cNvSpPr>
           <p:nvPr>
-            <p:ph idx="1" type="body"/>
+            <p:ph type="body" idx="1"/>
           </p:nvPr>
         </p:nvSpPr>
         <p:spPr>
@@ -772,23 +881,20 @@
           </a:prstGeom>
         </p:spPr>
         <p:txBody>
-          <a:bodyPr anchorCtr="0" anchor="t" bIns="91425" lIns="91425" spcFirstLastPara="1" rIns="91425" wrap="square" tIns="91425">
+          <a:bodyPr spcFirstLastPara="1" wrap="square" lIns="91425" tIns="91425" rIns="91425" bIns="91425" anchor="t" anchorCtr="0">
             <a:noAutofit/>
           </a:bodyPr>
           <a:lstStyle/>
           <a:p>
-            <a:pPr indent="0" lvl="0" marL="0" rtl="0" algn="l">
-              <a:spcBef>
-                <a:spcPts val="0"/>
-              </a:spcBef>
-              <a:spcAft>
-                <a:spcPts val="0"/>
-              </a:spcAft>
-              <a:buNone/>
-            </a:pPr>
-            <a:r>
-              <a:t/>
-            </a:r>
+            <a:pPr marL="0" lvl="0" indent="0" algn="l" rtl="0">
+              <a:spcBef>
+                <a:spcPts val="0"/>
+              </a:spcBef>
+              <a:spcAft>
+                <a:spcPts val="0"/>
+              </a:spcAft>
+              <a:buNone/>
+            </a:pPr>
             <a:endParaRPr/>
           </a:p>
         </p:txBody>
@@ -801,12 +907,12 @@
 </p:notes>
 </file>
 
-<file path=ppt/notesSlides/notesSlide10.xml><?xml version="1.0" encoding="utf-8"?>
-<p:notes xmlns:a="http://schemas.openxmlformats.org/drawingml/2006/main" xmlns:r="http://schemas.openxmlformats.org/officeDocument/2006/relationships" xmlns:mc="http://schemas.openxmlformats.org/markup-compatibility/2006" xmlns:mv="urn:schemas-microsoft-com:mac:vml" xmlns:p="http://schemas.openxmlformats.org/presentationml/2006/main" xmlns:c="http://schemas.openxmlformats.org/drawingml/2006/chart" xmlns:dgm="http://schemas.openxmlformats.org/drawingml/2006/diagram" xmlns:o="urn:schemas-microsoft-com:office:office" xmlns:v="urn:schemas-microsoft-com:vml" xmlns:pvml="urn:schemas-microsoft-com:office:powerpoint" xmlns:com="http://schemas.openxmlformats.org/drawingml/2006/compatibility" xmlns:p14="http://schemas.microsoft.com/office/powerpoint/2010/main" xmlns:p15="http://schemas.microsoft.com/office/powerpoint/2012/main" showMasterPhAnim="0" showMasterSp="0">
+<file path=ppt/notesSlides/notesSlide11.xml><?xml version="1.0" encoding="utf-8"?>
+<p:notes xmlns:a="http://schemas.openxmlformats.org/drawingml/2006/main" xmlns:r="http://schemas.openxmlformats.org/officeDocument/2006/relationships" xmlns:p="http://schemas.openxmlformats.org/presentationml/2006/main" showMasterSp="0" showMasterPhAnim="0">
   <p:cSld>
     <p:spTree>
       <p:nvGrpSpPr>
-        <p:cNvPr id="110" name="Shape 110"/>
+        <p:cNvPr id="1" name="Shape 118"/>
         <p:cNvGrpSpPr/>
         <p:nvPr/>
       </p:nvGrpSpPr>
@@ -820,10 +926,12 @@
       </p:grpSpPr>
       <p:sp>
         <p:nvSpPr>
-          <p:cNvPr id="111" name="Google Shape;111;g8c5542cac0_0_103:notes"/>
-          <p:cNvSpPr/>
+          <p:cNvPr id="119" name="Google Shape;119;g8c5542cac0_0_154:notes"/>
+          <p:cNvSpPr>
+            <a:spLocks noGrp="1" noRot="1" noChangeAspect="1"/>
+          </p:cNvSpPr>
           <p:nvPr>
-            <p:ph idx="2" type="sldImg"/>
+            <p:ph type="sldImg" idx="2"/>
           </p:nvPr>
         </p:nvSpPr>
         <p:spPr>
@@ -832,9 +940,13 @@
             <a:ext cx="6096000" cy="3429000"/>
           </a:xfrm>
           <a:custGeom>
-            <a:rect b="b" l="l" r="r" t="t"/>
+            <a:avLst/>
+            <a:gdLst/>
+            <a:ahLst/>
+            <a:cxnLst/>
+            <a:rect l="l" t="t" r="r" b="b"/>
             <a:pathLst>
-              <a:path extrusionOk="0" h="120000" w="120000">
+              <a:path w="120000" h="120000" extrusionOk="0">
                 <a:moveTo>
                   <a:pt x="0" y="0"/>
                 </a:moveTo>
@@ -855,10 +967,12 @@
       </p:sp>
       <p:sp>
         <p:nvSpPr>
-          <p:cNvPr id="112" name="Google Shape;112;g8c5542cac0_0_103:notes"/>
-          <p:cNvSpPr txBox="1"/>
+          <p:cNvPr id="120" name="Google Shape;120;g8c5542cac0_0_154:notes"/>
+          <p:cNvSpPr txBox="1">
+            <a:spLocks noGrp="1"/>
+          </p:cNvSpPr>
           <p:nvPr>
-            <p:ph idx="1" type="body"/>
+            <p:ph type="body" idx="1"/>
           </p:nvPr>
         </p:nvSpPr>
         <p:spPr>
@@ -871,23 +985,20 @@
           </a:prstGeom>
         </p:spPr>
         <p:txBody>
-          <a:bodyPr anchorCtr="0" anchor="t" bIns="91425" lIns="91425" spcFirstLastPara="1" rIns="91425" wrap="square" tIns="91425">
+          <a:bodyPr spcFirstLastPara="1" wrap="square" lIns="91425" tIns="91425" rIns="91425" bIns="91425" anchor="t" anchorCtr="0">
             <a:noAutofit/>
           </a:bodyPr>
           <a:lstStyle/>
           <a:p>
-            <a:pPr indent="0" lvl="0" marL="0" rtl="0" algn="l">
-              <a:spcBef>
-                <a:spcPts val="0"/>
-              </a:spcBef>
-              <a:spcAft>
-                <a:spcPts val="0"/>
-              </a:spcAft>
-              <a:buNone/>
-            </a:pPr>
-            <a:r>
-              <a:t/>
-            </a:r>
+            <a:pPr marL="0" lvl="0" indent="0" algn="l" rtl="0">
+              <a:spcBef>
+                <a:spcPts val="0"/>
+              </a:spcBef>
+              <a:spcAft>
+                <a:spcPts val="0"/>
+              </a:spcAft>
+              <a:buNone/>
+            </a:pPr>
             <a:endParaRPr/>
           </a:p>
         </p:txBody>
@@ -900,12 +1011,12 @@
 </p:notes>
 </file>
 
-<file path=ppt/notesSlides/notesSlide11.xml><?xml version="1.0" encoding="utf-8"?>
-<p:notes xmlns:a="http://schemas.openxmlformats.org/drawingml/2006/main" xmlns:r="http://schemas.openxmlformats.org/officeDocument/2006/relationships" xmlns:mc="http://schemas.openxmlformats.org/markup-compatibility/2006" xmlns:mv="urn:schemas-microsoft-com:mac:vml" xmlns:p="http://schemas.openxmlformats.org/presentationml/2006/main" xmlns:c="http://schemas.openxmlformats.org/drawingml/2006/chart" xmlns:dgm="http://schemas.openxmlformats.org/drawingml/2006/diagram" xmlns:o="urn:schemas-microsoft-com:office:office" xmlns:v="urn:schemas-microsoft-com:vml" xmlns:pvml="urn:schemas-microsoft-com:office:powerpoint" xmlns:com="http://schemas.openxmlformats.org/drawingml/2006/compatibility" xmlns:p14="http://schemas.microsoft.com/office/powerpoint/2010/main" xmlns:p15="http://schemas.microsoft.com/office/powerpoint/2012/main" showMasterPhAnim="0" showMasterSp="0">
+<file path=ppt/notesSlides/notesSlide12.xml><?xml version="1.0" encoding="utf-8"?>
+<p:notes xmlns:a="http://schemas.openxmlformats.org/drawingml/2006/main" xmlns:r="http://schemas.openxmlformats.org/officeDocument/2006/relationships" xmlns:p="http://schemas.openxmlformats.org/presentationml/2006/main" showMasterSp="0" showMasterPhAnim="0">
   <p:cSld>
     <p:spTree>
       <p:nvGrpSpPr>
-        <p:cNvPr id="118" name="Shape 118"/>
+        <p:cNvPr id="1" name="Shape 127"/>
         <p:cNvGrpSpPr/>
         <p:nvPr/>
       </p:nvGrpSpPr>
@@ -919,10 +1030,12 @@
       </p:grpSpPr>
       <p:sp>
         <p:nvSpPr>
-          <p:cNvPr id="119" name="Google Shape;119;g8c5542cac0_0_154:notes"/>
-          <p:cNvSpPr/>
+          <p:cNvPr id="128" name="Google Shape;128;g8c5542cac0_0_110:notes"/>
+          <p:cNvSpPr>
+            <a:spLocks noGrp="1" noRot="1" noChangeAspect="1"/>
+          </p:cNvSpPr>
           <p:nvPr>
-            <p:ph idx="2" type="sldImg"/>
+            <p:ph type="sldImg" idx="2"/>
           </p:nvPr>
         </p:nvSpPr>
         <p:spPr>
@@ -931,9 +1044,13 @@
             <a:ext cx="6096000" cy="3429000"/>
           </a:xfrm>
           <a:custGeom>
-            <a:rect b="b" l="l" r="r" t="t"/>
+            <a:avLst/>
+            <a:gdLst/>
+            <a:ahLst/>
+            <a:cxnLst/>
+            <a:rect l="l" t="t" r="r" b="b"/>
             <a:pathLst>
-              <a:path extrusionOk="0" h="120000" w="120000">
+              <a:path w="120000" h="120000" extrusionOk="0">
                 <a:moveTo>
                   <a:pt x="0" y="0"/>
                 </a:moveTo>
@@ -954,10 +1071,12 @@
       </p:sp>
       <p:sp>
         <p:nvSpPr>
-          <p:cNvPr id="120" name="Google Shape;120;g8c5542cac0_0_154:notes"/>
-          <p:cNvSpPr txBox="1"/>
+          <p:cNvPr id="129" name="Google Shape;129;g8c5542cac0_0_110:notes"/>
+          <p:cNvSpPr txBox="1">
+            <a:spLocks noGrp="1"/>
+          </p:cNvSpPr>
           <p:nvPr>
-            <p:ph idx="1" type="body"/>
+            <p:ph type="body" idx="1"/>
           </p:nvPr>
         </p:nvSpPr>
         <p:spPr>
@@ -970,23 +1089,20 @@
           </a:prstGeom>
         </p:spPr>
         <p:txBody>
-          <a:bodyPr anchorCtr="0" anchor="t" bIns="91425" lIns="91425" spcFirstLastPara="1" rIns="91425" wrap="square" tIns="91425">
+          <a:bodyPr spcFirstLastPara="1" wrap="square" lIns="91425" tIns="91425" rIns="91425" bIns="91425" anchor="t" anchorCtr="0">
             <a:noAutofit/>
           </a:bodyPr>
           <a:lstStyle/>
           <a:p>
-            <a:pPr indent="0" lvl="0" marL="0" rtl="0" algn="l">
-              <a:spcBef>
-                <a:spcPts val="0"/>
-              </a:spcBef>
-              <a:spcAft>
-                <a:spcPts val="0"/>
-              </a:spcAft>
-              <a:buNone/>
-            </a:pPr>
-            <a:r>
-              <a:t/>
-            </a:r>
+            <a:pPr marL="0" lvl="0" indent="0" algn="l" rtl="0">
+              <a:spcBef>
+                <a:spcPts val="0"/>
+              </a:spcBef>
+              <a:spcAft>
+                <a:spcPts val="0"/>
+              </a:spcAft>
+              <a:buNone/>
+            </a:pPr>
             <a:endParaRPr/>
           </a:p>
         </p:txBody>
@@ -999,12 +1115,12 @@
 </p:notes>
 </file>
 
-<file path=ppt/notesSlides/notesSlide12.xml><?xml version="1.0" encoding="utf-8"?>
-<p:notes xmlns:a="http://schemas.openxmlformats.org/drawingml/2006/main" xmlns:r="http://schemas.openxmlformats.org/officeDocument/2006/relationships" xmlns:mc="http://schemas.openxmlformats.org/markup-compatibility/2006" xmlns:mv="urn:schemas-microsoft-com:mac:vml" xmlns:p="http://schemas.openxmlformats.org/presentationml/2006/main" xmlns:c="http://schemas.openxmlformats.org/drawingml/2006/chart" xmlns:dgm="http://schemas.openxmlformats.org/drawingml/2006/diagram" xmlns:o="urn:schemas-microsoft-com:office:office" xmlns:v="urn:schemas-microsoft-com:vml" xmlns:pvml="urn:schemas-microsoft-com:office:powerpoint" xmlns:com="http://schemas.openxmlformats.org/drawingml/2006/compatibility" xmlns:p14="http://schemas.microsoft.com/office/powerpoint/2010/main" xmlns:p15="http://schemas.microsoft.com/office/powerpoint/2012/main" showMasterPhAnim="0" showMasterSp="0">
+<file path=ppt/notesSlides/notesSlide13.xml><?xml version="1.0" encoding="utf-8"?>
+<p:notes xmlns:a="http://schemas.openxmlformats.org/drawingml/2006/main" xmlns:r="http://schemas.openxmlformats.org/officeDocument/2006/relationships" xmlns:p="http://schemas.openxmlformats.org/presentationml/2006/main" showMasterSp="0" showMasterPhAnim="0">
   <p:cSld>
     <p:spTree>
       <p:nvGrpSpPr>
-        <p:cNvPr id="127" name="Shape 127"/>
+        <p:cNvPr id="1" name="Shape 135"/>
         <p:cNvGrpSpPr/>
         <p:nvPr/>
       </p:nvGrpSpPr>
@@ -1018,10 +1134,12 @@
       </p:grpSpPr>
       <p:sp>
         <p:nvSpPr>
-          <p:cNvPr id="128" name="Google Shape;128;g8c5542cac0_0_110:notes"/>
-          <p:cNvSpPr/>
+          <p:cNvPr id="136" name="Google Shape;136;g8c5542cac0_0_124:notes"/>
+          <p:cNvSpPr>
+            <a:spLocks noGrp="1" noRot="1" noChangeAspect="1"/>
+          </p:cNvSpPr>
           <p:nvPr>
-            <p:ph idx="2" type="sldImg"/>
+            <p:ph type="sldImg" idx="2"/>
           </p:nvPr>
         </p:nvSpPr>
         <p:spPr>
@@ -1030,9 +1148,13 @@
             <a:ext cx="6096000" cy="3429000"/>
           </a:xfrm>
           <a:custGeom>
-            <a:rect b="b" l="l" r="r" t="t"/>
+            <a:avLst/>
+            <a:gdLst/>
+            <a:ahLst/>
+            <a:cxnLst/>
+            <a:rect l="l" t="t" r="r" b="b"/>
             <a:pathLst>
-              <a:path extrusionOk="0" h="120000" w="120000">
+              <a:path w="120000" h="120000" extrusionOk="0">
                 <a:moveTo>
                   <a:pt x="0" y="0"/>
                 </a:moveTo>
@@ -1053,10 +1175,12 @@
       </p:sp>
       <p:sp>
         <p:nvSpPr>
-          <p:cNvPr id="129" name="Google Shape;129;g8c5542cac0_0_110:notes"/>
-          <p:cNvSpPr txBox="1"/>
+          <p:cNvPr id="137" name="Google Shape;137;g8c5542cac0_0_124:notes"/>
+          <p:cNvSpPr txBox="1">
+            <a:spLocks noGrp="1"/>
+          </p:cNvSpPr>
           <p:nvPr>
-            <p:ph idx="1" type="body"/>
+            <p:ph type="body" idx="1"/>
           </p:nvPr>
         </p:nvSpPr>
         <p:spPr>
@@ -1069,23 +1193,20 @@
           </a:prstGeom>
         </p:spPr>
         <p:txBody>
-          <a:bodyPr anchorCtr="0" anchor="t" bIns="91425" lIns="91425" spcFirstLastPara="1" rIns="91425" wrap="square" tIns="91425">
+          <a:bodyPr spcFirstLastPara="1" wrap="square" lIns="91425" tIns="91425" rIns="91425" bIns="91425" anchor="t" anchorCtr="0">
             <a:noAutofit/>
           </a:bodyPr>
           <a:lstStyle/>
           <a:p>
-            <a:pPr indent="0" lvl="0" marL="0" rtl="0" algn="l">
-              <a:spcBef>
-                <a:spcPts val="0"/>
-              </a:spcBef>
-              <a:spcAft>
-                <a:spcPts val="0"/>
-              </a:spcAft>
-              <a:buNone/>
-            </a:pPr>
-            <a:r>
-              <a:t/>
-            </a:r>
+            <a:pPr marL="0" lvl="0" indent="0" algn="l" rtl="0">
+              <a:spcBef>
+                <a:spcPts val="0"/>
+              </a:spcBef>
+              <a:spcAft>
+                <a:spcPts val="0"/>
+              </a:spcAft>
+              <a:buNone/>
+            </a:pPr>
             <a:endParaRPr/>
           </a:p>
         </p:txBody>
@@ -1098,12 +1219,12 @@
 </p:notes>
 </file>
 
-<file path=ppt/notesSlides/notesSlide13.xml><?xml version="1.0" encoding="utf-8"?>
-<p:notes xmlns:a="http://schemas.openxmlformats.org/drawingml/2006/main" xmlns:r="http://schemas.openxmlformats.org/officeDocument/2006/relationships" xmlns:mc="http://schemas.openxmlformats.org/markup-compatibility/2006" xmlns:mv="urn:schemas-microsoft-com:mac:vml" xmlns:p="http://schemas.openxmlformats.org/presentationml/2006/main" xmlns:c="http://schemas.openxmlformats.org/drawingml/2006/chart" xmlns:dgm="http://schemas.openxmlformats.org/drawingml/2006/diagram" xmlns:o="urn:schemas-microsoft-com:office:office" xmlns:v="urn:schemas-microsoft-com:vml" xmlns:pvml="urn:schemas-microsoft-com:office:powerpoint" xmlns:com="http://schemas.openxmlformats.org/drawingml/2006/compatibility" xmlns:p14="http://schemas.microsoft.com/office/powerpoint/2010/main" xmlns:p15="http://schemas.microsoft.com/office/powerpoint/2012/main" showMasterPhAnim="0" showMasterSp="0">
+<file path=ppt/notesSlides/notesSlide14.xml><?xml version="1.0" encoding="utf-8"?>
+<p:notes xmlns:a="http://schemas.openxmlformats.org/drawingml/2006/main" xmlns:r="http://schemas.openxmlformats.org/officeDocument/2006/relationships" xmlns:p="http://schemas.openxmlformats.org/presentationml/2006/main" showMasterSp="0" showMasterPhAnim="0">
   <p:cSld>
     <p:spTree>
       <p:nvGrpSpPr>
-        <p:cNvPr id="135" name="Shape 135"/>
+        <p:cNvPr id="1" name="Shape 142"/>
         <p:cNvGrpSpPr/>
         <p:nvPr/>
       </p:nvGrpSpPr>
@@ -1117,10 +1238,12 @@
       </p:grpSpPr>
       <p:sp>
         <p:nvSpPr>
-          <p:cNvPr id="136" name="Google Shape;136;g8c5542cac0_0_124:notes"/>
-          <p:cNvSpPr/>
+          <p:cNvPr id="143" name="Google Shape;143;g8c5542cac0_0_130:notes"/>
+          <p:cNvSpPr>
+            <a:spLocks noGrp="1" noRot="1" noChangeAspect="1"/>
+          </p:cNvSpPr>
           <p:nvPr>
-            <p:ph idx="2" type="sldImg"/>
+            <p:ph type="sldImg" idx="2"/>
           </p:nvPr>
         </p:nvSpPr>
         <p:spPr>
@@ -1129,9 +1252,13 @@
             <a:ext cx="6096000" cy="3429000"/>
           </a:xfrm>
           <a:custGeom>
-            <a:rect b="b" l="l" r="r" t="t"/>
+            <a:avLst/>
+            <a:gdLst/>
+            <a:ahLst/>
+            <a:cxnLst/>
+            <a:rect l="l" t="t" r="r" b="b"/>
             <a:pathLst>
-              <a:path extrusionOk="0" h="120000" w="120000">
+              <a:path w="120000" h="120000" extrusionOk="0">
                 <a:moveTo>
                   <a:pt x="0" y="0"/>
                 </a:moveTo>
@@ -1152,10 +1279,12 @@
       </p:sp>
       <p:sp>
         <p:nvSpPr>
-          <p:cNvPr id="137" name="Google Shape;137;g8c5542cac0_0_124:notes"/>
-          <p:cNvSpPr txBox="1"/>
+          <p:cNvPr id="144" name="Google Shape;144;g8c5542cac0_0_130:notes"/>
+          <p:cNvSpPr txBox="1">
+            <a:spLocks noGrp="1"/>
+          </p:cNvSpPr>
           <p:nvPr>
-            <p:ph idx="1" type="body"/>
+            <p:ph type="body" idx="1"/>
           </p:nvPr>
         </p:nvSpPr>
         <p:spPr>
@@ -1168,23 +1297,20 @@
           </a:prstGeom>
         </p:spPr>
         <p:txBody>
-          <a:bodyPr anchorCtr="0" anchor="t" bIns="91425" lIns="91425" spcFirstLastPara="1" rIns="91425" wrap="square" tIns="91425">
+          <a:bodyPr spcFirstLastPara="1" wrap="square" lIns="91425" tIns="91425" rIns="91425" bIns="91425" anchor="t" anchorCtr="0">
             <a:noAutofit/>
           </a:bodyPr>
           <a:lstStyle/>
           <a:p>
-            <a:pPr indent="0" lvl="0" marL="0" rtl="0" algn="l">
-              <a:spcBef>
-                <a:spcPts val="0"/>
-              </a:spcBef>
-              <a:spcAft>
-                <a:spcPts val="0"/>
-              </a:spcAft>
-              <a:buNone/>
-            </a:pPr>
-            <a:r>
-              <a:t/>
-            </a:r>
+            <a:pPr marL="0" lvl="0" indent="0" algn="l" rtl="0">
+              <a:spcBef>
+                <a:spcPts val="0"/>
+              </a:spcBef>
+              <a:spcAft>
+                <a:spcPts val="0"/>
+              </a:spcAft>
+              <a:buNone/>
+            </a:pPr>
             <a:endParaRPr/>
           </a:p>
         </p:txBody>
@@ -1197,12 +1323,12 @@
 </p:notes>
 </file>
 
-<file path=ppt/notesSlides/notesSlide14.xml><?xml version="1.0" encoding="utf-8"?>
-<p:notes xmlns:a="http://schemas.openxmlformats.org/drawingml/2006/main" xmlns:r="http://schemas.openxmlformats.org/officeDocument/2006/relationships" xmlns:mc="http://schemas.openxmlformats.org/markup-compatibility/2006" xmlns:mv="urn:schemas-microsoft-com:mac:vml" xmlns:p="http://schemas.openxmlformats.org/presentationml/2006/main" xmlns:c="http://schemas.openxmlformats.org/drawingml/2006/chart" xmlns:dgm="http://schemas.openxmlformats.org/drawingml/2006/diagram" xmlns:o="urn:schemas-microsoft-com:office:office" xmlns:v="urn:schemas-microsoft-com:vml" xmlns:pvml="urn:schemas-microsoft-com:office:powerpoint" xmlns:com="http://schemas.openxmlformats.org/drawingml/2006/compatibility" xmlns:p14="http://schemas.microsoft.com/office/powerpoint/2010/main" xmlns:p15="http://schemas.microsoft.com/office/powerpoint/2012/main" showMasterPhAnim="0" showMasterSp="0">
+<file path=ppt/notesSlides/notesSlide15.xml><?xml version="1.0" encoding="utf-8"?>
+<p:notes xmlns:a="http://schemas.openxmlformats.org/drawingml/2006/main" xmlns:r="http://schemas.openxmlformats.org/officeDocument/2006/relationships" xmlns:p="http://schemas.openxmlformats.org/presentationml/2006/main" showMasterSp="0" showMasterPhAnim="0">
   <p:cSld>
     <p:spTree>
       <p:nvGrpSpPr>
-        <p:cNvPr id="142" name="Shape 142"/>
+        <p:cNvPr id="1" name="Shape 149"/>
         <p:cNvGrpSpPr/>
         <p:nvPr/>
       </p:nvGrpSpPr>
@@ -1216,10 +1342,12 @@
       </p:grpSpPr>
       <p:sp>
         <p:nvSpPr>
-          <p:cNvPr id="143" name="Google Shape;143;g8c5542cac0_0_130:notes"/>
-          <p:cNvSpPr/>
+          <p:cNvPr id="150" name="Google Shape;150;g8c5542cac0_0_137:notes"/>
+          <p:cNvSpPr>
+            <a:spLocks noGrp="1" noRot="1" noChangeAspect="1"/>
+          </p:cNvSpPr>
           <p:nvPr>
-            <p:ph idx="2" type="sldImg"/>
+            <p:ph type="sldImg" idx="2"/>
           </p:nvPr>
         </p:nvSpPr>
         <p:spPr>
@@ -1228,9 +1356,13 @@
             <a:ext cx="6096000" cy="3429000"/>
           </a:xfrm>
           <a:custGeom>
-            <a:rect b="b" l="l" r="r" t="t"/>
+            <a:avLst/>
+            <a:gdLst/>
+            <a:ahLst/>
+            <a:cxnLst/>
+            <a:rect l="l" t="t" r="r" b="b"/>
             <a:pathLst>
-              <a:path extrusionOk="0" h="120000" w="120000">
+              <a:path w="120000" h="120000" extrusionOk="0">
                 <a:moveTo>
                   <a:pt x="0" y="0"/>
                 </a:moveTo>
@@ -1251,10 +1383,12 @@
       </p:sp>
       <p:sp>
         <p:nvSpPr>
-          <p:cNvPr id="144" name="Google Shape;144;g8c5542cac0_0_130:notes"/>
-          <p:cNvSpPr txBox="1"/>
+          <p:cNvPr id="151" name="Google Shape;151;g8c5542cac0_0_137:notes"/>
+          <p:cNvSpPr txBox="1">
+            <a:spLocks noGrp="1"/>
+          </p:cNvSpPr>
           <p:nvPr>
-            <p:ph idx="1" type="body"/>
+            <p:ph type="body" idx="1"/>
           </p:nvPr>
         </p:nvSpPr>
         <p:spPr>
@@ -1267,23 +1401,20 @@
           </a:prstGeom>
         </p:spPr>
         <p:txBody>
-          <a:bodyPr anchorCtr="0" anchor="t" bIns="91425" lIns="91425" spcFirstLastPara="1" rIns="91425" wrap="square" tIns="91425">
+          <a:bodyPr spcFirstLastPara="1" wrap="square" lIns="91425" tIns="91425" rIns="91425" bIns="91425" anchor="t" anchorCtr="0">
             <a:noAutofit/>
           </a:bodyPr>
           <a:lstStyle/>
           <a:p>
-            <a:pPr indent="0" lvl="0" marL="0" rtl="0" algn="l">
-              <a:spcBef>
-                <a:spcPts val="0"/>
-              </a:spcBef>
-              <a:spcAft>
-                <a:spcPts val="0"/>
-              </a:spcAft>
-              <a:buNone/>
-            </a:pPr>
-            <a:r>
-              <a:t/>
-            </a:r>
+            <a:pPr marL="0" lvl="0" indent="0" algn="l" rtl="0">
+              <a:spcBef>
+                <a:spcPts val="0"/>
+              </a:spcBef>
+              <a:spcAft>
+                <a:spcPts val="0"/>
+              </a:spcAft>
+              <a:buNone/>
+            </a:pPr>
             <a:endParaRPr/>
           </a:p>
         </p:txBody>
@@ -1296,12 +1427,12 @@
 </p:notes>
 </file>
 
-<file path=ppt/notesSlides/notesSlide15.xml><?xml version="1.0" encoding="utf-8"?>
-<p:notes xmlns:a="http://schemas.openxmlformats.org/drawingml/2006/main" xmlns:r="http://schemas.openxmlformats.org/officeDocument/2006/relationships" xmlns:mc="http://schemas.openxmlformats.org/markup-compatibility/2006" xmlns:mv="urn:schemas-microsoft-com:mac:vml" xmlns:p="http://schemas.openxmlformats.org/presentationml/2006/main" xmlns:c="http://schemas.openxmlformats.org/drawingml/2006/chart" xmlns:dgm="http://schemas.openxmlformats.org/drawingml/2006/diagram" xmlns:o="urn:schemas-microsoft-com:office:office" xmlns:v="urn:schemas-microsoft-com:vml" xmlns:pvml="urn:schemas-microsoft-com:office:powerpoint" xmlns:com="http://schemas.openxmlformats.org/drawingml/2006/compatibility" xmlns:p14="http://schemas.microsoft.com/office/powerpoint/2010/main" xmlns:p15="http://schemas.microsoft.com/office/powerpoint/2012/main" showMasterPhAnim="0" showMasterSp="0">
+<file path=ppt/notesSlides/notesSlide16.xml><?xml version="1.0" encoding="utf-8"?>
+<p:notes xmlns:a="http://schemas.openxmlformats.org/drawingml/2006/main" xmlns:r="http://schemas.openxmlformats.org/officeDocument/2006/relationships" xmlns:p="http://schemas.openxmlformats.org/presentationml/2006/main" showMasterSp="0" showMasterPhAnim="0">
   <p:cSld>
     <p:spTree>
       <p:nvGrpSpPr>
-        <p:cNvPr id="149" name="Shape 149"/>
+        <p:cNvPr id="1" name="Shape 155"/>
         <p:cNvGrpSpPr/>
         <p:nvPr/>
       </p:nvGrpSpPr>
@@ -1315,10 +1446,12 @@
       </p:grpSpPr>
       <p:sp>
         <p:nvSpPr>
-          <p:cNvPr id="150" name="Google Shape;150;g8c5542cac0_0_137:notes"/>
-          <p:cNvSpPr/>
+          <p:cNvPr id="156" name="Google Shape;156;g8c5542cac0_0_142:notes"/>
+          <p:cNvSpPr>
+            <a:spLocks noGrp="1" noRot="1" noChangeAspect="1"/>
+          </p:cNvSpPr>
           <p:nvPr>
-            <p:ph idx="2" type="sldImg"/>
+            <p:ph type="sldImg" idx="2"/>
           </p:nvPr>
         </p:nvSpPr>
         <p:spPr>
@@ -1327,9 +1460,13 @@
             <a:ext cx="6096000" cy="3429000"/>
           </a:xfrm>
           <a:custGeom>
-            <a:rect b="b" l="l" r="r" t="t"/>
+            <a:avLst/>
+            <a:gdLst/>
+            <a:ahLst/>
+            <a:cxnLst/>
+            <a:rect l="l" t="t" r="r" b="b"/>
             <a:pathLst>
-              <a:path extrusionOk="0" h="120000" w="120000">
+              <a:path w="120000" h="120000" extrusionOk="0">
                 <a:moveTo>
                   <a:pt x="0" y="0"/>
                 </a:moveTo>
@@ -1350,10 +1487,12 @@
       </p:sp>
       <p:sp>
         <p:nvSpPr>
-          <p:cNvPr id="151" name="Google Shape;151;g8c5542cac0_0_137:notes"/>
-          <p:cNvSpPr txBox="1"/>
+          <p:cNvPr id="157" name="Google Shape;157;g8c5542cac0_0_142:notes"/>
+          <p:cNvSpPr txBox="1">
+            <a:spLocks noGrp="1"/>
+          </p:cNvSpPr>
           <p:nvPr>
-            <p:ph idx="1" type="body"/>
+            <p:ph type="body" idx="1"/>
           </p:nvPr>
         </p:nvSpPr>
         <p:spPr>
@@ -1366,23 +1505,20 @@
           </a:prstGeom>
         </p:spPr>
         <p:txBody>
-          <a:bodyPr anchorCtr="0" anchor="t" bIns="91425" lIns="91425" spcFirstLastPara="1" rIns="91425" wrap="square" tIns="91425">
+          <a:bodyPr spcFirstLastPara="1" wrap="square" lIns="91425" tIns="91425" rIns="91425" bIns="91425" anchor="t" anchorCtr="0">
             <a:noAutofit/>
           </a:bodyPr>
           <a:lstStyle/>
           <a:p>
-            <a:pPr indent="0" lvl="0" marL="0" rtl="0" algn="l">
-              <a:spcBef>
-                <a:spcPts val="0"/>
-              </a:spcBef>
-              <a:spcAft>
-                <a:spcPts val="0"/>
-              </a:spcAft>
-              <a:buNone/>
-            </a:pPr>
-            <a:r>
-              <a:t/>
-            </a:r>
+            <a:pPr marL="0" lvl="0" indent="0" algn="l" rtl="0">
+              <a:spcBef>
+                <a:spcPts val="0"/>
+              </a:spcBef>
+              <a:spcAft>
+                <a:spcPts val="0"/>
+              </a:spcAft>
+              <a:buNone/>
+            </a:pPr>
             <a:endParaRPr/>
           </a:p>
         </p:txBody>
@@ -1395,12 +1531,12 @@
 </p:notes>
 </file>
 
-<file path=ppt/notesSlides/notesSlide16.xml><?xml version="1.0" encoding="utf-8"?>
-<p:notes xmlns:a="http://schemas.openxmlformats.org/drawingml/2006/main" xmlns:r="http://schemas.openxmlformats.org/officeDocument/2006/relationships" xmlns:mc="http://schemas.openxmlformats.org/markup-compatibility/2006" xmlns:mv="urn:schemas-microsoft-com:mac:vml" xmlns:p="http://schemas.openxmlformats.org/presentationml/2006/main" xmlns:c="http://schemas.openxmlformats.org/drawingml/2006/chart" xmlns:dgm="http://schemas.openxmlformats.org/drawingml/2006/diagram" xmlns:o="urn:schemas-microsoft-com:office:office" xmlns:v="urn:schemas-microsoft-com:vml" xmlns:pvml="urn:schemas-microsoft-com:office:powerpoint" xmlns:com="http://schemas.openxmlformats.org/drawingml/2006/compatibility" xmlns:p14="http://schemas.microsoft.com/office/powerpoint/2010/main" xmlns:p15="http://schemas.microsoft.com/office/powerpoint/2012/main" showMasterPhAnim="0" showMasterSp="0">
+<file path=ppt/notesSlides/notesSlide17.xml><?xml version="1.0" encoding="utf-8"?>
+<p:notes xmlns:a="http://schemas.openxmlformats.org/drawingml/2006/main" xmlns:r="http://schemas.openxmlformats.org/officeDocument/2006/relationships" xmlns:p="http://schemas.openxmlformats.org/presentationml/2006/main" showMasterSp="0" showMasterPhAnim="0">
   <p:cSld>
     <p:spTree>
       <p:nvGrpSpPr>
-        <p:cNvPr id="155" name="Shape 155"/>
+        <p:cNvPr id="1" name="Shape 163"/>
         <p:cNvGrpSpPr/>
         <p:nvPr/>
       </p:nvGrpSpPr>
@@ -1414,10 +1550,12 @@
       </p:grpSpPr>
       <p:sp>
         <p:nvSpPr>
-          <p:cNvPr id="156" name="Google Shape;156;g8c5542cac0_0_142:notes"/>
-          <p:cNvSpPr/>
+          <p:cNvPr id="164" name="Google Shape;164;g8c5542cac0_0_149:notes"/>
+          <p:cNvSpPr>
+            <a:spLocks noGrp="1" noRot="1" noChangeAspect="1"/>
+          </p:cNvSpPr>
           <p:nvPr>
-            <p:ph idx="2" type="sldImg"/>
+            <p:ph type="sldImg" idx="2"/>
           </p:nvPr>
         </p:nvSpPr>
         <p:spPr>
@@ -1426,9 +1564,13 @@
             <a:ext cx="6096000" cy="3429000"/>
           </a:xfrm>
           <a:custGeom>
-            <a:rect b="b" l="l" r="r" t="t"/>
+            <a:avLst/>
+            <a:gdLst/>
+            <a:ahLst/>
+            <a:cxnLst/>
+            <a:rect l="l" t="t" r="r" b="b"/>
             <a:pathLst>
-              <a:path extrusionOk="0" h="120000" w="120000">
+              <a:path w="120000" h="120000" extrusionOk="0">
                 <a:moveTo>
                   <a:pt x="0" y="0"/>
                 </a:moveTo>
@@ -1449,10 +1591,12 @@
       </p:sp>
       <p:sp>
         <p:nvSpPr>
-          <p:cNvPr id="157" name="Google Shape;157;g8c5542cac0_0_142:notes"/>
-          <p:cNvSpPr txBox="1"/>
+          <p:cNvPr id="165" name="Google Shape;165;g8c5542cac0_0_149:notes"/>
+          <p:cNvSpPr txBox="1">
+            <a:spLocks noGrp="1"/>
+          </p:cNvSpPr>
           <p:nvPr>
-            <p:ph idx="1" type="body"/>
+            <p:ph type="body" idx="1"/>
           </p:nvPr>
         </p:nvSpPr>
         <p:spPr>
@@ -1465,23 +1609,20 @@
           </a:prstGeom>
         </p:spPr>
         <p:txBody>
-          <a:bodyPr anchorCtr="0" anchor="t" bIns="91425" lIns="91425" spcFirstLastPara="1" rIns="91425" wrap="square" tIns="91425">
+          <a:bodyPr spcFirstLastPara="1" wrap="square" lIns="91425" tIns="91425" rIns="91425" bIns="91425" anchor="t" anchorCtr="0">
             <a:noAutofit/>
           </a:bodyPr>
           <a:lstStyle/>
           <a:p>
-            <a:pPr indent="0" lvl="0" marL="0" rtl="0" algn="l">
-              <a:spcBef>
-                <a:spcPts val="0"/>
-              </a:spcBef>
-              <a:spcAft>
-                <a:spcPts val="0"/>
-              </a:spcAft>
-              <a:buNone/>
-            </a:pPr>
-            <a:r>
-              <a:t/>
-            </a:r>
+            <a:pPr marL="0" lvl="0" indent="0" algn="l" rtl="0">
+              <a:spcBef>
+                <a:spcPts val="0"/>
+              </a:spcBef>
+              <a:spcAft>
+                <a:spcPts val="0"/>
+              </a:spcAft>
+              <a:buNone/>
+            </a:pPr>
             <a:endParaRPr/>
           </a:p>
         </p:txBody>
@@ -1494,12 +1635,12 @@
 </p:notes>
 </file>
 
-<file path=ppt/notesSlides/notesSlide17.xml><?xml version="1.0" encoding="utf-8"?>
-<p:notes xmlns:a="http://schemas.openxmlformats.org/drawingml/2006/main" xmlns:r="http://schemas.openxmlformats.org/officeDocument/2006/relationships" xmlns:mc="http://schemas.openxmlformats.org/markup-compatibility/2006" xmlns:mv="urn:schemas-microsoft-com:mac:vml" xmlns:p="http://schemas.openxmlformats.org/presentationml/2006/main" xmlns:c="http://schemas.openxmlformats.org/drawingml/2006/chart" xmlns:dgm="http://schemas.openxmlformats.org/drawingml/2006/diagram" xmlns:o="urn:schemas-microsoft-com:office:office" xmlns:v="urn:schemas-microsoft-com:vml" xmlns:pvml="urn:schemas-microsoft-com:office:powerpoint" xmlns:com="http://schemas.openxmlformats.org/drawingml/2006/compatibility" xmlns:p14="http://schemas.microsoft.com/office/powerpoint/2010/main" xmlns:p15="http://schemas.microsoft.com/office/powerpoint/2012/main" showMasterPhAnim="0" showMasterSp="0">
+<file path=ppt/notesSlides/notesSlide2.xml><?xml version="1.0" encoding="utf-8"?>
+<p:notes xmlns:a="http://schemas.openxmlformats.org/drawingml/2006/main" xmlns:r="http://schemas.openxmlformats.org/officeDocument/2006/relationships" xmlns:p="http://schemas.openxmlformats.org/presentationml/2006/main" showMasterSp="0" showMasterPhAnim="0">
   <p:cSld>
     <p:spTree>
       <p:nvGrpSpPr>
-        <p:cNvPr id="163" name="Shape 163"/>
+        <p:cNvPr id="1" name="Shape 56"/>
         <p:cNvGrpSpPr/>
         <p:nvPr/>
       </p:nvGrpSpPr>
@@ -1513,10 +1654,12 @@
       </p:grpSpPr>
       <p:sp>
         <p:nvSpPr>
-          <p:cNvPr id="164" name="Google Shape;164;g8c5542cac0_0_149:notes"/>
-          <p:cNvSpPr/>
+          <p:cNvPr id="57" name="Google Shape;57;g8c5542cac0_0_0:notes"/>
+          <p:cNvSpPr>
+            <a:spLocks noGrp="1" noRot="1" noChangeAspect="1"/>
+          </p:cNvSpPr>
           <p:nvPr>
-            <p:ph idx="2" type="sldImg"/>
+            <p:ph type="sldImg" idx="2"/>
           </p:nvPr>
         </p:nvSpPr>
         <p:spPr>
@@ -1525,9 +1668,13 @@
             <a:ext cx="6096000" cy="3429000"/>
           </a:xfrm>
           <a:custGeom>
-            <a:rect b="b" l="l" r="r" t="t"/>
+            <a:avLst/>
+            <a:gdLst/>
+            <a:ahLst/>
+            <a:cxnLst/>
+            <a:rect l="l" t="t" r="r" b="b"/>
             <a:pathLst>
-              <a:path extrusionOk="0" h="120000" w="120000">
+              <a:path w="120000" h="120000" extrusionOk="0">
                 <a:moveTo>
                   <a:pt x="0" y="0"/>
                 </a:moveTo>
@@ -1548,10 +1695,12 @@
       </p:sp>
       <p:sp>
         <p:nvSpPr>
-          <p:cNvPr id="165" name="Google Shape;165;g8c5542cac0_0_149:notes"/>
-          <p:cNvSpPr txBox="1"/>
+          <p:cNvPr id="58" name="Google Shape;58;g8c5542cac0_0_0:notes"/>
+          <p:cNvSpPr txBox="1">
+            <a:spLocks noGrp="1"/>
+          </p:cNvSpPr>
           <p:nvPr>
-            <p:ph idx="1" type="body"/>
+            <p:ph type="body" idx="1"/>
           </p:nvPr>
         </p:nvSpPr>
         <p:spPr>
@@ -1564,23 +1713,20 @@
           </a:prstGeom>
         </p:spPr>
         <p:txBody>
-          <a:bodyPr anchorCtr="0" anchor="t" bIns="91425" lIns="91425" spcFirstLastPara="1" rIns="91425" wrap="square" tIns="91425">
+          <a:bodyPr spcFirstLastPara="1" wrap="square" lIns="91425" tIns="91425" rIns="91425" bIns="91425" anchor="t" anchorCtr="0">
             <a:noAutofit/>
           </a:bodyPr>
           <a:lstStyle/>
           <a:p>
-            <a:pPr indent="0" lvl="0" marL="0" rtl="0" algn="l">
-              <a:spcBef>
-                <a:spcPts val="0"/>
-              </a:spcBef>
-              <a:spcAft>
-                <a:spcPts val="0"/>
-              </a:spcAft>
-              <a:buNone/>
-            </a:pPr>
-            <a:r>
-              <a:t/>
-            </a:r>
+            <a:pPr marL="0" lvl="0" indent="0" algn="l" rtl="0">
+              <a:spcBef>
+                <a:spcPts val="0"/>
+              </a:spcBef>
+              <a:spcAft>
+                <a:spcPts val="0"/>
+              </a:spcAft>
+              <a:buNone/>
+            </a:pPr>
             <a:endParaRPr/>
           </a:p>
         </p:txBody>
@@ -1593,12 +1739,12 @@
 </p:notes>
 </file>
 
-<file path=ppt/notesSlides/notesSlide2.xml><?xml version="1.0" encoding="utf-8"?>
-<p:notes xmlns:a="http://schemas.openxmlformats.org/drawingml/2006/main" xmlns:r="http://schemas.openxmlformats.org/officeDocument/2006/relationships" xmlns:mc="http://schemas.openxmlformats.org/markup-compatibility/2006" xmlns:mv="urn:schemas-microsoft-com:mac:vml" xmlns:p="http://schemas.openxmlformats.org/presentationml/2006/main" xmlns:c="http://schemas.openxmlformats.org/drawingml/2006/chart" xmlns:dgm="http://schemas.openxmlformats.org/drawingml/2006/diagram" xmlns:o="urn:schemas-microsoft-com:office:office" xmlns:v="urn:schemas-microsoft-com:vml" xmlns:pvml="urn:schemas-microsoft-com:office:powerpoint" xmlns:com="http://schemas.openxmlformats.org/drawingml/2006/compatibility" xmlns:p14="http://schemas.microsoft.com/office/powerpoint/2010/main" xmlns:p15="http://schemas.microsoft.com/office/powerpoint/2012/main" showMasterPhAnim="0" showMasterSp="0">
+<file path=ppt/notesSlides/notesSlide3.xml><?xml version="1.0" encoding="utf-8"?>
+<p:notes xmlns:a="http://schemas.openxmlformats.org/drawingml/2006/main" xmlns:r="http://schemas.openxmlformats.org/officeDocument/2006/relationships" xmlns:p="http://schemas.openxmlformats.org/presentationml/2006/main" showMasterSp="0" showMasterPhAnim="0">
   <p:cSld>
     <p:spTree>
       <p:nvGrpSpPr>
-        <p:cNvPr id="56" name="Shape 56"/>
+        <p:cNvPr id="1" name="Shape 62"/>
         <p:cNvGrpSpPr/>
         <p:nvPr/>
       </p:nvGrpSpPr>
@@ -1612,10 +1758,12 @@
       </p:grpSpPr>
       <p:sp>
         <p:nvSpPr>
-          <p:cNvPr id="57" name="Google Shape;57;g8c5542cac0_0_0:notes"/>
-          <p:cNvSpPr/>
+          <p:cNvPr id="63" name="Google Shape;63;g8c5542cac0_0_10:notes"/>
+          <p:cNvSpPr>
+            <a:spLocks noGrp="1" noRot="1" noChangeAspect="1"/>
+          </p:cNvSpPr>
           <p:nvPr>
-            <p:ph idx="2" type="sldImg"/>
+            <p:ph type="sldImg" idx="2"/>
           </p:nvPr>
         </p:nvSpPr>
         <p:spPr>
@@ -1624,9 +1772,13 @@
             <a:ext cx="6096000" cy="3429000"/>
           </a:xfrm>
           <a:custGeom>
-            <a:rect b="b" l="l" r="r" t="t"/>
+            <a:avLst/>
+            <a:gdLst/>
+            <a:ahLst/>
+            <a:cxnLst/>
+            <a:rect l="l" t="t" r="r" b="b"/>
             <a:pathLst>
-              <a:path extrusionOk="0" h="120000" w="120000">
+              <a:path w="120000" h="120000" extrusionOk="0">
                 <a:moveTo>
                   <a:pt x="0" y="0"/>
                 </a:moveTo>
@@ -1647,10 +1799,12 @@
       </p:sp>
       <p:sp>
         <p:nvSpPr>
-          <p:cNvPr id="58" name="Google Shape;58;g8c5542cac0_0_0:notes"/>
-          <p:cNvSpPr txBox="1"/>
+          <p:cNvPr id="64" name="Google Shape;64;g8c5542cac0_0_10:notes"/>
+          <p:cNvSpPr txBox="1">
+            <a:spLocks noGrp="1"/>
+          </p:cNvSpPr>
           <p:nvPr>
-            <p:ph idx="1" type="body"/>
+            <p:ph type="body" idx="1"/>
           </p:nvPr>
         </p:nvSpPr>
         <p:spPr>
@@ -1663,23 +1817,20 @@
           </a:prstGeom>
         </p:spPr>
         <p:txBody>
-          <a:bodyPr anchorCtr="0" anchor="t" bIns="91425" lIns="91425" spcFirstLastPara="1" rIns="91425" wrap="square" tIns="91425">
+          <a:bodyPr spcFirstLastPara="1" wrap="square" lIns="91425" tIns="91425" rIns="91425" bIns="91425" anchor="t" anchorCtr="0">
             <a:noAutofit/>
           </a:bodyPr>
           <a:lstStyle/>
           <a:p>
-            <a:pPr indent="0" lvl="0" marL="0" rtl="0" algn="l">
-              <a:spcBef>
-                <a:spcPts val="0"/>
-              </a:spcBef>
-              <a:spcAft>
-                <a:spcPts val="0"/>
-              </a:spcAft>
-              <a:buNone/>
-            </a:pPr>
-            <a:r>
-              <a:t/>
-            </a:r>
+            <a:pPr marL="0" lvl="0" indent="0" algn="l" rtl="0">
+              <a:spcBef>
+                <a:spcPts val="0"/>
+              </a:spcBef>
+              <a:spcAft>
+                <a:spcPts val="0"/>
+              </a:spcAft>
+              <a:buNone/>
+            </a:pPr>
             <a:endParaRPr/>
           </a:p>
         </p:txBody>
@@ -1692,12 +1843,12 @@
 </p:notes>
 </file>
 
-<file path=ppt/notesSlides/notesSlide3.xml><?xml version="1.0" encoding="utf-8"?>
-<p:notes xmlns:a="http://schemas.openxmlformats.org/drawingml/2006/main" xmlns:r="http://schemas.openxmlformats.org/officeDocument/2006/relationships" xmlns:mc="http://schemas.openxmlformats.org/markup-compatibility/2006" xmlns:mv="urn:schemas-microsoft-com:mac:vml" xmlns:p="http://schemas.openxmlformats.org/presentationml/2006/main" xmlns:c="http://schemas.openxmlformats.org/drawingml/2006/chart" xmlns:dgm="http://schemas.openxmlformats.org/drawingml/2006/diagram" xmlns:o="urn:schemas-microsoft-com:office:office" xmlns:v="urn:schemas-microsoft-com:vml" xmlns:pvml="urn:schemas-microsoft-com:office:powerpoint" xmlns:com="http://schemas.openxmlformats.org/drawingml/2006/compatibility" xmlns:p14="http://schemas.microsoft.com/office/powerpoint/2010/main" xmlns:p15="http://schemas.microsoft.com/office/powerpoint/2012/main" showMasterPhAnim="0" showMasterSp="0">
+<file path=ppt/notesSlides/notesSlide4.xml><?xml version="1.0" encoding="utf-8"?>
+<p:notes xmlns:a="http://schemas.openxmlformats.org/drawingml/2006/main" xmlns:r="http://schemas.openxmlformats.org/officeDocument/2006/relationships" xmlns:p="http://schemas.openxmlformats.org/presentationml/2006/main" showMasterSp="0" showMasterPhAnim="0">
   <p:cSld>
     <p:spTree>
       <p:nvGrpSpPr>
-        <p:cNvPr id="62" name="Shape 62"/>
+        <p:cNvPr id="1" name="Shape 68"/>
         <p:cNvGrpSpPr/>
         <p:nvPr/>
       </p:nvGrpSpPr>
@@ -1711,10 +1862,12 @@
       </p:grpSpPr>
       <p:sp>
         <p:nvSpPr>
-          <p:cNvPr id="63" name="Google Shape;63;g8c5542cac0_0_10:notes"/>
-          <p:cNvSpPr/>
+          <p:cNvPr id="69" name="Google Shape;69;g8c5542cac0_0_117:notes"/>
+          <p:cNvSpPr>
+            <a:spLocks noGrp="1" noRot="1" noChangeAspect="1"/>
+          </p:cNvSpPr>
           <p:nvPr>
-            <p:ph idx="2" type="sldImg"/>
+            <p:ph type="sldImg" idx="2"/>
           </p:nvPr>
         </p:nvSpPr>
         <p:spPr>
@@ -1723,9 +1876,13 @@
             <a:ext cx="6096000" cy="3429000"/>
           </a:xfrm>
           <a:custGeom>
-            <a:rect b="b" l="l" r="r" t="t"/>
+            <a:avLst/>
+            <a:gdLst/>
+            <a:ahLst/>
+            <a:cxnLst/>
+            <a:rect l="l" t="t" r="r" b="b"/>
             <a:pathLst>
-              <a:path extrusionOk="0" h="120000" w="120000">
+              <a:path w="120000" h="120000" extrusionOk="0">
                 <a:moveTo>
                   <a:pt x="0" y="0"/>
                 </a:moveTo>
@@ -1746,10 +1903,12 @@
       </p:sp>
       <p:sp>
         <p:nvSpPr>
-          <p:cNvPr id="64" name="Google Shape;64;g8c5542cac0_0_10:notes"/>
-          <p:cNvSpPr txBox="1"/>
+          <p:cNvPr id="70" name="Google Shape;70;g8c5542cac0_0_117:notes"/>
+          <p:cNvSpPr txBox="1">
+            <a:spLocks noGrp="1"/>
+          </p:cNvSpPr>
           <p:nvPr>
-            <p:ph idx="1" type="body"/>
+            <p:ph type="body" idx="1"/>
           </p:nvPr>
         </p:nvSpPr>
         <p:spPr>
@@ -1762,23 +1921,20 @@
           </a:prstGeom>
         </p:spPr>
         <p:txBody>
-          <a:bodyPr anchorCtr="0" anchor="t" bIns="91425" lIns="91425" spcFirstLastPara="1" rIns="91425" wrap="square" tIns="91425">
+          <a:bodyPr spcFirstLastPara="1" wrap="square" lIns="91425" tIns="91425" rIns="91425" bIns="91425" anchor="t" anchorCtr="0">
             <a:noAutofit/>
           </a:bodyPr>
           <a:lstStyle/>
           <a:p>
-            <a:pPr indent="0" lvl="0" marL="0" rtl="0" algn="l">
-              <a:spcBef>
-                <a:spcPts val="0"/>
-              </a:spcBef>
-              <a:spcAft>
-                <a:spcPts val="0"/>
-              </a:spcAft>
-              <a:buNone/>
-            </a:pPr>
-            <a:r>
-              <a:t/>
-            </a:r>
+            <a:pPr marL="0" lvl="0" indent="0" algn="l" rtl="0">
+              <a:spcBef>
+                <a:spcPts val="0"/>
+              </a:spcBef>
+              <a:spcAft>
+                <a:spcPts val="0"/>
+              </a:spcAft>
+              <a:buNone/>
+            </a:pPr>
             <a:endParaRPr/>
           </a:p>
         </p:txBody>
@@ -1791,12 +1947,12 @@
 </p:notes>
 </file>
 
-<file path=ppt/notesSlides/notesSlide4.xml><?xml version="1.0" encoding="utf-8"?>
-<p:notes xmlns:a="http://schemas.openxmlformats.org/drawingml/2006/main" xmlns:r="http://schemas.openxmlformats.org/officeDocument/2006/relationships" xmlns:mc="http://schemas.openxmlformats.org/markup-compatibility/2006" xmlns:mv="urn:schemas-microsoft-com:mac:vml" xmlns:p="http://schemas.openxmlformats.org/presentationml/2006/main" xmlns:c="http://schemas.openxmlformats.org/drawingml/2006/chart" xmlns:dgm="http://schemas.openxmlformats.org/drawingml/2006/diagram" xmlns:o="urn:schemas-microsoft-com:office:office" xmlns:v="urn:schemas-microsoft-com:vml" xmlns:pvml="urn:schemas-microsoft-com:office:powerpoint" xmlns:com="http://schemas.openxmlformats.org/drawingml/2006/compatibility" xmlns:p14="http://schemas.microsoft.com/office/powerpoint/2010/main" xmlns:p15="http://schemas.microsoft.com/office/powerpoint/2012/main" showMasterPhAnim="0" showMasterSp="0">
+<file path=ppt/notesSlides/notesSlide5.xml><?xml version="1.0" encoding="utf-8"?>
+<p:notes xmlns:a="http://schemas.openxmlformats.org/drawingml/2006/main" xmlns:r="http://schemas.openxmlformats.org/officeDocument/2006/relationships" xmlns:p="http://schemas.openxmlformats.org/presentationml/2006/main" showMasterSp="0" showMasterPhAnim="0">
   <p:cSld>
     <p:spTree>
       <p:nvGrpSpPr>
-        <p:cNvPr id="68" name="Shape 68"/>
+        <p:cNvPr id="1" name="Shape 74"/>
         <p:cNvGrpSpPr/>
         <p:nvPr/>
       </p:nvGrpSpPr>
@@ -1810,10 +1966,12 @@
       </p:grpSpPr>
       <p:sp>
         <p:nvSpPr>
-          <p:cNvPr id="69" name="Google Shape;69;g8c5542cac0_0_117:notes"/>
-          <p:cNvSpPr/>
+          <p:cNvPr id="75" name="Google Shape;75;g8c5542cac0_0_66:notes"/>
+          <p:cNvSpPr>
+            <a:spLocks noGrp="1" noRot="1" noChangeAspect="1"/>
+          </p:cNvSpPr>
           <p:nvPr>
-            <p:ph idx="2" type="sldImg"/>
+            <p:ph type="sldImg" idx="2"/>
           </p:nvPr>
         </p:nvSpPr>
         <p:spPr>
@@ -1822,9 +1980,13 @@
             <a:ext cx="6096000" cy="3429000"/>
           </a:xfrm>
           <a:custGeom>
-            <a:rect b="b" l="l" r="r" t="t"/>
+            <a:avLst/>
+            <a:gdLst/>
+            <a:ahLst/>
+            <a:cxnLst/>
+            <a:rect l="l" t="t" r="r" b="b"/>
             <a:pathLst>
-              <a:path extrusionOk="0" h="120000" w="120000">
+              <a:path w="120000" h="120000" extrusionOk="0">
                 <a:moveTo>
                   <a:pt x="0" y="0"/>
                 </a:moveTo>
@@ -1845,10 +2007,12 @@
       </p:sp>
       <p:sp>
         <p:nvSpPr>
-          <p:cNvPr id="70" name="Google Shape;70;g8c5542cac0_0_117:notes"/>
-          <p:cNvSpPr txBox="1"/>
+          <p:cNvPr id="76" name="Google Shape;76;g8c5542cac0_0_66:notes"/>
+          <p:cNvSpPr txBox="1">
+            <a:spLocks noGrp="1"/>
+          </p:cNvSpPr>
           <p:nvPr>
-            <p:ph idx="1" type="body"/>
+            <p:ph type="body" idx="1"/>
           </p:nvPr>
         </p:nvSpPr>
         <p:spPr>
@@ -1861,23 +2025,20 @@
           </a:prstGeom>
         </p:spPr>
         <p:txBody>
-          <a:bodyPr anchorCtr="0" anchor="t" bIns="91425" lIns="91425" spcFirstLastPara="1" rIns="91425" wrap="square" tIns="91425">
+          <a:bodyPr spcFirstLastPara="1" wrap="square" lIns="91425" tIns="91425" rIns="91425" bIns="91425" anchor="t" anchorCtr="0">
             <a:noAutofit/>
           </a:bodyPr>
           <a:lstStyle/>
           <a:p>
-            <a:pPr indent="0" lvl="0" marL="0" rtl="0" algn="l">
-              <a:spcBef>
-                <a:spcPts val="0"/>
-              </a:spcBef>
-              <a:spcAft>
-                <a:spcPts val="0"/>
-              </a:spcAft>
-              <a:buNone/>
-            </a:pPr>
-            <a:r>
-              <a:t/>
-            </a:r>
+            <a:pPr marL="0" lvl="0" indent="0" algn="l" rtl="0">
+              <a:spcBef>
+                <a:spcPts val="0"/>
+              </a:spcBef>
+              <a:spcAft>
+                <a:spcPts val="0"/>
+              </a:spcAft>
+              <a:buNone/>
+            </a:pPr>
             <a:endParaRPr/>
           </a:p>
         </p:txBody>
@@ -1890,12 +2051,12 @@
 </p:notes>
 </file>
 
-<file path=ppt/notesSlides/notesSlide5.xml><?xml version="1.0" encoding="utf-8"?>
-<p:notes xmlns:a="http://schemas.openxmlformats.org/drawingml/2006/main" xmlns:r="http://schemas.openxmlformats.org/officeDocument/2006/relationships" xmlns:mc="http://schemas.openxmlformats.org/markup-compatibility/2006" xmlns:mv="urn:schemas-microsoft-com:mac:vml" xmlns:p="http://schemas.openxmlformats.org/presentationml/2006/main" xmlns:c="http://schemas.openxmlformats.org/drawingml/2006/chart" xmlns:dgm="http://schemas.openxmlformats.org/drawingml/2006/diagram" xmlns:o="urn:schemas-microsoft-com:office:office" xmlns:v="urn:schemas-microsoft-com:vml" xmlns:pvml="urn:schemas-microsoft-com:office:powerpoint" xmlns:com="http://schemas.openxmlformats.org/drawingml/2006/compatibility" xmlns:p14="http://schemas.microsoft.com/office/powerpoint/2010/main" xmlns:p15="http://schemas.microsoft.com/office/powerpoint/2012/main" showMasterPhAnim="0" showMasterSp="0">
+<file path=ppt/notesSlides/notesSlide6.xml><?xml version="1.0" encoding="utf-8"?>
+<p:notes xmlns:a="http://schemas.openxmlformats.org/drawingml/2006/main" xmlns:r="http://schemas.openxmlformats.org/officeDocument/2006/relationships" xmlns:p="http://schemas.openxmlformats.org/presentationml/2006/main" showMasterSp="0" showMasterPhAnim="0">
   <p:cSld>
     <p:spTree>
       <p:nvGrpSpPr>
-        <p:cNvPr id="74" name="Shape 74"/>
+        <p:cNvPr id="1" name="Shape 80"/>
         <p:cNvGrpSpPr/>
         <p:nvPr/>
       </p:nvGrpSpPr>
@@ -1909,10 +2070,12 @@
       </p:grpSpPr>
       <p:sp>
         <p:nvSpPr>
-          <p:cNvPr id="75" name="Google Shape;75;g8c5542cac0_0_66:notes"/>
-          <p:cNvSpPr/>
+          <p:cNvPr id="81" name="Google Shape;81;g8c5542cac0_0_73:notes"/>
+          <p:cNvSpPr>
+            <a:spLocks noGrp="1" noRot="1" noChangeAspect="1"/>
+          </p:cNvSpPr>
           <p:nvPr>
-            <p:ph idx="2" type="sldImg"/>
+            <p:ph type="sldImg" idx="2"/>
           </p:nvPr>
         </p:nvSpPr>
         <p:spPr>
@@ -1921,9 +2084,13 @@
             <a:ext cx="6096000" cy="3429000"/>
           </a:xfrm>
           <a:custGeom>
-            <a:rect b="b" l="l" r="r" t="t"/>
+            <a:avLst/>
+            <a:gdLst/>
+            <a:ahLst/>
+            <a:cxnLst/>
+            <a:rect l="l" t="t" r="r" b="b"/>
             <a:pathLst>
-              <a:path extrusionOk="0" h="120000" w="120000">
+              <a:path w="120000" h="120000" extrusionOk="0">
                 <a:moveTo>
                   <a:pt x="0" y="0"/>
                 </a:moveTo>
@@ -1944,10 +2111,12 @@
       </p:sp>
       <p:sp>
         <p:nvSpPr>
-          <p:cNvPr id="76" name="Google Shape;76;g8c5542cac0_0_66:notes"/>
-          <p:cNvSpPr txBox="1"/>
+          <p:cNvPr id="82" name="Google Shape;82;g8c5542cac0_0_73:notes"/>
+          <p:cNvSpPr txBox="1">
+            <a:spLocks noGrp="1"/>
+          </p:cNvSpPr>
           <p:nvPr>
-            <p:ph idx="1" type="body"/>
+            <p:ph type="body" idx="1"/>
           </p:nvPr>
         </p:nvSpPr>
         <p:spPr>
@@ -1960,23 +2129,20 @@
           </a:prstGeom>
         </p:spPr>
         <p:txBody>
-          <a:bodyPr anchorCtr="0" anchor="t" bIns="91425" lIns="91425" spcFirstLastPara="1" rIns="91425" wrap="square" tIns="91425">
+          <a:bodyPr spcFirstLastPara="1" wrap="square" lIns="91425" tIns="91425" rIns="91425" bIns="91425" anchor="t" anchorCtr="0">
             <a:noAutofit/>
           </a:bodyPr>
           <a:lstStyle/>
           <a:p>
-            <a:pPr indent="0" lvl="0" marL="0" rtl="0" algn="l">
-              <a:spcBef>
-                <a:spcPts val="0"/>
-              </a:spcBef>
-              <a:spcAft>
-                <a:spcPts val="0"/>
-              </a:spcAft>
-              <a:buNone/>
-            </a:pPr>
-            <a:r>
-              <a:t/>
-            </a:r>
+            <a:pPr marL="0" lvl="0" indent="0" algn="l" rtl="0">
+              <a:spcBef>
+                <a:spcPts val="0"/>
+              </a:spcBef>
+              <a:spcAft>
+                <a:spcPts val="0"/>
+              </a:spcAft>
+              <a:buNone/>
+            </a:pPr>
             <a:endParaRPr/>
           </a:p>
         </p:txBody>
@@ -1989,12 +2155,12 @@
 </p:notes>
 </file>
 
-<file path=ppt/notesSlides/notesSlide6.xml><?xml version="1.0" encoding="utf-8"?>
-<p:notes xmlns:a="http://schemas.openxmlformats.org/drawingml/2006/main" xmlns:r="http://schemas.openxmlformats.org/officeDocument/2006/relationships" xmlns:mc="http://schemas.openxmlformats.org/markup-compatibility/2006" xmlns:mv="urn:schemas-microsoft-com:mac:vml" xmlns:p="http://schemas.openxmlformats.org/presentationml/2006/main" xmlns:c="http://schemas.openxmlformats.org/drawingml/2006/chart" xmlns:dgm="http://schemas.openxmlformats.org/drawingml/2006/diagram" xmlns:o="urn:schemas-microsoft-com:office:office" xmlns:v="urn:schemas-microsoft-com:vml" xmlns:pvml="urn:schemas-microsoft-com:office:powerpoint" xmlns:com="http://schemas.openxmlformats.org/drawingml/2006/compatibility" xmlns:p14="http://schemas.microsoft.com/office/powerpoint/2010/main" xmlns:p15="http://schemas.microsoft.com/office/powerpoint/2012/main" showMasterPhAnim="0" showMasterSp="0">
+<file path=ppt/notesSlides/notesSlide7.xml><?xml version="1.0" encoding="utf-8"?>
+<p:notes xmlns:a="http://schemas.openxmlformats.org/drawingml/2006/main" xmlns:r="http://schemas.openxmlformats.org/officeDocument/2006/relationships" xmlns:p="http://schemas.openxmlformats.org/presentationml/2006/main" showMasterSp="0" showMasterPhAnim="0">
   <p:cSld>
     <p:spTree>
       <p:nvGrpSpPr>
-        <p:cNvPr id="80" name="Shape 80"/>
+        <p:cNvPr id="1" name="Shape 88"/>
         <p:cNvGrpSpPr/>
         <p:nvPr/>
       </p:nvGrpSpPr>
@@ -2008,10 +2174,12 @@
       </p:grpSpPr>
       <p:sp>
         <p:nvSpPr>
-          <p:cNvPr id="81" name="Google Shape;81;g8c5542cac0_0_73:notes"/>
-          <p:cNvSpPr/>
+          <p:cNvPr id="89" name="Google Shape;89;g8c5542cac0_0_84:notes"/>
+          <p:cNvSpPr>
+            <a:spLocks noGrp="1" noRot="1" noChangeAspect="1"/>
+          </p:cNvSpPr>
           <p:nvPr>
-            <p:ph idx="2" type="sldImg"/>
+            <p:ph type="sldImg" idx="2"/>
           </p:nvPr>
         </p:nvSpPr>
         <p:spPr>
@@ -2020,9 +2188,13 @@
             <a:ext cx="6096000" cy="3429000"/>
           </a:xfrm>
           <a:custGeom>
-            <a:rect b="b" l="l" r="r" t="t"/>
+            <a:avLst/>
+            <a:gdLst/>
+            <a:ahLst/>
+            <a:cxnLst/>
+            <a:rect l="l" t="t" r="r" b="b"/>
             <a:pathLst>
-              <a:path extrusionOk="0" h="120000" w="120000">
+              <a:path w="120000" h="120000" extrusionOk="0">
                 <a:moveTo>
                   <a:pt x="0" y="0"/>
                 </a:moveTo>
@@ -2043,10 +2215,12 @@
       </p:sp>
       <p:sp>
         <p:nvSpPr>
-          <p:cNvPr id="82" name="Google Shape;82;g8c5542cac0_0_73:notes"/>
-          <p:cNvSpPr txBox="1"/>
+          <p:cNvPr id="90" name="Google Shape;90;g8c5542cac0_0_84:notes"/>
+          <p:cNvSpPr txBox="1">
+            <a:spLocks noGrp="1"/>
+          </p:cNvSpPr>
           <p:nvPr>
-            <p:ph idx="1" type="body"/>
+            <p:ph type="body" idx="1"/>
           </p:nvPr>
         </p:nvSpPr>
         <p:spPr>
@@ -2059,23 +2233,20 @@
           </a:prstGeom>
         </p:spPr>
         <p:txBody>
-          <a:bodyPr anchorCtr="0" anchor="t" bIns="91425" lIns="91425" spcFirstLastPara="1" rIns="91425" wrap="square" tIns="91425">
+          <a:bodyPr spcFirstLastPara="1" wrap="square" lIns="91425" tIns="91425" rIns="91425" bIns="91425" anchor="t" anchorCtr="0">
             <a:noAutofit/>
           </a:bodyPr>
           <a:lstStyle/>
           <a:p>
-            <a:pPr indent="0" lvl="0" marL="0" rtl="0" algn="l">
-              <a:spcBef>
-                <a:spcPts val="0"/>
-              </a:spcBef>
-              <a:spcAft>
-                <a:spcPts val="0"/>
-              </a:spcAft>
-              <a:buNone/>
-            </a:pPr>
-            <a:r>
-              <a:t/>
-            </a:r>
+            <a:pPr marL="0" lvl="0" indent="0" algn="l" rtl="0">
+              <a:spcBef>
+                <a:spcPts val="0"/>
+              </a:spcBef>
+              <a:spcAft>
+                <a:spcPts val="0"/>
+              </a:spcAft>
+              <a:buNone/>
+            </a:pPr>
             <a:endParaRPr/>
           </a:p>
         </p:txBody>
@@ -2088,12 +2259,12 @@
 </p:notes>
 </file>
 
-<file path=ppt/notesSlides/notesSlide7.xml><?xml version="1.0" encoding="utf-8"?>
-<p:notes xmlns:a="http://schemas.openxmlformats.org/drawingml/2006/main" xmlns:r="http://schemas.openxmlformats.org/officeDocument/2006/relationships" xmlns:mc="http://schemas.openxmlformats.org/markup-compatibility/2006" xmlns:mv="urn:schemas-microsoft-com:mac:vml" xmlns:p="http://schemas.openxmlformats.org/presentationml/2006/main" xmlns:c="http://schemas.openxmlformats.org/drawingml/2006/chart" xmlns:dgm="http://schemas.openxmlformats.org/drawingml/2006/diagram" xmlns:o="urn:schemas-microsoft-com:office:office" xmlns:v="urn:schemas-microsoft-com:vml" xmlns:pvml="urn:schemas-microsoft-com:office:powerpoint" xmlns:com="http://schemas.openxmlformats.org/drawingml/2006/compatibility" xmlns:p14="http://schemas.microsoft.com/office/powerpoint/2010/main" xmlns:p15="http://schemas.microsoft.com/office/powerpoint/2012/main" showMasterPhAnim="0" showMasterSp="0">
+<file path=ppt/notesSlides/notesSlide8.xml><?xml version="1.0" encoding="utf-8"?>
+<p:notes xmlns:a="http://schemas.openxmlformats.org/drawingml/2006/main" xmlns:r="http://schemas.openxmlformats.org/officeDocument/2006/relationships" xmlns:p="http://schemas.openxmlformats.org/presentationml/2006/main" showMasterSp="0" showMasterPhAnim="0">
   <p:cSld>
     <p:spTree>
       <p:nvGrpSpPr>
-        <p:cNvPr id="88" name="Shape 88"/>
+        <p:cNvPr id="1" name="Shape 96"/>
         <p:cNvGrpSpPr/>
         <p:nvPr/>
       </p:nvGrpSpPr>
@@ -2107,10 +2278,12 @@
       </p:grpSpPr>
       <p:sp>
         <p:nvSpPr>
-          <p:cNvPr id="89" name="Google Shape;89;g8c5542cac0_0_84:notes"/>
-          <p:cNvSpPr/>
+          <p:cNvPr id="97" name="Google Shape;97;g8c5542cac0_0_91:notes"/>
+          <p:cNvSpPr>
+            <a:spLocks noGrp="1" noRot="1" noChangeAspect="1"/>
+          </p:cNvSpPr>
           <p:nvPr>
-            <p:ph idx="2" type="sldImg"/>
+            <p:ph type="sldImg" idx="2"/>
           </p:nvPr>
         </p:nvSpPr>
         <p:spPr>
@@ -2119,9 +2292,13 @@
             <a:ext cx="6096000" cy="3429000"/>
           </a:xfrm>
           <a:custGeom>
-            <a:rect b="b" l="l" r="r" t="t"/>
+            <a:avLst/>
+            <a:gdLst/>
+            <a:ahLst/>
+            <a:cxnLst/>
+            <a:rect l="l" t="t" r="r" b="b"/>
             <a:pathLst>
-              <a:path extrusionOk="0" h="120000" w="120000">
+              <a:path w="120000" h="120000" extrusionOk="0">
                 <a:moveTo>
                   <a:pt x="0" y="0"/>
                 </a:moveTo>
@@ -2142,10 +2319,12 @@
       </p:sp>
       <p:sp>
         <p:nvSpPr>
-          <p:cNvPr id="90" name="Google Shape;90;g8c5542cac0_0_84:notes"/>
-          <p:cNvSpPr txBox="1"/>
+          <p:cNvPr id="98" name="Google Shape;98;g8c5542cac0_0_91:notes"/>
+          <p:cNvSpPr txBox="1">
+            <a:spLocks noGrp="1"/>
+          </p:cNvSpPr>
           <p:nvPr>
-            <p:ph idx="1" type="body"/>
+            <p:ph type="body" idx="1"/>
           </p:nvPr>
         </p:nvSpPr>
         <p:spPr>
@@ -2158,23 +2337,20 @@
           </a:prstGeom>
         </p:spPr>
         <p:txBody>
-          <a:bodyPr anchorCtr="0" anchor="t" bIns="91425" lIns="91425" spcFirstLastPara="1" rIns="91425" wrap="square" tIns="91425">
+          <a:bodyPr spcFirstLastPara="1" wrap="square" lIns="91425" tIns="91425" rIns="91425" bIns="91425" anchor="t" anchorCtr="0">
             <a:noAutofit/>
           </a:bodyPr>
           <a:lstStyle/>
           <a:p>
-            <a:pPr indent="0" lvl="0" marL="0" rtl="0" algn="l">
-              <a:spcBef>
-                <a:spcPts val="0"/>
-              </a:spcBef>
-              <a:spcAft>
-                <a:spcPts val="0"/>
-              </a:spcAft>
-              <a:buNone/>
-            </a:pPr>
-            <a:r>
-              <a:t/>
-            </a:r>
+            <a:pPr marL="0" lvl="0" indent="0" algn="l" rtl="0">
+              <a:spcBef>
+                <a:spcPts val="0"/>
+              </a:spcBef>
+              <a:spcAft>
+                <a:spcPts val="0"/>
+              </a:spcAft>
+              <a:buNone/>
+            </a:pPr>
             <a:endParaRPr/>
           </a:p>
         </p:txBody>
@@ -2187,12 +2363,12 @@
 </p:notes>
 </file>
 
-<file path=ppt/notesSlides/notesSlide8.xml><?xml version="1.0" encoding="utf-8"?>
-<p:notes xmlns:a="http://schemas.openxmlformats.org/drawingml/2006/main" xmlns:r="http://schemas.openxmlformats.org/officeDocument/2006/relationships" xmlns:mc="http://schemas.openxmlformats.org/markup-compatibility/2006" xmlns:mv="urn:schemas-microsoft-com:mac:vml" xmlns:p="http://schemas.openxmlformats.org/presentationml/2006/main" xmlns:c="http://schemas.openxmlformats.org/drawingml/2006/chart" xmlns:dgm="http://schemas.openxmlformats.org/drawingml/2006/diagram" xmlns:o="urn:schemas-microsoft-com:office:office" xmlns:v="urn:schemas-microsoft-com:vml" xmlns:pvml="urn:schemas-microsoft-com:office:powerpoint" xmlns:com="http://schemas.openxmlformats.org/drawingml/2006/compatibility" xmlns:p14="http://schemas.microsoft.com/office/powerpoint/2010/main" xmlns:p15="http://schemas.microsoft.com/office/powerpoint/2012/main" showMasterPhAnim="0" showMasterSp="0">
+<file path=ppt/notesSlides/notesSlide9.xml><?xml version="1.0" encoding="utf-8"?>
+<p:notes xmlns:a="http://schemas.openxmlformats.org/drawingml/2006/main" xmlns:r="http://schemas.openxmlformats.org/officeDocument/2006/relationships" xmlns:p="http://schemas.openxmlformats.org/presentationml/2006/main" showMasterSp="0" showMasterPhAnim="0">
   <p:cSld>
     <p:spTree>
       <p:nvGrpSpPr>
-        <p:cNvPr id="96" name="Shape 96"/>
+        <p:cNvPr id="1" name="Shape 104"/>
         <p:cNvGrpSpPr/>
         <p:nvPr/>
       </p:nvGrpSpPr>
@@ -2206,10 +2382,12 @@
       </p:grpSpPr>
       <p:sp>
         <p:nvSpPr>
-          <p:cNvPr id="97" name="Google Shape;97;g8c5542cac0_0_91:notes"/>
-          <p:cNvSpPr/>
+          <p:cNvPr id="105" name="Google Shape;105;g8c5542cac0_0_98:notes"/>
+          <p:cNvSpPr>
+            <a:spLocks noGrp="1" noRot="1" noChangeAspect="1"/>
+          </p:cNvSpPr>
           <p:nvPr>
-            <p:ph idx="2" type="sldImg"/>
+            <p:ph type="sldImg" idx="2"/>
           </p:nvPr>
         </p:nvSpPr>
         <p:spPr>
@@ -2218,9 +2396,13 @@
             <a:ext cx="6096000" cy="3429000"/>
           </a:xfrm>
           <a:custGeom>
-            <a:rect b="b" l="l" r="r" t="t"/>
+            <a:avLst/>
+            <a:gdLst/>
+            <a:ahLst/>
+            <a:cxnLst/>
+            <a:rect l="l" t="t" r="r" b="b"/>
             <a:pathLst>
-              <a:path extrusionOk="0" h="120000" w="120000">
+              <a:path w="120000" h="120000" extrusionOk="0">
                 <a:moveTo>
                   <a:pt x="0" y="0"/>
                 </a:moveTo>
@@ -2241,10 +2423,12 @@
       </p:sp>
       <p:sp>
         <p:nvSpPr>
-          <p:cNvPr id="98" name="Google Shape;98;g8c5542cac0_0_91:notes"/>
-          <p:cNvSpPr txBox="1"/>
+          <p:cNvPr id="106" name="Google Shape;106;g8c5542cac0_0_98:notes"/>
+          <p:cNvSpPr txBox="1">
+            <a:spLocks noGrp="1"/>
+          </p:cNvSpPr>
           <p:nvPr>
-            <p:ph idx="1" type="body"/>
+            <p:ph type="body" idx="1"/>
           </p:nvPr>
         </p:nvSpPr>
         <p:spPr>
@@ -2257,122 +2441,20 @@
           </a:prstGeom>
         </p:spPr>
         <p:txBody>
-          <a:bodyPr anchorCtr="0" anchor="t" bIns="91425" lIns="91425" spcFirstLastPara="1" rIns="91425" wrap="square" tIns="91425">
+          <a:bodyPr spcFirstLastPara="1" wrap="square" lIns="91425" tIns="91425" rIns="91425" bIns="91425" anchor="t" anchorCtr="0">
             <a:noAutofit/>
           </a:bodyPr>
           <a:lstStyle/>
           <a:p>
-            <a:pPr indent="0" lvl="0" marL="0" rtl="0" algn="l">
-              <a:spcBef>
-                <a:spcPts val="0"/>
-              </a:spcBef>
-              <a:spcAft>
-                <a:spcPts val="0"/>
-              </a:spcAft>
-              <a:buNone/>
-            </a:pPr>
-            <a:r>
-              <a:t/>
-            </a:r>
-            <a:endParaRPr/>
-          </a:p>
-        </p:txBody>
-      </p:sp>
-    </p:spTree>
-  </p:cSld>
-  <p:clrMapOvr>
-    <a:masterClrMapping/>
-  </p:clrMapOvr>
-</p:notes>
-</file>
-
-<file path=ppt/notesSlides/notesSlide9.xml><?xml version="1.0" encoding="utf-8"?>
-<p:notes xmlns:a="http://schemas.openxmlformats.org/drawingml/2006/main" xmlns:r="http://schemas.openxmlformats.org/officeDocument/2006/relationships" xmlns:mc="http://schemas.openxmlformats.org/markup-compatibility/2006" xmlns:mv="urn:schemas-microsoft-com:mac:vml" xmlns:p="http://schemas.openxmlformats.org/presentationml/2006/main" xmlns:c="http://schemas.openxmlformats.org/drawingml/2006/chart" xmlns:dgm="http://schemas.openxmlformats.org/drawingml/2006/diagram" xmlns:o="urn:schemas-microsoft-com:office:office" xmlns:v="urn:schemas-microsoft-com:vml" xmlns:pvml="urn:schemas-microsoft-com:office:powerpoint" xmlns:com="http://schemas.openxmlformats.org/drawingml/2006/compatibility" xmlns:p14="http://schemas.microsoft.com/office/powerpoint/2010/main" xmlns:p15="http://schemas.microsoft.com/office/powerpoint/2012/main" showMasterPhAnim="0" showMasterSp="0">
-  <p:cSld>
-    <p:spTree>
-      <p:nvGrpSpPr>
-        <p:cNvPr id="104" name="Shape 104"/>
-        <p:cNvGrpSpPr/>
-        <p:nvPr/>
-      </p:nvGrpSpPr>
-      <p:grpSpPr>
-        <a:xfrm>
-          <a:off x="0" y="0"/>
-          <a:ext cx="0" cy="0"/>
-          <a:chOff x="0" y="0"/>
-          <a:chExt cx="0" cy="0"/>
-        </a:xfrm>
-      </p:grpSpPr>
-      <p:sp>
-        <p:nvSpPr>
-          <p:cNvPr id="105" name="Google Shape;105;g8c5542cac0_0_98:notes"/>
-          <p:cNvSpPr/>
-          <p:nvPr>
-            <p:ph idx="2" type="sldImg"/>
-          </p:nvPr>
-        </p:nvSpPr>
-        <p:spPr>
-          <a:xfrm>
-            <a:off x="381300" y="685800"/>
-            <a:ext cx="6096000" cy="3429000"/>
-          </a:xfrm>
-          <a:custGeom>
-            <a:rect b="b" l="l" r="r" t="t"/>
-            <a:pathLst>
-              <a:path extrusionOk="0" h="120000" w="120000">
-                <a:moveTo>
-                  <a:pt x="0" y="0"/>
-                </a:moveTo>
-                <a:lnTo>
-                  <a:pt x="120000" y="0"/>
-                </a:lnTo>
-                <a:lnTo>
-                  <a:pt x="120000" y="120000"/>
-                </a:lnTo>
-                <a:lnTo>
-                  <a:pt x="0" y="120000"/>
-                </a:lnTo>
-                <a:close/>
-              </a:path>
-            </a:pathLst>
-          </a:custGeom>
-        </p:spPr>
-      </p:sp>
-      <p:sp>
-        <p:nvSpPr>
-          <p:cNvPr id="106" name="Google Shape;106;g8c5542cac0_0_98:notes"/>
-          <p:cNvSpPr txBox="1"/>
-          <p:nvPr>
-            <p:ph idx="1" type="body"/>
-          </p:nvPr>
-        </p:nvSpPr>
-        <p:spPr>
-          <a:xfrm>
-            <a:off x="685800" y="4343400"/>
-            <a:ext cx="5486400" cy="4114800"/>
-          </a:xfrm>
-          <a:prstGeom prst="rect">
-            <a:avLst/>
-          </a:prstGeom>
-        </p:spPr>
-        <p:txBody>
-          <a:bodyPr anchorCtr="0" anchor="t" bIns="91425" lIns="91425" spcFirstLastPara="1" rIns="91425" wrap="square" tIns="91425">
-            <a:noAutofit/>
-          </a:bodyPr>
-          <a:lstStyle/>
-          <a:p>
-            <a:pPr indent="0" lvl="0" marL="0" rtl="0" algn="l">
-              <a:spcBef>
-                <a:spcPts val="0"/>
-              </a:spcBef>
-              <a:spcAft>
-                <a:spcPts val="0"/>
-              </a:spcAft>
-              <a:buNone/>
-            </a:pPr>
-            <a:r>
-              <a:t/>
-            </a:r>
+            <a:pPr marL="0" lvl="0" indent="0" algn="l" rtl="0">
+              <a:spcBef>
+                <a:spcPts val="0"/>
+              </a:spcBef>
+              <a:spcAft>
+                <a:spcPts val="0"/>
+              </a:spcAft>
+              <a:buNone/>
+            </a:pPr>
             <a:endParaRPr/>
           </a:p>
         </p:txBody>
@@ -2386,11 +2468,11 @@
 </file>
 
 <file path=ppt/slideLayouts/slideLayout1.xml><?xml version="1.0" encoding="utf-8"?>
-<p:sldLayout xmlns:a="http://schemas.openxmlformats.org/drawingml/2006/main" xmlns:r="http://schemas.openxmlformats.org/officeDocument/2006/relationships" xmlns:mc="http://schemas.openxmlformats.org/markup-compatibility/2006" xmlns:mv="urn:schemas-microsoft-com:mac:vml" xmlns:p="http://schemas.openxmlformats.org/presentationml/2006/main" xmlns:c="http://schemas.openxmlformats.org/drawingml/2006/chart" xmlns:dgm="http://schemas.openxmlformats.org/drawingml/2006/diagram" xmlns:o="urn:schemas-microsoft-com:office:office" xmlns:v="urn:schemas-microsoft-com:vml" xmlns:pvml="urn:schemas-microsoft-com:office:powerpoint" xmlns:com="http://schemas.openxmlformats.org/drawingml/2006/compatibility" xmlns:p14="http://schemas.microsoft.com/office/powerpoint/2010/main" xmlns:p15="http://schemas.microsoft.com/office/powerpoint/2012/main" matchingName="Title slide" type="title">
+<p:sldLayout xmlns:a="http://schemas.openxmlformats.org/drawingml/2006/main" xmlns:r="http://schemas.openxmlformats.org/officeDocument/2006/relationships" xmlns:p="http://schemas.openxmlformats.org/presentationml/2006/main" matchingName="Title slide" type="title">
   <p:cSld name="TITLE">
     <p:spTree>
       <p:nvGrpSpPr>
-        <p:cNvPr id="9" name="Shape 9"/>
+        <p:cNvPr id="1" name="Shape 9"/>
         <p:cNvGrpSpPr/>
         <p:nvPr/>
       </p:nvGrpSpPr>
@@ -2405,7 +2487,9 @@
       <p:sp>
         <p:nvSpPr>
           <p:cNvPr id="10" name="Google Shape;10;p2"/>
-          <p:cNvSpPr txBox="1"/>
+          <p:cNvSpPr txBox="1">
+            <a:spLocks noGrp="1"/>
+          </p:cNvSpPr>
           <p:nvPr>
             <p:ph type="ctrTitle"/>
           </p:nvPr>
@@ -2420,7 +2504,7 @@
           </a:prstGeom>
         </p:spPr>
         <p:txBody>
-          <a:bodyPr anchorCtr="0" anchor="b" bIns="91425" lIns="91425" spcFirstLastPara="1" rIns="91425" wrap="square" tIns="91425">
+          <a:bodyPr spcFirstLastPara="1" wrap="square" lIns="91425" tIns="91425" rIns="91425" bIns="91425" anchor="b" anchorCtr="0">
             <a:noAutofit/>
           </a:bodyPr>
           <a:lstStyle>
@@ -2524,15 +2608,19 @@
               <a:defRPr sz="5200"/>
             </a:lvl9pPr>
           </a:lstStyle>
-          <a:p/>
+          <a:p>
+            <a:endParaRPr/>
+          </a:p>
         </p:txBody>
       </p:sp>
       <p:sp>
         <p:nvSpPr>
           <p:cNvPr id="11" name="Google Shape;11;p2"/>
-          <p:cNvSpPr txBox="1"/>
+          <p:cNvSpPr txBox="1">
+            <a:spLocks noGrp="1"/>
+          </p:cNvSpPr>
           <p:nvPr>
-            <p:ph idx="1" type="subTitle"/>
+            <p:ph type="subTitle" idx="1"/>
           </p:nvPr>
         </p:nvSpPr>
         <p:spPr>
@@ -2545,7 +2633,7 @@
           </a:prstGeom>
         </p:spPr>
         <p:txBody>
-          <a:bodyPr anchorCtr="0" anchor="t" bIns="91425" lIns="91425" spcFirstLastPara="1" rIns="91425" wrap="square" tIns="91425">
+          <a:bodyPr spcFirstLastPara="1" wrap="square" lIns="91425" tIns="91425" rIns="91425" bIns="91425" anchor="t" anchorCtr="0">
             <a:noAutofit/>
           </a:bodyPr>
           <a:lstStyle>
@@ -2676,15 +2764,19 @@
               <a:defRPr sz="2800"/>
             </a:lvl9pPr>
           </a:lstStyle>
-          <a:p/>
+          <a:p>
+            <a:endParaRPr/>
+          </a:p>
         </p:txBody>
       </p:sp>
       <p:sp>
         <p:nvSpPr>
           <p:cNvPr id="12" name="Google Shape;12;p2"/>
-          <p:cNvSpPr txBox="1"/>
+          <p:cNvSpPr txBox="1">
+            <a:spLocks noGrp="1"/>
+          </p:cNvSpPr>
           <p:nvPr>
-            <p:ph idx="12" type="sldNum"/>
+            <p:ph type="sldNum" idx="12"/>
           </p:nvPr>
         </p:nvSpPr>
         <p:spPr>
@@ -2697,7 +2789,7 @@
           </a:prstGeom>
         </p:spPr>
         <p:txBody>
-          <a:bodyPr anchorCtr="0" anchor="ctr" bIns="91425" lIns="91425" spcFirstLastPara="1" rIns="91425" wrap="square" tIns="91425">
+          <a:bodyPr spcFirstLastPara="1" wrap="square" lIns="91425" tIns="91425" rIns="91425" bIns="91425" anchor="ctr" anchorCtr="0">
             <a:noAutofit/>
           </a:bodyPr>
           <a:lstStyle>
@@ -2739,7 +2831,7 @@
             </a:lvl9pPr>
           </a:lstStyle>
           <a:p>
-            <a:pPr indent="0" lvl="0" marL="0" rtl="0" algn="r">
+            <a:pPr marL="0" lvl="0" indent="0" algn="r" rtl="0">
               <a:spcBef>
                 <a:spcPts val="0"/>
               </a:spcBef>
@@ -2765,11 +2857,11 @@
 </file>
 
 <file path=ppt/slideLayouts/slideLayout10.xml><?xml version="1.0" encoding="utf-8"?>
-<p:sldLayout xmlns:a="http://schemas.openxmlformats.org/drawingml/2006/main" xmlns:r="http://schemas.openxmlformats.org/officeDocument/2006/relationships" xmlns:mc="http://schemas.openxmlformats.org/markup-compatibility/2006" xmlns:mv="urn:schemas-microsoft-com:mac:vml" xmlns:p="http://schemas.openxmlformats.org/presentationml/2006/main" xmlns:c="http://schemas.openxmlformats.org/drawingml/2006/chart" xmlns:dgm="http://schemas.openxmlformats.org/drawingml/2006/diagram" xmlns:o="urn:schemas-microsoft-com:office:office" xmlns:v="urn:schemas-microsoft-com:vml" xmlns:pvml="urn:schemas-microsoft-com:office:powerpoint" xmlns:com="http://schemas.openxmlformats.org/drawingml/2006/compatibility" xmlns:p14="http://schemas.microsoft.com/office/powerpoint/2010/main" xmlns:p15="http://schemas.microsoft.com/office/powerpoint/2012/main" matchingName="Big number">
+<p:sldLayout xmlns:a="http://schemas.openxmlformats.org/drawingml/2006/main" xmlns:r="http://schemas.openxmlformats.org/officeDocument/2006/relationships" xmlns:p="http://schemas.openxmlformats.org/presentationml/2006/main" matchingName="Big number">
   <p:cSld name="BIG_NUMBER">
     <p:spTree>
       <p:nvGrpSpPr>
-        <p:cNvPr id="44" name="Shape 44"/>
+        <p:cNvPr id="1" name="Shape 44"/>
         <p:cNvGrpSpPr/>
         <p:nvPr/>
       </p:nvGrpSpPr>
@@ -2784,9 +2876,11 @@
       <p:sp>
         <p:nvSpPr>
           <p:cNvPr id="45" name="Google Shape;45;p11"/>
-          <p:cNvSpPr txBox="1"/>
+          <p:cNvSpPr txBox="1">
+            <a:spLocks noGrp="1"/>
+          </p:cNvSpPr>
           <p:nvPr>
-            <p:ph hasCustomPrompt="1" type="title"/>
+            <p:ph type="title" hasCustomPrompt="1"/>
           </p:nvPr>
         </p:nvSpPr>
         <p:spPr>
@@ -2799,7 +2893,7 @@
           </a:prstGeom>
         </p:spPr>
         <p:txBody>
-          <a:bodyPr anchorCtr="0" anchor="b" bIns="91425" lIns="91425" spcFirstLastPara="1" rIns="91425" wrap="square" tIns="91425">
+          <a:bodyPr spcFirstLastPara="1" wrap="square" lIns="91425" tIns="91425" rIns="91425" bIns="91425" anchor="b" anchorCtr="0">
             <a:noAutofit/>
           </a:bodyPr>
           <a:lstStyle>
@@ -2913,9 +3007,11 @@
       <p:sp>
         <p:nvSpPr>
           <p:cNvPr id="46" name="Google Shape;46;p11"/>
-          <p:cNvSpPr txBox="1"/>
+          <p:cNvSpPr txBox="1">
+            <a:spLocks noGrp="1"/>
+          </p:cNvSpPr>
           <p:nvPr>
-            <p:ph idx="1" type="body"/>
+            <p:ph type="body" idx="1"/>
           </p:nvPr>
         </p:nvSpPr>
         <p:spPr>
@@ -2928,11 +3024,11 @@
           </a:prstGeom>
         </p:spPr>
         <p:txBody>
-          <a:bodyPr anchorCtr="0" anchor="t" bIns="91425" lIns="91425" spcFirstLastPara="1" rIns="91425" wrap="square" tIns="91425">
+          <a:bodyPr spcFirstLastPara="1" wrap="square" lIns="91425" tIns="91425" rIns="91425" bIns="91425" anchor="t" anchorCtr="0">
             <a:noAutofit/>
           </a:bodyPr>
           <a:lstStyle>
-            <a:lvl1pPr indent="-342900" lvl="0" marL="457200" algn="ctr">
+            <a:lvl1pPr marL="457200" lvl="0" indent="-342900" algn="ctr">
               <a:spcBef>
                 <a:spcPts val="0"/>
               </a:spcBef>
@@ -2943,7 +3039,7 @@
               <a:buChar char="●"/>
               <a:defRPr/>
             </a:lvl1pPr>
-            <a:lvl2pPr indent="-317500" lvl="1" marL="914400" algn="ctr">
+            <a:lvl2pPr marL="914400" lvl="1" indent="-317500" algn="ctr">
               <a:spcBef>
                 <a:spcPts val="1600"/>
               </a:spcBef>
@@ -2954,7 +3050,7 @@
               <a:buChar char="○"/>
               <a:defRPr/>
             </a:lvl2pPr>
-            <a:lvl3pPr indent="-317500" lvl="2" marL="1371600" algn="ctr">
+            <a:lvl3pPr marL="1371600" lvl="2" indent="-317500" algn="ctr">
               <a:spcBef>
                 <a:spcPts val="1600"/>
               </a:spcBef>
@@ -2965,7 +3061,7 @@
               <a:buChar char="■"/>
               <a:defRPr/>
             </a:lvl3pPr>
-            <a:lvl4pPr indent="-317500" lvl="3" marL="1828800" algn="ctr">
+            <a:lvl4pPr marL="1828800" lvl="3" indent="-317500" algn="ctr">
               <a:spcBef>
                 <a:spcPts val="1600"/>
               </a:spcBef>
@@ -2976,7 +3072,7 @@
               <a:buChar char="●"/>
               <a:defRPr/>
             </a:lvl4pPr>
-            <a:lvl5pPr indent="-317500" lvl="4" marL="2286000" algn="ctr">
+            <a:lvl5pPr marL="2286000" lvl="4" indent="-317500" algn="ctr">
               <a:spcBef>
                 <a:spcPts val="1600"/>
               </a:spcBef>
@@ -2987,7 +3083,7 @@
               <a:buChar char="○"/>
               <a:defRPr/>
             </a:lvl5pPr>
-            <a:lvl6pPr indent="-317500" lvl="5" marL="2743200" algn="ctr">
+            <a:lvl6pPr marL="2743200" lvl="5" indent="-317500" algn="ctr">
               <a:spcBef>
                 <a:spcPts val="1600"/>
               </a:spcBef>
@@ -2998,7 +3094,7 @@
               <a:buChar char="■"/>
               <a:defRPr/>
             </a:lvl6pPr>
-            <a:lvl7pPr indent="-317500" lvl="6" marL="3200400" algn="ctr">
+            <a:lvl7pPr marL="3200400" lvl="6" indent="-317500" algn="ctr">
               <a:spcBef>
                 <a:spcPts val="1600"/>
               </a:spcBef>
@@ -3009,7 +3105,7 @@
               <a:buChar char="●"/>
               <a:defRPr/>
             </a:lvl7pPr>
-            <a:lvl8pPr indent="-317500" lvl="7" marL="3657600" algn="ctr">
+            <a:lvl8pPr marL="3657600" lvl="7" indent="-317500" algn="ctr">
               <a:spcBef>
                 <a:spcPts val="1600"/>
               </a:spcBef>
@@ -3020,7 +3116,7 @@
               <a:buChar char="○"/>
               <a:defRPr/>
             </a:lvl8pPr>
-            <a:lvl9pPr indent="-317500" lvl="8" marL="4114800" algn="ctr">
+            <a:lvl9pPr marL="4114800" lvl="8" indent="-317500" algn="ctr">
               <a:spcBef>
                 <a:spcPts val="1600"/>
               </a:spcBef>
@@ -3032,15 +3128,19 @@
               <a:defRPr/>
             </a:lvl9pPr>
           </a:lstStyle>
-          <a:p/>
+          <a:p>
+            <a:endParaRPr/>
+          </a:p>
         </p:txBody>
       </p:sp>
       <p:sp>
         <p:nvSpPr>
           <p:cNvPr id="47" name="Google Shape;47;p11"/>
-          <p:cNvSpPr txBox="1"/>
+          <p:cNvSpPr txBox="1">
+            <a:spLocks noGrp="1"/>
+          </p:cNvSpPr>
           <p:nvPr>
-            <p:ph idx="12" type="sldNum"/>
+            <p:ph type="sldNum" idx="12"/>
           </p:nvPr>
         </p:nvSpPr>
         <p:spPr>
@@ -3053,7 +3153,7 @@
           </a:prstGeom>
         </p:spPr>
         <p:txBody>
-          <a:bodyPr anchorCtr="0" anchor="ctr" bIns="91425" lIns="91425" spcFirstLastPara="1" rIns="91425" wrap="square" tIns="91425">
+          <a:bodyPr spcFirstLastPara="1" wrap="square" lIns="91425" tIns="91425" rIns="91425" bIns="91425" anchor="ctr" anchorCtr="0">
             <a:noAutofit/>
           </a:bodyPr>
           <a:lstStyle>
@@ -3095,7 +3195,7 @@
             </a:lvl9pPr>
           </a:lstStyle>
           <a:p>
-            <a:pPr indent="0" lvl="0" marL="0" rtl="0" algn="r">
+            <a:pPr marL="0" lvl="0" indent="0" algn="r" rtl="0">
               <a:spcBef>
                 <a:spcPts val="0"/>
               </a:spcBef>
@@ -3121,11 +3221,11 @@
 </file>
 
 <file path=ppt/slideLayouts/slideLayout11.xml><?xml version="1.0" encoding="utf-8"?>
-<p:sldLayout xmlns:a="http://schemas.openxmlformats.org/drawingml/2006/main" xmlns:r="http://schemas.openxmlformats.org/officeDocument/2006/relationships" xmlns:mc="http://schemas.openxmlformats.org/markup-compatibility/2006" xmlns:mv="urn:schemas-microsoft-com:mac:vml" xmlns:p="http://schemas.openxmlformats.org/presentationml/2006/main" xmlns:c="http://schemas.openxmlformats.org/drawingml/2006/chart" xmlns:dgm="http://schemas.openxmlformats.org/drawingml/2006/diagram" xmlns:o="urn:schemas-microsoft-com:office:office" xmlns:v="urn:schemas-microsoft-com:vml" xmlns:pvml="urn:schemas-microsoft-com:office:powerpoint" xmlns:com="http://schemas.openxmlformats.org/drawingml/2006/compatibility" xmlns:p14="http://schemas.microsoft.com/office/powerpoint/2010/main" xmlns:p15="http://schemas.microsoft.com/office/powerpoint/2012/main" matchingName="Blank" type="blank">
+<p:sldLayout xmlns:a="http://schemas.openxmlformats.org/drawingml/2006/main" xmlns:r="http://schemas.openxmlformats.org/officeDocument/2006/relationships" xmlns:p="http://schemas.openxmlformats.org/presentationml/2006/main" matchingName="Blank" type="blank">
   <p:cSld name="BLANK">
     <p:spTree>
       <p:nvGrpSpPr>
-        <p:cNvPr id="48" name="Shape 48"/>
+        <p:cNvPr id="1" name="Shape 48"/>
         <p:cNvGrpSpPr/>
         <p:nvPr/>
       </p:nvGrpSpPr>
@@ -3140,9 +3240,11 @@
       <p:sp>
         <p:nvSpPr>
           <p:cNvPr id="49" name="Google Shape;49;p12"/>
-          <p:cNvSpPr txBox="1"/>
+          <p:cNvSpPr txBox="1">
+            <a:spLocks noGrp="1"/>
+          </p:cNvSpPr>
           <p:nvPr>
-            <p:ph idx="12" type="sldNum"/>
+            <p:ph type="sldNum" idx="12"/>
           </p:nvPr>
         </p:nvSpPr>
         <p:spPr>
@@ -3155,7 +3257,7 @@
           </a:prstGeom>
         </p:spPr>
         <p:txBody>
-          <a:bodyPr anchorCtr="0" anchor="ctr" bIns="91425" lIns="91425" spcFirstLastPara="1" rIns="91425" wrap="square" tIns="91425">
+          <a:bodyPr spcFirstLastPara="1" wrap="square" lIns="91425" tIns="91425" rIns="91425" bIns="91425" anchor="ctr" anchorCtr="0">
             <a:noAutofit/>
           </a:bodyPr>
           <a:lstStyle>
@@ -3197,7 +3299,7 @@
             </a:lvl9pPr>
           </a:lstStyle>
           <a:p>
-            <a:pPr indent="0" lvl="0" marL="0" rtl="0" algn="r">
+            <a:pPr marL="0" lvl="0" indent="0" algn="r" rtl="0">
               <a:spcBef>
                 <a:spcPts val="0"/>
               </a:spcBef>
@@ -3223,11 +3325,11 @@
 </file>
 
 <file path=ppt/slideLayouts/slideLayout2.xml><?xml version="1.0" encoding="utf-8"?>
-<p:sldLayout xmlns:a="http://schemas.openxmlformats.org/drawingml/2006/main" xmlns:r="http://schemas.openxmlformats.org/officeDocument/2006/relationships" xmlns:mc="http://schemas.openxmlformats.org/markup-compatibility/2006" xmlns:mv="urn:schemas-microsoft-com:mac:vml" xmlns:p="http://schemas.openxmlformats.org/presentationml/2006/main" xmlns:c="http://schemas.openxmlformats.org/drawingml/2006/chart" xmlns:dgm="http://schemas.openxmlformats.org/drawingml/2006/diagram" xmlns:o="urn:schemas-microsoft-com:office:office" xmlns:v="urn:schemas-microsoft-com:vml" xmlns:pvml="urn:schemas-microsoft-com:office:powerpoint" xmlns:com="http://schemas.openxmlformats.org/drawingml/2006/compatibility" xmlns:p14="http://schemas.microsoft.com/office/powerpoint/2010/main" xmlns:p15="http://schemas.microsoft.com/office/powerpoint/2012/main" matchingName="Section header" type="secHead">
+<p:sldLayout xmlns:a="http://schemas.openxmlformats.org/drawingml/2006/main" xmlns:r="http://schemas.openxmlformats.org/officeDocument/2006/relationships" xmlns:p="http://schemas.openxmlformats.org/presentationml/2006/main" matchingName="Section header" type="secHead">
   <p:cSld name="SECTION_HEADER">
     <p:spTree>
       <p:nvGrpSpPr>
-        <p:cNvPr id="13" name="Shape 13"/>
+        <p:cNvPr id="1" name="Shape 13"/>
         <p:cNvGrpSpPr/>
         <p:nvPr/>
       </p:nvGrpSpPr>
@@ -3242,7 +3344,9 @@
       <p:sp>
         <p:nvSpPr>
           <p:cNvPr id="14" name="Google Shape;14;p3"/>
-          <p:cNvSpPr txBox="1"/>
+          <p:cNvSpPr txBox="1">
+            <a:spLocks noGrp="1"/>
+          </p:cNvSpPr>
           <p:nvPr>
             <p:ph type="title"/>
           </p:nvPr>
@@ -3257,7 +3361,7 @@
           </a:prstGeom>
         </p:spPr>
         <p:txBody>
-          <a:bodyPr anchorCtr="0" anchor="ctr" bIns="91425" lIns="91425" spcFirstLastPara="1" rIns="91425" wrap="square" tIns="91425">
+          <a:bodyPr spcFirstLastPara="1" wrap="square" lIns="91425" tIns="91425" rIns="91425" bIns="91425" anchor="ctr" anchorCtr="0">
             <a:noAutofit/>
           </a:bodyPr>
           <a:lstStyle>
@@ -3361,15 +3465,19 @@
               <a:defRPr sz="3600"/>
             </a:lvl9pPr>
           </a:lstStyle>
-          <a:p/>
+          <a:p>
+            <a:endParaRPr/>
+          </a:p>
         </p:txBody>
       </p:sp>
       <p:sp>
         <p:nvSpPr>
           <p:cNvPr id="15" name="Google Shape;15;p3"/>
-          <p:cNvSpPr txBox="1"/>
+          <p:cNvSpPr txBox="1">
+            <a:spLocks noGrp="1"/>
+          </p:cNvSpPr>
           <p:nvPr>
-            <p:ph idx="12" type="sldNum"/>
+            <p:ph type="sldNum" idx="12"/>
           </p:nvPr>
         </p:nvSpPr>
         <p:spPr>
@@ -3382,7 +3490,7 @@
           </a:prstGeom>
         </p:spPr>
         <p:txBody>
-          <a:bodyPr anchorCtr="0" anchor="ctr" bIns="91425" lIns="91425" spcFirstLastPara="1" rIns="91425" wrap="square" tIns="91425">
+          <a:bodyPr spcFirstLastPara="1" wrap="square" lIns="91425" tIns="91425" rIns="91425" bIns="91425" anchor="ctr" anchorCtr="0">
             <a:noAutofit/>
           </a:bodyPr>
           <a:lstStyle>
@@ -3424,7 +3532,7 @@
             </a:lvl9pPr>
           </a:lstStyle>
           <a:p>
-            <a:pPr indent="0" lvl="0" marL="0" rtl="0" algn="r">
+            <a:pPr marL="0" lvl="0" indent="0" algn="r" rtl="0">
               <a:spcBef>
                 <a:spcPts val="0"/>
               </a:spcBef>
@@ -3450,11 +3558,11 @@
 </file>
 
 <file path=ppt/slideLayouts/slideLayout3.xml><?xml version="1.0" encoding="utf-8"?>
-<p:sldLayout xmlns:a="http://schemas.openxmlformats.org/drawingml/2006/main" xmlns:r="http://schemas.openxmlformats.org/officeDocument/2006/relationships" xmlns:mc="http://schemas.openxmlformats.org/markup-compatibility/2006" xmlns:mv="urn:schemas-microsoft-com:mac:vml" xmlns:p="http://schemas.openxmlformats.org/presentationml/2006/main" xmlns:c="http://schemas.openxmlformats.org/drawingml/2006/chart" xmlns:dgm="http://schemas.openxmlformats.org/drawingml/2006/diagram" xmlns:o="urn:schemas-microsoft-com:office:office" xmlns:v="urn:schemas-microsoft-com:vml" xmlns:pvml="urn:schemas-microsoft-com:office:powerpoint" xmlns:com="http://schemas.openxmlformats.org/drawingml/2006/compatibility" xmlns:p14="http://schemas.microsoft.com/office/powerpoint/2010/main" xmlns:p15="http://schemas.microsoft.com/office/powerpoint/2012/main" matchingName="Title and body" type="tx">
+<p:sldLayout xmlns:a="http://schemas.openxmlformats.org/drawingml/2006/main" xmlns:r="http://schemas.openxmlformats.org/officeDocument/2006/relationships" xmlns:p="http://schemas.openxmlformats.org/presentationml/2006/main" matchingName="Title and body" type="tx">
   <p:cSld name="TITLE_AND_BODY">
     <p:spTree>
       <p:nvGrpSpPr>
-        <p:cNvPr id="16" name="Shape 16"/>
+        <p:cNvPr id="1" name="Shape 16"/>
         <p:cNvGrpSpPr/>
         <p:nvPr/>
       </p:nvGrpSpPr>
@@ -3469,7 +3577,9 @@
       <p:sp>
         <p:nvSpPr>
           <p:cNvPr id="17" name="Google Shape;17;p4"/>
-          <p:cNvSpPr txBox="1"/>
+          <p:cNvSpPr txBox="1">
+            <a:spLocks noGrp="1"/>
+          </p:cNvSpPr>
           <p:nvPr>
             <p:ph type="title"/>
           </p:nvPr>
@@ -3484,7 +3594,7 @@
           </a:prstGeom>
         </p:spPr>
         <p:txBody>
-          <a:bodyPr anchorCtr="0" anchor="t" bIns="91425" lIns="91425" spcFirstLastPara="1" rIns="91425" wrap="square" tIns="91425">
+          <a:bodyPr spcFirstLastPara="1" wrap="square" lIns="91425" tIns="91425" rIns="91425" bIns="91425" anchor="t" anchorCtr="0">
             <a:noAutofit/>
           </a:bodyPr>
           <a:lstStyle>
@@ -3588,15 +3698,19 @@
               <a:defRPr/>
             </a:lvl9pPr>
           </a:lstStyle>
-          <a:p/>
+          <a:p>
+            <a:endParaRPr/>
+          </a:p>
         </p:txBody>
       </p:sp>
       <p:sp>
         <p:nvSpPr>
           <p:cNvPr id="18" name="Google Shape;18;p4"/>
-          <p:cNvSpPr txBox="1"/>
+          <p:cNvSpPr txBox="1">
+            <a:spLocks noGrp="1"/>
+          </p:cNvSpPr>
           <p:nvPr>
-            <p:ph idx="1" type="body"/>
+            <p:ph type="body" idx="1"/>
           </p:nvPr>
         </p:nvSpPr>
         <p:spPr>
@@ -3609,11 +3723,11 @@
           </a:prstGeom>
         </p:spPr>
         <p:txBody>
-          <a:bodyPr anchorCtr="0" anchor="t" bIns="91425" lIns="91425" spcFirstLastPara="1" rIns="91425" wrap="square" tIns="91425">
+          <a:bodyPr spcFirstLastPara="1" wrap="square" lIns="91425" tIns="91425" rIns="91425" bIns="91425" anchor="t" anchorCtr="0">
             <a:noAutofit/>
           </a:bodyPr>
           <a:lstStyle>
-            <a:lvl1pPr indent="-342900" lvl="0" marL="457200">
+            <a:lvl1pPr marL="457200" lvl="0" indent="-342900">
               <a:spcBef>
                 <a:spcPts val="0"/>
               </a:spcBef>
@@ -3624,7 +3738,7 @@
               <a:buChar char="●"/>
               <a:defRPr/>
             </a:lvl1pPr>
-            <a:lvl2pPr indent="-317500" lvl="1" marL="914400">
+            <a:lvl2pPr marL="914400" lvl="1" indent="-317500">
               <a:spcBef>
                 <a:spcPts val="1600"/>
               </a:spcBef>
@@ -3635,7 +3749,7 @@
               <a:buChar char="○"/>
               <a:defRPr/>
             </a:lvl2pPr>
-            <a:lvl3pPr indent="-317500" lvl="2" marL="1371600">
+            <a:lvl3pPr marL="1371600" lvl="2" indent="-317500">
               <a:spcBef>
                 <a:spcPts val="1600"/>
               </a:spcBef>
@@ -3646,7 +3760,7 @@
               <a:buChar char="■"/>
               <a:defRPr/>
             </a:lvl3pPr>
-            <a:lvl4pPr indent="-317500" lvl="3" marL="1828800">
+            <a:lvl4pPr marL="1828800" lvl="3" indent="-317500">
               <a:spcBef>
                 <a:spcPts val="1600"/>
               </a:spcBef>
@@ -3657,7 +3771,7 @@
               <a:buChar char="●"/>
               <a:defRPr/>
             </a:lvl4pPr>
-            <a:lvl5pPr indent="-317500" lvl="4" marL="2286000">
+            <a:lvl5pPr marL="2286000" lvl="4" indent="-317500">
               <a:spcBef>
                 <a:spcPts val="1600"/>
               </a:spcBef>
@@ -3668,7 +3782,7 @@
               <a:buChar char="○"/>
               <a:defRPr/>
             </a:lvl5pPr>
-            <a:lvl6pPr indent="-317500" lvl="5" marL="2743200">
+            <a:lvl6pPr marL="2743200" lvl="5" indent="-317500">
               <a:spcBef>
                 <a:spcPts val="1600"/>
               </a:spcBef>
@@ -3679,7 +3793,7 @@
               <a:buChar char="■"/>
               <a:defRPr/>
             </a:lvl6pPr>
-            <a:lvl7pPr indent="-317500" lvl="6" marL="3200400">
+            <a:lvl7pPr marL="3200400" lvl="6" indent="-317500">
               <a:spcBef>
                 <a:spcPts val="1600"/>
               </a:spcBef>
@@ -3690,7 +3804,7 @@
               <a:buChar char="●"/>
               <a:defRPr/>
             </a:lvl7pPr>
-            <a:lvl8pPr indent="-317500" lvl="7" marL="3657600">
+            <a:lvl8pPr marL="3657600" lvl="7" indent="-317500">
               <a:spcBef>
                 <a:spcPts val="1600"/>
               </a:spcBef>
@@ -3701,7 +3815,7 @@
               <a:buChar char="○"/>
               <a:defRPr/>
             </a:lvl8pPr>
-            <a:lvl9pPr indent="-317500" lvl="8" marL="4114800">
+            <a:lvl9pPr marL="4114800" lvl="8" indent="-317500">
               <a:spcBef>
                 <a:spcPts val="1600"/>
               </a:spcBef>
@@ -3713,15 +3827,19 @@
               <a:defRPr/>
             </a:lvl9pPr>
           </a:lstStyle>
-          <a:p/>
+          <a:p>
+            <a:endParaRPr/>
+          </a:p>
         </p:txBody>
       </p:sp>
       <p:sp>
         <p:nvSpPr>
           <p:cNvPr id="19" name="Google Shape;19;p4"/>
-          <p:cNvSpPr txBox="1"/>
+          <p:cNvSpPr txBox="1">
+            <a:spLocks noGrp="1"/>
+          </p:cNvSpPr>
           <p:nvPr>
-            <p:ph idx="12" type="sldNum"/>
+            <p:ph type="sldNum" idx="12"/>
           </p:nvPr>
         </p:nvSpPr>
         <p:spPr>
@@ -3734,7 +3852,7 @@
           </a:prstGeom>
         </p:spPr>
         <p:txBody>
-          <a:bodyPr anchorCtr="0" anchor="ctr" bIns="91425" lIns="91425" spcFirstLastPara="1" rIns="91425" wrap="square" tIns="91425">
+          <a:bodyPr spcFirstLastPara="1" wrap="square" lIns="91425" tIns="91425" rIns="91425" bIns="91425" anchor="ctr" anchorCtr="0">
             <a:noAutofit/>
           </a:bodyPr>
           <a:lstStyle>
@@ -3776,7 +3894,7 @@
             </a:lvl9pPr>
           </a:lstStyle>
           <a:p>
-            <a:pPr indent="0" lvl="0" marL="0" rtl="0" algn="r">
+            <a:pPr marL="0" lvl="0" indent="0" algn="r" rtl="0">
               <a:spcBef>
                 <a:spcPts val="0"/>
               </a:spcBef>
@@ -3802,11 +3920,11 @@
 </file>
 
 <file path=ppt/slideLayouts/slideLayout4.xml><?xml version="1.0" encoding="utf-8"?>
-<p:sldLayout xmlns:a="http://schemas.openxmlformats.org/drawingml/2006/main" xmlns:r="http://schemas.openxmlformats.org/officeDocument/2006/relationships" xmlns:mc="http://schemas.openxmlformats.org/markup-compatibility/2006" xmlns:mv="urn:schemas-microsoft-com:mac:vml" xmlns:p="http://schemas.openxmlformats.org/presentationml/2006/main" xmlns:c="http://schemas.openxmlformats.org/drawingml/2006/chart" xmlns:dgm="http://schemas.openxmlformats.org/drawingml/2006/diagram" xmlns:o="urn:schemas-microsoft-com:office:office" xmlns:v="urn:schemas-microsoft-com:vml" xmlns:pvml="urn:schemas-microsoft-com:office:powerpoint" xmlns:com="http://schemas.openxmlformats.org/drawingml/2006/compatibility" xmlns:p14="http://schemas.microsoft.com/office/powerpoint/2010/main" xmlns:p15="http://schemas.microsoft.com/office/powerpoint/2012/main" matchingName="Title and two columns" type="twoColTx">
+<p:sldLayout xmlns:a="http://schemas.openxmlformats.org/drawingml/2006/main" xmlns:r="http://schemas.openxmlformats.org/officeDocument/2006/relationships" xmlns:p="http://schemas.openxmlformats.org/presentationml/2006/main" matchingName="Title and two columns" type="twoColTx">
   <p:cSld name="TITLE_AND_TWO_COLUMNS">
     <p:spTree>
       <p:nvGrpSpPr>
-        <p:cNvPr id="20" name="Shape 20"/>
+        <p:cNvPr id="1" name="Shape 20"/>
         <p:cNvGrpSpPr/>
         <p:nvPr/>
       </p:nvGrpSpPr>
@@ -3821,7 +3939,9 @@
       <p:sp>
         <p:nvSpPr>
           <p:cNvPr id="21" name="Google Shape;21;p5"/>
-          <p:cNvSpPr txBox="1"/>
+          <p:cNvSpPr txBox="1">
+            <a:spLocks noGrp="1"/>
+          </p:cNvSpPr>
           <p:nvPr>
             <p:ph type="title"/>
           </p:nvPr>
@@ -3836,7 +3956,7 @@
           </a:prstGeom>
         </p:spPr>
         <p:txBody>
-          <a:bodyPr anchorCtr="0" anchor="t" bIns="91425" lIns="91425" spcFirstLastPara="1" rIns="91425" wrap="square" tIns="91425">
+          <a:bodyPr spcFirstLastPara="1" wrap="square" lIns="91425" tIns="91425" rIns="91425" bIns="91425" anchor="t" anchorCtr="0">
             <a:noAutofit/>
           </a:bodyPr>
           <a:lstStyle>
@@ -3940,15 +4060,19 @@
               <a:defRPr/>
             </a:lvl9pPr>
           </a:lstStyle>
-          <a:p/>
+          <a:p>
+            <a:endParaRPr/>
+          </a:p>
         </p:txBody>
       </p:sp>
       <p:sp>
         <p:nvSpPr>
           <p:cNvPr id="22" name="Google Shape;22;p5"/>
-          <p:cNvSpPr txBox="1"/>
+          <p:cNvSpPr txBox="1">
+            <a:spLocks noGrp="1"/>
+          </p:cNvSpPr>
           <p:nvPr>
-            <p:ph idx="1" type="body"/>
+            <p:ph type="body" idx="1"/>
           </p:nvPr>
         </p:nvSpPr>
         <p:spPr>
@@ -3961,11 +4085,11 @@
           </a:prstGeom>
         </p:spPr>
         <p:txBody>
-          <a:bodyPr anchorCtr="0" anchor="t" bIns="91425" lIns="91425" spcFirstLastPara="1" rIns="91425" wrap="square" tIns="91425">
+          <a:bodyPr spcFirstLastPara="1" wrap="square" lIns="91425" tIns="91425" rIns="91425" bIns="91425" anchor="t" anchorCtr="0">
             <a:noAutofit/>
           </a:bodyPr>
           <a:lstStyle>
-            <a:lvl1pPr indent="-317500" lvl="0" marL="457200">
+            <a:lvl1pPr marL="457200" lvl="0" indent="-317500">
               <a:spcBef>
                 <a:spcPts val="0"/>
               </a:spcBef>
@@ -3976,7 +4100,7 @@
               <a:buChar char="●"/>
               <a:defRPr sz="1400"/>
             </a:lvl1pPr>
-            <a:lvl2pPr indent="-304800" lvl="1" marL="914400">
+            <a:lvl2pPr marL="914400" lvl="1" indent="-304800">
               <a:spcBef>
                 <a:spcPts val="1600"/>
               </a:spcBef>
@@ -3987,7 +4111,7 @@
               <a:buChar char="○"/>
               <a:defRPr sz="1200"/>
             </a:lvl2pPr>
-            <a:lvl3pPr indent="-304800" lvl="2" marL="1371600">
+            <a:lvl3pPr marL="1371600" lvl="2" indent="-304800">
               <a:spcBef>
                 <a:spcPts val="1600"/>
               </a:spcBef>
@@ -3998,7 +4122,7 @@
               <a:buChar char="■"/>
               <a:defRPr sz="1200"/>
             </a:lvl3pPr>
-            <a:lvl4pPr indent="-304800" lvl="3" marL="1828800">
+            <a:lvl4pPr marL="1828800" lvl="3" indent="-304800">
               <a:spcBef>
                 <a:spcPts val="1600"/>
               </a:spcBef>
@@ -4009,7 +4133,7 @@
               <a:buChar char="●"/>
               <a:defRPr sz="1200"/>
             </a:lvl4pPr>
-            <a:lvl5pPr indent="-304800" lvl="4" marL="2286000">
+            <a:lvl5pPr marL="2286000" lvl="4" indent="-304800">
               <a:spcBef>
                 <a:spcPts val="1600"/>
               </a:spcBef>
@@ -4020,7 +4144,7 @@
               <a:buChar char="○"/>
               <a:defRPr sz="1200"/>
             </a:lvl5pPr>
-            <a:lvl6pPr indent="-304800" lvl="5" marL="2743200">
+            <a:lvl6pPr marL="2743200" lvl="5" indent="-304800">
               <a:spcBef>
                 <a:spcPts val="1600"/>
               </a:spcBef>
@@ -4031,7 +4155,7 @@
               <a:buChar char="■"/>
               <a:defRPr sz="1200"/>
             </a:lvl6pPr>
-            <a:lvl7pPr indent="-304800" lvl="6" marL="3200400">
+            <a:lvl7pPr marL="3200400" lvl="6" indent="-304800">
               <a:spcBef>
                 <a:spcPts val="1600"/>
               </a:spcBef>
@@ -4042,7 +4166,7 @@
               <a:buChar char="●"/>
               <a:defRPr sz="1200"/>
             </a:lvl7pPr>
-            <a:lvl8pPr indent="-304800" lvl="7" marL="3657600">
+            <a:lvl8pPr marL="3657600" lvl="7" indent="-304800">
               <a:spcBef>
                 <a:spcPts val="1600"/>
               </a:spcBef>
@@ -4053,7 +4177,7 @@
               <a:buChar char="○"/>
               <a:defRPr sz="1200"/>
             </a:lvl8pPr>
-            <a:lvl9pPr indent="-304800" lvl="8" marL="4114800">
+            <a:lvl9pPr marL="4114800" lvl="8" indent="-304800">
               <a:spcBef>
                 <a:spcPts val="1600"/>
               </a:spcBef>
@@ -4065,15 +4189,19 @@
               <a:defRPr sz="1200"/>
             </a:lvl9pPr>
           </a:lstStyle>
-          <a:p/>
+          <a:p>
+            <a:endParaRPr/>
+          </a:p>
         </p:txBody>
       </p:sp>
       <p:sp>
         <p:nvSpPr>
           <p:cNvPr id="23" name="Google Shape;23;p5"/>
-          <p:cNvSpPr txBox="1"/>
+          <p:cNvSpPr txBox="1">
+            <a:spLocks noGrp="1"/>
+          </p:cNvSpPr>
           <p:nvPr>
-            <p:ph idx="2" type="body"/>
+            <p:ph type="body" idx="2"/>
           </p:nvPr>
         </p:nvSpPr>
         <p:spPr>
@@ -4086,11 +4214,11 @@
           </a:prstGeom>
         </p:spPr>
         <p:txBody>
-          <a:bodyPr anchorCtr="0" anchor="t" bIns="91425" lIns="91425" spcFirstLastPara="1" rIns="91425" wrap="square" tIns="91425">
+          <a:bodyPr spcFirstLastPara="1" wrap="square" lIns="91425" tIns="91425" rIns="91425" bIns="91425" anchor="t" anchorCtr="0">
             <a:noAutofit/>
           </a:bodyPr>
           <a:lstStyle>
-            <a:lvl1pPr indent="-317500" lvl="0" marL="457200">
+            <a:lvl1pPr marL="457200" lvl="0" indent="-317500">
               <a:spcBef>
                 <a:spcPts val="0"/>
               </a:spcBef>
@@ -4101,7 +4229,7 @@
               <a:buChar char="●"/>
               <a:defRPr sz="1400"/>
             </a:lvl1pPr>
-            <a:lvl2pPr indent="-304800" lvl="1" marL="914400">
+            <a:lvl2pPr marL="914400" lvl="1" indent="-304800">
               <a:spcBef>
                 <a:spcPts val="1600"/>
               </a:spcBef>
@@ -4112,7 +4240,7 @@
               <a:buChar char="○"/>
               <a:defRPr sz="1200"/>
             </a:lvl2pPr>
-            <a:lvl3pPr indent="-304800" lvl="2" marL="1371600">
+            <a:lvl3pPr marL="1371600" lvl="2" indent="-304800">
               <a:spcBef>
                 <a:spcPts val="1600"/>
               </a:spcBef>
@@ -4123,7 +4251,7 @@
               <a:buChar char="■"/>
               <a:defRPr sz="1200"/>
             </a:lvl3pPr>
-            <a:lvl4pPr indent="-304800" lvl="3" marL="1828800">
+            <a:lvl4pPr marL="1828800" lvl="3" indent="-304800">
               <a:spcBef>
                 <a:spcPts val="1600"/>
               </a:spcBef>
@@ -4134,7 +4262,7 @@
               <a:buChar char="●"/>
               <a:defRPr sz="1200"/>
             </a:lvl4pPr>
-            <a:lvl5pPr indent="-304800" lvl="4" marL="2286000">
+            <a:lvl5pPr marL="2286000" lvl="4" indent="-304800">
               <a:spcBef>
                 <a:spcPts val="1600"/>
               </a:spcBef>
@@ -4145,7 +4273,7 @@
               <a:buChar char="○"/>
               <a:defRPr sz="1200"/>
             </a:lvl5pPr>
-            <a:lvl6pPr indent="-304800" lvl="5" marL="2743200">
+            <a:lvl6pPr marL="2743200" lvl="5" indent="-304800">
               <a:spcBef>
                 <a:spcPts val="1600"/>
               </a:spcBef>
@@ -4156,7 +4284,7 @@
               <a:buChar char="■"/>
               <a:defRPr sz="1200"/>
             </a:lvl6pPr>
-            <a:lvl7pPr indent="-304800" lvl="6" marL="3200400">
+            <a:lvl7pPr marL="3200400" lvl="6" indent="-304800">
               <a:spcBef>
                 <a:spcPts val="1600"/>
               </a:spcBef>
@@ -4167,7 +4295,7 @@
               <a:buChar char="●"/>
               <a:defRPr sz="1200"/>
             </a:lvl7pPr>
-            <a:lvl8pPr indent="-304800" lvl="7" marL="3657600">
+            <a:lvl8pPr marL="3657600" lvl="7" indent="-304800">
               <a:spcBef>
                 <a:spcPts val="1600"/>
               </a:spcBef>
@@ -4178,7 +4306,7 @@
               <a:buChar char="○"/>
               <a:defRPr sz="1200"/>
             </a:lvl8pPr>
-            <a:lvl9pPr indent="-304800" lvl="8" marL="4114800">
+            <a:lvl9pPr marL="4114800" lvl="8" indent="-304800">
               <a:spcBef>
                 <a:spcPts val="1600"/>
               </a:spcBef>
@@ -4190,15 +4318,19 @@
               <a:defRPr sz="1200"/>
             </a:lvl9pPr>
           </a:lstStyle>
-          <a:p/>
+          <a:p>
+            <a:endParaRPr/>
+          </a:p>
         </p:txBody>
       </p:sp>
       <p:sp>
         <p:nvSpPr>
           <p:cNvPr id="24" name="Google Shape;24;p5"/>
-          <p:cNvSpPr txBox="1"/>
+          <p:cNvSpPr txBox="1">
+            <a:spLocks noGrp="1"/>
+          </p:cNvSpPr>
           <p:nvPr>
-            <p:ph idx="12" type="sldNum"/>
+            <p:ph type="sldNum" idx="12"/>
           </p:nvPr>
         </p:nvSpPr>
         <p:spPr>
@@ -4211,7 +4343,7 @@
           </a:prstGeom>
         </p:spPr>
         <p:txBody>
-          <a:bodyPr anchorCtr="0" anchor="ctr" bIns="91425" lIns="91425" spcFirstLastPara="1" rIns="91425" wrap="square" tIns="91425">
+          <a:bodyPr spcFirstLastPara="1" wrap="square" lIns="91425" tIns="91425" rIns="91425" bIns="91425" anchor="ctr" anchorCtr="0">
             <a:noAutofit/>
           </a:bodyPr>
           <a:lstStyle>
@@ -4253,7 +4385,7 @@
             </a:lvl9pPr>
           </a:lstStyle>
           <a:p>
-            <a:pPr indent="0" lvl="0" marL="0" rtl="0" algn="r">
+            <a:pPr marL="0" lvl="0" indent="0" algn="r" rtl="0">
               <a:spcBef>
                 <a:spcPts val="0"/>
               </a:spcBef>
@@ -4279,11 +4411,11 @@
 </file>
 
 <file path=ppt/slideLayouts/slideLayout5.xml><?xml version="1.0" encoding="utf-8"?>
-<p:sldLayout xmlns:a="http://schemas.openxmlformats.org/drawingml/2006/main" xmlns:r="http://schemas.openxmlformats.org/officeDocument/2006/relationships" xmlns:mc="http://schemas.openxmlformats.org/markup-compatibility/2006" xmlns:mv="urn:schemas-microsoft-com:mac:vml" xmlns:p="http://schemas.openxmlformats.org/presentationml/2006/main" xmlns:c="http://schemas.openxmlformats.org/drawingml/2006/chart" xmlns:dgm="http://schemas.openxmlformats.org/drawingml/2006/diagram" xmlns:o="urn:schemas-microsoft-com:office:office" xmlns:v="urn:schemas-microsoft-com:vml" xmlns:pvml="urn:schemas-microsoft-com:office:powerpoint" xmlns:com="http://schemas.openxmlformats.org/drawingml/2006/compatibility" xmlns:p14="http://schemas.microsoft.com/office/powerpoint/2010/main" xmlns:p15="http://schemas.microsoft.com/office/powerpoint/2012/main" matchingName="Title only" type="titleOnly">
+<p:sldLayout xmlns:a="http://schemas.openxmlformats.org/drawingml/2006/main" xmlns:r="http://schemas.openxmlformats.org/officeDocument/2006/relationships" xmlns:p="http://schemas.openxmlformats.org/presentationml/2006/main" matchingName="Title only" type="titleOnly">
   <p:cSld name="TITLE_ONLY">
     <p:spTree>
       <p:nvGrpSpPr>
-        <p:cNvPr id="25" name="Shape 25"/>
+        <p:cNvPr id="1" name="Shape 25"/>
         <p:cNvGrpSpPr/>
         <p:nvPr/>
       </p:nvGrpSpPr>
@@ -4298,7 +4430,9 @@
       <p:sp>
         <p:nvSpPr>
           <p:cNvPr id="26" name="Google Shape;26;p6"/>
-          <p:cNvSpPr txBox="1"/>
+          <p:cNvSpPr txBox="1">
+            <a:spLocks noGrp="1"/>
+          </p:cNvSpPr>
           <p:nvPr>
             <p:ph type="title"/>
           </p:nvPr>
@@ -4313,7 +4447,7 @@
           </a:prstGeom>
         </p:spPr>
         <p:txBody>
-          <a:bodyPr anchorCtr="0" anchor="t" bIns="91425" lIns="91425" spcFirstLastPara="1" rIns="91425" wrap="square" tIns="91425">
+          <a:bodyPr spcFirstLastPara="1" wrap="square" lIns="91425" tIns="91425" rIns="91425" bIns="91425" anchor="t" anchorCtr="0">
             <a:noAutofit/>
           </a:bodyPr>
           <a:lstStyle>
@@ -4417,15 +4551,19 @@
               <a:defRPr/>
             </a:lvl9pPr>
           </a:lstStyle>
-          <a:p/>
+          <a:p>
+            <a:endParaRPr/>
+          </a:p>
         </p:txBody>
       </p:sp>
       <p:sp>
         <p:nvSpPr>
           <p:cNvPr id="27" name="Google Shape;27;p6"/>
-          <p:cNvSpPr txBox="1"/>
+          <p:cNvSpPr txBox="1">
+            <a:spLocks noGrp="1"/>
+          </p:cNvSpPr>
           <p:nvPr>
-            <p:ph idx="12" type="sldNum"/>
+            <p:ph type="sldNum" idx="12"/>
           </p:nvPr>
         </p:nvSpPr>
         <p:spPr>
@@ -4438,7 +4576,7 @@
           </a:prstGeom>
         </p:spPr>
         <p:txBody>
-          <a:bodyPr anchorCtr="0" anchor="ctr" bIns="91425" lIns="91425" spcFirstLastPara="1" rIns="91425" wrap="square" tIns="91425">
+          <a:bodyPr spcFirstLastPara="1" wrap="square" lIns="91425" tIns="91425" rIns="91425" bIns="91425" anchor="ctr" anchorCtr="0">
             <a:noAutofit/>
           </a:bodyPr>
           <a:lstStyle>
@@ -4480,7 +4618,7 @@
             </a:lvl9pPr>
           </a:lstStyle>
           <a:p>
-            <a:pPr indent="0" lvl="0" marL="0" rtl="0" algn="r">
+            <a:pPr marL="0" lvl="0" indent="0" algn="r" rtl="0">
               <a:spcBef>
                 <a:spcPts val="0"/>
               </a:spcBef>
@@ -4506,11 +4644,11 @@
 </file>
 
 <file path=ppt/slideLayouts/slideLayout6.xml><?xml version="1.0" encoding="utf-8"?>
-<p:sldLayout xmlns:a="http://schemas.openxmlformats.org/drawingml/2006/main" xmlns:r="http://schemas.openxmlformats.org/officeDocument/2006/relationships" xmlns:mc="http://schemas.openxmlformats.org/markup-compatibility/2006" xmlns:mv="urn:schemas-microsoft-com:mac:vml" xmlns:p="http://schemas.openxmlformats.org/presentationml/2006/main" xmlns:c="http://schemas.openxmlformats.org/drawingml/2006/chart" xmlns:dgm="http://schemas.openxmlformats.org/drawingml/2006/diagram" xmlns:o="urn:schemas-microsoft-com:office:office" xmlns:v="urn:schemas-microsoft-com:vml" xmlns:pvml="urn:schemas-microsoft-com:office:powerpoint" xmlns:com="http://schemas.openxmlformats.org/drawingml/2006/compatibility" xmlns:p14="http://schemas.microsoft.com/office/powerpoint/2010/main" xmlns:p15="http://schemas.microsoft.com/office/powerpoint/2012/main" matchingName="One column text">
+<p:sldLayout xmlns:a="http://schemas.openxmlformats.org/drawingml/2006/main" xmlns:r="http://schemas.openxmlformats.org/officeDocument/2006/relationships" xmlns:p="http://schemas.openxmlformats.org/presentationml/2006/main" matchingName="One column text">
   <p:cSld name="ONE_COLUMN_TEXT">
     <p:spTree>
       <p:nvGrpSpPr>
-        <p:cNvPr id="28" name="Shape 28"/>
+        <p:cNvPr id="1" name="Shape 28"/>
         <p:cNvGrpSpPr/>
         <p:nvPr/>
       </p:nvGrpSpPr>
@@ -4525,7 +4663,9 @@
       <p:sp>
         <p:nvSpPr>
           <p:cNvPr id="29" name="Google Shape;29;p7"/>
-          <p:cNvSpPr txBox="1"/>
+          <p:cNvSpPr txBox="1">
+            <a:spLocks noGrp="1"/>
+          </p:cNvSpPr>
           <p:nvPr>
             <p:ph type="title"/>
           </p:nvPr>
@@ -4540,7 +4680,7 @@
           </a:prstGeom>
         </p:spPr>
         <p:txBody>
-          <a:bodyPr anchorCtr="0" anchor="b" bIns="91425" lIns="91425" spcFirstLastPara="1" rIns="91425" wrap="square" tIns="91425">
+          <a:bodyPr spcFirstLastPara="1" wrap="square" lIns="91425" tIns="91425" rIns="91425" bIns="91425" anchor="b" anchorCtr="0">
             <a:noAutofit/>
           </a:bodyPr>
           <a:lstStyle>
@@ -4644,15 +4784,19 @@
               <a:defRPr sz="2400"/>
             </a:lvl9pPr>
           </a:lstStyle>
-          <a:p/>
+          <a:p>
+            <a:endParaRPr/>
+          </a:p>
         </p:txBody>
       </p:sp>
       <p:sp>
         <p:nvSpPr>
           <p:cNvPr id="30" name="Google Shape;30;p7"/>
-          <p:cNvSpPr txBox="1"/>
+          <p:cNvSpPr txBox="1">
+            <a:spLocks noGrp="1"/>
+          </p:cNvSpPr>
           <p:nvPr>
-            <p:ph idx="1" type="body"/>
+            <p:ph type="body" idx="1"/>
           </p:nvPr>
         </p:nvSpPr>
         <p:spPr>
@@ -4665,11 +4809,11 @@
           </a:prstGeom>
         </p:spPr>
         <p:txBody>
-          <a:bodyPr anchorCtr="0" anchor="t" bIns="91425" lIns="91425" spcFirstLastPara="1" rIns="91425" wrap="square" tIns="91425">
+          <a:bodyPr spcFirstLastPara="1" wrap="square" lIns="91425" tIns="91425" rIns="91425" bIns="91425" anchor="t" anchorCtr="0">
             <a:noAutofit/>
           </a:bodyPr>
           <a:lstStyle>
-            <a:lvl1pPr indent="-304800" lvl="0" marL="457200">
+            <a:lvl1pPr marL="457200" lvl="0" indent="-304800">
               <a:spcBef>
                 <a:spcPts val="0"/>
               </a:spcBef>
@@ -4680,7 +4824,7 @@
               <a:buChar char="●"/>
               <a:defRPr sz="1200"/>
             </a:lvl1pPr>
-            <a:lvl2pPr indent="-304800" lvl="1" marL="914400">
+            <a:lvl2pPr marL="914400" lvl="1" indent="-304800">
               <a:spcBef>
                 <a:spcPts val="1600"/>
               </a:spcBef>
@@ -4691,7 +4835,7 @@
               <a:buChar char="○"/>
               <a:defRPr sz="1200"/>
             </a:lvl2pPr>
-            <a:lvl3pPr indent="-304800" lvl="2" marL="1371600">
+            <a:lvl3pPr marL="1371600" lvl="2" indent="-304800">
               <a:spcBef>
                 <a:spcPts val="1600"/>
               </a:spcBef>
@@ -4702,7 +4846,7 @@
               <a:buChar char="■"/>
               <a:defRPr sz="1200"/>
             </a:lvl3pPr>
-            <a:lvl4pPr indent="-304800" lvl="3" marL="1828800">
+            <a:lvl4pPr marL="1828800" lvl="3" indent="-304800">
               <a:spcBef>
                 <a:spcPts val="1600"/>
               </a:spcBef>
@@ -4713,7 +4857,7 @@
               <a:buChar char="●"/>
               <a:defRPr sz="1200"/>
             </a:lvl4pPr>
-            <a:lvl5pPr indent="-304800" lvl="4" marL="2286000">
+            <a:lvl5pPr marL="2286000" lvl="4" indent="-304800">
               <a:spcBef>
                 <a:spcPts val="1600"/>
               </a:spcBef>
@@ -4724,7 +4868,7 @@
               <a:buChar char="○"/>
               <a:defRPr sz="1200"/>
             </a:lvl5pPr>
-            <a:lvl6pPr indent="-304800" lvl="5" marL="2743200">
+            <a:lvl6pPr marL="2743200" lvl="5" indent="-304800">
               <a:spcBef>
                 <a:spcPts val="1600"/>
               </a:spcBef>
@@ -4735,7 +4879,7 @@
               <a:buChar char="■"/>
               <a:defRPr sz="1200"/>
             </a:lvl6pPr>
-            <a:lvl7pPr indent="-304800" lvl="6" marL="3200400">
+            <a:lvl7pPr marL="3200400" lvl="6" indent="-304800">
               <a:spcBef>
                 <a:spcPts val="1600"/>
               </a:spcBef>
@@ -4746,7 +4890,7 @@
               <a:buChar char="●"/>
               <a:defRPr sz="1200"/>
             </a:lvl7pPr>
-            <a:lvl8pPr indent="-304800" lvl="7" marL="3657600">
+            <a:lvl8pPr marL="3657600" lvl="7" indent="-304800">
               <a:spcBef>
                 <a:spcPts val="1600"/>
               </a:spcBef>
@@ -4757,7 +4901,7 @@
               <a:buChar char="○"/>
               <a:defRPr sz="1200"/>
             </a:lvl8pPr>
-            <a:lvl9pPr indent="-304800" lvl="8" marL="4114800">
+            <a:lvl9pPr marL="4114800" lvl="8" indent="-304800">
               <a:spcBef>
                 <a:spcPts val="1600"/>
               </a:spcBef>
@@ -4769,15 +4913,19 @@
               <a:defRPr sz="1200"/>
             </a:lvl9pPr>
           </a:lstStyle>
-          <a:p/>
+          <a:p>
+            <a:endParaRPr/>
+          </a:p>
         </p:txBody>
       </p:sp>
       <p:sp>
         <p:nvSpPr>
           <p:cNvPr id="31" name="Google Shape;31;p7"/>
-          <p:cNvSpPr txBox="1"/>
+          <p:cNvSpPr txBox="1">
+            <a:spLocks noGrp="1"/>
+          </p:cNvSpPr>
           <p:nvPr>
-            <p:ph idx="12" type="sldNum"/>
+            <p:ph type="sldNum" idx="12"/>
           </p:nvPr>
         </p:nvSpPr>
         <p:spPr>
@@ -4790,7 +4938,7 @@
           </a:prstGeom>
         </p:spPr>
         <p:txBody>
-          <a:bodyPr anchorCtr="0" anchor="ctr" bIns="91425" lIns="91425" spcFirstLastPara="1" rIns="91425" wrap="square" tIns="91425">
+          <a:bodyPr spcFirstLastPara="1" wrap="square" lIns="91425" tIns="91425" rIns="91425" bIns="91425" anchor="ctr" anchorCtr="0">
             <a:noAutofit/>
           </a:bodyPr>
           <a:lstStyle>
@@ -4832,7 +4980,7 @@
             </a:lvl9pPr>
           </a:lstStyle>
           <a:p>
-            <a:pPr indent="0" lvl="0" marL="0" rtl="0" algn="r">
+            <a:pPr marL="0" lvl="0" indent="0" algn="r" rtl="0">
               <a:spcBef>
                 <a:spcPts val="0"/>
               </a:spcBef>
@@ -4858,11 +5006,11 @@
 </file>
 
 <file path=ppt/slideLayouts/slideLayout7.xml><?xml version="1.0" encoding="utf-8"?>
-<p:sldLayout xmlns:a="http://schemas.openxmlformats.org/drawingml/2006/main" xmlns:r="http://schemas.openxmlformats.org/officeDocument/2006/relationships" xmlns:mc="http://schemas.openxmlformats.org/markup-compatibility/2006" xmlns:mv="urn:schemas-microsoft-com:mac:vml" xmlns:p="http://schemas.openxmlformats.org/presentationml/2006/main" xmlns:c="http://schemas.openxmlformats.org/drawingml/2006/chart" xmlns:dgm="http://schemas.openxmlformats.org/drawingml/2006/diagram" xmlns:o="urn:schemas-microsoft-com:office:office" xmlns:v="urn:schemas-microsoft-com:vml" xmlns:pvml="urn:schemas-microsoft-com:office:powerpoint" xmlns:com="http://schemas.openxmlformats.org/drawingml/2006/compatibility" xmlns:p14="http://schemas.microsoft.com/office/powerpoint/2010/main" xmlns:p15="http://schemas.microsoft.com/office/powerpoint/2012/main" matchingName="Main point">
+<p:sldLayout xmlns:a="http://schemas.openxmlformats.org/drawingml/2006/main" xmlns:r="http://schemas.openxmlformats.org/officeDocument/2006/relationships" xmlns:p="http://schemas.openxmlformats.org/presentationml/2006/main" matchingName="Main point">
   <p:cSld name="MAIN_POINT">
     <p:spTree>
       <p:nvGrpSpPr>
-        <p:cNvPr id="32" name="Shape 32"/>
+        <p:cNvPr id="1" name="Shape 32"/>
         <p:cNvGrpSpPr/>
         <p:nvPr/>
       </p:nvGrpSpPr>
@@ -4877,7 +5025,9 @@
       <p:sp>
         <p:nvSpPr>
           <p:cNvPr id="33" name="Google Shape;33;p8"/>
-          <p:cNvSpPr txBox="1"/>
+          <p:cNvSpPr txBox="1">
+            <a:spLocks noGrp="1"/>
+          </p:cNvSpPr>
           <p:nvPr>
             <p:ph type="title"/>
           </p:nvPr>
@@ -4892,7 +5042,7 @@
           </a:prstGeom>
         </p:spPr>
         <p:txBody>
-          <a:bodyPr anchorCtr="0" anchor="ctr" bIns="91425" lIns="91425" spcFirstLastPara="1" rIns="91425" wrap="square" tIns="91425">
+          <a:bodyPr spcFirstLastPara="1" wrap="square" lIns="91425" tIns="91425" rIns="91425" bIns="91425" anchor="ctr" anchorCtr="0">
             <a:noAutofit/>
           </a:bodyPr>
           <a:lstStyle>
@@ -4996,15 +5146,19 @@
               <a:defRPr sz="4800"/>
             </a:lvl9pPr>
           </a:lstStyle>
-          <a:p/>
+          <a:p>
+            <a:endParaRPr/>
+          </a:p>
         </p:txBody>
       </p:sp>
       <p:sp>
         <p:nvSpPr>
           <p:cNvPr id="34" name="Google Shape;34;p8"/>
-          <p:cNvSpPr txBox="1"/>
+          <p:cNvSpPr txBox="1">
+            <a:spLocks noGrp="1"/>
+          </p:cNvSpPr>
           <p:nvPr>
-            <p:ph idx="12" type="sldNum"/>
+            <p:ph type="sldNum" idx="12"/>
           </p:nvPr>
         </p:nvSpPr>
         <p:spPr>
@@ -5017,7 +5171,7 @@
           </a:prstGeom>
         </p:spPr>
         <p:txBody>
-          <a:bodyPr anchorCtr="0" anchor="ctr" bIns="91425" lIns="91425" spcFirstLastPara="1" rIns="91425" wrap="square" tIns="91425">
+          <a:bodyPr spcFirstLastPara="1" wrap="square" lIns="91425" tIns="91425" rIns="91425" bIns="91425" anchor="ctr" anchorCtr="0">
             <a:noAutofit/>
           </a:bodyPr>
           <a:lstStyle>
@@ -5059,7 +5213,7 @@
             </a:lvl9pPr>
           </a:lstStyle>
           <a:p>
-            <a:pPr indent="0" lvl="0" marL="0" rtl="0" algn="r">
+            <a:pPr marL="0" lvl="0" indent="0" algn="r" rtl="0">
               <a:spcBef>
                 <a:spcPts val="0"/>
               </a:spcBef>
@@ -5085,11 +5239,11 @@
 </file>
 
 <file path=ppt/slideLayouts/slideLayout8.xml><?xml version="1.0" encoding="utf-8"?>
-<p:sldLayout xmlns:a="http://schemas.openxmlformats.org/drawingml/2006/main" xmlns:r="http://schemas.openxmlformats.org/officeDocument/2006/relationships" xmlns:mc="http://schemas.openxmlformats.org/markup-compatibility/2006" xmlns:mv="urn:schemas-microsoft-com:mac:vml" xmlns:p="http://schemas.openxmlformats.org/presentationml/2006/main" xmlns:c="http://schemas.openxmlformats.org/drawingml/2006/chart" xmlns:dgm="http://schemas.openxmlformats.org/drawingml/2006/diagram" xmlns:o="urn:schemas-microsoft-com:office:office" xmlns:v="urn:schemas-microsoft-com:vml" xmlns:pvml="urn:schemas-microsoft-com:office:powerpoint" xmlns:com="http://schemas.openxmlformats.org/drawingml/2006/compatibility" xmlns:p14="http://schemas.microsoft.com/office/powerpoint/2010/main" xmlns:p15="http://schemas.microsoft.com/office/powerpoint/2012/main" matchingName="Section title and description">
+<p:sldLayout xmlns:a="http://schemas.openxmlformats.org/drawingml/2006/main" xmlns:r="http://schemas.openxmlformats.org/officeDocument/2006/relationships" xmlns:p="http://schemas.openxmlformats.org/presentationml/2006/main" matchingName="Section title and description">
   <p:cSld name="SECTION_TITLE_AND_DESCRIPTION">
     <p:spTree>
       <p:nvGrpSpPr>
-        <p:cNvPr id="35" name="Shape 35"/>
+        <p:cNvPr id="1" name="Shape 35"/>
         <p:cNvGrpSpPr/>
         <p:nvPr/>
       </p:nvGrpSpPr>
@@ -5123,23 +5277,20 @@
           </a:ln>
         </p:spPr>
         <p:txBody>
-          <a:bodyPr anchorCtr="0" anchor="ctr" bIns="91425" lIns="91425" spcFirstLastPara="1" rIns="91425" wrap="square" tIns="91425">
+          <a:bodyPr spcFirstLastPara="1" wrap="square" lIns="91425" tIns="91425" rIns="91425" bIns="91425" anchor="ctr" anchorCtr="0">
             <a:noAutofit/>
           </a:bodyPr>
           <a:lstStyle/>
           <a:p>
-            <a:pPr indent="0" lvl="0" marL="0" rtl="0" algn="l">
-              <a:spcBef>
-                <a:spcPts val="0"/>
-              </a:spcBef>
-              <a:spcAft>
-                <a:spcPts val="0"/>
-              </a:spcAft>
-              <a:buNone/>
-            </a:pPr>
-            <a:r>
-              <a:t/>
-            </a:r>
+            <a:pPr marL="0" lvl="0" indent="0" algn="l" rtl="0">
+              <a:spcBef>
+                <a:spcPts val="0"/>
+              </a:spcBef>
+              <a:spcAft>
+                <a:spcPts val="0"/>
+              </a:spcAft>
+              <a:buNone/>
+            </a:pPr>
             <a:endParaRPr/>
           </a:p>
         </p:txBody>
@@ -5147,7 +5298,9 @@
       <p:sp>
         <p:nvSpPr>
           <p:cNvPr id="37" name="Google Shape;37;p9"/>
-          <p:cNvSpPr txBox="1"/>
+          <p:cNvSpPr txBox="1">
+            <a:spLocks noGrp="1"/>
+          </p:cNvSpPr>
           <p:nvPr>
             <p:ph type="title"/>
           </p:nvPr>
@@ -5162,7 +5315,7 @@
           </a:prstGeom>
         </p:spPr>
         <p:txBody>
-          <a:bodyPr anchorCtr="0" anchor="b" bIns="91425" lIns="91425" spcFirstLastPara="1" rIns="91425" wrap="square" tIns="91425">
+          <a:bodyPr spcFirstLastPara="1" wrap="square" lIns="91425" tIns="91425" rIns="91425" bIns="91425" anchor="b" anchorCtr="0">
             <a:noAutofit/>
           </a:bodyPr>
           <a:lstStyle>
@@ -5266,15 +5419,19 @@
               <a:defRPr sz="4200"/>
             </a:lvl9pPr>
           </a:lstStyle>
-          <a:p/>
+          <a:p>
+            <a:endParaRPr/>
+          </a:p>
         </p:txBody>
       </p:sp>
       <p:sp>
         <p:nvSpPr>
           <p:cNvPr id="38" name="Google Shape;38;p9"/>
-          <p:cNvSpPr txBox="1"/>
+          <p:cNvSpPr txBox="1">
+            <a:spLocks noGrp="1"/>
+          </p:cNvSpPr>
           <p:nvPr>
-            <p:ph idx="1" type="subTitle"/>
+            <p:ph type="subTitle" idx="1"/>
           </p:nvPr>
         </p:nvSpPr>
         <p:spPr>
@@ -5287,7 +5444,7 @@
           </a:prstGeom>
         </p:spPr>
         <p:txBody>
-          <a:bodyPr anchorCtr="0" anchor="t" bIns="91425" lIns="91425" spcFirstLastPara="1" rIns="91425" wrap="square" tIns="91425">
+          <a:bodyPr spcFirstLastPara="1" wrap="square" lIns="91425" tIns="91425" rIns="91425" bIns="91425" anchor="t" anchorCtr="0">
             <a:noAutofit/>
           </a:bodyPr>
           <a:lstStyle>
@@ -5418,15 +5575,19 @@
               <a:defRPr sz="2100"/>
             </a:lvl9pPr>
           </a:lstStyle>
-          <a:p/>
+          <a:p>
+            <a:endParaRPr/>
+          </a:p>
         </p:txBody>
       </p:sp>
       <p:sp>
         <p:nvSpPr>
           <p:cNvPr id="39" name="Google Shape;39;p9"/>
-          <p:cNvSpPr txBox="1"/>
+          <p:cNvSpPr txBox="1">
+            <a:spLocks noGrp="1"/>
+          </p:cNvSpPr>
           <p:nvPr>
-            <p:ph idx="2" type="body"/>
+            <p:ph type="body" idx="2"/>
           </p:nvPr>
         </p:nvSpPr>
         <p:spPr>
@@ -5439,11 +5600,11 @@
           </a:prstGeom>
         </p:spPr>
         <p:txBody>
-          <a:bodyPr anchorCtr="0" anchor="ctr" bIns="91425" lIns="91425" spcFirstLastPara="1" rIns="91425" wrap="square" tIns="91425">
+          <a:bodyPr spcFirstLastPara="1" wrap="square" lIns="91425" tIns="91425" rIns="91425" bIns="91425" anchor="ctr" anchorCtr="0">
             <a:noAutofit/>
           </a:bodyPr>
           <a:lstStyle>
-            <a:lvl1pPr indent="-342900" lvl="0" marL="457200">
+            <a:lvl1pPr marL="457200" lvl="0" indent="-342900">
               <a:spcBef>
                 <a:spcPts val="0"/>
               </a:spcBef>
@@ -5454,7 +5615,7 @@
               <a:buChar char="●"/>
               <a:defRPr/>
             </a:lvl1pPr>
-            <a:lvl2pPr indent="-317500" lvl="1" marL="914400">
+            <a:lvl2pPr marL="914400" lvl="1" indent="-317500">
               <a:spcBef>
                 <a:spcPts val="1600"/>
               </a:spcBef>
@@ -5465,7 +5626,7 @@
               <a:buChar char="○"/>
               <a:defRPr/>
             </a:lvl2pPr>
-            <a:lvl3pPr indent="-317500" lvl="2" marL="1371600">
+            <a:lvl3pPr marL="1371600" lvl="2" indent="-317500">
               <a:spcBef>
                 <a:spcPts val="1600"/>
               </a:spcBef>
@@ -5476,7 +5637,7 @@
               <a:buChar char="■"/>
               <a:defRPr/>
             </a:lvl3pPr>
-            <a:lvl4pPr indent="-317500" lvl="3" marL="1828800">
+            <a:lvl4pPr marL="1828800" lvl="3" indent="-317500">
               <a:spcBef>
                 <a:spcPts val="1600"/>
               </a:spcBef>
@@ -5487,7 +5648,7 @@
               <a:buChar char="●"/>
               <a:defRPr/>
             </a:lvl4pPr>
-            <a:lvl5pPr indent="-317500" lvl="4" marL="2286000">
+            <a:lvl5pPr marL="2286000" lvl="4" indent="-317500">
               <a:spcBef>
                 <a:spcPts val="1600"/>
               </a:spcBef>
@@ -5498,7 +5659,7 @@
               <a:buChar char="○"/>
               <a:defRPr/>
             </a:lvl5pPr>
-            <a:lvl6pPr indent="-317500" lvl="5" marL="2743200">
+            <a:lvl6pPr marL="2743200" lvl="5" indent="-317500">
               <a:spcBef>
                 <a:spcPts val="1600"/>
               </a:spcBef>
@@ -5509,7 +5670,7 @@
               <a:buChar char="■"/>
               <a:defRPr/>
             </a:lvl6pPr>
-            <a:lvl7pPr indent="-317500" lvl="6" marL="3200400">
+            <a:lvl7pPr marL="3200400" lvl="6" indent="-317500">
               <a:spcBef>
                 <a:spcPts val="1600"/>
               </a:spcBef>
@@ -5520,7 +5681,7 @@
               <a:buChar char="●"/>
               <a:defRPr/>
             </a:lvl7pPr>
-            <a:lvl8pPr indent="-317500" lvl="7" marL="3657600">
+            <a:lvl8pPr marL="3657600" lvl="7" indent="-317500">
               <a:spcBef>
                 <a:spcPts val="1600"/>
               </a:spcBef>
@@ -5531,7 +5692,7 @@
               <a:buChar char="○"/>
               <a:defRPr/>
             </a:lvl8pPr>
-            <a:lvl9pPr indent="-317500" lvl="8" marL="4114800">
+            <a:lvl9pPr marL="4114800" lvl="8" indent="-317500">
               <a:spcBef>
                 <a:spcPts val="1600"/>
               </a:spcBef>
@@ -5543,15 +5704,19 @@
               <a:defRPr/>
             </a:lvl9pPr>
           </a:lstStyle>
-          <a:p/>
+          <a:p>
+            <a:endParaRPr/>
+          </a:p>
         </p:txBody>
       </p:sp>
       <p:sp>
         <p:nvSpPr>
           <p:cNvPr id="40" name="Google Shape;40;p9"/>
-          <p:cNvSpPr txBox="1"/>
+          <p:cNvSpPr txBox="1">
+            <a:spLocks noGrp="1"/>
+          </p:cNvSpPr>
           <p:nvPr>
-            <p:ph idx="12" type="sldNum"/>
+            <p:ph type="sldNum" idx="12"/>
           </p:nvPr>
         </p:nvSpPr>
         <p:spPr>
@@ -5564,7 +5729,7 @@
           </a:prstGeom>
         </p:spPr>
         <p:txBody>
-          <a:bodyPr anchorCtr="0" anchor="ctr" bIns="91425" lIns="91425" spcFirstLastPara="1" rIns="91425" wrap="square" tIns="91425">
+          <a:bodyPr spcFirstLastPara="1" wrap="square" lIns="91425" tIns="91425" rIns="91425" bIns="91425" anchor="ctr" anchorCtr="0">
             <a:noAutofit/>
           </a:bodyPr>
           <a:lstStyle>
@@ -5606,7 +5771,7 @@
             </a:lvl9pPr>
           </a:lstStyle>
           <a:p>
-            <a:pPr indent="0" lvl="0" marL="0" rtl="0" algn="r">
+            <a:pPr marL="0" lvl="0" indent="0" algn="r" rtl="0">
               <a:spcBef>
                 <a:spcPts val="0"/>
               </a:spcBef>
@@ -5632,11 +5797,11 @@
 </file>
 
 <file path=ppt/slideLayouts/slideLayout9.xml><?xml version="1.0" encoding="utf-8"?>
-<p:sldLayout xmlns:a="http://schemas.openxmlformats.org/drawingml/2006/main" xmlns:r="http://schemas.openxmlformats.org/officeDocument/2006/relationships" xmlns:mc="http://schemas.openxmlformats.org/markup-compatibility/2006" xmlns:mv="urn:schemas-microsoft-com:mac:vml" xmlns:p="http://schemas.openxmlformats.org/presentationml/2006/main" xmlns:c="http://schemas.openxmlformats.org/drawingml/2006/chart" xmlns:dgm="http://schemas.openxmlformats.org/drawingml/2006/diagram" xmlns:o="urn:schemas-microsoft-com:office:office" xmlns:v="urn:schemas-microsoft-com:vml" xmlns:pvml="urn:schemas-microsoft-com:office:powerpoint" xmlns:com="http://schemas.openxmlformats.org/drawingml/2006/compatibility" xmlns:p14="http://schemas.microsoft.com/office/powerpoint/2010/main" xmlns:p15="http://schemas.microsoft.com/office/powerpoint/2012/main" matchingName="Caption">
+<p:sldLayout xmlns:a="http://schemas.openxmlformats.org/drawingml/2006/main" xmlns:r="http://schemas.openxmlformats.org/officeDocument/2006/relationships" xmlns:p="http://schemas.openxmlformats.org/presentationml/2006/main" matchingName="Caption">
   <p:cSld name="CAPTION_ONLY">
     <p:spTree>
       <p:nvGrpSpPr>
-        <p:cNvPr id="41" name="Shape 41"/>
+        <p:cNvPr id="1" name="Shape 41"/>
         <p:cNvGrpSpPr/>
         <p:nvPr/>
       </p:nvGrpSpPr>
@@ -5651,9 +5816,11 @@
       <p:sp>
         <p:nvSpPr>
           <p:cNvPr id="42" name="Google Shape;42;p10"/>
-          <p:cNvSpPr txBox="1"/>
+          <p:cNvSpPr txBox="1">
+            <a:spLocks noGrp="1"/>
+          </p:cNvSpPr>
           <p:nvPr>
-            <p:ph idx="1" type="body"/>
+            <p:ph type="body" idx="1"/>
           </p:nvPr>
         </p:nvSpPr>
         <p:spPr>
@@ -5666,11 +5833,11 @@
           </a:prstGeom>
         </p:spPr>
         <p:txBody>
-          <a:bodyPr anchorCtr="0" anchor="ctr" bIns="91425" lIns="91425" spcFirstLastPara="1" rIns="91425" wrap="square" tIns="91425">
+          <a:bodyPr spcFirstLastPara="1" wrap="square" lIns="91425" tIns="91425" rIns="91425" bIns="91425" anchor="ctr" anchorCtr="0">
             <a:noAutofit/>
           </a:bodyPr>
           <a:lstStyle>
-            <a:lvl1pPr indent="-228600" lvl="0" marL="457200">
+            <a:lvl1pPr marL="457200" lvl="0" indent="-228600">
               <a:lnSpc>
                 <a:spcPct val="100000"/>
               </a:lnSpc>
@@ -5685,15 +5852,19 @@
               <a:defRPr/>
             </a:lvl1pPr>
           </a:lstStyle>
-          <a:p/>
+          <a:p>
+            <a:endParaRPr/>
+          </a:p>
         </p:txBody>
       </p:sp>
       <p:sp>
         <p:nvSpPr>
           <p:cNvPr id="43" name="Google Shape;43;p10"/>
-          <p:cNvSpPr txBox="1"/>
+          <p:cNvSpPr txBox="1">
+            <a:spLocks noGrp="1"/>
+          </p:cNvSpPr>
           <p:nvPr>
-            <p:ph idx="12" type="sldNum"/>
+            <p:ph type="sldNum" idx="12"/>
           </p:nvPr>
         </p:nvSpPr>
         <p:spPr>
@@ -5706,7 +5877,7 @@
           </a:prstGeom>
         </p:spPr>
         <p:txBody>
-          <a:bodyPr anchorCtr="0" anchor="ctr" bIns="91425" lIns="91425" spcFirstLastPara="1" rIns="91425" wrap="square" tIns="91425">
+          <a:bodyPr spcFirstLastPara="1" wrap="square" lIns="91425" tIns="91425" rIns="91425" bIns="91425" anchor="ctr" anchorCtr="0">
             <a:noAutofit/>
           </a:bodyPr>
           <a:lstStyle>
@@ -5748,7 +5919,7 @@
             </a:lvl9pPr>
           </a:lstStyle>
           <a:p>
-            <a:pPr indent="0" lvl="0" marL="0" rtl="0" algn="r">
+            <a:pPr marL="0" lvl="0" indent="0" algn="r" rtl="0">
               <a:spcBef>
                 <a:spcPts val="0"/>
               </a:spcBef>
@@ -5774,18 +5945,19 @@
 </file>
 
 <file path=ppt/slideMasters/slideMaster1.xml><?xml version="1.0" encoding="utf-8"?>
-<p:sldMaster xmlns:a="http://schemas.openxmlformats.org/drawingml/2006/main" xmlns:r="http://schemas.openxmlformats.org/officeDocument/2006/relationships" xmlns:mc="http://schemas.openxmlformats.org/markup-compatibility/2006" xmlns:mv="urn:schemas-microsoft-com:mac:vml" xmlns:p="http://schemas.openxmlformats.org/presentationml/2006/main" xmlns:c="http://schemas.openxmlformats.org/drawingml/2006/chart" xmlns:dgm="http://schemas.openxmlformats.org/drawingml/2006/diagram" xmlns:o="urn:schemas-microsoft-com:office:office" xmlns:v="urn:schemas-microsoft-com:vml" xmlns:pvml="urn:schemas-microsoft-com:office:powerpoint" xmlns:com="http://schemas.openxmlformats.org/drawingml/2006/compatibility" xmlns:p14="http://schemas.microsoft.com/office/powerpoint/2010/main" xmlns:p15="http://schemas.microsoft.com/office/powerpoint/2012/main">
+<p:sldMaster xmlns:a="http://schemas.openxmlformats.org/drawingml/2006/main" xmlns:r="http://schemas.openxmlformats.org/officeDocument/2006/relationships" xmlns:p="http://schemas.openxmlformats.org/presentationml/2006/main">
   <p:cSld name="simple-light-2">
     <p:bg>
       <p:bgPr>
         <a:solidFill>
           <a:schemeClr val="lt1"/>
         </a:solidFill>
+        <a:effectLst/>
       </p:bgPr>
     </p:bg>
     <p:spTree>
       <p:nvGrpSpPr>
-        <p:cNvPr id="5" name="Shape 5"/>
+        <p:cNvPr id="1" name="Shape 5"/>
         <p:cNvGrpSpPr/>
         <p:nvPr/>
       </p:nvGrpSpPr>
@@ -5800,7 +5972,9 @@
       <p:sp>
         <p:nvSpPr>
           <p:cNvPr id="6" name="Google Shape;6;p1"/>
-          <p:cNvSpPr txBox="1"/>
+          <p:cNvSpPr txBox="1">
+            <a:spLocks noGrp="1"/>
+          </p:cNvSpPr>
           <p:nvPr>
             <p:ph type="title"/>
           </p:nvPr>
@@ -5819,7 +5993,7 @@
           </a:ln>
         </p:spPr>
         <p:txBody>
-          <a:bodyPr anchorCtr="0" anchor="t" bIns="91425" lIns="91425" spcFirstLastPara="1" rIns="91425" wrap="square" tIns="91425">
+          <a:bodyPr spcFirstLastPara="1" wrap="square" lIns="91425" tIns="91425" rIns="91425" bIns="91425" anchor="t" anchorCtr="0">
             <a:noAutofit/>
           </a:bodyPr>
           <a:lstStyle>
@@ -5986,15 +6160,19 @@
               </a:defRPr>
             </a:lvl9pPr>
           </a:lstStyle>
-          <a:p/>
+          <a:p>
+            <a:endParaRPr/>
+          </a:p>
         </p:txBody>
       </p:sp>
       <p:sp>
         <p:nvSpPr>
           <p:cNvPr id="7" name="Google Shape;7;p1"/>
-          <p:cNvSpPr txBox="1"/>
+          <p:cNvSpPr txBox="1">
+            <a:spLocks noGrp="1"/>
+          </p:cNvSpPr>
           <p:nvPr>
-            <p:ph idx="1" type="body"/>
+            <p:ph type="body" idx="1"/>
           </p:nvPr>
         </p:nvSpPr>
         <p:spPr>
@@ -6011,11 +6189,11 @@
           </a:ln>
         </p:spPr>
         <p:txBody>
-          <a:bodyPr anchorCtr="0" anchor="t" bIns="91425" lIns="91425" spcFirstLastPara="1" rIns="91425" wrap="square" tIns="91425">
+          <a:bodyPr spcFirstLastPara="1" wrap="square" lIns="91425" tIns="91425" rIns="91425" bIns="91425" anchor="t" anchorCtr="0">
             <a:noAutofit/>
           </a:bodyPr>
           <a:lstStyle>
-            <a:lvl1pPr indent="-342900" lvl="0" marL="457200">
+            <a:lvl1pPr marL="457200" lvl="0" indent="-342900">
               <a:lnSpc>
                 <a:spcPct val="115000"/>
               </a:lnSpc>
@@ -6036,7 +6214,7 @@
                 </a:solidFill>
               </a:defRPr>
             </a:lvl1pPr>
-            <a:lvl2pPr indent="-317500" lvl="1" marL="914400">
+            <a:lvl2pPr marL="914400" lvl="1" indent="-317500">
               <a:lnSpc>
                 <a:spcPct val="115000"/>
               </a:lnSpc>
@@ -6057,7 +6235,7 @@
                 </a:solidFill>
               </a:defRPr>
             </a:lvl2pPr>
-            <a:lvl3pPr indent="-317500" lvl="2" marL="1371600">
+            <a:lvl3pPr marL="1371600" lvl="2" indent="-317500">
               <a:lnSpc>
                 <a:spcPct val="115000"/>
               </a:lnSpc>
@@ -6078,7 +6256,7 @@
                 </a:solidFill>
               </a:defRPr>
             </a:lvl3pPr>
-            <a:lvl4pPr indent="-317500" lvl="3" marL="1828800">
+            <a:lvl4pPr marL="1828800" lvl="3" indent="-317500">
               <a:lnSpc>
                 <a:spcPct val="115000"/>
               </a:lnSpc>
@@ -6099,7 +6277,7 @@
                 </a:solidFill>
               </a:defRPr>
             </a:lvl4pPr>
-            <a:lvl5pPr indent="-317500" lvl="4" marL="2286000">
+            <a:lvl5pPr marL="2286000" lvl="4" indent="-317500">
               <a:lnSpc>
                 <a:spcPct val="115000"/>
               </a:lnSpc>
@@ -6120,7 +6298,7 @@
                 </a:solidFill>
               </a:defRPr>
             </a:lvl5pPr>
-            <a:lvl6pPr indent="-317500" lvl="5" marL="2743200">
+            <a:lvl6pPr marL="2743200" lvl="5" indent="-317500">
               <a:lnSpc>
                 <a:spcPct val="115000"/>
               </a:lnSpc>
@@ -6141,7 +6319,7 @@
                 </a:solidFill>
               </a:defRPr>
             </a:lvl6pPr>
-            <a:lvl7pPr indent="-317500" lvl="6" marL="3200400">
+            <a:lvl7pPr marL="3200400" lvl="6" indent="-317500">
               <a:lnSpc>
                 <a:spcPct val="115000"/>
               </a:lnSpc>
@@ -6162,7 +6340,7 @@
                 </a:solidFill>
               </a:defRPr>
             </a:lvl7pPr>
-            <a:lvl8pPr indent="-317500" lvl="7" marL="3657600">
+            <a:lvl8pPr marL="3657600" lvl="7" indent="-317500">
               <a:lnSpc>
                 <a:spcPct val="115000"/>
               </a:lnSpc>
@@ -6183,7 +6361,7 @@
                 </a:solidFill>
               </a:defRPr>
             </a:lvl8pPr>
-            <a:lvl9pPr indent="-317500" lvl="8" marL="4114800">
+            <a:lvl9pPr marL="4114800" lvl="8" indent="-317500">
               <a:lnSpc>
                 <a:spcPct val="115000"/>
               </a:lnSpc>
@@ -6205,15 +6383,19 @@
               </a:defRPr>
             </a:lvl9pPr>
           </a:lstStyle>
-          <a:p/>
+          <a:p>
+            <a:endParaRPr/>
+          </a:p>
         </p:txBody>
       </p:sp>
       <p:sp>
         <p:nvSpPr>
           <p:cNvPr id="8" name="Google Shape;8;p1"/>
-          <p:cNvSpPr txBox="1"/>
+          <p:cNvSpPr txBox="1">
+            <a:spLocks noGrp="1"/>
+          </p:cNvSpPr>
           <p:nvPr>
-            <p:ph idx="12" type="sldNum"/>
+            <p:ph type="sldNum" idx="12"/>
           </p:nvPr>
         </p:nvSpPr>
         <p:spPr>
@@ -6230,7 +6412,7 @@
           </a:ln>
         </p:spPr>
         <p:txBody>
-          <a:bodyPr anchorCtr="0" anchor="ctr" bIns="91425" lIns="91425" spcFirstLastPara="1" rIns="91425" wrap="square" tIns="91425">
+          <a:bodyPr spcFirstLastPara="1" wrap="square" lIns="91425" tIns="91425" rIns="91425" bIns="91425" anchor="ctr" anchorCtr="0">
             <a:noAutofit/>
           </a:bodyPr>
           <a:lstStyle>
@@ -6308,7 +6490,7 @@
             </a:lvl9pPr>
           </a:lstStyle>
           <a:p>
-            <a:pPr indent="0" lvl="0" marL="0" rtl="0" algn="r">
+            <a:pPr marL="0" lvl="0" indent="0" algn="r" rtl="0">
               <a:spcBef>
                 <a:spcPts val="0"/>
               </a:spcBef>
@@ -6327,7 +6509,7 @@
       </p:sp>
     </p:spTree>
   </p:cSld>
-  <p:clrMap accent1="accent1" accent2="accent2" accent3="accent3" accent4="accent4" accent5="accent5" accent6="accent6" bg1="lt1" bg2="dk2" tx1="dk1" tx2="lt2" folHlink="folHlink" hlink="hlink"/>
+  <p:clrMap bg1="lt1" tx1="dk1" bg2="dk2" tx2="lt2" accent1="accent1" accent2="accent2" accent3="accent3" accent4="accent4" accent5="accent5" accent6="accent6" hlink="hlink" folHlink="folHlink"/>
   <p:sldLayoutIdLst>
     <p:sldLayoutId id="2147483648" r:id="rId1"/>
     <p:sldLayoutId id="2147483649" r:id="rId2"/>
@@ -6341,10 +6523,10 @@
     <p:sldLayoutId id="2147483657" r:id="rId10"/>
     <p:sldLayoutId id="2147483658" r:id="rId11"/>
   </p:sldLayoutIdLst>
-  <p:hf dt="0" ftr="0" hdr="0" sldNum="0"/>
+  <p:hf sldNum="0" hdr="0" ftr="0" dt="0"/>
   <p:txStyles>
     <p:titleStyle>
-      <a:defPPr lvl="0" marR="0" rtl="0" algn="l">
+      <a:defPPr marR="0" lvl="0" algn="l" rtl="0">
         <a:lnSpc>
           <a:spcPct val="100000"/>
         </a:lnSpc>
@@ -6355,7 +6537,7 @@
           <a:spcPts val="0"/>
         </a:spcAft>
       </a:defPPr>
-      <a:lvl1pPr lvl="0" marR="0" rtl="0" algn="l">
+      <a:lvl1pPr marR="0" lvl="0" algn="l" rtl="0">
         <a:lnSpc>
           <a:spcPct val="100000"/>
         </a:lnSpc>
@@ -6369,7 +6551,7 @@
           <a:srgbClr val="000000"/>
         </a:buClr>
         <a:buFont typeface="Arial"/>
-        <a:defRPr b="0" i="0" sz="1400" u="none" cap="none" strike="noStrike">
+        <a:defRPr sz="1400" b="0" i="0" u="none" strike="noStrike" cap="none">
           <a:solidFill>
             <a:srgbClr val="000000"/>
           </a:solidFill>
@@ -6379,7 +6561,7 @@
           <a:sym typeface="Arial"/>
         </a:defRPr>
       </a:lvl1pPr>
-      <a:lvl2pPr lvl="1" marR="0" rtl="0" algn="l">
+      <a:lvl2pPr marR="0" lvl="1" algn="l" rtl="0">
         <a:lnSpc>
           <a:spcPct val="100000"/>
         </a:lnSpc>
@@ -6393,7 +6575,7 @@
           <a:srgbClr val="000000"/>
         </a:buClr>
         <a:buFont typeface="Arial"/>
-        <a:defRPr b="0" i="0" sz="1400" u="none" cap="none" strike="noStrike">
+        <a:defRPr sz="1400" b="0" i="0" u="none" strike="noStrike" cap="none">
           <a:solidFill>
             <a:srgbClr val="000000"/>
           </a:solidFill>
@@ -6403,7 +6585,7 @@
           <a:sym typeface="Arial"/>
         </a:defRPr>
       </a:lvl2pPr>
-      <a:lvl3pPr lvl="2" marR="0" rtl="0" algn="l">
+      <a:lvl3pPr marR="0" lvl="2" algn="l" rtl="0">
         <a:lnSpc>
           <a:spcPct val="100000"/>
         </a:lnSpc>
@@ -6417,7 +6599,7 @@
           <a:srgbClr val="000000"/>
         </a:buClr>
         <a:buFont typeface="Arial"/>
-        <a:defRPr b="0" i="0" sz="1400" u="none" cap="none" strike="noStrike">
+        <a:defRPr sz="1400" b="0" i="0" u="none" strike="noStrike" cap="none">
           <a:solidFill>
             <a:srgbClr val="000000"/>
           </a:solidFill>
@@ -6427,7 +6609,7 @@
           <a:sym typeface="Arial"/>
         </a:defRPr>
       </a:lvl3pPr>
-      <a:lvl4pPr lvl="3" marR="0" rtl="0" algn="l">
+      <a:lvl4pPr marR="0" lvl="3" algn="l" rtl="0">
         <a:lnSpc>
           <a:spcPct val="100000"/>
         </a:lnSpc>
@@ -6441,7 +6623,7 @@
           <a:srgbClr val="000000"/>
         </a:buClr>
         <a:buFont typeface="Arial"/>
-        <a:defRPr b="0" i="0" sz="1400" u="none" cap="none" strike="noStrike">
+        <a:defRPr sz="1400" b="0" i="0" u="none" strike="noStrike" cap="none">
           <a:solidFill>
             <a:srgbClr val="000000"/>
           </a:solidFill>
@@ -6451,7 +6633,7 @@
           <a:sym typeface="Arial"/>
         </a:defRPr>
       </a:lvl4pPr>
-      <a:lvl5pPr lvl="4" marR="0" rtl="0" algn="l">
+      <a:lvl5pPr marR="0" lvl="4" algn="l" rtl="0">
         <a:lnSpc>
           <a:spcPct val="100000"/>
         </a:lnSpc>
@@ -6465,7 +6647,7 @@
           <a:srgbClr val="000000"/>
         </a:buClr>
         <a:buFont typeface="Arial"/>
-        <a:defRPr b="0" i="0" sz="1400" u="none" cap="none" strike="noStrike">
+        <a:defRPr sz="1400" b="0" i="0" u="none" strike="noStrike" cap="none">
           <a:solidFill>
             <a:srgbClr val="000000"/>
           </a:solidFill>
@@ -6475,7 +6657,7 @@
           <a:sym typeface="Arial"/>
         </a:defRPr>
       </a:lvl5pPr>
-      <a:lvl6pPr lvl="5" marR="0" rtl="0" algn="l">
+      <a:lvl6pPr marR="0" lvl="5" algn="l" rtl="0">
         <a:lnSpc>
           <a:spcPct val="100000"/>
         </a:lnSpc>
@@ -6489,7 +6671,7 @@
           <a:srgbClr val="000000"/>
         </a:buClr>
         <a:buFont typeface="Arial"/>
-        <a:defRPr b="0" i="0" sz="1400" u="none" cap="none" strike="noStrike">
+        <a:defRPr sz="1400" b="0" i="0" u="none" strike="noStrike" cap="none">
           <a:solidFill>
             <a:srgbClr val="000000"/>
           </a:solidFill>
@@ -6499,7 +6681,7 @@
           <a:sym typeface="Arial"/>
         </a:defRPr>
       </a:lvl6pPr>
-      <a:lvl7pPr lvl="6" marR="0" rtl="0" algn="l">
+      <a:lvl7pPr marR="0" lvl="6" algn="l" rtl="0">
         <a:lnSpc>
           <a:spcPct val="100000"/>
         </a:lnSpc>
@@ -6513,7 +6695,7 @@
           <a:srgbClr val="000000"/>
         </a:buClr>
         <a:buFont typeface="Arial"/>
-        <a:defRPr b="0" i="0" sz="1400" u="none" cap="none" strike="noStrike">
+        <a:defRPr sz="1400" b="0" i="0" u="none" strike="noStrike" cap="none">
           <a:solidFill>
             <a:srgbClr val="000000"/>
           </a:solidFill>
@@ -6523,7 +6705,7 @@
           <a:sym typeface="Arial"/>
         </a:defRPr>
       </a:lvl7pPr>
-      <a:lvl8pPr lvl="7" marR="0" rtl="0" algn="l">
+      <a:lvl8pPr marR="0" lvl="7" algn="l" rtl="0">
         <a:lnSpc>
           <a:spcPct val="100000"/>
         </a:lnSpc>
@@ -6537,7 +6719,7 @@
           <a:srgbClr val="000000"/>
         </a:buClr>
         <a:buFont typeface="Arial"/>
-        <a:defRPr b="0" i="0" sz="1400" u="none" cap="none" strike="noStrike">
+        <a:defRPr sz="1400" b="0" i="0" u="none" strike="noStrike" cap="none">
           <a:solidFill>
             <a:srgbClr val="000000"/>
           </a:solidFill>
@@ -6547,7 +6729,7 @@
           <a:sym typeface="Arial"/>
         </a:defRPr>
       </a:lvl8pPr>
-      <a:lvl9pPr lvl="8" marR="0" rtl="0" algn="l">
+      <a:lvl9pPr marR="0" lvl="8" algn="l" rtl="0">
         <a:lnSpc>
           <a:spcPct val="100000"/>
         </a:lnSpc>
@@ -6561,7 +6743,7 @@
           <a:srgbClr val="000000"/>
         </a:buClr>
         <a:buFont typeface="Arial"/>
-        <a:defRPr b="0" i="0" sz="1400" u="none" cap="none" strike="noStrike">
+        <a:defRPr sz="1400" b="0" i="0" u="none" strike="noStrike" cap="none">
           <a:solidFill>
             <a:srgbClr val="000000"/>
           </a:solidFill>
@@ -6573,7 +6755,7 @@
       </a:lvl9pPr>
     </p:titleStyle>
     <p:bodyStyle>
-      <a:defPPr lvl="0" marR="0" rtl="0" algn="l">
+      <a:defPPr marR="0" lvl="0" algn="l" rtl="0">
         <a:lnSpc>
           <a:spcPct val="100000"/>
         </a:lnSpc>
@@ -6584,7 +6766,7 @@
           <a:spcPts val="0"/>
         </a:spcAft>
       </a:defPPr>
-      <a:lvl1pPr lvl="0" marR="0" rtl="0" algn="l">
+      <a:lvl1pPr marR="0" lvl="0" algn="l" rtl="0">
         <a:lnSpc>
           <a:spcPct val="100000"/>
         </a:lnSpc>
@@ -6598,7 +6780,7 @@
           <a:srgbClr val="000000"/>
         </a:buClr>
         <a:buFont typeface="Arial"/>
-        <a:defRPr b="0" i="0" sz="1400" u="none" cap="none" strike="noStrike">
+        <a:defRPr sz="1400" b="0" i="0" u="none" strike="noStrike" cap="none">
           <a:solidFill>
             <a:srgbClr val="000000"/>
           </a:solidFill>
@@ -6608,7 +6790,7 @@
           <a:sym typeface="Arial"/>
         </a:defRPr>
       </a:lvl1pPr>
-      <a:lvl2pPr lvl="1" marR="0" rtl="0" algn="l">
+      <a:lvl2pPr marR="0" lvl="1" algn="l" rtl="0">
         <a:lnSpc>
           <a:spcPct val="100000"/>
         </a:lnSpc>
@@ -6622,7 +6804,7 @@
           <a:srgbClr val="000000"/>
         </a:buClr>
         <a:buFont typeface="Arial"/>
-        <a:defRPr b="0" i="0" sz="1400" u="none" cap="none" strike="noStrike">
+        <a:defRPr sz="1400" b="0" i="0" u="none" strike="noStrike" cap="none">
           <a:solidFill>
             <a:srgbClr val="000000"/>
           </a:solidFill>
@@ -6632,7 +6814,7 @@
           <a:sym typeface="Arial"/>
         </a:defRPr>
       </a:lvl2pPr>
-      <a:lvl3pPr lvl="2" marR="0" rtl="0" algn="l">
+      <a:lvl3pPr marR="0" lvl="2" algn="l" rtl="0">
         <a:lnSpc>
           <a:spcPct val="100000"/>
         </a:lnSpc>
@@ -6646,7 +6828,7 @@
           <a:srgbClr val="000000"/>
         </a:buClr>
         <a:buFont typeface="Arial"/>
-        <a:defRPr b="0" i="0" sz="1400" u="none" cap="none" strike="noStrike">
+        <a:defRPr sz="1400" b="0" i="0" u="none" strike="noStrike" cap="none">
           <a:solidFill>
             <a:srgbClr val="000000"/>
           </a:solidFill>
@@ -6656,7 +6838,7 @@
           <a:sym typeface="Arial"/>
         </a:defRPr>
       </a:lvl3pPr>
-      <a:lvl4pPr lvl="3" marR="0" rtl="0" algn="l">
+      <a:lvl4pPr marR="0" lvl="3" algn="l" rtl="0">
         <a:lnSpc>
           <a:spcPct val="100000"/>
         </a:lnSpc>
@@ -6670,7 +6852,7 @@
           <a:srgbClr val="000000"/>
         </a:buClr>
         <a:buFont typeface="Arial"/>
-        <a:defRPr b="0" i="0" sz="1400" u="none" cap="none" strike="noStrike">
+        <a:defRPr sz="1400" b="0" i="0" u="none" strike="noStrike" cap="none">
           <a:solidFill>
             <a:srgbClr val="000000"/>
           </a:solidFill>
@@ -6680,7 +6862,7 @@
           <a:sym typeface="Arial"/>
         </a:defRPr>
       </a:lvl4pPr>
-      <a:lvl5pPr lvl="4" marR="0" rtl="0" algn="l">
+      <a:lvl5pPr marR="0" lvl="4" algn="l" rtl="0">
         <a:lnSpc>
           <a:spcPct val="100000"/>
         </a:lnSpc>
@@ -6694,7 +6876,7 @@
           <a:srgbClr val="000000"/>
         </a:buClr>
         <a:buFont typeface="Arial"/>
-        <a:defRPr b="0" i="0" sz="1400" u="none" cap="none" strike="noStrike">
+        <a:defRPr sz="1400" b="0" i="0" u="none" strike="noStrike" cap="none">
           <a:solidFill>
             <a:srgbClr val="000000"/>
           </a:solidFill>
@@ -6704,7 +6886,7 @@
           <a:sym typeface="Arial"/>
         </a:defRPr>
       </a:lvl5pPr>
-      <a:lvl6pPr lvl="5" marR="0" rtl="0" algn="l">
+      <a:lvl6pPr marR="0" lvl="5" algn="l" rtl="0">
         <a:lnSpc>
           <a:spcPct val="100000"/>
         </a:lnSpc>
@@ -6718,7 +6900,7 @@
           <a:srgbClr val="000000"/>
         </a:buClr>
         <a:buFont typeface="Arial"/>
-        <a:defRPr b="0" i="0" sz="1400" u="none" cap="none" strike="noStrike">
+        <a:defRPr sz="1400" b="0" i="0" u="none" strike="noStrike" cap="none">
           <a:solidFill>
             <a:srgbClr val="000000"/>
           </a:solidFill>
@@ -6728,7 +6910,7 @@
           <a:sym typeface="Arial"/>
         </a:defRPr>
       </a:lvl6pPr>
-      <a:lvl7pPr lvl="6" marR="0" rtl="0" algn="l">
+      <a:lvl7pPr marR="0" lvl="6" algn="l" rtl="0">
         <a:lnSpc>
           <a:spcPct val="100000"/>
         </a:lnSpc>
@@ -6742,7 +6924,7 @@
           <a:srgbClr val="000000"/>
         </a:buClr>
         <a:buFont typeface="Arial"/>
-        <a:defRPr b="0" i="0" sz="1400" u="none" cap="none" strike="noStrike">
+        <a:defRPr sz="1400" b="0" i="0" u="none" strike="noStrike" cap="none">
           <a:solidFill>
             <a:srgbClr val="000000"/>
           </a:solidFill>
@@ -6752,7 +6934,7 @@
           <a:sym typeface="Arial"/>
         </a:defRPr>
       </a:lvl7pPr>
-      <a:lvl8pPr lvl="7" marR="0" rtl="0" algn="l">
+      <a:lvl8pPr marR="0" lvl="7" algn="l" rtl="0">
         <a:lnSpc>
           <a:spcPct val="100000"/>
         </a:lnSpc>
@@ -6766,7 +6948,7 @@
           <a:srgbClr val="000000"/>
         </a:buClr>
         <a:buFont typeface="Arial"/>
-        <a:defRPr b="0" i="0" sz="1400" u="none" cap="none" strike="noStrike">
+        <a:defRPr sz="1400" b="0" i="0" u="none" strike="noStrike" cap="none">
           <a:solidFill>
             <a:srgbClr val="000000"/>
           </a:solidFill>
@@ -6776,7 +6958,7 @@
           <a:sym typeface="Arial"/>
         </a:defRPr>
       </a:lvl8pPr>
-      <a:lvl9pPr lvl="8" marR="0" rtl="0" algn="l">
+      <a:lvl9pPr marR="0" lvl="8" algn="l" rtl="0">
         <a:lnSpc>
           <a:spcPct val="100000"/>
         </a:lnSpc>
@@ -6790,7 +6972,7 @@
           <a:srgbClr val="000000"/>
         </a:buClr>
         <a:buFont typeface="Arial"/>
-        <a:defRPr b="0" i="0" sz="1400" u="none" cap="none" strike="noStrike">
+        <a:defRPr sz="1400" b="0" i="0" u="none" strike="noStrike" cap="none">
           <a:solidFill>
             <a:srgbClr val="000000"/>
           </a:solidFill>
@@ -6802,7 +6984,7 @@
       </a:lvl9pPr>
     </p:bodyStyle>
     <p:otherStyle>
-      <a:defPPr lvl="0" marR="0" rtl="0" algn="l">
+      <a:defPPr marR="0" lvl="0" algn="l" rtl="0">
         <a:lnSpc>
           <a:spcPct val="100000"/>
         </a:lnSpc>
@@ -6813,7 +6995,7 @@
           <a:spcPts val="0"/>
         </a:spcAft>
       </a:defPPr>
-      <a:lvl1pPr lvl="0" marR="0" rtl="0" algn="l">
+      <a:lvl1pPr marR="0" lvl="0" algn="l" rtl="0">
         <a:lnSpc>
           <a:spcPct val="100000"/>
         </a:lnSpc>
@@ -6827,7 +7009,7 @@
           <a:srgbClr val="000000"/>
         </a:buClr>
         <a:buFont typeface="Arial"/>
-        <a:defRPr b="0" i="0" sz="1400" u="none" cap="none" strike="noStrike">
+        <a:defRPr sz="1400" b="0" i="0" u="none" strike="noStrike" cap="none">
           <a:solidFill>
             <a:srgbClr val="000000"/>
           </a:solidFill>
@@ -6837,7 +7019,7 @@
           <a:sym typeface="Arial"/>
         </a:defRPr>
       </a:lvl1pPr>
-      <a:lvl2pPr lvl="1" marR="0" rtl="0" algn="l">
+      <a:lvl2pPr marR="0" lvl="1" algn="l" rtl="0">
         <a:lnSpc>
           <a:spcPct val="100000"/>
         </a:lnSpc>
@@ -6851,7 +7033,7 @@
           <a:srgbClr val="000000"/>
         </a:buClr>
         <a:buFont typeface="Arial"/>
-        <a:defRPr b="0" i="0" sz="1400" u="none" cap="none" strike="noStrike">
+        <a:defRPr sz="1400" b="0" i="0" u="none" strike="noStrike" cap="none">
           <a:solidFill>
             <a:srgbClr val="000000"/>
           </a:solidFill>
@@ -6861,7 +7043,7 @@
           <a:sym typeface="Arial"/>
         </a:defRPr>
       </a:lvl2pPr>
-      <a:lvl3pPr lvl="2" marR="0" rtl="0" algn="l">
+      <a:lvl3pPr marR="0" lvl="2" algn="l" rtl="0">
         <a:lnSpc>
           <a:spcPct val="100000"/>
         </a:lnSpc>
@@ -6875,7 +7057,7 @@
           <a:srgbClr val="000000"/>
         </a:buClr>
         <a:buFont typeface="Arial"/>
-        <a:defRPr b="0" i="0" sz="1400" u="none" cap="none" strike="noStrike">
+        <a:defRPr sz="1400" b="0" i="0" u="none" strike="noStrike" cap="none">
           <a:solidFill>
             <a:srgbClr val="000000"/>
           </a:solidFill>
@@ -6885,7 +7067,7 @@
           <a:sym typeface="Arial"/>
         </a:defRPr>
       </a:lvl3pPr>
-      <a:lvl4pPr lvl="3" marR="0" rtl="0" algn="l">
+      <a:lvl4pPr marR="0" lvl="3" algn="l" rtl="0">
         <a:lnSpc>
           <a:spcPct val="100000"/>
         </a:lnSpc>
@@ -6899,7 +7081,7 @@
           <a:srgbClr val="000000"/>
         </a:buClr>
         <a:buFont typeface="Arial"/>
-        <a:defRPr b="0" i="0" sz="1400" u="none" cap="none" strike="noStrike">
+        <a:defRPr sz="1400" b="0" i="0" u="none" strike="noStrike" cap="none">
           <a:solidFill>
             <a:srgbClr val="000000"/>
           </a:solidFill>
@@ -6909,7 +7091,7 @@
           <a:sym typeface="Arial"/>
         </a:defRPr>
       </a:lvl4pPr>
-      <a:lvl5pPr lvl="4" marR="0" rtl="0" algn="l">
+      <a:lvl5pPr marR="0" lvl="4" algn="l" rtl="0">
         <a:lnSpc>
           <a:spcPct val="100000"/>
         </a:lnSpc>
@@ -6923,7 +7105,7 @@
           <a:srgbClr val="000000"/>
         </a:buClr>
         <a:buFont typeface="Arial"/>
-        <a:defRPr b="0" i="0" sz="1400" u="none" cap="none" strike="noStrike">
+        <a:defRPr sz="1400" b="0" i="0" u="none" strike="noStrike" cap="none">
           <a:solidFill>
             <a:srgbClr val="000000"/>
           </a:solidFill>
@@ -6933,7 +7115,7 @@
           <a:sym typeface="Arial"/>
         </a:defRPr>
       </a:lvl5pPr>
-      <a:lvl6pPr lvl="5" marR="0" rtl="0" algn="l">
+      <a:lvl6pPr marR="0" lvl="5" algn="l" rtl="0">
         <a:lnSpc>
           <a:spcPct val="100000"/>
         </a:lnSpc>
@@ -6947,7 +7129,7 @@
           <a:srgbClr val="000000"/>
         </a:buClr>
         <a:buFont typeface="Arial"/>
-        <a:defRPr b="0" i="0" sz="1400" u="none" cap="none" strike="noStrike">
+        <a:defRPr sz="1400" b="0" i="0" u="none" strike="noStrike" cap="none">
           <a:solidFill>
             <a:srgbClr val="000000"/>
           </a:solidFill>
@@ -6957,7 +7139,7 @@
           <a:sym typeface="Arial"/>
         </a:defRPr>
       </a:lvl6pPr>
-      <a:lvl7pPr lvl="6" marR="0" rtl="0" algn="l">
+      <a:lvl7pPr marR="0" lvl="6" algn="l" rtl="0">
         <a:lnSpc>
           <a:spcPct val="100000"/>
         </a:lnSpc>
@@ -6971,7 +7153,7 @@
           <a:srgbClr val="000000"/>
         </a:buClr>
         <a:buFont typeface="Arial"/>
-        <a:defRPr b="0" i="0" sz="1400" u="none" cap="none" strike="noStrike">
+        <a:defRPr sz="1400" b="0" i="0" u="none" strike="noStrike" cap="none">
           <a:solidFill>
             <a:srgbClr val="000000"/>
           </a:solidFill>
@@ -6981,7 +7163,7 @@
           <a:sym typeface="Arial"/>
         </a:defRPr>
       </a:lvl7pPr>
-      <a:lvl8pPr lvl="7" marR="0" rtl="0" algn="l">
+      <a:lvl8pPr marR="0" lvl="7" algn="l" rtl="0">
         <a:lnSpc>
           <a:spcPct val="100000"/>
         </a:lnSpc>
@@ -6995,7 +7177,7 @@
           <a:srgbClr val="000000"/>
         </a:buClr>
         <a:buFont typeface="Arial"/>
-        <a:defRPr b="0" i="0" sz="1400" u="none" cap="none" strike="noStrike">
+        <a:defRPr sz="1400" b="0" i="0" u="none" strike="noStrike" cap="none">
           <a:solidFill>
             <a:srgbClr val="000000"/>
           </a:solidFill>
@@ -7005,7 +7187,7 @@
           <a:sym typeface="Arial"/>
         </a:defRPr>
       </a:lvl8pPr>
-      <a:lvl9pPr lvl="8" marR="0" rtl="0" algn="l">
+      <a:lvl9pPr marR="0" lvl="8" algn="l" rtl="0">
         <a:lnSpc>
           <a:spcPct val="100000"/>
         </a:lnSpc>
@@ -7019,7 +7201,7 @@
           <a:srgbClr val="000000"/>
         </a:buClr>
         <a:buFont typeface="Arial"/>
-        <a:defRPr b="0" i="0" sz="1400" u="none" cap="none" strike="noStrike">
+        <a:defRPr sz="1400" b="0" i="0" u="none" strike="noStrike" cap="none">
           <a:solidFill>
             <a:srgbClr val="000000"/>
           </a:solidFill>
@@ -7035,11 +7217,11 @@
 </file>
 
 <file path=ppt/slides/slide1.xml><?xml version="1.0" encoding="utf-8"?>
-<p:sld xmlns:a="http://schemas.openxmlformats.org/drawingml/2006/main" xmlns:r="http://schemas.openxmlformats.org/officeDocument/2006/relationships" xmlns:mc="http://schemas.openxmlformats.org/markup-compatibility/2006" xmlns:mv="urn:schemas-microsoft-com:mac:vml" xmlns:p="http://schemas.openxmlformats.org/presentationml/2006/main" xmlns:c="http://schemas.openxmlformats.org/drawingml/2006/chart" xmlns:dgm="http://schemas.openxmlformats.org/drawingml/2006/diagram" xmlns:o="urn:schemas-microsoft-com:office:office" xmlns:v="urn:schemas-microsoft-com:vml" xmlns:pvml="urn:schemas-microsoft-com:office:powerpoint" xmlns:com="http://schemas.openxmlformats.org/drawingml/2006/compatibility" xmlns:p14="http://schemas.microsoft.com/office/powerpoint/2010/main" xmlns:p15="http://schemas.microsoft.com/office/powerpoint/2012/main">
+<p:sld xmlns:a="http://schemas.openxmlformats.org/drawingml/2006/main" xmlns:r="http://schemas.openxmlformats.org/officeDocument/2006/relationships" xmlns:p="http://schemas.openxmlformats.org/presentationml/2006/main">
   <p:cSld>
     <p:spTree>
       <p:nvGrpSpPr>
-        <p:cNvPr id="53" name="Shape 53"/>
+        <p:cNvPr id="1" name=""/>
         <p:cNvGrpSpPr/>
         <p:nvPr/>
       </p:nvGrpSpPr>
@@ -7053,28 +7235,261 @@
       </p:grpSpPr>
       <p:sp>
         <p:nvSpPr>
-          <p:cNvPr id="54" name="Google Shape;54;p13"/>
-          <p:cNvSpPr txBox="1"/>
+          <p:cNvPr id="2" name="Title 1"/>
+          <p:cNvSpPr>
+            <a:spLocks noGrp="1"/>
+          </p:cNvSpPr>
           <p:nvPr>
             <p:ph type="ctrTitle"/>
           </p:nvPr>
         </p:nvSpPr>
         <p:spPr>
           <a:xfrm>
-            <a:off x="311708" y="744575"/>
-            <a:ext cx="8520600" cy="2052600"/>
+            <a:off x="566059" y="0"/>
+            <a:ext cx="8011886" cy="5143500"/>
+          </a:xfrm>
+        </p:spPr>
+        <p:txBody>
+          <a:bodyPr anchor="ctr">
+            <a:noAutofit/>
+          </a:bodyPr>
+          <a:lstStyle/>
+          <a:p>
+            <a:pPr algn="l" fontAlgn="ctr">
+              <a:lnSpc>
+                <a:spcPct val="150000"/>
+              </a:lnSpc>
+            </a:pPr>
+            <a:r>
+              <a:rPr lang="en-US" sz="2700" b="1" dirty="0">
+                <a:latin typeface="Times New Roman" charset="0"/>
+                <a:ea typeface="Times New Roman" charset="0"/>
+                <a:cs typeface="Times New Roman" charset="0"/>
+              </a:rPr>
+              <a:t>Blue Waters Petascale</a:t>
+            </a:r>
+            <a:r>
+              <a:rPr lang="en-US" sz="2700" b="1" dirty="0">
+                <a:latin typeface="Times New Roman" charset="0"/>
+                <a:ea typeface="Times New Roman" charset="0"/>
+                <a:cs typeface="Times New Roman" charset="0"/>
+              </a:rPr>
+              <a:t> Semester Curriculum v1.0</a:t>
+            </a:r>
+            <a:r>
+              <a:rPr lang="en-US" sz="2700" dirty="0">
+                <a:latin typeface="Times New Roman" charset="0"/>
+                <a:ea typeface="Times New Roman" charset="0"/>
+                <a:cs typeface="Times New Roman" charset="0"/>
+              </a:rPr>
+              <a:t/>
+            </a:r>
+            <a:br>
+              <a:rPr lang="en-US" sz="2700" dirty="0">
+                <a:latin typeface="Times New Roman" charset="0"/>
+                <a:ea typeface="Times New Roman" charset="0"/>
+                <a:cs typeface="Times New Roman" charset="0"/>
+              </a:rPr>
+            </a:br>
+            <a:r>
+              <a:rPr lang="en-US" sz="2700" b="1" dirty="0">
+                <a:latin typeface="Times New Roman" charset="0"/>
+                <a:ea typeface="Times New Roman" charset="0"/>
+                <a:cs typeface="Times New Roman" charset="0"/>
+              </a:rPr>
+              <a:t>Unit </a:t>
+            </a:r>
+            <a:r>
+              <a:rPr lang="en-US" sz="2700" b="1" dirty="0">
+                <a:latin typeface="Times New Roman" charset="0"/>
+                <a:ea typeface="Times New Roman" charset="0"/>
+                <a:cs typeface="Times New Roman" charset="0"/>
+              </a:rPr>
+              <a:t>10: Productivity and </a:t>
+            </a:r>
+            <a:r>
+              <a:rPr lang="en-US" sz="2700" b="1" dirty="0" smtClean="0">
+                <a:latin typeface="Times New Roman" charset="0"/>
+                <a:ea typeface="Times New Roman" charset="0"/>
+                <a:cs typeface="Times New Roman" charset="0"/>
+              </a:rPr>
+              <a:t>Visualization</a:t>
+            </a:r>
+            <a:r>
+              <a:rPr lang="en-US" sz="2700" b="1" dirty="0">
+                <a:latin typeface="Times New Roman" charset="0"/>
+                <a:ea typeface="Times New Roman" charset="0"/>
+                <a:cs typeface="Times New Roman" charset="0"/>
+              </a:rPr>
+              <a:t/>
+            </a:r>
+            <a:br>
+              <a:rPr lang="en-US" sz="2700" b="1" dirty="0">
+                <a:latin typeface="Times New Roman" charset="0"/>
+                <a:ea typeface="Times New Roman" charset="0"/>
+                <a:cs typeface="Times New Roman" charset="0"/>
+              </a:rPr>
+            </a:br>
+            <a:r>
+              <a:rPr lang="en-US" sz="2700" b="1" dirty="0">
+                <a:latin typeface="Times New Roman" charset="0"/>
+                <a:ea typeface="Times New Roman" charset="0"/>
+                <a:cs typeface="Times New Roman" charset="0"/>
+              </a:rPr>
+              <a:t>Lesson </a:t>
+            </a:r>
+            <a:r>
+              <a:rPr lang="en-US" sz="2700" b="1" dirty="0" smtClean="0">
+                <a:latin typeface="Times New Roman" charset="0"/>
+                <a:ea typeface="Times New Roman" charset="0"/>
+                <a:cs typeface="Times New Roman" charset="0"/>
+              </a:rPr>
+              <a:t>2: </a:t>
+            </a:r>
+            <a:r>
+              <a:rPr lang="en-US" sz="2700" b="1" dirty="0">
+                <a:latin typeface="Times New Roman" charset="0"/>
+                <a:ea typeface="Times New Roman" charset="0"/>
+                <a:cs typeface="Times New Roman" charset="0"/>
+              </a:rPr>
+              <a:t>Python Scripting </a:t>
+            </a:r>
+            <a:r>
+              <a:rPr lang="en-US" sz="2700" b="1" dirty="0" smtClean="0">
+                <a:latin typeface="Times New Roman" charset="0"/>
+                <a:ea typeface="Times New Roman" charset="0"/>
+                <a:cs typeface="Times New Roman" charset="0"/>
+              </a:rPr>
+              <a:t>2</a:t>
+            </a:r>
+            <a:br>
+              <a:rPr lang="en-US" sz="2700" b="1" dirty="0" smtClean="0">
+                <a:latin typeface="Times New Roman" charset="0"/>
+                <a:ea typeface="Times New Roman" charset="0"/>
+                <a:cs typeface="Times New Roman" charset="0"/>
+              </a:rPr>
+            </a:br>
+            <a:r>
+              <a:rPr lang="en-US" sz="2700" i="1" dirty="0" smtClean="0">
+                <a:latin typeface="Times New Roman" charset="0"/>
+                <a:ea typeface="Times New Roman" charset="0"/>
+                <a:cs typeface="Times New Roman" charset="0"/>
+              </a:rPr>
+              <a:t>Developed </a:t>
+            </a:r>
+            <a:r>
+              <a:rPr lang="en-US" sz="2700" i="1" dirty="0">
+                <a:latin typeface="Times New Roman" charset="0"/>
+                <a:ea typeface="Times New Roman" charset="0"/>
+                <a:cs typeface="Times New Roman" charset="0"/>
+              </a:rPr>
+              <a:t>by </a:t>
+            </a:r>
+            <a:r>
+              <a:rPr lang="en-US" sz="2700" i="1" dirty="0">
+                <a:latin typeface="Times New Roman" charset="0"/>
+                <a:ea typeface="Times New Roman" charset="0"/>
+                <a:cs typeface="Times New Roman" charset="0"/>
+              </a:rPr>
+              <a:t>Michael N. </a:t>
+            </a:r>
+            <a:r>
+              <a:rPr lang="en-US" sz="2700" i="1" dirty="0" smtClean="0">
+                <a:latin typeface="Times New Roman" charset="0"/>
+                <a:ea typeface="Times New Roman" charset="0"/>
+                <a:cs typeface="Times New Roman" charset="0"/>
+              </a:rPr>
+              <a:t>Groves</a:t>
+            </a:r>
+            <a:r>
+              <a:rPr lang="en-US" sz="2700" i="1" dirty="0">
+                <a:latin typeface="Times New Roman" charset="0"/>
+                <a:ea typeface="Times New Roman" charset="0"/>
+                <a:cs typeface="Times New Roman" charset="0"/>
+              </a:rPr>
+              <a:t/>
+            </a:r>
+            <a:br>
+              <a:rPr lang="en-US" sz="2700" i="1" dirty="0">
+                <a:latin typeface="Times New Roman" charset="0"/>
+                <a:ea typeface="Times New Roman" charset="0"/>
+                <a:cs typeface="Times New Roman" charset="0"/>
+              </a:rPr>
+            </a:br>
+            <a:r>
+              <a:rPr lang="en-US" sz="2700" i="1" dirty="0">
+                <a:latin typeface="Times New Roman" charset="0"/>
+                <a:ea typeface="Times New Roman" charset="0"/>
+                <a:cs typeface="Times New Roman" charset="0"/>
+              </a:rPr>
+              <a:t>for the Shodor Education Foundation, Inc.</a:t>
+            </a:r>
+          </a:p>
+        </p:txBody>
+      </p:sp>
+    </p:spTree>
+    <p:extLst>
+      <p:ext uri="{BB962C8B-B14F-4D97-AF65-F5344CB8AC3E}">
+        <p14:creationId xmlns:p14="http://schemas.microsoft.com/office/powerpoint/2010/main" val="1436089373"/>
+      </p:ext>
+    </p:extLst>
+  </p:cSld>
+  <p:clrMapOvr>
+    <a:masterClrMapping/>
+  </p:clrMapOvr>
+  <p:timing>
+    <p:tnLst>
+      <p:par>
+        <p:cTn id="1" dur="indefinite" restart="never" nodeType="tmRoot"/>
+      </p:par>
+    </p:tnLst>
+  </p:timing>
+</p:sld>
+</file>
+
+<file path=ppt/slides/slide10.xml><?xml version="1.0" encoding="utf-8"?>
+<p:sld xmlns:a="http://schemas.openxmlformats.org/drawingml/2006/main" xmlns:r="http://schemas.openxmlformats.org/officeDocument/2006/relationships" xmlns:p="http://schemas.openxmlformats.org/presentationml/2006/main">
+  <p:cSld>
+    <p:spTree>
+      <p:nvGrpSpPr>
+        <p:cNvPr id="1" name="Shape 107"/>
+        <p:cNvGrpSpPr/>
+        <p:nvPr/>
+      </p:nvGrpSpPr>
+      <p:grpSpPr>
+        <a:xfrm>
+          <a:off x="0" y="0"/>
+          <a:ext cx="0" cy="0"/>
+          <a:chOff x="0" y="0"/>
+          <a:chExt cx="0" cy="0"/>
+        </a:xfrm>
+      </p:grpSpPr>
+      <p:sp>
+        <p:nvSpPr>
+          <p:cNvPr id="108" name="Google Shape;108;p21"/>
+          <p:cNvSpPr txBox="1">
+            <a:spLocks noGrp="1"/>
+          </p:cNvSpPr>
+          <p:nvPr>
+            <p:ph type="title"/>
+          </p:nvPr>
+        </p:nvSpPr>
+        <p:spPr>
+          <a:xfrm>
+            <a:off x="311700" y="445025"/>
+            <a:ext cx="8520600" cy="572700"/>
           </a:xfrm>
           <a:prstGeom prst="rect">
             <a:avLst/>
           </a:prstGeom>
         </p:spPr>
         <p:txBody>
-          <a:bodyPr anchorCtr="0" anchor="b" bIns="91425" lIns="91425" spcFirstLastPara="1" rIns="91425" wrap="square" tIns="91425">
+          <a:bodyPr spcFirstLastPara="1" wrap="square" lIns="91425" tIns="91425" rIns="91425" bIns="91425" anchor="t" anchorCtr="0">
             <a:noAutofit/>
           </a:bodyPr>
           <a:lstStyle/>
           <a:p>
-            <a:pPr indent="0" lvl="0" marL="0" rtl="0" algn="ctr">
+            <a:pPr marL="0" lvl="0" indent="0" algn="l" rtl="0">
               <a:spcBef>
                 <a:spcPts val="0"/>
               </a:spcBef>
@@ -7085,7 +7500,7 @@
             </a:pPr>
             <a:r>
               <a:rPr lang="en"/>
-              <a:t>Lesson 10.2</a:t>
+              <a:t>numpy.polyfit</a:t>
             </a:r>
             <a:endParaRPr/>
           </a:p>
@@ -7093,28 +7508,30 @@
       </p:sp>
       <p:sp>
         <p:nvSpPr>
-          <p:cNvPr id="55" name="Google Shape;55;p13"/>
-          <p:cNvSpPr txBox="1"/>
+          <p:cNvPr id="109" name="Google Shape;109;p21"/>
+          <p:cNvSpPr txBox="1">
+            <a:spLocks noGrp="1"/>
+          </p:cNvSpPr>
           <p:nvPr>
-            <p:ph idx="1" type="subTitle"/>
+            <p:ph type="body" idx="1"/>
           </p:nvPr>
         </p:nvSpPr>
         <p:spPr>
           <a:xfrm>
-            <a:off x="311700" y="2834125"/>
-            <a:ext cx="8520600" cy="792600"/>
+            <a:off x="311700" y="1152475"/>
+            <a:ext cx="8520600" cy="3416400"/>
           </a:xfrm>
           <a:prstGeom prst="rect">
             <a:avLst/>
           </a:prstGeom>
         </p:spPr>
         <p:txBody>
-          <a:bodyPr anchorCtr="0" anchor="t" bIns="91425" lIns="91425" spcFirstLastPara="1" rIns="91425" wrap="square" tIns="91425">
+          <a:bodyPr spcFirstLastPara="1" wrap="square" lIns="91425" tIns="91425" rIns="91425" bIns="91425" anchor="t" anchorCtr="0">
             <a:noAutofit/>
           </a:bodyPr>
           <a:lstStyle/>
           <a:p>
-            <a:pPr indent="0" lvl="0" marL="0" rtl="0" algn="ctr">
+            <a:pPr marL="0" lvl="0" indent="0" algn="l" rtl="0">
               <a:spcBef>
                 <a:spcPts val="0"/>
               </a:spcBef>
@@ -7125,14 +7542,14 @@
             </a:pPr>
             <a:r>
               <a:rPr lang="en"/>
-              <a:t>Python Scripting 2</a:t>
+              <a:t>The polyfit function included in numpy will fit data to polynomials of degree n using a least squares method.  Its basic syntax is:</a:t>
             </a:r>
             <a:endParaRPr/>
           </a:p>
           <a:p>
-            <a:pPr indent="0" lvl="0" marL="0" rtl="0" algn="ctr">
-              <a:spcBef>
-                <a:spcPts val="0"/>
+            <a:pPr marL="0" lvl="0" indent="0" algn="l" rtl="0">
+              <a:spcBef>
+                <a:spcPts val="1600"/>
               </a:spcBef>
               <a:spcAft>
                 <a:spcPts val="0"/>
@@ -7141,7 +7558,71 @@
             </a:pPr>
             <a:r>
               <a:rPr lang="en"/>
-              <a:t>Plotting Data with MatPlotLib</a:t>
+              <a:t>fit = np.polyfit(x, y, degree)</a:t>
+            </a:r>
+            <a:endParaRPr/>
+          </a:p>
+          <a:p>
+            <a:pPr marL="0" lvl="0" indent="0" algn="l" rtl="0">
+              <a:spcBef>
+                <a:spcPts val="1600"/>
+              </a:spcBef>
+              <a:spcAft>
+                <a:spcPts val="0"/>
+              </a:spcAft>
+              <a:buNone/>
+            </a:pPr>
+            <a:r>
+              <a:rPr lang="en"/>
+              <a:t>where</a:t>
+            </a:r>
+            <a:endParaRPr/>
+          </a:p>
+          <a:p>
+            <a:pPr marL="0" lvl="0" indent="0" algn="l" rtl="0">
+              <a:spcBef>
+                <a:spcPts val="1600"/>
+              </a:spcBef>
+              <a:spcAft>
+                <a:spcPts val="0"/>
+              </a:spcAft>
+              <a:buNone/>
+            </a:pPr>
+            <a:r>
+              <a:rPr lang="en"/>
+              <a:t>np invokes the numpy library previous imported</a:t>
+            </a:r>
+            <a:endParaRPr/>
+          </a:p>
+          <a:p>
+            <a:pPr marL="0" lvl="0" indent="0" algn="l" rtl="0">
+              <a:spcBef>
+                <a:spcPts val="1600"/>
+              </a:spcBef>
+              <a:spcAft>
+                <a:spcPts val="0"/>
+              </a:spcAft>
+              <a:buNone/>
+            </a:pPr>
+            <a:r>
+              <a:rPr lang="en"/>
+              <a:t>x,y are the data</a:t>
+            </a:r>
+            <a:endParaRPr/>
+          </a:p>
+          <a:p>
+            <a:pPr marL="0" lvl="0" indent="0" algn="l" rtl="0">
+              <a:spcBef>
+                <a:spcPts val="1600"/>
+              </a:spcBef>
+              <a:spcAft>
+                <a:spcPts val="1600"/>
+              </a:spcAft>
+              <a:buNone/>
+            </a:pPr>
+            <a:r>
+              <a:rPr lang="en"/>
+              <a:t>degree is the degree of the polynomial.  For a line, this is 1</a:t>
             </a:r>
             <a:endParaRPr/>
           </a:p>
@@ -7155,12 +7636,12 @@
 </p:sld>
 </file>
 
-<file path=ppt/slides/slide10.xml><?xml version="1.0" encoding="utf-8"?>
-<p:sld xmlns:a="http://schemas.openxmlformats.org/drawingml/2006/main" xmlns:r="http://schemas.openxmlformats.org/officeDocument/2006/relationships" xmlns:mc="http://schemas.openxmlformats.org/markup-compatibility/2006" xmlns:mv="urn:schemas-microsoft-com:mac:vml" xmlns:p="http://schemas.openxmlformats.org/presentationml/2006/main" xmlns:c="http://schemas.openxmlformats.org/drawingml/2006/chart" xmlns:dgm="http://schemas.openxmlformats.org/drawingml/2006/diagram" xmlns:o="urn:schemas-microsoft-com:office:office" xmlns:v="urn:schemas-microsoft-com:vml" xmlns:pvml="urn:schemas-microsoft-com:office:powerpoint" xmlns:com="http://schemas.openxmlformats.org/drawingml/2006/compatibility" xmlns:p14="http://schemas.microsoft.com/office/powerpoint/2010/main" xmlns:p15="http://schemas.microsoft.com/office/powerpoint/2012/main">
+<file path=ppt/slides/slide11.xml><?xml version="1.0" encoding="utf-8"?>
+<p:sld xmlns:a="http://schemas.openxmlformats.org/drawingml/2006/main" xmlns:r="http://schemas.openxmlformats.org/officeDocument/2006/relationships" xmlns:p="http://schemas.openxmlformats.org/presentationml/2006/main">
   <p:cSld>
     <p:spTree>
       <p:nvGrpSpPr>
-        <p:cNvPr id="113" name="Shape 113"/>
+        <p:cNvPr id="1" name="Shape 113"/>
         <p:cNvGrpSpPr/>
         <p:nvPr/>
       </p:nvGrpSpPr>
@@ -7175,7 +7656,9 @@
       <p:sp>
         <p:nvSpPr>
           <p:cNvPr id="114" name="Google Shape;114;p22"/>
-          <p:cNvSpPr txBox="1"/>
+          <p:cNvSpPr txBox="1">
+            <a:spLocks noGrp="1"/>
+          </p:cNvSpPr>
           <p:nvPr>
             <p:ph type="title"/>
           </p:nvPr>
@@ -7190,12 +7673,12 @@
           </a:prstGeom>
         </p:spPr>
         <p:txBody>
-          <a:bodyPr anchorCtr="0" anchor="t" bIns="91425" lIns="91425" spcFirstLastPara="1" rIns="91425" wrap="square" tIns="91425">
+          <a:bodyPr spcFirstLastPara="1" wrap="square" lIns="91425" tIns="91425" rIns="91425" bIns="91425" anchor="t" anchorCtr="0">
             <a:noAutofit/>
           </a:bodyPr>
           <a:lstStyle/>
           <a:p>
-            <a:pPr indent="0" lvl="0" marL="0" rtl="0" algn="l">
+            <a:pPr marL="0" lvl="0" indent="0" algn="l" rtl="0">
               <a:spcBef>
                 <a:spcPts val="0"/>
               </a:spcBef>
@@ -7216,18 +7699,15 @@
             <a:endParaRPr/>
           </a:p>
           <a:p>
-            <a:pPr indent="0" lvl="0" marL="0" rtl="0" algn="l">
-              <a:spcBef>
-                <a:spcPts val="0"/>
-              </a:spcBef>
-              <a:spcAft>
-                <a:spcPts val="0"/>
-              </a:spcAft>
-              <a:buNone/>
-            </a:pPr>
-            <a:r>
-              <a:t/>
-            </a:r>
+            <a:pPr marL="0" lvl="0" indent="0" algn="l" rtl="0">
+              <a:spcBef>
+                <a:spcPts val="0"/>
+              </a:spcBef>
+              <a:spcAft>
+                <a:spcPts val="0"/>
+              </a:spcAft>
+              <a:buNone/>
+            </a:pPr>
             <a:endParaRPr/>
           </a:p>
         </p:txBody>
@@ -7235,9 +7715,11 @@
       <p:sp>
         <p:nvSpPr>
           <p:cNvPr id="115" name="Google Shape;115;p22"/>
-          <p:cNvSpPr txBox="1"/>
+          <p:cNvSpPr txBox="1">
+            <a:spLocks noGrp="1"/>
+          </p:cNvSpPr>
           <p:nvPr>
-            <p:ph idx="1" type="body"/>
+            <p:ph type="body" idx="1"/>
           </p:nvPr>
         </p:nvSpPr>
         <p:spPr>
@@ -7250,12 +7732,12 @@
           </a:prstGeom>
         </p:spPr>
         <p:txBody>
-          <a:bodyPr anchorCtr="0" anchor="t" bIns="91425" lIns="91425" spcFirstLastPara="1" rIns="91425" wrap="square" tIns="91425">
+          <a:bodyPr spcFirstLastPara="1" wrap="square" lIns="91425" tIns="91425" rIns="91425" bIns="91425" anchor="t" anchorCtr="0">
             <a:noAutofit/>
           </a:bodyPr>
           <a:lstStyle/>
           <a:p>
-            <a:pPr indent="0" lvl="0" marL="0" rtl="0" algn="l">
+            <a:pPr marL="0" lvl="0" indent="0" algn="l" rtl="0">
               <a:spcBef>
                 <a:spcPts val="0"/>
               </a:spcBef>
@@ -7271,67 +7753,55 @@
             <a:endParaRPr/>
           </a:p>
           <a:p>
-            <a:pPr indent="0" lvl="0" marL="0" rtl="0" algn="l">
-              <a:spcBef>
-                <a:spcPts val="1600"/>
-              </a:spcBef>
-              <a:spcAft>
-                <a:spcPts val="0"/>
-              </a:spcAft>
-              <a:buNone/>
-            </a:pPr>
-            <a:r>
-              <a:t/>
-            </a:r>
-            <a:endParaRPr/>
-          </a:p>
-          <a:p>
-            <a:pPr indent="0" lvl="0" marL="0" rtl="0" algn="l">
-              <a:spcBef>
-                <a:spcPts val="1600"/>
-              </a:spcBef>
-              <a:spcAft>
-                <a:spcPts val="0"/>
-              </a:spcAft>
-              <a:buNone/>
-            </a:pPr>
-            <a:r>
-              <a:t/>
-            </a:r>
-            <a:endParaRPr/>
-          </a:p>
-          <a:p>
-            <a:pPr indent="0" lvl="0" marL="0" rtl="0" algn="l">
-              <a:spcBef>
-                <a:spcPts val="1600"/>
-              </a:spcBef>
-              <a:spcAft>
-                <a:spcPts val="0"/>
-              </a:spcAft>
-              <a:buNone/>
-            </a:pPr>
-            <a:r>
-              <a:t/>
-            </a:r>
-            <a:endParaRPr/>
-          </a:p>
-          <a:p>
-            <a:pPr indent="0" lvl="0" marL="0" rtl="0" algn="l">
-              <a:spcBef>
-                <a:spcPts val="1600"/>
-              </a:spcBef>
-              <a:spcAft>
-                <a:spcPts val="0"/>
-              </a:spcAft>
-              <a:buNone/>
-            </a:pPr>
-            <a:r>
-              <a:t/>
-            </a:r>
-            <a:endParaRPr/>
-          </a:p>
-          <a:p>
-            <a:pPr indent="0" lvl="0" marL="0" rtl="0" algn="l">
+            <a:pPr marL="0" lvl="0" indent="0" algn="l" rtl="0">
+              <a:spcBef>
+                <a:spcPts val="1600"/>
+              </a:spcBef>
+              <a:spcAft>
+                <a:spcPts val="0"/>
+              </a:spcAft>
+              <a:buNone/>
+            </a:pPr>
+            <a:endParaRPr/>
+          </a:p>
+          <a:p>
+            <a:pPr marL="0" lvl="0" indent="0" algn="l" rtl="0">
+              <a:spcBef>
+                <a:spcPts val="1600"/>
+              </a:spcBef>
+              <a:spcAft>
+                <a:spcPts val="0"/>
+              </a:spcAft>
+              <a:buNone/>
+            </a:pPr>
+            <a:endParaRPr/>
+          </a:p>
+          <a:p>
+            <a:pPr marL="0" lvl="0" indent="0" algn="l" rtl="0">
+              <a:spcBef>
+                <a:spcPts val="1600"/>
+              </a:spcBef>
+              <a:spcAft>
+                <a:spcPts val="0"/>
+              </a:spcAft>
+              <a:buNone/>
+            </a:pPr>
+            <a:endParaRPr/>
+          </a:p>
+          <a:p>
+            <a:pPr marL="0" lvl="0" indent="0" algn="l" rtl="0">
+              <a:spcBef>
+                <a:spcPts val="1600"/>
+              </a:spcBef>
+              <a:spcAft>
+                <a:spcPts val="0"/>
+              </a:spcAft>
+              <a:buNone/>
+            </a:pPr>
+            <a:endParaRPr/>
+          </a:p>
+          <a:p>
+            <a:pPr marL="0" lvl="0" indent="0" algn="l" rtl="0">
               <a:spcBef>
                 <a:spcPts val="1600"/>
               </a:spcBef>
@@ -7347,7 +7817,7 @@
             <a:endParaRPr/>
           </a:p>
           <a:p>
-            <a:pPr indent="0" lvl="0" marL="0" rtl="0" algn="l">
+            <a:pPr marL="0" lvl="0" indent="0" algn="l" rtl="0">
               <a:spcBef>
                 <a:spcPts val="0"/>
               </a:spcBef>
@@ -7358,11 +7828,7 @@
             </a:pPr>
             <a:r>
               <a:rPr lang="en"/>
-              <a:t>p</a:t>
-            </a:r>
-            <a:r>
-              <a:rPr lang="en"/>
-              <a:t>lot function which gives the line its color.</a:t>
+              <a:t>plot function which gives the line its color.</a:t>
             </a:r>
             <a:endParaRPr/>
           </a:p>
@@ -7432,12 +7898,12 @@
 </p:sld>
 </file>
 
-<file path=ppt/slides/slide11.xml><?xml version="1.0" encoding="utf-8"?>
-<p:sld xmlns:a="http://schemas.openxmlformats.org/drawingml/2006/main" xmlns:r="http://schemas.openxmlformats.org/officeDocument/2006/relationships" xmlns:mc="http://schemas.openxmlformats.org/markup-compatibility/2006" xmlns:mv="urn:schemas-microsoft-com:mac:vml" xmlns:p="http://schemas.openxmlformats.org/presentationml/2006/main" xmlns:c="http://schemas.openxmlformats.org/drawingml/2006/chart" xmlns:dgm="http://schemas.openxmlformats.org/drawingml/2006/diagram" xmlns:o="urn:schemas-microsoft-com:office:office" xmlns:v="urn:schemas-microsoft-com:vml" xmlns:pvml="urn:schemas-microsoft-com:office:powerpoint" xmlns:com="http://schemas.openxmlformats.org/drawingml/2006/compatibility" xmlns:p14="http://schemas.microsoft.com/office/powerpoint/2010/main" xmlns:p15="http://schemas.microsoft.com/office/powerpoint/2012/main">
+<file path=ppt/slides/slide12.xml><?xml version="1.0" encoding="utf-8"?>
+<p:sld xmlns:a="http://schemas.openxmlformats.org/drawingml/2006/main" xmlns:r="http://schemas.openxmlformats.org/officeDocument/2006/relationships" xmlns:p="http://schemas.openxmlformats.org/presentationml/2006/main">
   <p:cSld>
     <p:spTree>
       <p:nvGrpSpPr>
-        <p:cNvPr id="121" name="Shape 121"/>
+        <p:cNvPr id="1" name="Shape 121"/>
         <p:cNvGrpSpPr/>
         <p:nvPr/>
       </p:nvGrpSpPr>
@@ -7452,7 +7918,9 @@
       <p:sp>
         <p:nvSpPr>
           <p:cNvPr id="122" name="Google Shape;122;p23"/>
-          <p:cNvSpPr txBox="1"/>
+          <p:cNvSpPr txBox="1">
+            <a:spLocks noGrp="1"/>
+          </p:cNvSpPr>
           <p:nvPr>
             <p:ph type="title"/>
           </p:nvPr>
@@ -7467,12 +7935,12 @@
           </a:prstGeom>
         </p:spPr>
         <p:txBody>
-          <a:bodyPr anchorCtr="0" anchor="t" bIns="91425" lIns="91425" spcFirstLastPara="1" rIns="91425" wrap="square" tIns="91425">
+          <a:bodyPr spcFirstLastPara="1" wrap="square" lIns="91425" tIns="91425" rIns="91425" bIns="91425" anchor="t" anchorCtr="0">
             <a:noAutofit/>
           </a:bodyPr>
           <a:lstStyle/>
           <a:p>
-            <a:pPr indent="0" lvl="0" marL="0" rtl="0" algn="l">
+            <a:pPr marL="0" lvl="0" indent="0" algn="l" rtl="0">
               <a:spcBef>
                 <a:spcPts val="0"/>
               </a:spcBef>
@@ -7483,27 +7951,20 @@
             </a:pPr>
             <a:r>
               <a:rPr lang="en"/>
-              <a:t>p</a:t>
+              <a:t>polyfit - Slope and y-intercept</a:t>
             </a:r>
-            <a:r>
-              <a:rPr lang="en"/>
-              <a:t>olyfit - Slope and y-intercept</a:t>
-            </a:r>
-            <a:endParaRPr/>
-          </a:p>
-          <a:p>
-            <a:pPr indent="0" lvl="0" marL="0" rtl="0" algn="l">
-              <a:spcBef>
-                <a:spcPts val="0"/>
-              </a:spcBef>
-              <a:spcAft>
-                <a:spcPts val="0"/>
-              </a:spcAft>
-              <a:buNone/>
-            </a:pPr>
-            <a:r>
-              <a:t/>
-            </a:r>
+            <a:endParaRPr/>
+          </a:p>
+          <a:p>
+            <a:pPr marL="0" lvl="0" indent="0" algn="l" rtl="0">
+              <a:spcBef>
+                <a:spcPts val="0"/>
+              </a:spcBef>
+              <a:spcAft>
+                <a:spcPts val="0"/>
+              </a:spcAft>
+              <a:buNone/>
+            </a:pPr>
             <a:endParaRPr/>
           </a:p>
         </p:txBody>
@@ -7511,9 +7972,11 @@
       <p:sp>
         <p:nvSpPr>
           <p:cNvPr id="123" name="Google Shape;123;p23"/>
-          <p:cNvSpPr txBox="1"/>
+          <p:cNvSpPr txBox="1">
+            <a:spLocks noGrp="1"/>
+          </p:cNvSpPr>
           <p:nvPr>
-            <p:ph idx="1" type="body"/>
+            <p:ph type="body" idx="1"/>
           </p:nvPr>
         </p:nvSpPr>
         <p:spPr>
@@ -7526,12 +7989,12 @@
           </a:prstGeom>
         </p:spPr>
         <p:txBody>
-          <a:bodyPr anchorCtr="0" anchor="t" bIns="91425" lIns="91425" spcFirstLastPara="1" rIns="91425" wrap="square" tIns="91425">
+          <a:bodyPr spcFirstLastPara="1" wrap="square" lIns="91425" tIns="91425" rIns="91425" bIns="91425" anchor="t" anchorCtr="0">
             <a:noAutofit/>
           </a:bodyPr>
           <a:lstStyle/>
           <a:p>
-            <a:pPr indent="0" lvl="0" marL="0" rtl="0" algn="l">
+            <a:pPr marL="0" lvl="0" indent="0" algn="l" rtl="0">
               <a:spcBef>
                 <a:spcPts val="0"/>
               </a:spcBef>
@@ -7547,22 +8010,19 @@
             <a:endParaRPr/>
           </a:p>
           <a:p>
-            <a:pPr indent="0" lvl="0" marL="0" rtl="0" algn="l">
-              <a:spcBef>
-                <a:spcPts val="1600"/>
-              </a:spcBef>
-              <a:spcAft>
-                <a:spcPts val="0"/>
-              </a:spcAft>
-              <a:buNone/>
-            </a:pPr>
-            <a:r>
-              <a:t/>
-            </a:r>
-            <a:endParaRPr/>
-          </a:p>
-          <a:p>
-            <a:pPr indent="0" lvl="0" marL="0" rtl="0" algn="l">
+            <a:pPr marL="0" lvl="0" indent="0" algn="l" rtl="0">
+              <a:spcBef>
+                <a:spcPts val="1600"/>
+              </a:spcBef>
+              <a:spcAft>
+                <a:spcPts val="0"/>
+              </a:spcAft>
+              <a:buNone/>
+            </a:pPr>
+            <a:endParaRPr/>
+          </a:p>
+          <a:p>
+            <a:pPr marL="0" lvl="0" indent="0" algn="l" rtl="0">
               <a:spcBef>
                 <a:spcPts val="1600"/>
               </a:spcBef>
@@ -7578,7 +8038,7 @@
             <a:endParaRPr/>
           </a:p>
           <a:p>
-            <a:pPr indent="0" lvl="0" marL="0" rtl="0" algn="l">
+            <a:pPr marL="0" lvl="0" indent="0" algn="l" rtl="0">
               <a:spcBef>
                 <a:spcPts val="1600"/>
               </a:spcBef>
@@ -7594,22 +8054,19 @@
             <a:endParaRPr/>
           </a:p>
           <a:p>
-            <a:pPr indent="0" lvl="0" marL="0" rtl="0" algn="l">
-              <a:spcBef>
-                <a:spcPts val="1600"/>
-              </a:spcBef>
-              <a:spcAft>
-                <a:spcPts val="0"/>
-              </a:spcAft>
-              <a:buNone/>
-            </a:pPr>
-            <a:r>
-              <a:t/>
-            </a:r>
-            <a:endParaRPr/>
-          </a:p>
-          <a:p>
-            <a:pPr indent="0" lvl="0" marL="0" rtl="0" algn="l">
+            <a:pPr marL="0" lvl="0" indent="0" algn="l" rtl="0">
+              <a:spcBef>
+                <a:spcPts val="1600"/>
+              </a:spcBef>
+              <a:spcAft>
+                <a:spcPts val="0"/>
+              </a:spcAft>
+              <a:buNone/>
+            </a:pPr>
+            <a:endParaRPr/>
+          </a:p>
+          <a:p>
+            <a:pPr marL="0" lvl="0" indent="0" algn="l" rtl="0">
               <a:spcBef>
                 <a:spcPts val="1600"/>
               </a:spcBef>
@@ -7625,7 +8082,7 @@
             <a:endParaRPr/>
           </a:p>
           <a:p>
-            <a:pPr indent="0" lvl="0" marL="0" rtl="0" algn="l">
+            <a:pPr marL="0" lvl="0" indent="0" algn="l" rtl="0">
               <a:spcBef>
                 <a:spcPts val="0"/>
               </a:spcBef>
@@ -7636,130 +8093,96 @@
             </a:pPr>
             <a:r>
               <a:rPr lang="en"/>
-              <a:t>c</a:t>
+              <a:t>coefficients from the highest to lowest</a:t>
             </a:r>
+            <a:endParaRPr/>
+          </a:p>
+          <a:p>
+            <a:pPr marL="0" lvl="0" indent="0" algn="l" rtl="0">
+              <a:spcBef>
+                <a:spcPts val="0"/>
+              </a:spcBef>
+              <a:spcAft>
+                <a:spcPts val="0"/>
+              </a:spcAft>
+              <a:buNone/>
+            </a:pPr>
             <a:r>
               <a:rPr lang="en"/>
-              <a:t>oefficients from the highest to lowest</a:t>
+              <a:t>polynomial order term</a:t>
             </a:r>
             <a:endParaRPr/>
           </a:p>
           <a:p>
-            <a:pPr indent="0" lvl="0" marL="0" rtl="0" algn="l">
-              <a:spcBef>
-                <a:spcPts val="0"/>
-              </a:spcBef>
-              <a:spcAft>
-                <a:spcPts val="0"/>
-              </a:spcAft>
-              <a:buNone/>
-            </a:pPr>
-            <a:r>
-              <a:rPr lang="en"/>
-              <a:t>p</a:t>
-            </a:r>
-            <a:r>
-              <a:rPr lang="en"/>
-              <a:t>olynomial </a:t>
-            </a:r>
-            <a:r>
-              <a:rPr lang="en"/>
-              <a:t>o</a:t>
-            </a:r>
-            <a:r>
-              <a:rPr lang="en"/>
-              <a:t>rder term</a:t>
-            </a:r>
-            <a:endParaRPr/>
-          </a:p>
-          <a:p>
-            <a:pPr indent="0" lvl="0" marL="0" rtl="0" algn="l">
-              <a:spcBef>
-                <a:spcPts val="0"/>
-              </a:spcBef>
-              <a:spcAft>
-                <a:spcPts val="0"/>
-              </a:spcAft>
-              <a:buNone/>
-            </a:pPr>
-            <a:r>
-              <a:t/>
-            </a:r>
-            <a:endParaRPr/>
-          </a:p>
-          <a:p>
-            <a:pPr indent="0" lvl="0" marL="0" rtl="0" algn="l">
-              <a:spcBef>
-                <a:spcPts val="1600"/>
-              </a:spcBef>
-              <a:spcAft>
-                <a:spcPts val="0"/>
-              </a:spcAft>
-              <a:buNone/>
-            </a:pPr>
-            <a:r>
-              <a:t/>
-            </a:r>
-            <a:endParaRPr/>
-          </a:p>
-          <a:p>
-            <a:pPr indent="0" lvl="0" marL="0" rtl="0" algn="l">
-              <a:spcBef>
-                <a:spcPts val="1600"/>
-              </a:spcBef>
-              <a:spcAft>
-                <a:spcPts val="0"/>
-              </a:spcAft>
-              <a:buNone/>
-            </a:pPr>
-            <a:r>
-              <a:t/>
-            </a:r>
-            <a:endParaRPr/>
-          </a:p>
-          <a:p>
-            <a:pPr indent="0" lvl="0" marL="0" rtl="0" algn="l">
-              <a:spcBef>
-                <a:spcPts val="1600"/>
-              </a:spcBef>
-              <a:spcAft>
-                <a:spcPts val="0"/>
-              </a:spcAft>
-              <a:buNone/>
-            </a:pPr>
-            <a:r>
-              <a:t/>
-            </a:r>
-            <a:endParaRPr/>
-          </a:p>
-          <a:p>
-            <a:pPr indent="0" lvl="0" marL="0" rtl="0" algn="l">
-              <a:spcBef>
-                <a:spcPts val="1600"/>
-              </a:spcBef>
-              <a:spcAft>
-                <a:spcPts val="0"/>
-              </a:spcAft>
-              <a:buNone/>
-            </a:pPr>
-            <a:r>
-              <a:t/>
-            </a:r>
-            <a:endParaRPr/>
-          </a:p>
-          <a:p>
-            <a:pPr indent="0" lvl="0" marL="0" rtl="0" algn="l">
-              <a:spcBef>
-                <a:spcPts val="1600"/>
-              </a:spcBef>
-              <a:spcAft>
-                <a:spcPts val="0"/>
-              </a:spcAft>
-              <a:buNone/>
-            </a:pPr>
-            <a:r>
-              <a:t/>
-            </a:r>
+            <a:pPr marL="0" lvl="0" indent="0" algn="l" rtl="0">
+              <a:spcBef>
+                <a:spcPts val="0"/>
+              </a:spcBef>
+              <a:spcAft>
+                <a:spcPts val="0"/>
+              </a:spcAft>
+              <a:buNone/>
+            </a:pPr>
+            <a:endParaRPr/>
+          </a:p>
+          <a:p>
+            <a:pPr marL="0" lvl="0" indent="0" algn="l" rtl="0">
+              <a:spcBef>
+                <a:spcPts val="1600"/>
+              </a:spcBef>
+              <a:spcAft>
+                <a:spcPts val="0"/>
+              </a:spcAft>
+              <a:buNone/>
+            </a:pPr>
+            <a:endParaRPr/>
+          </a:p>
+          <a:p>
+            <a:pPr marL="0" lvl="0" indent="0" algn="l" rtl="0">
+              <a:spcBef>
+                <a:spcPts val="1600"/>
+              </a:spcBef>
+              <a:spcAft>
+                <a:spcPts val="0"/>
+              </a:spcAft>
+              <a:buNone/>
+            </a:pPr>
+            <a:endParaRPr/>
+          </a:p>
+          <a:p>
+            <a:pPr marL="0" lvl="0" indent="0" algn="l" rtl="0">
+              <a:spcBef>
+                <a:spcPts val="1600"/>
+              </a:spcBef>
+              <a:spcAft>
+                <a:spcPts val="0"/>
+              </a:spcAft>
+              <a:buNone/>
+            </a:pPr>
+            <a:endParaRPr/>
+          </a:p>
+          <a:p>
+            <a:pPr marL="0" lvl="0" indent="0" algn="l" rtl="0">
+              <a:spcBef>
+                <a:spcPts val="1600"/>
+              </a:spcBef>
+              <a:spcAft>
+                <a:spcPts val="0"/>
+              </a:spcAft>
+              <a:buNone/>
+            </a:pPr>
+            <a:endParaRPr/>
+          </a:p>
+          <a:p>
+            <a:pPr marL="0" lvl="0" indent="0" algn="l" rtl="0">
+              <a:spcBef>
+                <a:spcPts val="1600"/>
+              </a:spcBef>
+              <a:spcAft>
+                <a:spcPts val="0"/>
+              </a:spcAft>
+              <a:buNone/>
+            </a:pPr>
             <a:endParaRPr/>
           </a:p>
         </p:txBody>
@@ -7822,7 +8245,7 @@
       </p:pic>
       <p:pic>
         <p:nvPicPr>
-          <p:cNvPr descr="{&quot;id&quot;:&quot;1&quot;,&quot;code&quot;:&quot;$f\\left(x\\right)=2.517x-1.2219$&quot;,&quot;font&quot;:{&quot;size&quot;:17.999999488806438,&quot;family&quot;:&quot;Arial&quot;,&quot;color&quot;:&quot;#595959&quot;},&quot;type&quot;:&quot;$&quot;,&quot;ts&quot;:1595050255252,&quot;cs&quot;:&quot;U3N3bz8tpi7uJJcDxKzSPQ==&quot;,&quot;size&quot;:{&quot;width&quot;:284.03331161859467,&quot;height&quot;:28.0032842440868}}" id="126" name="Google Shape;126;p23"/>
+          <p:cNvPr id="126" name="Google Shape;126;p23" descr="{&quot;id&quot;:&quot;1&quot;,&quot;code&quot;:&quot;$f\\left(x\\right)=2.517x-1.2219$&quot;,&quot;font&quot;:{&quot;size&quot;:17.999999488806438,&quot;family&quot;:&quot;Arial&quot;,&quot;color&quot;:&quot;#595959&quot;},&quot;type&quot;:&quot;$&quot;,&quot;ts&quot;:1595050255252,&quot;cs&quot;:&quot;U3N3bz8tpi7uJJcDxKzSPQ==&quot;,&quot;size&quot;:{&quot;width&quot;:284.03331161859467,&quot;height&quot;:28.0032842440868}}"/>
           <p:cNvPicPr preferRelativeResize="0"/>
           <p:nvPr/>
         </p:nvPicPr>
@@ -7856,12 +8279,12 @@
 </p:sld>
 </file>
 
-<file path=ppt/slides/slide12.xml><?xml version="1.0" encoding="utf-8"?>
-<p:sld xmlns:a="http://schemas.openxmlformats.org/drawingml/2006/main" xmlns:r="http://schemas.openxmlformats.org/officeDocument/2006/relationships" xmlns:mc="http://schemas.openxmlformats.org/markup-compatibility/2006" xmlns:mv="urn:schemas-microsoft-com:mac:vml" xmlns:p="http://schemas.openxmlformats.org/presentationml/2006/main" xmlns:c="http://schemas.openxmlformats.org/drawingml/2006/chart" xmlns:dgm="http://schemas.openxmlformats.org/drawingml/2006/diagram" xmlns:o="urn:schemas-microsoft-com:office:office" xmlns:v="urn:schemas-microsoft-com:vml" xmlns:pvml="urn:schemas-microsoft-com:office:powerpoint" xmlns:com="http://schemas.openxmlformats.org/drawingml/2006/compatibility" xmlns:p14="http://schemas.microsoft.com/office/powerpoint/2010/main" xmlns:p15="http://schemas.microsoft.com/office/powerpoint/2012/main">
+<file path=ppt/slides/slide13.xml><?xml version="1.0" encoding="utf-8"?>
+<p:sld xmlns:a="http://schemas.openxmlformats.org/drawingml/2006/main" xmlns:r="http://schemas.openxmlformats.org/officeDocument/2006/relationships" xmlns:p="http://schemas.openxmlformats.org/presentationml/2006/main">
   <p:cSld>
     <p:spTree>
       <p:nvGrpSpPr>
-        <p:cNvPr id="130" name="Shape 130"/>
+        <p:cNvPr id="1" name="Shape 130"/>
         <p:cNvGrpSpPr/>
         <p:nvPr/>
       </p:nvGrpSpPr>
@@ -7876,7 +8299,9 @@
       <p:sp>
         <p:nvSpPr>
           <p:cNvPr id="131" name="Google Shape;131;p24"/>
-          <p:cNvSpPr txBox="1"/>
+          <p:cNvSpPr txBox="1">
+            <a:spLocks noGrp="1"/>
+          </p:cNvSpPr>
           <p:nvPr>
             <p:ph type="title"/>
           </p:nvPr>
@@ -7891,12 +8316,12 @@
           </a:prstGeom>
         </p:spPr>
         <p:txBody>
-          <a:bodyPr anchorCtr="0" anchor="t" bIns="91425" lIns="91425" spcFirstLastPara="1" rIns="91425" wrap="square" tIns="91425">
+          <a:bodyPr spcFirstLastPara="1" wrap="square" lIns="91425" tIns="91425" rIns="91425" bIns="91425" anchor="t" anchorCtr="0">
             <a:noAutofit/>
           </a:bodyPr>
           <a:lstStyle/>
           <a:p>
-            <a:pPr indent="0" lvl="0" marL="0" rtl="0" algn="l">
+            <a:pPr marL="0" lvl="0" indent="0" algn="l" rtl="0">
               <a:spcBef>
                 <a:spcPts val="0"/>
               </a:spcBef>
@@ -7916,9 +8341,11 @@
       <p:sp>
         <p:nvSpPr>
           <p:cNvPr id="132" name="Google Shape;132;p24"/>
-          <p:cNvSpPr txBox="1"/>
+          <p:cNvSpPr txBox="1">
+            <a:spLocks noGrp="1"/>
+          </p:cNvSpPr>
           <p:nvPr>
-            <p:ph idx="1" type="body"/>
+            <p:ph type="body" idx="1"/>
           </p:nvPr>
         </p:nvSpPr>
         <p:spPr>
@@ -7931,12 +8358,12 @@
           </a:prstGeom>
         </p:spPr>
         <p:txBody>
-          <a:bodyPr anchorCtr="0" anchor="t" bIns="91425" lIns="91425" spcFirstLastPara="1" rIns="91425" wrap="square" tIns="91425">
+          <a:bodyPr spcFirstLastPara="1" wrap="square" lIns="91425" tIns="91425" rIns="91425" bIns="91425" anchor="t" anchorCtr="0">
             <a:noAutofit/>
           </a:bodyPr>
           <a:lstStyle/>
           <a:p>
-            <a:pPr indent="0" lvl="0" marL="0" rtl="0" algn="l">
+            <a:pPr marL="0" lvl="0" indent="0" algn="l" rtl="0">
               <a:spcBef>
                 <a:spcPts val="0"/>
               </a:spcBef>
@@ -7952,82 +8379,67 @@
             <a:endParaRPr/>
           </a:p>
           <a:p>
-            <a:pPr indent="0" lvl="0" marL="0" rtl="0" algn="l">
-              <a:spcBef>
-                <a:spcPts val="1600"/>
-              </a:spcBef>
-              <a:spcAft>
-                <a:spcPts val="0"/>
-              </a:spcAft>
-              <a:buNone/>
-            </a:pPr>
-            <a:r>
-              <a:t/>
-            </a:r>
-            <a:endParaRPr/>
-          </a:p>
-          <a:p>
-            <a:pPr indent="0" lvl="0" marL="0" rtl="0" algn="l">
-              <a:spcBef>
-                <a:spcPts val="1600"/>
-              </a:spcBef>
-              <a:spcAft>
-                <a:spcPts val="0"/>
-              </a:spcAft>
-              <a:buNone/>
-            </a:pPr>
-            <a:r>
-              <a:t/>
-            </a:r>
-            <a:endParaRPr/>
-          </a:p>
-          <a:p>
-            <a:pPr indent="0" lvl="0" marL="0" rtl="0" algn="l">
-              <a:spcBef>
-                <a:spcPts val="1600"/>
-              </a:spcBef>
-              <a:spcAft>
-                <a:spcPts val="0"/>
-              </a:spcAft>
-              <a:buNone/>
-            </a:pPr>
-            <a:r>
-              <a:t/>
-            </a:r>
-            <a:endParaRPr/>
-          </a:p>
-          <a:p>
-            <a:pPr indent="0" lvl="0" marL="0" rtl="0" algn="l">
-              <a:spcBef>
-                <a:spcPts val="1600"/>
-              </a:spcBef>
-              <a:spcAft>
-                <a:spcPts val="0"/>
-              </a:spcAft>
-              <a:buNone/>
-            </a:pPr>
-            <a:r>
-              <a:t/>
-            </a:r>
-            <a:endParaRPr/>
-          </a:p>
-          <a:p>
-            <a:pPr indent="0" lvl="0" marL="0" rtl="0" algn="l">
-              <a:spcBef>
-                <a:spcPts val="1600"/>
-              </a:spcBef>
-              <a:spcAft>
-                <a:spcPts val="0"/>
-              </a:spcAft>
-              <a:buNone/>
-            </a:pPr>
-            <a:r>
-              <a:t/>
-            </a:r>
-            <a:endParaRPr/>
-          </a:p>
-          <a:p>
-            <a:pPr indent="0" lvl="0" marL="0" rtl="0" algn="l">
+            <a:pPr marL="0" lvl="0" indent="0" algn="l" rtl="0">
+              <a:spcBef>
+                <a:spcPts val="1600"/>
+              </a:spcBef>
+              <a:spcAft>
+                <a:spcPts val="0"/>
+              </a:spcAft>
+              <a:buNone/>
+            </a:pPr>
+            <a:endParaRPr/>
+          </a:p>
+          <a:p>
+            <a:pPr marL="0" lvl="0" indent="0" algn="l" rtl="0">
+              <a:spcBef>
+                <a:spcPts val="1600"/>
+              </a:spcBef>
+              <a:spcAft>
+                <a:spcPts val="0"/>
+              </a:spcAft>
+              <a:buNone/>
+            </a:pPr>
+            <a:endParaRPr/>
+          </a:p>
+          <a:p>
+            <a:pPr marL="0" lvl="0" indent="0" algn="l" rtl="0">
+              <a:spcBef>
+                <a:spcPts val="1600"/>
+              </a:spcBef>
+              <a:spcAft>
+                <a:spcPts val="0"/>
+              </a:spcAft>
+              <a:buNone/>
+            </a:pPr>
+            <a:endParaRPr/>
+          </a:p>
+          <a:p>
+            <a:pPr marL="0" lvl="0" indent="0" algn="l" rtl="0">
+              <a:spcBef>
+                <a:spcPts val="1600"/>
+              </a:spcBef>
+              <a:spcAft>
+                <a:spcPts val="0"/>
+              </a:spcAft>
+              <a:buNone/>
+            </a:pPr>
+            <a:endParaRPr/>
+          </a:p>
+          <a:p>
+            <a:pPr marL="0" lvl="0" indent="0" algn="l" rtl="0">
+              <a:spcBef>
+                <a:spcPts val="1600"/>
+              </a:spcBef>
+              <a:spcAft>
+                <a:spcPts val="0"/>
+              </a:spcAft>
+              <a:buNone/>
+            </a:pPr>
+            <a:endParaRPr/>
+          </a:p>
+          <a:p>
+            <a:pPr marL="0" lvl="0" indent="0" algn="l" rtl="0">
               <a:spcBef>
                 <a:spcPts val="1600"/>
               </a:spcBef>
@@ -8108,12 +8520,12 @@
 </p:sld>
 </file>
 
-<file path=ppt/slides/slide13.xml><?xml version="1.0" encoding="utf-8"?>
-<p:sld xmlns:a="http://schemas.openxmlformats.org/drawingml/2006/main" xmlns:r="http://schemas.openxmlformats.org/officeDocument/2006/relationships" xmlns:mc="http://schemas.openxmlformats.org/markup-compatibility/2006" xmlns:mv="urn:schemas-microsoft-com:mac:vml" xmlns:p="http://schemas.openxmlformats.org/presentationml/2006/main" xmlns:c="http://schemas.openxmlformats.org/drawingml/2006/chart" xmlns:dgm="http://schemas.openxmlformats.org/drawingml/2006/diagram" xmlns:o="urn:schemas-microsoft-com:office:office" xmlns:v="urn:schemas-microsoft-com:vml" xmlns:pvml="urn:schemas-microsoft-com:office:powerpoint" xmlns:com="http://schemas.openxmlformats.org/drawingml/2006/compatibility" xmlns:p14="http://schemas.microsoft.com/office/powerpoint/2010/main" xmlns:p15="http://schemas.microsoft.com/office/powerpoint/2012/main">
+<file path=ppt/slides/slide14.xml><?xml version="1.0" encoding="utf-8"?>
+<p:sld xmlns:a="http://schemas.openxmlformats.org/drawingml/2006/main" xmlns:r="http://schemas.openxmlformats.org/officeDocument/2006/relationships" xmlns:p="http://schemas.openxmlformats.org/presentationml/2006/main">
   <p:cSld>
     <p:spTree>
       <p:nvGrpSpPr>
-        <p:cNvPr id="138" name="Shape 138"/>
+        <p:cNvPr id="1" name="Shape 138"/>
         <p:cNvGrpSpPr/>
         <p:nvPr/>
       </p:nvGrpSpPr>
@@ -8128,7 +8540,9 @@
       <p:sp>
         <p:nvSpPr>
           <p:cNvPr id="139" name="Google Shape;139;p25"/>
-          <p:cNvSpPr txBox="1"/>
+          <p:cNvSpPr txBox="1">
+            <a:spLocks noGrp="1"/>
+          </p:cNvSpPr>
           <p:nvPr>
             <p:ph type="title"/>
           </p:nvPr>
@@ -8143,12 +8557,12 @@
           </a:prstGeom>
         </p:spPr>
         <p:txBody>
-          <a:bodyPr anchorCtr="0" anchor="t" bIns="91425" lIns="91425" spcFirstLastPara="1" rIns="91425" wrap="square" tIns="91425">
+          <a:bodyPr spcFirstLastPara="1" wrap="square" lIns="91425" tIns="91425" rIns="91425" bIns="91425" anchor="t" anchorCtr="0">
             <a:noAutofit/>
           </a:bodyPr>
           <a:lstStyle/>
           <a:p>
-            <a:pPr indent="0" lvl="0" marL="0" rtl="0" algn="l">
+            <a:pPr marL="0" lvl="0" indent="0" algn="l" rtl="0">
               <a:spcBef>
                 <a:spcPts val="0"/>
               </a:spcBef>
@@ -8168,9 +8582,11 @@
       <p:sp>
         <p:nvSpPr>
           <p:cNvPr id="140" name="Google Shape;140;p25"/>
-          <p:cNvSpPr txBox="1"/>
+          <p:cNvSpPr txBox="1">
+            <a:spLocks noGrp="1"/>
+          </p:cNvSpPr>
           <p:nvPr>
-            <p:ph idx="1" type="body"/>
+            <p:ph type="body" idx="1"/>
           </p:nvPr>
         </p:nvSpPr>
         <p:spPr>
@@ -8183,12 +8599,12 @@
           </a:prstGeom>
         </p:spPr>
         <p:txBody>
-          <a:bodyPr anchorCtr="0" anchor="t" bIns="91425" lIns="91425" spcFirstLastPara="1" rIns="91425" wrap="square" tIns="91425">
+          <a:bodyPr spcFirstLastPara="1" wrap="square" lIns="91425" tIns="91425" rIns="91425" bIns="91425" anchor="t" anchorCtr="0">
             <a:noAutofit/>
           </a:bodyPr>
           <a:lstStyle/>
           <a:p>
-            <a:pPr indent="0" lvl="0" marL="0" rtl="0" algn="l">
+            <a:pPr marL="0" lvl="0" indent="0" algn="l" rtl="0">
               <a:spcBef>
                 <a:spcPts val="0"/>
               </a:spcBef>
@@ -8204,7 +8620,7 @@
             <a:endParaRPr/>
           </a:p>
           <a:p>
-            <a:pPr indent="0" lvl="0" marL="0" rtl="0" algn="l">
+            <a:pPr marL="0" lvl="0" indent="0" algn="l" rtl="0">
               <a:spcBef>
                 <a:spcPts val="1600"/>
               </a:spcBef>
@@ -8220,7 +8636,7 @@
             <a:endParaRPr/>
           </a:p>
           <a:p>
-            <a:pPr indent="0" lvl="0" marL="0" rtl="0" algn="l">
+            <a:pPr marL="0" lvl="0" indent="0" algn="l" rtl="0">
               <a:spcBef>
                 <a:spcPts val="1600"/>
               </a:spcBef>
@@ -8236,7 +8652,7 @@
             <a:endParaRPr/>
           </a:p>
           <a:p>
-            <a:pPr indent="0" lvl="0" marL="0" rtl="0" algn="l">
+            <a:pPr marL="0" lvl="0" indent="0" algn="l" rtl="0">
               <a:spcBef>
                 <a:spcPts val="1600"/>
               </a:spcBef>
@@ -8247,11 +8663,7 @@
             </a:pPr>
             <a:r>
               <a:rPr lang="en"/>
-              <a:t>a</a:t>
-            </a:r>
-            <a:r>
-              <a:rPr lang="en"/>
-              <a:t>fter defining all the parts of the figure.</a:t>
+              <a:t>after defining all the parts of the figure.</a:t>
             </a:r>
             <a:endParaRPr/>
           </a:p>
@@ -8293,12 +8705,12 @@
 </p:sld>
 </file>
 
-<file path=ppt/slides/slide14.xml><?xml version="1.0" encoding="utf-8"?>
-<p:sld xmlns:a="http://schemas.openxmlformats.org/drawingml/2006/main" xmlns:r="http://schemas.openxmlformats.org/officeDocument/2006/relationships" xmlns:mc="http://schemas.openxmlformats.org/markup-compatibility/2006" xmlns:mv="urn:schemas-microsoft-com:mac:vml" xmlns:p="http://schemas.openxmlformats.org/presentationml/2006/main" xmlns:c="http://schemas.openxmlformats.org/drawingml/2006/chart" xmlns:dgm="http://schemas.openxmlformats.org/drawingml/2006/diagram" xmlns:o="urn:schemas-microsoft-com:office:office" xmlns:v="urn:schemas-microsoft-com:vml" xmlns:pvml="urn:schemas-microsoft-com:office:powerpoint" xmlns:com="http://schemas.openxmlformats.org/drawingml/2006/compatibility" xmlns:p14="http://schemas.microsoft.com/office/powerpoint/2010/main" xmlns:p15="http://schemas.microsoft.com/office/powerpoint/2012/main">
+<file path=ppt/slides/slide15.xml><?xml version="1.0" encoding="utf-8"?>
+<p:sld xmlns:a="http://schemas.openxmlformats.org/drawingml/2006/main" xmlns:r="http://schemas.openxmlformats.org/officeDocument/2006/relationships" xmlns:p="http://schemas.openxmlformats.org/presentationml/2006/main">
   <p:cSld>
     <p:spTree>
       <p:nvGrpSpPr>
-        <p:cNvPr id="145" name="Shape 145"/>
+        <p:cNvPr id="1" name="Shape 145"/>
         <p:cNvGrpSpPr/>
         <p:nvPr/>
       </p:nvGrpSpPr>
@@ -8313,7 +8725,9 @@
       <p:sp>
         <p:nvSpPr>
           <p:cNvPr id="146" name="Google Shape;146;p26"/>
-          <p:cNvSpPr txBox="1"/>
+          <p:cNvSpPr txBox="1">
+            <a:spLocks noGrp="1"/>
+          </p:cNvSpPr>
           <p:nvPr>
             <p:ph type="title"/>
           </p:nvPr>
@@ -8328,12 +8742,12 @@
           </a:prstGeom>
         </p:spPr>
         <p:txBody>
-          <a:bodyPr anchorCtr="0" anchor="t" bIns="91425" lIns="91425" spcFirstLastPara="1" rIns="91425" wrap="square" tIns="91425">
+          <a:bodyPr spcFirstLastPara="1" wrap="square" lIns="91425" tIns="91425" rIns="91425" bIns="91425" anchor="t" anchorCtr="0">
             <a:noAutofit/>
           </a:bodyPr>
           <a:lstStyle/>
           <a:p>
-            <a:pPr indent="0" lvl="0" marL="0" rtl="0" algn="l">
+            <a:pPr marL="0" lvl="0" indent="0" algn="l" rtl="0">
               <a:spcBef>
                 <a:spcPts val="0"/>
               </a:spcBef>
@@ -8353,9 +8767,11 @@
       <p:sp>
         <p:nvSpPr>
           <p:cNvPr id="147" name="Google Shape;147;p26"/>
-          <p:cNvSpPr txBox="1"/>
+          <p:cNvSpPr txBox="1">
+            <a:spLocks noGrp="1"/>
+          </p:cNvSpPr>
           <p:nvPr>
-            <p:ph idx="1" type="body"/>
+            <p:ph type="body" idx="1"/>
           </p:nvPr>
         </p:nvSpPr>
         <p:spPr>
@@ -8368,12 +8784,12 @@
           </a:prstGeom>
         </p:spPr>
         <p:txBody>
-          <a:bodyPr anchorCtr="0" anchor="t" bIns="91425" lIns="91425" spcFirstLastPara="1" rIns="91425" wrap="square" tIns="91425">
+          <a:bodyPr spcFirstLastPara="1" wrap="square" lIns="91425" tIns="91425" rIns="91425" bIns="91425" anchor="t" anchorCtr="0">
             <a:noAutofit/>
           </a:bodyPr>
           <a:lstStyle/>
           <a:p>
-            <a:pPr indent="0" lvl="0" marL="0" rtl="0" algn="l">
+            <a:pPr marL="0" lvl="0" indent="0" algn="l" rtl="0">
               <a:spcBef>
                 <a:spcPts val="0"/>
               </a:spcBef>
@@ -8389,7 +8805,7 @@
             <a:endParaRPr/>
           </a:p>
           <a:p>
-            <a:pPr indent="0" lvl="0" marL="0" rtl="0" algn="l">
+            <a:pPr marL="0" lvl="0" indent="0" algn="l" rtl="0">
               <a:spcBef>
                 <a:spcPts val="1600"/>
               </a:spcBef>
@@ -8405,7 +8821,7 @@
             <a:endParaRPr/>
           </a:p>
           <a:p>
-            <a:pPr indent="-342900" lvl="0" marL="457200" rtl="0" algn="l">
+            <a:pPr marL="457200" lvl="0" indent="-342900" algn="l" rtl="0">
               <a:spcBef>
                 <a:spcPts val="1600"/>
               </a:spcBef>
@@ -8422,7 +8838,7 @@
             <a:endParaRPr/>
           </a:p>
           <a:p>
-            <a:pPr indent="-342900" lvl="0" marL="457200" rtl="0" algn="l">
+            <a:pPr marL="457200" lvl="0" indent="-342900" algn="l" rtl="0">
               <a:spcBef>
                 <a:spcPts val="0"/>
               </a:spcBef>
@@ -8476,12 +8892,12 @@
 </p:sld>
 </file>
 
-<file path=ppt/slides/slide15.xml><?xml version="1.0" encoding="utf-8"?>
-<p:sld xmlns:a="http://schemas.openxmlformats.org/drawingml/2006/main" xmlns:r="http://schemas.openxmlformats.org/officeDocument/2006/relationships" xmlns:mc="http://schemas.openxmlformats.org/markup-compatibility/2006" xmlns:mv="urn:schemas-microsoft-com:mac:vml" xmlns:p="http://schemas.openxmlformats.org/presentationml/2006/main" xmlns:c="http://schemas.openxmlformats.org/drawingml/2006/chart" xmlns:dgm="http://schemas.openxmlformats.org/drawingml/2006/diagram" xmlns:o="urn:schemas-microsoft-com:office:office" xmlns:v="urn:schemas-microsoft-com:vml" xmlns:pvml="urn:schemas-microsoft-com:office:powerpoint" xmlns:com="http://schemas.openxmlformats.org/drawingml/2006/compatibility" xmlns:p14="http://schemas.microsoft.com/office/powerpoint/2010/main" xmlns:p15="http://schemas.microsoft.com/office/powerpoint/2012/main">
+<file path=ppt/slides/slide16.xml><?xml version="1.0" encoding="utf-8"?>
+<p:sld xmlns:a="http://schemas.openxmlformats.org/drawingml/2006/main" xmlns:r="http://schemas.openxmlformats.org/officeDocument/2006/relationships" xmlns:p="http://schemas.openxmlformats.org/presentationml/2006/main">
   <p:cSld>
     <p:spTree>
       <p:nvGrpSpPr>
-        <p:cNvPr id="152" name="Shape 152"/>
+        <p:cNvPr id="1" name="Shape 152"/>
         <p:cNvGrpSpPr/>
         <p:nvPr/>
       </p:nvGrpSpPr>
@@ -8496,7 +8912,9 @@
       <p:sp>
         <p:nvSpPr>
           <p:cNvPr id="153" name="Google Shape;153;p27"/>
-          <p:cNvSpPr txBox="1"/>
+          <p:cNvSpPr txBox="1">
+            <a:spLocks noGrp="1"/>
+          </p:cNvSpPr>
           <p:nvPr>
             <p:ph type="title"/>
           </p:nvPr>
@@ -8511,12 +8929,12 @@
           </a:prstGeom>
         </p:spPr>
         <p:txBody>
-          <a:bodyPr anchorCtr="0" anchor="t" bIns="91425" lIns="91425" spcFirstLastPara="1" rIns="91425" wrap="square" tIns="91425">
+          <a:bodyPr spcFirstLastPara="1" wrap="square" lIns="91425" tIns="91425" rIns="91425" bIns="91425" anchor="t" anchorCtr="0">
             <a:noAutofit/>
           </a:bodyPr>
           <a:lstStyle/>
           <a:p>
-            <a:pPr indent="0" lvl="0" marL="0" rtl="0" algn="l">
+            <a:pPr marL="0" lvl="0" indent="0" algn="l" rtl="0">
               <a:spcBef>
                 <a:spcPts val="0"/>
               </a:spcBef>
@@ -8536,9 +8954,11 @@
       <p:sp>
         <p:nvSpPr>
           <p:cNvPr id="154" name="Google Shape;154;p27"/>
-          <p:cNvSpPr txBox="1"/>
+          <p:cNvSpPr txBox="1">
+            <a:spLocks noGrp="1"/>
+          </p:cNvSpPr>
           <p:nvPr>
-            <p:ph idx="1" type="body"/>
+            <p:ph type="body" idx="1"/>
           </p:nvPr>
         </p:nvSpPr>
         <p:spPr>
@@ -8551,12 +8971,12 @@
           </a:prstGeom>
         </p:spPr>
         <p:txBody>
-          <a:bodyPr anchorCtr="0" anchor="t" bIns="91425" lIns="91425" spcFirstLastPara="1" rIns="91425" wrap="square" tIns="91425">
+          <a:bodyPr spcFirstLastPara="1" wrap="square" lIns="91425" tIns="91425" rIns="91425" bIns="91425" anchor="t" anchorCtr="0">
             <a:noAutofit/>
           </a:bodyPr>
           <a:lstStyle/>
           <a:p>
-            <a:pPr indent="0" lvl="0" marL="0" rtl="0" algn="l">
+            <a:pPr marL="0" lvl="0" indent="0" algn="l" rtl="0">
               <a:spcBef>
                 <a:spcPts val="0"/>
               </a:spcBef>
@@ -8572,7 +8992,7 @@
             <a:endParaRPr/>
           </a:p>
           <a:p>
-            <a:pPr indent="0" lvl="0" marL="0" rtl="0" algn="l">
+            <a:pPr marL="0" lvl="0" indent="0" algn="l" rtl="0">
               <a:spcBef>
                 <a:spcPts val="1600"/>
               </a:spcBef>
@@ -8583,16 +9003,12 @@
             </a:pPr>
             <a:r>
               <a:rPr lang="en"/>
-              <a:t>i</a:t>
+              <a:t>import matplotlib.pyplot as plt</a:t>
             </a:r>
-            <a:r>
-              <a:rPr lang="en"/>
-              <a:t>mport matplotlib.pyplot as plt</a:t>
-            </a:r>
-            <a:endParaRPr/>
-          </a:p>
-          <a:p>
-            <a:pPr indent="0" lvl="0" marL="0" rtl="0" algn="l">
+            <a:endParaRPr/>
+          </a:p>
+          <a:p>
+            <a:pPr marL="0" lvl="0" indent="0" algn="l" rtl="0">
               <a:spcBef>
                 <a:spcPts val="0"/>
               </a:spcBef>
@@ -8608,7 +9024,7 @@
             <a:endParaRPr/>
           </a:p>
           <a:p>
-            <a:pPr indent="0" lvl="0" marL="0" rtl="0" algn="l">
+            <a:pPr marL="0" lvl="0" indent="0" algn="l" rtl="0">
               <a:spcBef>
                 <a:spcPts val="0"/>
               </a:spcBef>
@@ -8619,16 +9035,12 @@
             </a:pPr>
             <a:r>
               <a:rPr lang="en"/>
-              <a:t>m</a:t>
+              <a:t>mybins=[list of group limits]</a:t>
             </a:r>
-            <a:r>
-              <a:rPr lang="en"/>
-              <a:t>ybins=[list of group limits]</a:t>
-            </a:r>
-            <a:endParaRPr/>
-          </a:p>
-          <a:p>
-            <a:pPr indent="0" lvl="0" marL="0" rtl="0" algn="l">
+            <a:endParaRPr/>
+          </a:p>
+          <a:p>
+            <a:pPr marL="0" lvl="0" indent="0" algn="l" rtl="0">
               <a:spcBef>
                 <a:spcPts val="0"/>
               </a:spcBef>
@@ -8644,22 +9056,19 @@
             <a:endParaRPr/>
           </a:p>
           <a:p>
-            <a:pPr indent="0" lvl="0" marL="0" rtl="0" algn="l">
-              <a:spcBef>
-                <a:spcPts val="0"/>
-              </a:spcBef>
-              <a:spcAft>
-                <a:spcPts val="0"/>
-              </a:spcAft>
-              <a:buNone/>
-            </a:pPr>
-            <a:r>
-              <a:t/>
-            </a:r>
-            <a:endParaRPr/>
-          </a:p>
-          <a:p>
-            <a:pPr indent="0" lvl="0" marL="0" rtl="0" algn="l">
+            <a:pPr marL="0" lvl="0" indent="0" algn="l" rtl="0">
+              <a:spcBef>
+                <a:spcPts val="0"/>
+              </a:spcBef>
+              <a:spcAft>
+                <a:spcPts val="0"/>
+              </a:spcAft>
+              <a:buNone/>
+            </a:pPr>
+            <a:endParaRPr/>
+          </a:p>
+          <a:p>
+            <a:pPr marL="0" lvl="0" indent="0" algn="l" rtl="0">
               <a:spcBef>
                 <a:spcPts val="0"/>
               </a:spcBef>
@@ -8675,7 +9084,7 @@
             <a:endParaRPr/>
           </a:p>
           <a:p>
-            <a:pPr indent="0" lvl="0" marL="0" rtl="0" algn="l">
+            <a:pPr marL="0" lvl="0" indent="0" algn="l" rtl="0">
               <a:spcBef>
                 <a:spcPts val="0"/>
               </a:spcBef>
@@ -8700,12 +9109,12 @@
 </p:sld>
 </file>
 
-<file path=ppt/slides/slide16.xml><?xml version="1.0" encoding="utf-8"?>
-<p:sld xmlns:a="http://schemas.openxmlformats.org/drawingml/2006/main" xmlns:r="http://schemas.openxmlformats.org/officeDocument/2006/relationships" xmlns:mc="http://schemas.openxmlformats.org/markup-compatibility/2006" xmlns:mv="urn:schemas-microsoft-com:mac:vml" xmlns:p="http://schemas.openxmlformats.org/presentationml/2006/main" xmlns:c="http://schemas.openxmlformats.org/drawingml/2006/chart" xmlns:dgm="http://schemas.openxmlformats.org/drawingml/2006/diagram" xmlns:o="urn:schemas-microsoft-com:office:office" xmlns:v="urn:schemas-microsoft-com:vml" xmlns:pvml="urn:schemas-microsoft-com:office:powerpoint" xmlns:com="http://schemas.openxmlformats.org/drawingml/2006/compatibility" xmlns:p14="http://schemas.microsoft.com/office/powerpoint/2010/main" xmlns:p15="http://schemas.microsoft.com/office/powerpoint/2012/main">
+<file path=ppt/slides/slide17.xml><?xml version="1.0" encoding="utf-8"?>
+<p:sld xmlns:a="http://schemas.openxmlformats.org/drawingml/2006/main" xmlns:r="http://schemas.openxmlformats.org/officeDocument/2006/relationships" xmlns:p="http://schemas.openxmlformats.org/presentationml/2006/main">
   <p:cSld>
     <p:spTree>
       <p:nvGrpSpPr>
-        <p:cNvPr id="158" name="Shape 158"/>
+        <p:cNvPr id="1" name="Shape 158"/>
         <p:cNvGrpSpPr/>
         <p:nvPr/>
       </p:nvGrpSpPr>
@@ -8720,7 +9129,9 @@
       <p:sp>
         <p:nvSpPr>
           <p:cNvPr id="159" name="Google Shape;159;p28"/>
-          <p:cNvSpPr txBox="1"/>
+          <p:cNvSpPr txBox="1">
+            <a:spLocks noGrp="1"/>
+          </p:cNvSpPr>
           <p:nvPr>
             <p:ph type="title"/>
           </p:nvPr>
@@ -8735,12 +9146,12 @@
           </a:prstGeom>
         </p:spPr>
         <p:txBody>
-          <a:bodyPr anchorCtr="0" anchor="t" bIns="91425" lIns="91425" spcFirstLastPara="1" rIns="91425" wrap="square" tIns="91425">
+          <a:bodyPr spcFirstLastPara="1" wrap="square" lIns="91425" tIns="91425" rIns="91425" bIns="91425" anchor="t" anchorCtr="0">
             <a:noAutofit/>
           </a:bodyPr>
           <a:lstStyle/>
           <a:p>
-            <a:pPr indent="0" lvl="0" marL="0" rtl="0" algn="l">
+            <a:pPr marL="0" lvl="0" indent="0" algn="l" rtl="0">
               <a:spcBef>
                 <a:spcPts val="0"/>
               </a:spcBef>
@@ -8751,11 +9162,7 @@
             </a:pPr>
             <a:r>
               <a:rPr lang="en"/>
-              <a:t>h</a:t>
-            </a:r>
-            <a:r>
-              <a:rPr lang="en"/>
-              <a:t>ist Example</a:t>
+              <a:t>hist Example</a:t>
             </a:r>
             <a:endParaRPr/>
           </a:p>
@@ -8764,9 +9171,11 @@
       <p:sp>
         <p:nvSpPr>
           <p:cNvPr id="160" name="Google Shape;160;p28"/>
-          <p:cNvSpPr txBox="1"/>
+          <p:cNvSpPr txBox="1">
+            <a:spLocks noGrp="1"/>
+          </p:cNvSpPr>
           <p:nvPr>
-            <p:ph idx="1" type="body"/>
+            <p:ph type="body" idx="1"/>
           </p:nvPr>
         </p:nvSpPr>
         <p:spPr>
@@ -8779,72 +9188,60 @@
           </a:prstGeom>
         </p:spPr>
         <p:txBody>
-          <a:bodyPr anchorCtr="0" anchor="t" bIns="91425" lIns="91425" spcFirstLastPara="1" rIns="91425" wrap="square" tIns="91425">
+          <a:bodyPr spcFirstLastPara="1" wrap="square" lIns="91425" tIns="91425" rIns="91425" bIns="91425" anchor="t" anchorCtr="0">
             <a:noAutofit/>
           </a:bodyPr>
           <a:lstStyle/>
           <a:p>
-            <a:pPr indent="0" lvl="0" marL="0" rtl="0" algn="l">
-              <a:spcBef>
-                <a:spcPts val="0"/>
-              </a:spcBef>
-              <a:spcAft>
-                <a:spcPts val="0"/>
-              </a:spcAft>
-              <a:buNone/>
-            </a:pPr>
-            <a:r>
-              <a:t/>
-            </a:r>
-            <a:endParaRPr/>
-          </a:p>
-          <a:p>
-            <a:pPr indent="0" lvl="0" marL="0" rtl="0" algn="l">
-              <a:spcBef>
-                <a:spcPts val="1600"/>
-              </a:spcBef>
-              <a:spcAft>
-                <a:spcPts val="0"/>
-              </a:spcAft>
-              <a:buNone/>
-            </a:pPr>
-            <a:r>
-              <a:t/>
-            </a:r>
-            <a:endParaRPr/>
-          </a:p>
-          <a:p>
-            <a:pPr indent="0" lvl="0" marL="0" rtl="0" algn="l">
-              <a:spcBef>
-                <a:spcPts val="1600"/>
-              </a:spcBef>
-              <a:spcAft>
-                <a:spcPts val="0"/>
-              </a:spcAft>
-              <a:buNone/>
-            </a:pPr>
-            <a:r>
-              <a:t/>
-            </a:r>
-            <a:endParaRPr/>
-          </a:p>
-          <a:p>
-            <a:pPr indent="0" lvl="0" marL="0" rtl="0" algn="l">
-              <a:spcBef>
-                <a:spcPts val="1600"/>
-              </a:spcBef>
-              <a:spcAft>
-                <a:spcPts val="0"/>
-              </a:spcAft>
-              <a:buNone/>
-            </a:pPr>
-            <a:r>
-              <a:t/>
-            </a:r>
-            <a:endParaRPr/>
-          </a:p>
-          <a:p>
-            <a:pPr indent="0" lvl="0" marL="0" rtl="0" algn="l">
+            <a:pPr marL="0" lvl="0" indent="0" algn="l" rtl="0">
+              <a:spcBef>
+                <a:spcPts val="0"/>
+              </a:spcBef>
+              <a:spcAft>
+                <a:spcPts val="0"/>
+              </a:spcAft>
+              <a:buNone/>
+            </a:pPr>
+            <a:endParaRPr/>
+          </a:p>
+          <a:p>
+            <a:pPr marL="0" lvl="0" indent="0" algn="l" rtl="0">
+              <a:spcBef>
+                <a:spcPts val="1600"/>
+              </a:spcBef>
+              <a:spcAft>
+                <a:spcPts val="0"/>
+              </a:spcAft>
+              <a:buNone/>
+            </a:pPr>
+            <a:endParaRPr/>
+          </a:p>
+          <a:p>
+            <a:pPr marL="0" lvl="0" indent="0" algn="l" rtl="0">
+              <a:spcBef>
+                <a:spcPts val="1600"/>
+              </a:spcBef>
+              <a:spcAft>
+                <a:spcPts val="0"/>
+              </a:spcAft>
+              <a:buNone/>
+            </a:pPr>
+            <a:endParaRPr/>
+          </a:p>
+          <a:p>
+            <a:pPr marL="0" lvl="0" indent="0" algn="l" rtl="0">
+              <a:spcBef>
+                <a:spcPts val="1600"/>
+              </a:spcBef>
+              <a:spcAft>
+                <a:spcPts val="0"/>
+              </a:spcAft>
+              <a:buNone/>
+            </a:pPr>
+            <a:endParaRPr/>
+          </a:p>
+          <a:p>
+            <a:pPr marL="0" lvl="0" indent="0" algn="l" rtl="0">
               <a:spcBef>
                 <a:spcPts val="1600"/>
               </a:spcBef>
@@ -8860,7 +9257,7 @@
             <a:endParaRPr/>
           </a:p>
           <a:p>
-            <a:pPr indent="0" lvl="0" marL="0" rtl="0" algn="l">
+            <a:pPr marL="0" lvl="0" indent="0" algn="l" rtl="0">
               <a:spcBef>
                 <a:spcPts val="0"/>
               </a:spcBef>
@@ -8876,7 +9273,7 @@
             <a:endParaRPr/>
           </a:p>
           <a:p>
-            <a:pPr indent="0" lvl="0" marL="0" rtl="0" algn="l">
+            <a:pPr marL="0" lvl="0" indent="0" algn="l" rtl="0">
               <a:spcBef>
                 <a:spcPts val="0"/>
               </a:spcBef>
@@ -8887,15 +9284,7 @@
             </a:pPr>
             <a:r>
               <a:rPr lang="en"/>
-              <a:t>-Bins set to group data </a:t>
-            </a:r>
-            <a:r>
-              <a:rPr lang="en"/>
-              <a:t>b</a:t>
-            </a:r>
-            <a:r>
-              <a:rPr lang="en"/>
-              <a:t>y the integer</a:t>
+              <a:t>-Bins set to group data by the integer</a:t>
             </a:r>
             <a:endParaRPr/>
           </a:p>
@@ -8965,12 +9354,12 @@
 </p:sld>
 </file>
 
-<file path=ppt/slides/slide17.xml><?xml version="1.0" encoding="utf-8"?>
-<p:sld xmlns:a="http://schemas.openxmlformats.org/drawingml/2006/main" xmlns:r="http://schemas.openxmlformats.org/officeDocument/2006/relationships" xmlns:mc="http://schemas.openxmlformats.org/markup-compatibility/2006" xmlns:mv="urn:schemas-microsoft-com:mac:vml" xmlns:p="http://schemas.openxmlformats.org/presentationml/2006/main" xmlns:c="http://schemas.openxmlformats.org/drawingml/2006/chart" xmlns:dgm="http://schemas.openxmlformats.org/drawingml/2006/diagram" xmlns:o="urn:schemas-microsoft-com:office:office" xmlns:v="urn:schemas-microsoft-com:vml" xmlns:pvml="urn:schemas-microsoft-com:office:powerpoint" xmlns:com="http://schemas.openxmlformats.org/drawingml/2006/compatibility" xmlns:p14="http://schemas.microsoft.com/office/powerpoint/2010/main" xmlns:p15="http://schemas.microsoft.com/office/powerpoint/2012/main">
+<file path=ppt/slides/slide18.xml><?xml version="1.0" encoding="utf-8"?>
+<p:sld xmlns:a="http://schemas.openxmlformats.org/drawingml/2006/main" xmlns:r="http://schemas.openxmlformats.org/officeDocument/2006/relationships" xmlns:p="http://schemas.openxmlformats.org/presentationml/2006/main">
   <p:cSld>
     <p:spTree>
       <p:nvGrpSpPr>
-        <p:cNvPr id="166" name="Shape 166"/>
+        <p:cNvPr id="1" name="Shape 166"/>
         <p:cNvGrpSpPr/>
         <p:nvPr/>
       </p:nvGrpSpPr>
@@ -8985,7 +9374,9 @@
       <p:sp>
         <p:nvSpPr>
           <p:cNvPr id="167" name="Google Shape;167;p29"/>
-          <p:cNvSpPr txBox="1"/>
+          <p:cNvSpPr txBox="1">
+            <a:spLocks noGrp="1"/>
+          </p:cNvSpPr>
           <p:nvPr>
             <p:ph type="title"/>
           </p:nvPr>
@@ -9000,12 +9391,12 @@
           </a:prstGeom>
         </p:spPr>
         <p:txBody>
-          <a:bodyPr anchorCtr="0" anchor="t" bIns="91425" lIns="91425" spcFirstLastPara="1" rIns="91425" wrap="square" tIns="91425">
+          <a:bodyPr spcFirstLastPara="1" wrap="square" lIns="91425" tIns="91425" rIns="91425" bIns="91425" anchor="t" anchorCtr="0">
             <a:noAutofit/>
           </a:bodyPr>
           <a:lstStyle/>
           <a:p>
-            <a:pPr indent="0" lvl="0" marL="0" rtl="0" algn="l">
+            <a:pPr marL="0" lvl="0" indent="0" algn="l" rtl="0">
               <a:spcBef>
                 <a:spcPts val="0"/>
               </a:spcBef>
@@ -9025,9 +9416,11 @@
       <p:sp>
         <p:nvSpPr>
           <p:cNvPr id="168" name="Google Shape;168;p29"/>
-          <p:cNvSpPr txBox="1"/>
+          <p:cNvSpPr txBox="1">
+            <a:spLocks noGrp="1"/>
+          </p:cNvSpPr>
           <p:nvPr>
-            <p:ph idx="1" type="body"/>
+            <p:ph type="body" idx="1"/>
           </p:nvPr>
         </p:nvSpPr>
         <p:spPr>
@@ -9040,12 +9433,12 @@
           </a:prstGeom>
         </p:spPr>
         <p:txBody>
-          <a:bodyPr anchorCtr="0" anchor="t" bIns="91425" lIns="91425" spcFirstLastPara="1" rIns="91425" wrap="square" tIns="91425">
+          <a:bodyPr spcFirstLastPara="1" wrap="square" lIns="91425" tIns="91425" rIns="91425" bIns="91425" anchor="t" anchorCtr="0">
             <a:noAutofit/>
           </a:bodyPr>
           <a:lstStyle/>
           <a:p>
-            <a:pPr indent="-342900" lvl="0" marL="457200" rtl="0" algn="l">
+            <a:pPr marL="457200" lvl="0" indent="-342900" algn="l" rtl="0">
               <a:spcBef>
                 <a:spcPts val="0"/>
               </a:spcBef>
@@ -9062,7 +9455,7 @@
             <a:endParaRPr/>
           </a:p>
           <a:p>
-            <a:pPr indent="-342900" lvl="0" marL="457200" rtl="0" algn="l">
+            <a:pPr marL="457200" lvl="0" indent="-342900" algn="l" rtl="0">
               <a:spcBef>
                 <a:spcPts val="0"/>
               </a:spcBef>
@@ -9079,7 +9472,7 @@
             <a:endParaRPr/>
           </a:p>
           <a:p>
-            <a:pPr indent="-342900" lvl="0" marL="457200" rtl="0" algn="l">
+            <a:pPr marL="457200" lvl="0" indent="-342900" algn="l" rtl="0">
               <a:spcBef>
                 <a:spcPts val="0"/>
               </a:spcBef>
@@ -9106,11 +9499,267 @@
 </file>
 
 <file path=ppt/slides/slide2.xml><?xml version="1.0" encoding="utf-8"?>
-<p:sld xmlns:a="http://schemas.openxmlformats.org/drawingml/2006/main" xmlns:r="http://schemas.openxmlformats.org/officeDocument/2006/relationships" xmlns:mc="http://schemas.openxmlformats.org/markup-compatibility/2006" xmlns:mv="urn:schemas-microsoft-com:mac:vml" xmlns:p="http://schemas.openxmlformats.org/presentationml/2006/main" xmlns:c="http://schemas.openxmlformats.org/drawingml/2006/chart" xmlns:dgm="http://schemas.openxmlformats.org/drawingml/2006/diagram" xmlns:o="urn:schemas-microsoft-com:office:office" xmlns:v="urn:schemas-microsoft-com:vml" xmlns:pvml="urn:schemas-microsoft-com:office:powerpoint" xmlns:com="http://schemas.openxmlformats.org/drawingml/2006/compatibility" xmlns:p14="http://schemas.microsoft.com/office/powerpoint/2010/main" xmlns:p15="http://schemas.microsoft.com/office/powerpoint/2012/main">
+<p:sld xmlns:a="http://schemas.openxmlformats.org/drawingml/2006/main" xmlns:r="http://schemas.openxmlformats.org/officeDocument/2006/relationships" xmlns:p="http://schemas.openxmlformats.org/presentationml/2006/main">
   <p:cSld>
     <p:spTree>
       <p:nvGrpSpPr>
-        <p:cNvPr id="59" name="Shape 59"/>
+        <p:cNvPr id="1" name=""/>
+        <p:cNvGrpSpPr/>
+        <p:nvPr/>
+      </p:nvGrpSpPr>
+      <p:grpSpPr>
+        <a:xfrm>
+          <a:off x="0" y="0"/>
+          <a:ext cx="0" cy="0"/>
+          <a:chOff x="0" y="0"/>
+          <a:chExt cx="0" cy="0"/>
+        </a:xfrm>
+      </p:grpSpPr>
+      <p:sp>
+        <p:nvSpPr>
+          <p:cNvPr id="2" name="Title 1"/>
+          <p:cNvSpPr>
+            <a:spLocks noGrp="1"/>
+          </p:cNvSpPr>
+          <p:nvPr>
+            <p:ph type="ctrTitle"/>
+          </p:nvPr>
+        </p:nvSpPr>
+        <p:spPr>
+          <a:xfrm>
+            <a:off x="566059" y="0"/>
+            <a:ext cx="8011886" cy="5143500"/>
+          </a:xfrm>
+        </p:spPr>
+        <p:txBody>
+          <a:bodyPr anchor="ctr">
+            <a:noAutofit/>
+          </a:bodyPr>
+          <a:lstStyle/>
+          <a:p>
+            <a:pPr algn="l" fontAlgn="ctr"/>
+            <a:r>
+              <a:rPr lang="en-US" sz="2100" dirty="0">
+                <a:latin typeface="Times New Roman" charset="0"/>
+                <a:ea typeface="Times New Roman" charset="0"/>
+                <a:cs typeface="Times New Roman" charset="0"/>
+              </a:rPr>
+              <a:t>Except where otherwise noted, this work by</a:t>
+            </a:r>
+            <a:br>
+              <a:rPr lang="en-US" sz="2100" dirty="0">
+                <a:latin typeface="Times New Roman" charset="0"/>
+                <a:ea typeface="Times New Roman" charset="0"/>
+                <a:cs typeface="Times New Roman" charset="0"/>
+              </a:rPr>
+            </a:br>
+            <a:r>
+              <a:rPr lang="en-US" sz="2100" dirty="0">
+                <a:latin typeface="Times New Roman" charset="0"/>
+                <a:ea typeface="Times New Roman" charset="0"/>
+                <a:cs typeface="Times New Roman" charset="0"/>
+              </a:rPr>
+              <a:t>The Shodor Education Foundation, Inc. is licensed under</a:t>
+            </a:r>
+            <a:br>
+              <a:rPr lang="en-US" sz="2100" dirty="0">
+                <a:latin typeface="Times New Roman" charset="0"/>
+                <a:ea typeface="Times New Roman" charset="0"/>
+                <a:cs typeface="Times New Roman" charset="0"/>
+              </a:rPr>
+            </a:br>
+            <a:r>
+              <a:rPr lang="en-US" sz="2100" dirty="0">
+                <a:latin typeface="Times New Roman" charset="0"/>
+                <a:ea typeface="Times New Roman" charset="0"/>
+                <a:cs typeface="Times New Roman" charset="0"/>
+              </a:rPr>
+              <a:t>CC BY-NC 4.0. To view a copy of this license, visit </a:t>
+            </a:r>
+            <a:r>
+              <a:rPr lang="en-US" sz="2100" dirty="0">
+                <a:latin typeface="Times New Roman" charset="0"/>
+                <a:ea typeface="Times New Roman" charset="0"/>
+                <a:cs typeface="Times New Roman" charset="0"/>
+                <a:hlinkClick r:id="rId2"/>
+              </a:rPr>
+              <a:t>https://creativecommons.org/licenses/by-nc/4.0</a:t>
+            </a:r>
+            <a:r>
+              <a:rPr lang="en-US" sz="2100" dirty="0">
+                <a:latin typeface="Times New Roman" charset="0"/>
+                <a:ea typeface="Times New Roman" charset="0"/>
+                <a:cs typeface="Times New Roman" charset="0"/>
+              </a:rPr>
+              <a:t/>
+            </a:r>
+            <a:br>
+              <a:rPr lang="en-US" sz="2100" dirty="0">
+                <a:latin typeface="Times New Roman" charset="0"/>
+                <a:ea typeface="Times New Roman" charset="0"/>
+                <a:cs typeface="Times New Roman" charset="0"/>
+              </a:rPr>
+            </a:br>
+            <a:r>
+              <a:rPr lang="en-US" sz="2100" dirty="0">
+                <a:latin typeface="Times New Roman" charset="0"/>
+                <a:ea typeface="Times New Roman" charset="0"/>
+                <a:cs typeface="Times New Roman" charset="0"/>
+              </a:rPr>
+              <a:t/>
+            </a:r>
+            <a:br>
+              <a:rPr lang="en-US" sz="2100" dirty="0">
+                <a:latin typeface="Times New Roman" charset="0"/>
+                <a:ea typeface="Times New Roman" charset="0"/>
+                <a:cs typeface="Times New Roman" charset="0"/>
+              </a:rPr>
+            </a:br>
+            <a:r>
+              <a:rPr lang="en-US" sz="2100" dirty="0">
+                <a:latin typeface="Times New Roman" charset="0"/>
+                <a:ea typeface="Times New Roman" charset="0"/>
+                <a:cs typeface="Times New Roman" charset="0"/>
+              </a:rPr>
+              <a:t>Browse and search the full curriculum at </a:t>
+            </a:r>
+            <a:r>
+              <a:rPr lang="en-US" sz="2100" dirty="0">
+                <a:latin typeface="Times New Roman" charset="0"/>
+                <a:ea typeface="Times New Roman" charset="0"/>
+                <a:cs typeface="Times New Roman" charset="0"/>
+                <a:hlinkClick r:id="rId3"/>
+              </a:rPr>
+              <a:t>http://shodor.org/petascale/materials/semester-curriculum</a:t>
+            </a:r>
+            <a:r>
+              <a:rPr lang="en-US" sz="2100" dirty="0">
+                <a:latin typeface="Times New Roman" charset="0"/>
+                <a:ea typeface="Times New Roman" charset="0"/>
+                <a:cs typeface="Times New Roman" charset="0"/>
+              </a:rPr>
+              <a:t/>
+            </a:r>
+            <a:br>
+              <a:rPr lang="en-US" sz="2100" dirty="0">
+                <a:latin typeface="Times New Roman" charset="0"/>
+                <a:ea typeface="Times New Roman" charset="0"/>
+                <a:cs typeface="Times New Roman" charset="0"/>
+              </a:rPr>
+            </a:br>
+            <a:r>
+              <a:rPr lang="en-US" sz="2100" dirty="0">
+                <a:latin typeface="Times New Roman" charset="0"/>
+                <a:ea typeface="Times New Roman" charset="0"/>
+                <a:cs typeface="Times New Roman" charset="0"/>
+              </a:rPr>
+              <a:t/>
+            </a:r>
+            <a:br>
+              <a:rPr lang="en-US" sz="2100" dirty="0">
+                <a:latin typeface="Times New Roman" charset="0"/>
+                <a:ea typeface="Times New Roman" charset="0"/>
+                <a:cs typeface="Times New Roman" charset="0"/>
+              </a:rPr>
+            </a:br>
+            <a:r>
+              <a:rPr lang="en-US" sz="2100" dirty="0">
+                <a:latin typeface="Times New Roman" charset="0"/>
+                <a:ea typeface="Times New Roman" charset="0"/>
+                <a:cs typeface="Times New Roman" charset="0"/>
+              </a:rPr>
+              <a:t>We welcome your improvements! You can submit your proposed changes to this material and the rest of the curriculum in our GitHub repository at </a:t>
+            </a:r>
+            <a:r>
+              <a:rPr lang="en-US" sz="2100" dirty="0">
+                <a:latin typeface="Times New Roman" charset="0"/>
+                <a:ea typeface="Times New Roman" charset="0"/>
+                <a:cs typeface="Times New Roman" charset="0"/>
+                <a:hlinkClick r:id="rId4"/>
+              </a:rPr>
+              <a:t>https://github.com/shodor-education/petascale-semester-curriculum</a:t>
+            </a:r>
+            <a:r>
+              <a:rPr lang="en-US" sz="2100" dirty="0">
+                <a:latin typeface="Times New Roman" charset="0"/>
+                <a:ea typeface="Times New Roman" charset="0"/>
+                <a:cs typeface="Times New Roman" charset="0"/>
+              </a:rPr>
+              <a:t/>
+            </a:r>
+            <a:br>
+              <a:rPr lang="en-US" sz="2100" dirty="0">
+                <a:latin typeface="Times New Roman" charset="0"/>
+                <a:ea typeface="Times New Roman" charset="0"/>
+                <a:cs typeface="Times New Roman" charset="0"/>
+              </a:rPr>
+            </a:br>
+            <a:r>
+              <a:rPr lang="en-US" sz="2100" dirty="0">
+                <a:latin typeface="Times New Roman" charset="0"/>
+                <a:ea typeface="Times New Roman" charset="0"/>
+                <a:cs typeface="Times New Roman" charset="0"/>
+              </a:rPr>
+              <a:t/>
+            </a:r>
+            <a:br>
+              <a:rPr lang="en-US" sz="2100" dirty="0">
+                <a:latin typeface="Times New Roman" charset="0"/>
+                <a:ea typeface="Times New Roman" charset="0"/>
+                <a:cs typeface="Times New Roman" charset="0"/>
+              </a:rPr>
+            </a:br>
+            <a:r>
+              <a:rPr lang="en-US" sz="2100" dirty="0">
+                <a:latin typeface="Times New Roman" charset="0"/>
+                <a:ea typeface="Times New Roman" charset="0"/>
+                <a:cs typeface="Times New Roman" charset="0"/>
+              </a:rPr>
+              <a:t>We want to hear from you! Please let us know your experiences using this material by sending email to </a:t>
+            </a:r>
+            <a:r>
+              <a:rPr lang="en-US" sz="2100" dirty="0">
+                <a:latin typeface="Times New Roman" charset="0"/>
+                <a:ea typeface="Times New Roman" charset="0"/>
+                <a:cs typeface="Times New Roman" charset="0"/>
+                <a:hlinkClick r:id="rId5"/>
+              </a:rPr>
+              <a:t>petascale@shodor.org</a:t>
+            </a:r>
+            <a:endParaRPr lang="en-US" sz="2700" dirty="0">
+              <a:latin typeface="Times New Roman" charset="0"/>
+              <a:ea typeface="Times New Roman" charset="0"/>
+              <a:cs typeface="Times New Roman" charset="0"/>
+            </a:endParaRPr>
+          </a:p>
+        </p:txBody>
+      </p:sp>
+    </p:spTree>
+    <p:extLst>
+      <p:ext uri="{BB962C8B-B14F-4D97-AF65-F5344CB8AC3E}">
+        <p14:creationId xmlns:p14="http://schemas.microsoft.com/office/powerpoint/2010/main" val="1503939584"/>
+      </p:ext>
+    </p:extLst>
+  </p:cSld>
+  <p:clrMapOvr>
+    <a:masterClrMapping/>
+  </p:clrMapOvr>
+  <p:timing>
+    <p:tnLst>
+      <p:par>
+        <p:cTn id="1" dur="indefinite" restart="never" nodeType="tmRoot"/>
+      </p:par>
+    </p:tnLst>
+  </p:timing>
+</p:sld>
+</file>
+
+<file path=ppt/slides/slide3.xml><?xml version="1.0" encoding="utf-8"?>
+<p:sld xmlns:a="http://schemas.openxmlformats.org/drawingml/2006/main" xmlns:r="http://schemas.openxmlformats.org/officeDocument/2006/relationships" xmlns:p="http://schemas.openxmlformats.org/presentationml/2006/main">
+  <p:cSld>
+    <p:spTree>
+      <p:nvGrpSpPr>
+        <p:cNvPr id="1" name="Shape 59"/>
         <p:cNvGrpSpPr/>
         <p:nvPr/>
       </p:nvGrpSpPr>
@@ -9125,7 +9774,9 @@
       <p:sp>
         <p:nvSpPr>
           <p:cNvPr id="60" name="Google Shape;60;p14"/>
-          <p:cNvSpPr txBox="1"/>
+          <p:cNvSpPr txBox="1">
+            <a:spLocks noGrp="1"/>
+          </p:cNvSpPr>
           <p:nvPr>
             <p:ph type="title"/>
           </p:nvPr>
@@ -9140,12 +9791,12 @@
           </a:prstGeom>
         </p:spPr>
         <p:txBody>
-          <a:bodyPr anchorCtr="0" anchor="t" bIns="91425" lIns="91425" spcFirstLastPara="1" rIns="91425" wrap="square" tIns="91425">
+          <a:bodyPr spcFirstLastPara="1" wrap="square" lIns="91425" tIns="91425" rIns="91425" bIns="91425" anchor="t" anchorCtr="0">
             <a:noAutofit/>
           </a:bodyPr>
           <a:lstStyle/>
           <a:p>
-            <a:pPr indent="0" lvl="0" marL="0" rtl="0" algn="l">
+            <a:pPr marL="0" lvl="0" indent="0" algn="l" rtl="0">
               <a:spcBef>
                 <a:spcPts val="0"/>
               </a:spcBef>
@@ -9165,9 +9816,11 @@
       <p:sp>
         <p:nvSpPr>
           <p:cNvPr id="61" name="Google Shape;61;p14"/>
-          <p:cNvSpPr txBox="1"/>
+          <p:cNvSpPr txBox="1">
+            <a:spLocks noGrp="1"/>
+          </p:cNvSpPr>
           <p:nvPr>
-            <p:ph idx="1" type="body"/>
+            <p:ph type="body" idx="1"/>
           </p:nvPr>
         </p:nvSpPr>
         <p:spPr>
@@ -9180,12 +9833,12 @@
           </a:prstGeom>
         </p:spPr>
         <p:txBody>
-          <a:bodyPr anchorCtr="0" anchor="t" bIns="91425" lIns="91425" spcFirstLastPara="1" rIns="91425" wrap="square" tIns="91425">
+          <a:bodyPr spcFirstLastPara="1" wrap="square" lIns="91425" tIns="91425" rIns="91425" bIns="91425" anchor="t" anchorCtr="0">
             <a:noAutofit/>
           </a:bodyPr>
           <a:lstStyle/>
           <a:p>
-            <a:pPr indent="0" lvl="0" marL="0" rtl="0" algn="l">
+            <a:pPr marL="0" lvl="0" indent="0" algn="l" rtl="0">
               <a:spcBef>
                 <a:spcPts val="0"/>
               </a:spcBef>
@@ -9201,7 +9854,7 @@
             <a:endParaRPr/>
           </a:p>
           <a:p>
-            <a:pPr indent="-342900" lvl="0" marL="457200" rtl="0" algn="l">
+            <a:pPr marL="457200" lvl="0" indent="-342900" algn="l" rtl="0">
               <a:spcBef>
                 <a:spcPts val="1600"/>
               </a:spcBef>
@@ -9218,7 +9871,7 @@
             <a:endParaRPr/>
           </a:p>
           <a:p>
-            <a:pPr indent="-342900" lvl="0" marL="457200" rtl="0" algn="l">
+            <a:pPr marL="457200" lvl="0" indent="-342900" algn="l" rtl="0">
               <a:spcBef>
                 <a:spcPts val="0"/>
               </a:spcBef>
@@ -9244,12 +9897,12 @@
 </p:sld>
 </file>
 
-<file path=ppt/slides/slide3.xml><?xml version="1.0" encoding="utf-8"?>
-<p:sld xmlns:a="http://schemas.openxmlformats.org/drawingml/2006/main" xmlns:r="http://schemas.openxmlformats.org/officeDocument/2006/relationships" xmlns:mc="http://schemas.openxmlformats.org/markup-compatibility/2006" xmlns:mv="urn:schemas-microsoft-com:mac:vml" xmlns:p="http://schemas.openxmlformats.org/presentationml/2006/main" xmlns:c="http://schemas.openxmlformats.org/drawingml/2006/chart" xmlns:dgm="http://schemas.openxmlformats.org/drawingml/2006/diagram" xmlns:o="urn:schemas-microsoft-com:office:office" xmlns:v="urn:schemas-microsoft-com:vml" xmlns:pvml="urn:schemas-microsoft-com:office:powerpoint" xmlns:com="http://schemas.openxmlformats.org/drawingml/2006/compatibility" xmlns:p14="http://schemas.microsoft.com/office/powerpoint/2010/main" xmlns:p15="http://schemas.microsoft.com/office/powerpoint/2012/main">
+<file path=ppt/slides/slide4.xml><?xml version="1.0" encoding="utf-8"?>
+<p:sld xmlns:a="http://schemas.openxmlformats.org/drawingml/2006/main" xmlns:r="http://schemas.openxmlformats.org/officeDocument/2006/relationships" xmlns:p="http://schemas.openxmlformats.org/presentationml/2006/main">
   <p:cSld>
     <p:spTree>
       <p:nvGrpSpPr>
-        <p:cNvPr id="65" name="Shape 65"/>
+        <p:cNvPr id="1" name="Shape 65"/>
         <p:cNvGrpSpPr/>
         <p:nvPr/>
       </p:nvGrpSpPr>
@@ -9264,7 +9917,9 @@
       <p:sp>
         <p:nvSpPr>
           <p:cNvPr id="66" name="Google Shape;66;p15"/>
-          <p:cNvSpPr txBox="1"/>
+          <p:cNvSpPr txBox="1">
+            <a:spLocks noGrp="1"/>
+          </p:cNvSpPr>
           <p:nvPr>
             <p:ph type="title"/>
           </p:nvPr>
@@ -9279,12 +9934,12 @@
           </a:prstGeom>
         </p:spPr>
         <p:txBody>
-          <a:bodyPr anchorCtr="0" anchor="t" bIns="91425" lIns="91425" spcFirstLastPara="1" rIns="91425" wrap="square" tIns="91425">
+          <a:bodyPr spcFirstLastPara="1" wrap="square" lIns="91425" tIns="91425" rIns="91425" bIns="91425" anchor="t" anchorCtr="0">
             <a:noAutofit/>
           </a:bodyPr>
           <a:lstStyle/>
           <a:p>
-            <a:pPr indent="0" lvl="0" marL="0" rtl="0" algn="l">
+            <a:pPr marL="0" lvl="0" indent="0" algn="l" rtl="0">
               <a:spcBef>
                 <a:spcPts val="0"/>
               </a:spcBef>
@@ -9295,11 +9950,7 @@
             </a:pPr>
             <a:r>
               <a:rPr lang="en"/>
-              <a:t>Review: </a:t>
-            </a:r>
-            <a:r>
-              <a:rPr lang="en"/>
-              <a:t>Lists</a:t>
+              <a:t>Review: Lists</a:t>
             </a:r>
             <a:endParaRPr/>
           </a:p>
@@ -9308,9 +9959,11 @@
       <p:sp>
         <p:nvSpPr>
           <p:cNvPr id="67" name="Google Shape;67;p15"/>
-          <p:cNvSpPr txBox="1"/>
+          <p:cNvSpPr txBox="1">
+            <a:spLocks noGrp="1"/>
+          </p:cNvSpPr>
           <p:nvPr>
-            <p:ph idx="1" type="body"/>
+            <p:ph type="body" idx="1"/>
           </p:nvPr>
         </p:nvSpPr>
         <p:spPr>
@@ -9323,12 +9976,12 @@
           </a:prstGeom>
         </p:spPr>
         <p:txBody>
-          <a:bodyPr anchorCtr="0" anchor="t" bIns="91425" lIns="91425" spcFirstLastPara="1" rIns="91425" wrap="square" tIns="91425">
+          <a:bodyPr spcFirstLastPara="1" wrap="square" lIns="91425" tIns="91425" rIns="91425" bIns="91425" anchor="t" anchorCtr="0">
             <a:noAutofit/>
           </a:bodyPr>
           <a:lstStyle/>
           <a:p>
-            <a:pPr indent="0" lvl="0" marL="0" rtl="0" algn="l">
+            <a:pPr marL="0" lvl="0" indent="0" algn="l" rtl="0">
               <a:spcBef>
                 <a:spcPts val="0"/>
               </a:spcBef>
@@ -9344,7 +9997,7 @@
             <a:endParaRPr/>
           </a:p>
           <a:p>
-            <a:pPr indent="0" lvl="0" marL="0" rtl="0" algn="l">
+            <a:pPr marL="0" lvl="0" indent="0" algn="l" rtl="0">
               <a:spcBef>
                 <a:spcPts val="1600"/>
               </a:spcBef>
@@ -9360,7 +10013,7 @@
             <a:endParaRPr/>
           </a:p>
           <a:p>
-            <a:pPr indent="0" lvl="0" marL="0" rtl="0" algn="l">
+            <a:pPr marL="0" lvl="0" indent="0" algn="l" rtl="0">
               <a:spcBef>
                 <a:spcPts val="1600"/>
               </a:spcBef>
@@ -9376,7 +10029,7 @@
             <a:endParaRPr/>
           </a:p>
           <a:p>
-            <a:pPr indent="0" lvl="0" marL="0" rtl="0" algn="l">
+            <a:pPr marL="0" lvl="0" indent="0" algn="l" rtl="0">
               <a:spcBef>
                 <a:spcPts val="1600"/>
               </a:spcBef>
@@ -9392,7 +10045,7 @@
             <a:endParaRPr/>
           </a:p>
           <a:p>
-            <a:pPr indent="0" lvl="0" marL="0" rtl="0" algn="l">
+            <a:pPr marL="0" lvl="0" indent="0" algn="l" rtl="0">
               <a:spcBef>
                 <a:spcPts val="1600"/>
               </a:spcBef>
@@ -9408,7 +10061,7 @@
             <a:endParaRPr/>
           </a:p>
           <a:p>
-            <a:pPr indent="0" lvl="0" marL="0" rtl="0" algn="l">
+            <a:pPr marL="0" lvl="0" indent="0" algn="l" rtl="0">
               <a:spcBef>
                 <a:spcPts val="1600"/>
               </a:spcBef>
@@ -9418,7 +10071,7 @@
               <a:buNone/>
             </a:pPr>
             <a:r>
-              <a:rPr b="1" lang="en"/>
+              <a:rPr lang="en" b="1"/>
               <a:t>We will use Lists to store data to plot</a:t>
             </a:r>
             <a:endParaRPr/>
@@ -9433,12 +10086,12 @@
 </p:sld>
 </file>
 
-<file path=ppt/slides/slide4.xml><?xml version="1.0" encoding="utf-8"?>
-<p:sld xmlns:a="http://schemas.openxmlformats.org/drawingml/2006/main" xmlns:r="http://schemas.openxmlformats.org/officeDocument/2006/relationships" xmlns:mc="http://schemas.openxmlformats.org/markup-compatibility/2006" xmlns:mv="urn:schemas-microsoft-com:mac:vml" xmlns:p="http://schemas.openxmlformats.org/presentationml/2006/main" xmlns:c="http://schemas.openxmlformats.org/drawingml/2006/chart" xmlns:dgm="http://schemas.openxmlformats.org/drawingml/2006/diagram" xmlns:o="urn:schemas-microsoft-com:office:office" xmlns:v="urn:schemas-microsoft-com:vml" xmlns:pvml="urn:schemas-microsoft-com:office:powerpoint" xmlns:com="http://schemas.openxmlformats.org/drawingml/2006/compatibility" xmlns:p14="http://schemas.microsoft.com/office/powerpoint/2010/main" xmlns:p15="http://schemas.microsoft.com/office/powerpoint/2012/main">
+<file path=ppt/slides/slide5.xml><?xml version="1.0" encoding="utf-8"?>
+<p:sld xmlns:a="http://schemas.openxmlformats.org/drawingml/2006/main" xmlns:r="http://schemas.openxmlformats.org/officeDocument/2006/relationships" xmlns:p="http://schemas.openxmlformats.org/presentationml/2006/main">
   <p:cSld>
     <p:spTree>
       <p:nvGrpSpPr>
-        <p:cNvPr id="71" name="Shape 71"/>
+        <p:cNvPr id="1" name="Shape 71"/>
         <p:cNvGrpSpPr/>
         <p:nvPr/>
       </p:nvGrpSpPr>
@@ -9453,9 +10106,11 @@
       <p:sp>
         <p:nvSpPr>
           <p:cNvPr id="72" name="Google Shape;72;p16"/>
-          <p:cNvSpPr txBox="1"/>
+          <p:cNvSpPr txBox="1">
+            <a:spLocks noGrp="1"/>
+          </p:cNvSpPr>
           <p:nvPr>
-            <p:ph idx="1" type="body"/>
+            <p:ph type="body" idx="1"/>
           </p:nvPr>
         </p:nvSpPr>
         <p:spPr>
@@ -9468,12 +10123,12 @@
           </a:prstGeom>
         </p:spPr>
         <p:txBody>
-          <a:bodyPr anchorCtr="0" anchor="t" bIns="91425" lIns="91425" spcFirstLastPara="1" rIns="91425" wrap="square" tIns="91425">
+          <a:bodyPr spcFirstLastPara="1" wrap="square" lIns="91425" tIns="91425" rIns="91425" bIns="91425" anchor="t" anchorCtr="0">
             <a:noAutofit/>
           </a:bodyPr>
           <a:lstStyle/>
           <a:p>
-            <a:pPr indent="0" lvl="0" marL="0" rtl="0" algn="l">
+            <a:pPr marL="0" lvl="0" indent="0" algn="l" rtl="0">
               <a:spcBef>
                 <a:spcPts val="0"/>
               </a:spcBef>
@@ -9484,20 +10139,12 @@
             </a:pPr>
             <a:r>
               <a:rPr lang="en"/>
-              <a:t>NumPy </a:t>
+              <a:t>NumPy contains a set of numerical routines that support scientific computing in Python.  We will be using it in this lesson and it can be included in a script by typing:</a:t>
             </a:r>
-            <a:r>
-              <a:rPr lang="en"/>
-              <a:t>contains a set of numerical routines that support </a:t>
-            </a:r>
-            <a:r>
-              <a:rPr lang="en"/>
-              <a:t>scientific computing in Python.  We will be using it in this lesson and it can be included in a script by typing:</a:t>
-            </a:r>
-            <a:endParaRPr/>
-          </a:p>
-          <a:p>
-            <a:pPr indent="0" lvl="0" marL="0" rtl="0" algn="l">
+            <a:endParaRPr/>
+          </a:p>
+          <a:p>
+            <a:pPr marL="0" lvl="0" indent="0" algn="l" rtl="0">
               <a:spcBef>
                 <a:spcPts val="1600"/>
               </a:spcBef>
@@ -9513,7 +10160,7 @@
             <a:endParaRPr/>
           </a:p>
           <a:p>
-            <a:pPr indent="0" lvl="0" marL="0" rtl="0" algn="l">
+            <a:pPr marL="0" lvl="0" indent="0" algn="l" rtl="0">
               <a:spcBef>
                 <a:spcPts val="1600"/>
               </a:spcBef>
@@ -9529,7 +10176,7 @@
             <a:endParaRPr/>
           </a:p>
           <a:p>
-            <a:pPr indent="0" lvl="0" marL="0" rtl="0" algn="l">
+            <a:pPr marL="0" lvl="0" indent="0" algn="l" rtl="0">
               <a:spcBef>
                 <a:spcPts val="1600"/>
               </a:spcBef>
@@ -9582,12 +10229,12 @@
 </p:sld>
 </file>
 
-<file path=ppt/slides/slide5.xml><?xml version="1.0" encoding="utf-8"?>
-<p:sld xmlns:a="http://schemas.openxmlformats.org/drawingml/2006/main" xmlns:r="http://schemas.openxmlformats.org/officeDocument/2006/relationships" xmlns:mc="http://schemas.openxmlformats.org/markup-compatibility/2006" xmlns:mv="urn:schemas-microsoft-com:mac:vml" xmlns:p="http://schemas.openxmlformats.org/presentationml/2006/main" xmlns:c="http://schemas.openxmlformats.org/drawingml/2006/chart" xmlns:dgm="http://schemas.openxmlformats.org/drawingml/2006/diagram" xmlns:o="urn:schemas-microsoft-com:office:office" xmlns:v="urn:schemas-microsoft-com:vml" xmlns:pvml="urn:schemas-microsoft-com:office:powerpoint" xmlns:com="http://schemas.openxmlformats.org/drawingml/2006/compatibility" xmlns:p14="http://schemas.microsoft.com/office/powerpoint/2010/main" xmlns:p15="http://schemas.microsoft.com/office/powerpoint/2012/main">
+<file path=ppt/slides/slide6.xml><?xml version="1.0" encoding="utf-8"?>
+<p:sld xmlns:a="http://schemas.openxmlformats.org/drawingml/2006/main" xmlns:r="http://schemas.openxmlformats.org/officeDocument/2006/relationships" xmlns:p="http://schemas.openxmlformats.org/presentationml/2006/main">
   <p:cSld>
     <p:spTree>
       <p:nvGrpSpPr>
-        <p:cNvPr id="77" name="Shape 77"/>
+        <p:cNvPr id="1" name="Shape 77"/>
         <p:cNvGrpSpPr/>
         <p:nvPr/>
       </p:nvGrpSpPr>
@@ -9602,9 +10249,11 @@
       <p:sp>
         <p:nvSpPr>
           <p:cNvPr id="78" name="Google Shape;78;p17"/>
-          <p:cNvSpPr txBox="1"/>
+          <p:cNvSpPr txBox="1">
+            <a:spLocks noGrp="1"/>
+          </p:cNvSpPr>
           <p:nvPr>
-            <p:ph idx="1" type="body"/>
+            <p:ph type="body" idx="1"/>
           </p:nvPr>
         </p:nvSpPr>
         <p:spPr>
@@ -9617,12 +10266,12 @@
           </a:prstGeom>
         </p:spPr>
         <p:txBody>
-          <a:bodyPr anchorCtr="0" anchor="t" bIns="91425" lIns="91425" spcFirstLastPara="1" rIns="91425" wrap="square" tIns="91425">
+          <a:bodyPr spcFirstLastPara="1" wrap="square" lIns="91425" tIns="91425" rIns="91425" bIns="91425" anchor="t" anchorCtr="0">
             <a:noAutofit/>
           </a:bodyPr>
           <a:lstStyle/>
           <a:p>
-            <a:pPr indent="0" lvl="0" marL="0" rtl="0" algn="l">
+            <a:pPr marL="0" lvl="0" indent="0" algn="l" rtl="0">
               <a:spcBef>
                 <a:spcPts val="0"/>
               </a:spcBef>
@@ -9633,16 +10282,12 @@
             </a:pPr>
             <a:r>
               <a:rPr lang="en"/>
-              <a:t>A</a:t>
+              <a:t>A comprehensive library for creating static, animated, and interactive visualizations in Python</a:t>
             </a:r>
-            <a:r>
-              <a:rPr lang="en"/>
-              <a:t> comprehensive library for creating static, animated, and interactive visualizations in Python</a:t>
-            </a:r>
-            <a:endParaRPr/>
-          </a:p>
-          <a:p>
-            <a:pPr indent="0" lvl="0" marL="0" rtl="0" algn="l">
+            <a:endParaRPr/>
+          </a:p>
+          <a:p>
+            <a:pPr marL="0" lvl="0" indent="0" algn="l" rtl="0">
               <a:spcBef>
                 <a:spcPts val="1600"/>
               </a:spcBef>
@@ -9658,7 +10303,7 @@
             <a:endParaRPr/>
           </a:p>
           <a:p>
-            <a:pPr indent="0" lvl="0" marL="0" rtl="0" algn="l">
+            <a:pPr marL="0" lvl="0" indent="0" algn="l" rtl="0">
               <a:spcBef>
                 <a:spcPts val="1600"/>
               </a:spcBef>
@@ -9711,12 +10356,12 @@
 </p:sld>
 </file>
 
-<file path=ppt/slides/slide6.xml><?xml version="1.0" encoding="utf-8"?>
-<p:sld xmlns:a="http://schemas.openxmlformats.org/drawingml/2006/main" xmlns:r="http://schemas.openxmlformats.org/officeDocument/2006/relationships" xmlns:mc="http://schemas.openxmlformats.org/markup-compatibility/2006" xmlns:mv="urn:schemas-microsoft-com:mac:vml" xmlns:p="http://schemas.openxmlformats.org/presentationml/2006/main" xmlns:c="http://schemas.openxmlformats.org/drawingml/2006/chart" xmlns:dgm="http://schemas.openxmlformats.org/drawingml/2006/diagram" xmlns:o="urn:schemas-microsoft-com:office:office" xmlns:v="urn:schemas-microsoft-com:vml" xmlns:pvml="urn:schemas-microsoft-com:office:powerpoint" xmlns:com="http://schemas.openxmlformats.org/drawingml/2006/compatibility" xmlns:p14="http://schemas.microsoft.com/office/powerpoint/2010/main" xmlns:p15="http://schemas.microsoft.com/office/powerpoint/2012/main">
+<file path=ppt/slides/slide7.xml><?xml version="1.0" encoding="utf-8"?>
+<p:sld xmlns:a="http://schemas.openxmlformats.org/drawingml/2006/main" xmlns:r="http://schemas.openxmlformats.org/officeDocument/2006/relationships" xmlns:p="http://schemas.openxmlformats.org/presentationml/2006/main">
   <p:cSld>
     <p:spTree>
       <p:nvGrpSpPr>
-        <p:cNvPr id="83" name="Shape 83"/>
+        <p:cNvPr id="1" name="Shape 83"/>
         <p:cNvGrpSpPr/>
         <p:nvPr/>
       </p:nvGrpSpPr>
@@ -9731,7 +10376,9 @@
       <p:sp>
         <p:nvSpPr>
           <p:cNvPr id="84" name="Google Shape;84;p18"/>
-          <p:cNvSpPr txBox="1"/>
+          <p:cNvSpPr txBox="1">
+            <a:spLocks noGrp="1"/>
+          </p:cNvSpPr>
           <p:nvPr>
             <p:ph type="title"/>
           </p:nvPr>
@@ -9746,12 +10393,12 @@
           </a:prstGeom>
         </p:spPr>
         <p:txBody>
-          <a:bodyPr anchorCtr="0" anchor="t" bIns="91425" lIns="91425" spcFirstLastPara="1" rIns="91425" wrap="square" tIns="91425">
+          <a:bodyPr spcFirstLastPara="1" wrap="square" lIns="91425" tIns="91425" rIns="91425" bIns="91425" anchor="t" anchorCtr="0">
             <a:noAutofit/>
           </a:bodyPr>
           <a:lstStyle/>
           <a:p>
-            <a:pPr indent="0" lvl="0" marL="0" rtl="0" algn="l">
+            <a:pPr marL="0" lvl="0" indent="0" algn="l" rtl="0">
               <a:spcBef>
                 <a:spcPts val="0"/>
               </a:spcBef>
@@ -9771,9 +10418,11 @@
       <p:sp>
         <p:nvSpPr>
           <p:cNvPr id="85" name="Google Shape;85;p18"/>
-          <p:cNvSpPr txBox="1"/>
+          <p:cNvSpPr txBox="1">
+            <a:spLocks noGrp="1"/>
+          </p:cNvSpPr>
           <p:nvPr>
-            <p:ph idx="1" type="body"/>
+            <p:ph type="body" idx="1"/>
           </p:nvPr>
         </p:nvSpPr>
         <p:spPr>
@@ -9786,12 +10435,12 @@
           </a:prstGeom>
         </p:spPr>
         <p:txBody>
-          <a:bodyPr anchorCtr="0" anchor="t" bIns="91425" lIns="91425" spcFirstLastPara="1" rIns="91425" wrap="square" tIns="91425">
+          <a:bodyPr spcFirstLastPara="1" wrap="square" lIns="91425" tIns="91425" rIns="91425" bIns="91425" anchor="t" anchorCtr="0">
             <a:noAutofit/>
           </a:bodyPr>
           <a:lstStyle/>
           <a:p>
-            <a:pPr indent="0" lvl="0" marL="0" rtl="0" algn="l">
+            <a:pPr marL="0" lvl="0" indent="0" algn="l" rtl="0">
               <a:spcBef>
                 <a:spcPts val="0"/>
               </a:spcBef>
@@ -9807,37 +10456,31 @@
             <a:endParaRPr/>
           </a:p>
           <a:p>
-            <a:pPr indent="0" lvl="0" marL="0" rtl="0" algn="l">
-              <a:spcBef>
-                <a:spcPts val="1600"/>
-              </a:spcBef>
-              <a:spcAft>
-                <a:spcPts val="0"/>
-              </a:spcAft>
-              <a:buNone/>
-            </a:pPr>
-            <a:r>
-              <a:t/>
-            </a:r>
-            <a:endParaRPr/>
-          </a:p>
-          <a:p>
-            <a:pPr indent="0" lvl="0" marL="0" rtl="0" algn="l">
-              <a:spcBef>
-                <a:spcPts val="1600"/>
-              </a:spcBef>
-              <a:spcAft>
-                <a:spcPts val="0"/>
-              </a:spcAft>
-              <a:buNone/>
-            </a:pPr>
-            <a:r>
-              <a:t/>
-            </a:r>
-            <a:endParaRPr/>
-          </a:p>
-          <a:p>
-            <a:pPr indent="0" lvl="0" marL="0" rtl="0" algn="l">
+            <a:pPr marL="0" lvl="0" indent="0" algn="l" rtl="0">
+              <a:spcBef>
+                <a:spcPts val="1600"/>
+              </a:spcBef>
+              <a:spcAft>
+                <a:spcPts val="0"/>
+              </a:spcAft>
+              <a:buNone/>
+            </a:pPr>
+            <a:endParaRPr/>
+          </a:p>
+          <a:p>
+            <a:pPr marL="0" lvl="0" indent="0" algn="l" rtl="0">
+              <a:spcBef>
+                <a:spcPts val="1600"/>
+              </a:spcBef>
+              <a:spcAft>
+                <a:spcPts val="0"/>
+              </a:spcAft>
+              <a:buNone/>
+            </a:pPr>
+            <a:endParaRPr/>
+          </a:p>
+          <a:p>
+            <a:pPr marL="0" lvl="0" indent="0" algn="l" rtl="0">
               <a:spcBef>
                 <a:spcPts val="1600"/>
               </a:spcBef>
@@ -9853,7 +10496,7 @@
             <a:endParaRPr/>
           </a:p>
           <a:p>
-            <a:pPr indent="-342900" lvl="0" marL="457200" rtl="0" algn="l">
+            <a:pPr marL="457200" lvl="0" indent="-342900" algn="l" rtl="0">
               <a:spcBef>
                 <a:spcPts val="0"/>
               </a:spcBef>
@@ -9870,7 +10513,7 @@
             <a:endParaRPr/>
           </a:p>
           <a:p>
-            <a:pPr indent="0" lvl="0" marL="457200" rtl="0" algn="l">
+            <a:pPr marL="457200" lvl="0" indent="0" algn="l" rtl="0">
               <a:spcBef>
                 <a:spcPts val="0"/>
               </a:spcBef>
@@ -9886,7 +10529,7 @@
             <a:endParaRPr/>
           </a:p>
           <a:p>
-            <a:pPr indent="0" lvl="0" marL="457200" rtl="0" algn="l">
+            <a:pPr marL="457200" lvl="0" indent="0" algn="l" rtl="0">
               <a:spcBef>
                 <a:spcPts val="0"/>
               </a:spcBef>
@@ -9897,16 +10540,12 @@
             </a:pPr>
             <a:r>
               <a:rPr lang="en"/>
-              <a:t>l</a:t>
+              <a:t>lines.</a:t>
             </a:r>
-            <a:r>
-              <a:rPr lang="en"/>
-              <a:t>ines.</a:t>
-            </a:r>
-            <a:endParaRPr/>
-          </a:p>
-          <a:p>
-            <a:pPr indent="-342900" lvl="0" marL="457200" rtl="0" algn="l">
+            <a:endParaRPr/>
+          </a:p>
+          <a:p>
+            <a:pPr marL="457200" lvl="0" indent="-342900" algn="l" rtl="0">
               <a:spcBef>
                 <a:spcPts val="0"/>
               </a:spcBef>
@@ -9988,12 +10627,12 @@
 </p:sld>
 </file>
 
-<file path=ppt/slides/slide7.xml><?xml version="1.0" encoding="utf-8"?>
-<p:sld xmlns:a="http://schemas.openxmlformats.org/drawingml/2006/main" xmlns:r="http://schemas.openxmlformats.org/officeDocument/2006/relationships" xmlns:mc="http://schemas.openxmlformats.org/markup-compatibility/2006" xmlns:mv="urn:schemas-microsoft-com:mac:vml" xmlns:p="http://schemas.openxmlformats.org/presentationml/2006/main" xmlns:c="http://schemas.openxmlformats.org/drawingml/2006/chart" xmlns:dgm="http://schemas.openxmlformats.org/drawingml/2006/diagram" xmlns:o="urn:schemas-microsoft-com:office:office" xmlns:v="urn:schemas-microsoft-com:vml" xmlns:pvml="urn:schemas-microsoft-com:office:powerpoint" xmlns:com="http://schemas.openxmlformats.org/drawingml/2006/compatibility" xmlns:p14="http://schemas.microsoft.com/office/powerpoint/2010/main" xmlns:p15="http://schemas.microsoft.com/office/powerpoint/2012/main">
+<file path=ppt/slides/slide8.xml><?xml version="1.0" encoding="utf-8"?>
+<p:sld xmlns:a="http://schemas.openxmlformats.org/drawingml/2006/main" xmlns:r="http://schemas.openxmlformats.org/officeDocument/2006/relationships" xmlns:p="http://schemas.openxmlformats.org/presentationml/2006/main">
   <p:cSld>
     <p:spTree>
       <p:nvGrpSpPr>
-        <p:cNvPr id="91" name="Shape 91"/>
+        <p:cNvPr id="1" name="Shape 91"/>
         <p:cNvGrpSpPr/>
         <p:nvPr/>
       </p:nvGrpSpPr>
@@ -10008,7 +10647,9 @@
       <p:sp>
         <p:nvSpPr>
           <p:cNvPr id="92" name="Google Shape;92;p19"/>
-          <p:cNvSpPr txBox="1"/>
+          <p:cNvSpPr txBox="1">
+            <a:spLocks noGrp="1"/>
+          </p:cNvSpPr>
           <p:nvPr>
             <p:ph type="title"/>
           </p:nvPr>
@@ -10023,12 +10664,12 @@
           </a:prstGeom>
         </p:spPr>
         <p:txBody>
-          <a:bodyPr anchorCtr="0" anchor="t" bIns="91425" lIns="91425" spcFirstLastPara="1" rIns="91425" wrap="square" tIns="91425">
+          <a:bodyPr spcFirstLastPara="1" wrap="square" lIns="91425" tIns="91425" rIns="91425" bIns="91425" anchor="t" anchorCtr="0">
             <a:noAutofit/>
           </a:bodyPr>
           <a:lstStyle/>
           <a:p>
-            <a:pPr indent="0" lvl="0" marL="0" rtl="0" algn="l">
+            <a:pPr marL="0" lvl="0" indent="0" algn="l" rtl="0">
               <a:spcBef>
                 <a:spcPts val="0"/>
               </a:spcBef>
@@ -10048,9 +10689,11 @@
       <p:sp>
         <p:nvSpPr>
           <p:cNvPr id="93" name="Google Shape;93;p19"/>
-          <p:cNvSpPr txBox="1"/>
+          <p:cNvSpPr txBox="1">
+            <a:spLocks noGrp="1"/>
+          </p:cNvSpPr>
           <p:nvPr>
-            <p:ph idx="1" type="body"/>
+            <p:ph type="body" idx="1"/>
           </p:nvPr>
         </p:nvSpPr>
         <p:spPr>
@@ -10063,12 +10706,12 @@
           </a:prstGeom>
         </p:spPr>
         <p:txBody>
-          <a:bodyPr anchorCtr="0" anchor="t" bIns="91425" lIns="91425" spcFirstLastPara="1" rIns="91425" wrap="square" tIns="91425">
+          <a:bodyPr spcFirstLastPara="1" wrap="square" lIns="91425" tIns="91425" rIns="91425" bIns="91425" anchor="t" anchorCtr="0">
             <a:noAutofit/>
           </a:bodyPr>
           <a:lstStyle/>
           <a:p>
-            <a:pPr indent="0" lvl="0" marL="0" rtl="0" algn="l">
+            <a:pPr marL="0" lvl="0" indent="0" algn="l" rtl="0">
               <a:spcBef>
                 <a:spcPts val="0"/>
               </a:spcBef>
@@ -10084,7 +10727,7 @@
             <a:endParaRPr/>
           </a:p>
           <a:p>
-            <a:pPr indent="0" lvl="0" marL="0" rtl="0" algn="l">
+            <a:pPr marL="0" lvl="0" indent="0" algn="l" rtl="0">
               <a:spcBef>
                 <a:spcPts val="1600"/>
               </a:spcBef>
@@ -10100,7 +10743,7 @@
             <a:endParaRPr/>
           </a:p>
           <a:p>
-            <a:pPr indent="0" lvl="0" marL="0" rtl="0" algn="l">
+            <a:pPr marL="0" lvl="0" indent="0" algn="l" rtl="0">
               <a:lnSpc>
                 <a:spcPct val="100000"/>
               </a:lnSpc>
@@ -10112,13 +10755,10 @@
               </a:spcAft>
               <a:buNone/>
             </a:pPr>
-            <a:r>
-              <a:t/>
-            </a:r>
-            <a:endParaRPr/>
-          </a:p>
-          <a:p>
-            <a:pPr indent="0" lvl="0" marL="0" rtl="0" algn="l">
+            <a:endParaRPr/>
+          </a:p>
+          <a:p>
+            <a:pPr marL="0" lvl="0" indent="0" algn="l" rtl="0">
               <a:lnSpc>
                 <a:spcPct val="100000"/>
               </a:lnSpc>
@@ -10130,13 +10770,10 @@
               </a:spcAft>
               <a:buNone/>
             </a:pPr>
-            <a:r>
-              <a:t/>
-            </a:r>
-            <a:endParaRPr/>
-          </a:p>
-          <a:p>
-            <a:pPr indent="0" lvl="0" marL="0" rtl="0" algn="l">
+            <a:endParaRPr/>
+          </a:p>
+          <a:p>
+            <a:pPr marL="0" lvl="0" indent="0" algn="l" rtl="0">
               <a:lnSpc>
                 <a:spcPct val="100000"/>
               </a:lnSpc>
@@ -10148,13 +10785,10 @@
               </a:spcAft>
               <a:buNone/>
             </a:pPr>
-            <a:r>
-              <a:t/>
-            </a:r>
-            <a:endParaRPr/>
-          </a:p>
-          <a:p>
-            <a:pPr indent="0" lvl="0" marL="0" rtl="0" algn="l">
+            <a:endParaRPr/>
+          </a:p>
+          <a:p>
+            <a:pPr marL="0" lvl="0" indent="0" algn="l" rtl="0">
               <a:lnSpc>
                 <a:spcPct val="100000"/>
               </a:lnSpc>
@@ -10166,13 +10800,10 @@
               </a:spcAft>
               <a:buNone/>
             </a:pPr>
-            <a:r>
-              <a:t/>
-            </a:r>
-            <a:endParaRPr/>
-          </a:p>
-          <a:p>
-            <a:pPr indent="0" lvl="0" marL="0" rtl="0" algn="l">
+            <a:endParaRPr/>
+          </a:p>
+          <a:p>
+            <a:pPr marL="0" lvl="0" indent="0" algn="l" rtl="0">
               <a:lnSpc>
                 <a:spcPct val="100000"/>
               </a:lnSpc>
@@ -10191,7 +10822,7 @@
             <a:endParaRPr/>
           </a:p>
           <a:p>
-            <a:pPr indent="0" lvl="0" marL="0" rtl="0" algn="l">
+            <a:pPr marL="0" lvl="0" indent="0" algn="l" rtl="0">
               <a:lnSpc>
                 <a:spcPct val="100000"/>
               </a:lnSpc>
@@ -10205,16 +10836,12 @@
             </a:pPr>
             <a:r>
               <a:rPr lang="en"/>
-              <a:t>t</a:t>
+              <a:t>that where the user can change the</a:t>
             </a:r>
-            <a:r>
-              <a:rPr lang="en"/>
-              <a:t>hat where the user can change the</a:t>
-            </a:r>
-            <a:endParaRPr/>
-          </a:p>
-          <a:p>
-            <a:pPr indent="0" lvl="0" marL="0" rtl="0" algn="l">
+            <a:endParaRPr/>
+          </a:p>
+          <a:p>
+            <a:pPr marL="0" lvl="0" indent="0" algn="l" rtl="0">
               <a:lnSpc>
                 <a:spcPct val="100000"/>
               </a:lnSpc>
@@ -10233,7 +10860,7 @@
             <a:endParaRPr/>
           </a:p>
           <a:p>
-            <a:pPr indent="0" lvl="0" marL="0" rtl="0" algn="l">
+            <a:pPr marL="0" lvl="0" indent="0" algn="l" rtl="0">
               <a:lnSpc>
                 <a:spcPct val="100000"/>
               </a:lnSpc>
@@ -10247,11 +10874,7 @@
             </a:pPr>
             <a:r>
               <a:rPr lang="en"/>
-              <a:t>f</a:t>
-            </a:r>
-            <a:r>
-              <a:rPr lang="en"/>
-              <a:t>or more details</a:t>
+              <a:t>for more details</a:t>
             </a:r>
             <a:endParaRPr/>
           </a:p>
@@ -10321,12 +10944,12 @@
 </p:sld>
 </file>
 
-<file path=ppt/slides/slide8.xml><?xml version="1.0" encoding="utf-8"?>
-<p:sld xmlns:a="http://schemas.openxmlformats.org/drawingml/2006/main" xmlns:r="http://schemas.openxmlformats.org/officeDocument/2006/relationships" xmlns:mc="http://schemas.openxmlformats.org/markup-compatibility/2006" xmlns:mv="urn:schemas-microsoft-com:mac:vml" xmlns:p="http://schemas.openxmlformats.org/presentationml/2006/main" xmlns:c="http://schemas.openxmlformats.org/drawingml/2006/chart" xmlns:dgm="http://schemas.openxmlformats.org/drawingml/2006/diagram" xmlns:o="urn:schemas-microsoft-com:office:office" xmlns:v="urn:schemas-microsoft-com:vml" xmlns:pvml="urn:schemas-microsoft-com:office:powerpoint" xmlns:com="http://schemas.openxmlformats.org/drawingml/2006/compatibility" xmlns:p14="http://schemas.microsoft.com/office/powerpoint/2010/main" xmlns:p15="http://schemas.microsoft.com/office/powerpoint/2012/main">
+<file path=ppt/slides/slide9.xml><?xml version="1.0" encoding="utf-8"?>
+<p:sld xmlns:a="http://schemas.openxmlformats.org/drawingml/2006/main" xmlns:r="http://schemas.openxmlformats.org/officeDocument/2006/relationships" xmlns:p="http://schemas.openxmlformats.org/presentationml/2006/main">
   <p:cSld>
     <p:spTree>
       <p:nvGrpSpPr>
-        <p:cNvPr id="99" name="Shape 99"/>
+        <p:cNvPr id="1" name="Shape 99"/>
         <p:cNvGrpSpPr/>
         <p:nvPr/>
       </p:nvGrpSpPr>
@@ -10341,7 +10964,9 @@
       <p:sp>
         <p:nvSpPr>
           <p:cNvPr id="100" name="Google Shape;100;p20"/>
-          <p:cNvSpPr txBox="1"/>
+          <p:cNvSpPr txBox="1">
+            <a:spLocks noGrp="1"/>
+          </p:cNvSpPr>
           <p:nvPr>
             <p:ph type="title"/>
           </p:nvPr>
@@ -10356,12 +10981,12 @@
           </a:prstGeom>
         </p:spPr>
         <p:txBody>
-          <a:bodyPr anchorCtr="0" anchor="t" bIns="91425" lIns="91425" spcFirstLastPara="1" rIns="91425" wrap="square" tIns="91425">
+          <a:bodyPr spcFirstLastPara="1" wrap="square" lIns="91425" tIns="91425" rIns="91425" bIns="91425" anchor="t" anchorCtr="0">
             <a:noAutofit/>
           </a:bodyPr>
           <a:lstStyle/>
           <a:p>
-            <a:pPr indent="0" lvl="0" marL="0" rtl="0" algn="l">
+            <a:pPr marL="0" lvl="0" indent="0" algn="l" rtl="0">
               <a:spcBef>
                 <a:spcPts val="0"/>
               </a:spcBef>
@@ -10381,9 +11006,11 @@
       <p:sp>
         <p:nvSpPr>
           <p:cNvPr id="101" name="Google Shape;101;p20"/>
-          <p:cNvSpPr txBox="1"/>
+          <p:cNvSpPr txBox="1">
+            <a:spLocks noGrp="1"/>
+          </p:cNvSpPr>
           <p:nvPr>
-            <p:ph idx="1" type="body"/>
+            <p:ph type="body" idx="1"/>
           </p:nvPr>
         </p:nvSpPr>
         <p:spPr>
@@ -10396,12 +11023,12 @@
           </a:prstGeom>
         </p:spPr>
         <p:txBody>
-          <a:bodyPr anchorCtr="0" anchor="t" bIns="91425" lIns="91425" spcFirstLastPara="1" rIns="91425" wrap="square" tIns="91425">
+          <a:bodyPr spcFirstLastPara="1" wrap="square" lIns="91425" tIns="91425" rIns="91425" bIns="91425" anchor="t" anchorCtr="0">
             <a:noAutofit/>
           </a:bodyPr>
           <a:lstStyle/>
           <a:p>
-            <a:pPr indent="0" lvl="0" marL="0" rtl="0" algn="l">
+            <a:pPr marL="0" lvl="0" indent="0" algn="l" rtl="0">
               <a:spcBef>
                 <a:spcPts val="0"/>
               </a:spcBef>
@@ -10482,209 +11109,289 @@
 </p:sld>
 </file>
 
-<file path=ppt/slides/slide9.xml><?xml version="1.0" encoding="utf-8"?>
-<p:sld xmlns:a="http://schemas.openxmlformats.org/drawingml/2006/main" xmlns:r="http://schemas.openxmlformats.org/officeDocument/2006/relationships" xmlns:mc="http://schemas.openxmlformats.org/markup-compatibility/2006" xmlns:mv="urn:schemas-microsoft-com:mac:vml" xmlns:p="http://schemas.openxmlformats.org/presentationml/2006/main" xmlns:c="http://schemas.openxmlformats.org/drawingml/2006/chart" xmlns:dgm="http://schemas.openxmlformats.org/drawingml/2006/diagram" xmlns:o="urn:schemas-microsoft-com:office:office" xmlns:v="urn:schemas-microsoft-com:vml" xmlns:pvml="urn:schemas-microsoft-com:office:powerpoint" xmlns:com="http://schemas.openxmlformats.org/drawingml/2006/compatibility" xmlns:p14="http://schemas.microsoft.com/office/powerpoint/2010/main" xmlns:p15="http://schemas.microsoft.com/office/powerpoint/2012/main">
-  <p:cSld>
-    <p:spTree>
-      <p:nvGrpSpPr>
-        <p:cNvPr id="107" name="Shape 107"/>
-        <p:cNvGrpSpPr/>
-        <p:nvPr/>
-      </p:nvGrpSpPr>
-      <p:grpSpPr>
-        <a:xfrm>
-          <a:off x="0" y="0"/>
-          <a:ext cx="0" cy="0"/>
-          <a:chOff x="0" y="0"/>
-          <a:chExt cx="0" cy="0"/>
-        </a:xfrm>
-      </p:grpSpPr>
-      <p:sp>
-        <p:nvSpPr>
-          <p:cNvPr id="108" name="Google Shape;108;p21"/>
-          <p:cNvSpPr txBox="1"/>
-          <p:nvPr>
-            <p:ph type="title"/>
-          </p:nvPr>
-        </p:nvSpPr>
-        <p:spPr>
-          <a:xfrm>
-            <a:off x="311700" y="445025"/>
-            <a:ext cx="8520600" cy="572700"/>
-          </a:xfrm>
-          <a:prstGeom prst="rect">
-            <a:avLst/>
-          </a:prstGeom>
-        </p:spPr>
-        <p:txBody>
-          <a:bodyPr anchorCtr="0" anchor="t" bIns="91425" lIns="91425" spcFirstLastPara="1" rIns="91425" wrap="square" tIns="91425">
-            <a:noAutofit/>
-          </a:bodyPr>
-          <a:lstStyle/>
-          <a:p>
-            <a:pPr indent="0" lvl="0" marL="0" rtl="0" algn="l">
-              <a:spcBef>
-                <a:spcPts val="0"/>
-              </a:spcBef>
-              <a:spcAft>
-                <a:spcPts val="0"/>
-              </a:spcAft>
-              <a:buNone/>
-            </a:pPr>
-            <a:r>
-              <a:rPr lang="en"/>
-              <a:t>numpy.polyfit</a:t>
-            </a:r>
-            <a:endParaRPr/>
-          </a:p>
-        </p:txBody>
-      </p:sp>
-      <p:sp>
-        <p:nvSpPr>
-          <p:cNvPr id="109" name="Google Shape;109;p21"/>
-          <p:cNvSpPr txBox="1"/>
-          <p:nvPr>
-            <p:ph idx="1" type="body"/>
-          </p:nvPr>
-        </p:nvSpPr>
-        <p:spPr>
-          <a:xfrm>
-            <a:off x="311700" y="1152475"/>
-            <a:ext cx="8520600" cy="3416400"/>
-          </a:xfrm>
-          <a:prstGeom prst="rect">
-            <a:avLst/>
-          </a:prstGeom>
-        </p:spPr>
-        <p:txBody>
-          <a:bodyPr anchorCtr="0" anchor="t" bIns="91425" lIns="91425" spcFirstLastPara="1" rIns="91425" wrap="square" tIns="91425">
-            <a:noAutofit/>
-          </a:bodyPr>
-          <a:lstStyle/>
-          <a:p>
-            <a:pPr indent="0" lvl="0" marL="0" rtl="0" algn="l">
-              <a:spcBef>
-                <a:spcPts val="0"/>
-              </a:spcBef>
-              <a:spcAft>
-                <a:spcPts val="0"/>
-              </a:spcAft>
-              <a:buNone/>
-            </a:pPr>
-            <a:r>
-              <a:rPr lang="en"/>
-              <a:t>The polyfit function included in numpy will fit data to polynomials of degree n using a least squares method.  Its basic syntax is:</a:t>
-            </a:r>
-            <a:endParaRPr/>
-          </a:p>
-          <a:p>
-            <a:pPr indent="0" lvl="0" marL="0" rtl="0" algn="l">
-              <a:spcBef>
-                <a:spcPts val="1600"/>
-              </a:spcBef>
-              <a:spcAft>
-                <a:spcPts val="0"/>
-              </a:spcAft>
-              <a:buNone/>
-            </a:pPr>
-            <a:r>
-              <a:rPr lang="en"/>
-              <a:t>fit = np.polyfit(x, y, degree)</a:t>
-            </a:r>
-            <a:endParaRPr/>
-          </a:p>
-          <a:p>
-            <a:pPr indent="0" lvl="0" marL="0" rtl="0" algn="l">
-              <a:spcBef>
-                <a:spcPts val="1600"/>
-              </a:spcBef>
-              <a:spcAft>
-                <a:spcPts val="0"/>
-              </a:spcAft>
-              <a:buNone/>
-            </a:pPr>
-            <a:r>
-              <a:rPr lang="en"/>
-              <a:t>w</a:t>
-            </a:r>
-            <a:r>
-              <a:rPr lang="en"/>
-              <a:t>here</a:t>
-            </a:r>
-            <a:endParaRPr/>
-          </a:p>
-          <a:p>
-            <a:pPr indent="0" lvl="0" marL="0" rtl="0" algn="l">
-              <a:spcBef>
-                <a:spcPts val="1600"/>
-              </a:spcBef>
-              <a:spcAft>
-                <a:spcPts val="0"/>
-              </a:spcAft>
-              <a:buNone/>
-            </a:pPr>
-            <a:r>
-              <a:rPr lang="en"/>
-              <a:t>n</a:t>
-            </a:r>
-            <a:r>
-              <a:rPr lang="en"/>
-              <a:t>p invokes the numpy library previous imported</a:t>
-            </a:r>
-            <a:endParaRPr/>
-          </a:p>
-          <a:p>
-            <a:pPr indent="0" lvl="0" marL="0" rtl="0" algn="l">
-              <a:spcBef>
-                <a:spcPts val="1600"/>
-              </a:spcBef>
-              <a:spcAft>
-                <a:spcPts val="0"/>
-              </a:spcAft>
-              <a:buNone/>
-            </a:pPr>
-            <a:r>
-              <a:rPr lang="en"/>
-              <a:t>x</a:t>
-            </a:r>
-            <a:r>
-              <a:rPr lang="en"/>
-              <a:t>,y are the data</a:t>
-            </a:r>
-            <a:endParaRPr/>
-          </a:p>
-          <a:p>
-            <a:pPr indent="0" lvl="0" marL="0" rtl="0" algn="l">
-              <a:spcBef>
-                <a:spcPts val="1600"/>
-              </a:spcBef>
-              <a:spcAft>
-                <a:spcPts val="1600"/>
-              </a:spcAft>
-              <a:buNone/>
-            </a:pPr>
-            <a:r>
-              <a:rPr lang="en"/>
-              <a:t>d</a:t>
-            </a:r>
-            <a:r>
-              <a:rPr lang="en"/>
-              <a:t>egree is the degree of the polynomial.  For a line, this is 1</a:t>
-            </a:r>
-            <a:endParaRPr/>
-          </a:p>
-        </p:txBody>
-      </p:sp>
-    </p:spTree>
-  </p:cSld>
-  <p:clrMapOvr>
-    <a:masterClrMapping/>
-  </p:clrMapOvr>
-</p:sld>
+<file path=ppt/theme/theme1.xml><?xml version="1.0" encoding="utf-8"?>
+<a:theme xmlns:a="http://schemas.openxmlformats.org/drawingml/2006/main" name="Simple Light">
+  <a:themeElements>
+    <a:clrScheme name="Simple Light">
+      <a:dk1>
+        <a:srgbClr val="000000"/>
+      </a:dk1>
+      <a:lt1>
+        <a:srgbClr val="FFFFFF"/>
+      </a:lt1>
+      <a:dk2>
+        <a:srgbClr val="595959"/>
+      </a:dk2>
+      <a:lt2>
+        <a:srgbClr val="EEEEEE"/>
+      </a:lt2>
+      <a:accent1>
+        <a:srgbClr val="FFAB40"/>
+      </a:accent1>
+      <a:accent2>
+        <a:srgbClr val="212121"/>
+      </a:accent2>
+      <a:accent3>
+        <a:srgbClr val="78909C"/>
+      </a:accent3>
+      <a:accent4>
+        <a:srgbClr val="FFAB40"/>
+      </a:accent4>
+      <a:accent5>
+        <a:srgbClr val="0097A7"/>
+      </a:accent5>
+      <a:accent6>
+        <a:srgbClr val="EEFF41"/>
+      </a:accent6>
+      <a:hlink>
+        <a:srgbClr val="0097A7"/>
+      </a:hlink>
+      <a:folHlink>
+        <a:srgbClr val="0097A7"/>
+      </a:folHlink>
+    </a:clrScheme>
+    <a:fontScheme name="Office">
+      <a:majorFont>
+        <a:latin typeface="Arial"/>
+        <a:ea typeface=""/>
+        <a:cs typeface=""/>
+        <a:font script="Jpan" typeface="ＭＳ Ｐゴシック"/>
+        <a:font script="Hang" typeface="맑은 고딕"/>
+        <a:font script="Hans" typeface="宋体"/>
+        <a:font script="Hant" typeface="新細明體"/>
+        <a:font script="Arab" typeface="Times New Roman"/>
+        <a:font script="Hebr" typeface="Times New Roman"/>
+        <a:font script="Thai" typeface="Angsana New"/>
+        <a:font script="Ethi" typeface="Nyala"/>
+        <a:font script="Beng" typeface="Vrinda"/>
+        <a:font script="Gujr" typeface="Shruti"/>
+        <a:font script="Khmr" typeface="MoolBoran"/>
+        <a:font script="Knda" typeface="Tunga"/>
+        <a:font script="Guru" typeface="Raavi"/>
+        <a:font script="Cans" typeface="Euphemia"/>
+        <a:font script="Cher" typeface="Plantagenet Cherokee"/>
+        <a:font script="Yiii" typeface="Microsoft Yi Baiti"/>
+        <a:font script="Tibt" typeface="Microsoft Himalaya"/>
+        <a:font script="Thaa" typeface="MV Boli"/>
+        <a:font script="Deva" typeface="Mangal"/>
+        <a:font script="Telu" typeface="Gautami"/>
+        <a:font script="Taml" typeface="Latha"/>
+        <a:font script="Syrc" typeface="Estrangelo Edessa"/>
+        <a:font script="Orya" typeface="Kalinga"/>
+        <a:font script="Mlym" typeface="Kartika"/>
+        <a:font script="Laoo" typeface="DokChampa"/>
+        <a:font script="Sinh" typeface="Iskoola Pota"/>
+        <a:font script="Mong" typeface="Mongolian Baiti"/>
+        <a:font script="Viet" typeface="Times New Roman"/>
+        <a:font script="Uigh" typeface="Microsoft Uighur"/>
+        <a:font script="Geor" typeface="Sylfaen"/>
+      </a:majorFont>
+      <a:minorFont>
+        <a:latin typeface="Arial"/>
+        <a:ea typeface=""/>
+        <a:cs typeface=""/>
+        <a:font script="Jpan" typeface="ＭＳ Ｐゴシック"/>
+        <a:font script="Hang" typeface="맑은 고딕"/>
+        <a:font script="Hans" typeface="宋体"/>
+        <a:font script="Hant" typeface="新細明體"/>
+        <a:font script="Arab" typeface="Arial"/>
+        <a:font script="Hebr" typeface="Arial"/>
+        <a:font script="Thai" typeface="Cordia New"/>
+        <a:font script="Ethi" typeface="Nyala"/>
+        <a:font script="Beng" typeface="Vrinda"/>
+        <a:font script="Gujr" typeface="Shruti"/>
+        <a:font script="Khmr" typeface="DaunPenh"/>
+        <a:font script="Knda" typeface="Tunga"/>
+        <a:font script="Guru" typeface="Raavi"/>
+        <a:font script="Cans" typeface="Euphemia"/>
+        <a:font script="Cher" typeface="Plantagenet Cherokee"/>
+        <a:font script="Yiii" typeface="Microsoft Yi Baiti"/>
+        <a:font script="Tibt" typeface="Microsoft Himalaya"/>
+        <a:font script="Thaa" typeface="MV Boli"/>
+        <a:font script="Deva" typeface="Mangal"/>
+        <a:font script="Telu" typeface="Gautami"/>
+        <a:font script="Taml" typeface="Latha"/>
+        <a:font script="Syrc" typeface="Estrangelo Edessa"/>
+        <a:font script="Orya" typeface="Kalinga"/>
+        <a:font script="Mlym" typeface="Kartika"/>
+        <a:font script="Laoo" typeface="DokChampa"/>
+        <a:font script="Sinh" typeface="Iskoola Pota"/>
+        <a:font script="Mong" typeface="Mongolian Baiti"/>
+        <a:font script="Viet" typeface="Arial"/>
+        <a:font script="Uigh" typeface="Microsoft Uighur"/>
+        <a:font script="Geor" typeface="Sylfaen"/>
+      </a:minorFont>
+    </a:fontScheme>
+    <a:fmtScheme name="Office">
+      <a:fillStyleLst>
+        <a:solidFill>
+          <a:schemeClr val="phClr"/>
+        </a:solidFill>
+        <a:gradFill rotWithShape="1">
+          <a:gsLst>
+            <a:gs pos="0">
+              <a:schemeClr val="phClr">
+                <a:tint val="50000"/>
+                <a:satMod val="300000"/>
+              </a:schemeClr>
+            </a:gs>
+            <a:gs pos="35000">
+              <a:schemeClr val="phClr">
+                <a:tint val="37000"/>
+                <a:satMod val="300000"/>
+              </a:schemeClr>
+            </a:gs>
+            <a:gs pos="100000">
+              <a:schemeClr val="phClr">
+                <a:tint val="15000"/>
+                <a:satMod val="350000"/>
+              </a:schemeClr>
+            </a:gs>
+          </a:gsLst>
+          <a:lin ang="16200000" scaled="1"/>
+        </a:gradFill>
+        <a:gradFill rotWithShape="1">
+          <a:gsLst>
+            <a:gs pos="0">
+              <a:schemeClr val="phClr">
+                <a:tint val="100000"/>
+                <a:shade val="100000"/>
+                <a:satMod val="130000"/>
+              </a:schemeClr>
+            </a:gs>
+            <a:gs pos="100000">
+              <a:schemeClr val="phClr">
+                <a:tint val="50000"/>
+                <a:shade val="100000"/>
+                <a:satMod val="350000"/>
+              </a:schemeClr>
+            </a:gs>
+          </a:gsLst>
+          <a:lin ang="16200000" scaled="0"/>
+        </a:gradFill>
+      </a:fillStyleLst>
+      <a:lnStyleLst>
+        <a:ln w="9525" cap="flat" cmpd="sng" algn="ctr">
+          <a:solidFill>
+            <a:schemeClr val="phClr">
+              <a:shade val="95000"/>
+              <a:satMod val="105000"/>
+            </a:schemeClr>
+          </a:solidFill>
+          <a:prstDash val="solid"/>
+        </a:ln>
+        <a:ln w="25400" cap="flat" cmpd="sng" algn="ctr">
+          <a:solidFill>
+            <a:schemeClr val="phClr"/>
+          </a:solidFill>
+          <a:prstDash val="solid"/>
+        </a:ln>
+        <a:ln w="38100" cap="flat" cmpd="sng" algn="ctr">
+          <a:solidFill>
+            <a:schemeClr val="phClr"/>
+          </a:solidFill>
+          <a:prstDash val="solid"/>
+        </a:ln>
+      </a:lnStyleLst>
+      <a:effectStyleLst>
+        <a:effectStyle>
+          <a:effectLst>
+            <a:outerShdw blurRad="40000" dist="20000" dir="5400000" rotWithShape="0">
+              <a:srgbClr val="000000">
+                <a:alpha val="38000"/>
+              </a:srgbClr>
+            </a:outerShdw>
+          </a:effectLst>
+        </a:effectStyle>
+        <a:effectStyle>
+          <a:effectLst>
+            <a:outerShdw blurRad="40000" dist="23000" dir="5400000" rotWithShape="0">
+              <a:srgbClr val="000000">
+                <a:alpha val="35000"/>
+              </a:srgbClr>
+            </a:outerShdw>
+          </a:effectLst>
+        </a:effectStyle>
+        <a:effectStyle>
+          <a:effectLst>
+            <a:outerShdw blurRad="40000" dist="23000" dir="5400000" rotWithShape="0">
+              <a:srgbClr val="000000">
+                <a:alpha val="35000"/>
+              </a:srgbClr>
+            </a:outerShdw>
+          </a:effectLst>
+          <a:scene3d>
+            <a:camera prst="orthographicFront">
+              <a:rot lat="0" lon="0" rev="0"/>
+            </a:camera>
+            <a:lightRig rig="threePt" dir="t">
+              <a:rot lat="0" lon="0" rev="1200000"/>
+            </a:lightRig>
+          </a:scene3d>
+          <a:sp3d>
+            <a:bevelT w="63500" h="25400"/>
+          </a:sp3d>
+        </a:effectStyle>
+      </a:effectStyleLst>
+      <a:bgFillStyleLst>
+        <a:solidFill>
+          <a:schemeClr val="phClr"/>
+        </a:solidFill>
+        <a:gradFill rotWithShape="1">
+          <a:gsLst>
+            <a:gs pos="0">
+              <a:schemeClr val="phClr">
+                <a:tint val="40000"/>
+                <a:satMod val="350000"/>
+              </a:schemeClr>
+            </a:gs>
+            <a:gs pos="40000">
+              <a:schemeClr val="phClr">
+                <a:tint val="45000"/>
+                <a:shade val="99000"/>
+                <a:satMod val="350000"/>
+              </a:schemeClr>
+            </a:gs>
+            <a:gs pos="100000">
+              <a:schemeClr val="phClr">
+                <a:shade val="20000"/>
+                <a:satMod val="255000"/>
+              </a:schemeClr>
+            </a:gs>
+          </a:gsLst>
+          <a:path path="circle">
+            <a:fillToRect l="50000" t="-80000" r="50000" b="180000"/>
+          </a:path>
+        </a:gradFill>
+        <a:gradFill rotWithShape="1">
+          <a:gsLst>
+            <a:gs pos="0">
+              <a:schemeClr val="phClr">
+                <a:tint val="80000"/>
+                <a:satMod val="300000"/>
+              </a:schemeClr>
+            </a:gs>
+            <a:gs pos="100000">
+              <a:schemeClr val="phClr">
+                <a:shade val="30000"/>
+                <a:satMod val="200000"/>
+              </a:schemeClr>
+            </a:gs>
+          </a:gsLst>
+          <a:path path="circle">
+            <a:fillToRect l="50000" t="50000" r="50000" b="50000"/>
+          </a:path>
+        </a:gradFill>
+      </a:bgFillStyleLst>
+    </a:fmtScheme>
+  </a:themeElements>
+  <a:objectDefaults/>
+  <a:extraClrSchemeLst/>
+</a:theme>
 </file>
 
-<file path=ppt/theme/theme1.xml><?xml version="1.0" encoding="utf-8"?>
-<a:theme xmlns:a="http://schemas.openxmlformats.org/drawingml/2006/main" xmlns:r="http://schemas.openxmlformats.org/officeDocument/2006/relationships">
+<file path=ppt/theme/theme2.xml><?xml version="1.0" encoding="utf-8"?>
+<a:theme xmlns:a="http://schemas.openxmlformats.org/drawingml/2006/main">
   <a:themeElements>
     <a:clrScheme name="Default">
       <a:dk1>
@@ -10959,284 +11666,7 @@
       </a:bgFillStyleLst>
     </a:fmtScheme>
   </a:themeElements>
-</a:theme>
-</file>
-
-<file path=ppt/theme/theme2.xml><?xml version="1.0" encoding="utf-8"?>
-<a:theme xmlns:a="http://schemas.openxmlformats.org/drawingml/2006/main" xmlns:r="http://schemas.openxmlformats.org/officeDocument/2006/relationships" name="Simple Light">
-  <a:themeElements>
-    <a:clrScheme name="Simple Light">
-      <a:dk1>
-        <a:srgbClr val="000000"/>
-      </a:dk1>
-      <a:lt1>
-        <a:srgbClr val="FFFFFF"/>
-      </a:lt1>
-      <a:dk2>
-        <a:srgbClr val="595959"/>
-      </a:dk2>
-      <a:lt2>
-        <a:srgbClr val="EEEEEE"/>
-      </a:lt2>
-      <a:accent1>
-        <a:srgbClr val="FFAB40"/>
-      </a:accent1>
-      <a:accent2>
-        <a:srgbClr val="212121"/>
-      </a:accent2>
-      <a:accent3>
-        <a:srgbClr val="78909C"/>
-      </a:accent3>
-      <a:accent4>
-        <a:srgbClr val="FFAB40"/>
-      </a:accent4>
-      <a:accent5>
-        <a:srgbClr val="0097A7"/>
-      </a:accent5>
-      <a:accent6>
-        <a:srgbClr val="EEFF41"/>
-      </a:accent6>
-      <a:hlink>
-        <a:srgbClr val="0097A7"/>
-      </a:hlink>
-      <a:folHlink>
-        <a:srgbClr val="0097A7"/>
-      </a:folHlink>
-    </a:clrScheme>
-    <a:fontScheme name="Office">
-      <a:majorFont>
-        <a:latin typeface="Arial"/>
-        <a:ea typeface=""/>
-        <a:cs typeface=""/>
-        <a:font script="Jpan" typeface="ＭＳ Ｐゴシック"/>
-        <a:font script="Hang" typeface="맑은 고딕"/>
-        <a:font script="Hans" typeface="宋体"/>
-        <a:font script="Hant" typeface="新細明體"/>
-        <a:font script="Arab" typeface="Times New Roman"/>
-        <a:font script="Hebr" typeface="Times New Roman"/>
-        <a:font script="Thai" typeface="Angsana New"/>
-        <a:font script="Ethi" typeface="Nyala"/>
-        <a:font script="Beng" typeface="Vrinda"/>
-        <a:font script="Gujr" typeface="Shruti"/>
-        <a:font script="Khmr" typeface="MoolBoran"/>
-        <a:font script="Knda" typeface="Tunga"/>
-        <a:font script="Guru" typeface="Raavi"/>
-        <a:font script="Cans" typeface="Euphemia"/>
-        <a:font script="Cher" typeface="Plantagenet Cherokee"/>
-        <a:font script="Yiii" typeface="Microsoft Yi Baiti"/>
-        <a:font script="Tibt" typeface="Microsoft Himalaya"/>
-        <a:font script="Thaa" typeface="MV Boli"/>
-        <a:font script="Deva" typeface="Mangal"/>
-        <a:font script="Telu" typeface="Gautami"/>
-        <a:font script="Taml" typeface="Latha"/>
-        <a:font script="Syrc" typeface="Estrangelo Edessa"/>
-        <a:font script="Orya" typeface="Kalinga"/>
-        <a:font script="Mlym" typeface="Kartika"/>
-        <a:font script="Laoo" typeface="DokChampa"/>
-        <a:font script="Sinh" typeface="Iskoola Pota"/>
-        <a:font script="Mong" typeface="Mongolian Baiti"/>
-        <a:font script="Viet" typeface="Times New Roman"/>
-        <a:font script="Uigh" typeface="Microsoft Uighur"/>
-        <a:font script="Geor" typeface="Sylfaen"/>
-      </a:majorFont>
-      <a:minorFont>
-        <a:latin typeface="Arial"/>
-        <a:ea typeface=""/>
-        <a:cs typeface=""/>
-        <a:font script="Jpan" typeface="ＭＳ Ｐゴシック"/>
-        <a:font script="Hang" typeface="맑은 고딕"/>
-        <a:font script="Hans" typeface="宋体"/>
-        <a:font script="Hant" typeface="新細明體"/>
-        <a:font script="Arab" typeface="Arial"/>
-        <a:font script="Hebr" typeface="Arial"/>
-        <a:font script="Thai" typeface="Cordia New"/>
-        <a:font script="Ethi" typeface="Nyala"/>
-        <a:font script="Beng" typeface="Vrinda"/>
-        <a:font script="Gujr" typeface="Shruti"/>
-        <a:font script="Khmr" typeface="DaunPenh"/>
-        <a:font script="Knda" typeface="Tunga"/>
-        <a:font script="Guru" typeface="Raavi"/>
-        <a:font script="Cans" typeface="Euphemia"/>
-        <a:font script="Cher" typeface="Plantagenet Cherokee"/>
-        <a:font script="Yiii" typeface="Microsoft Yi Baiti"/>
-        <a:font script="Tibt" typeface="Microsoft Himalaya"/>
-        <a:font script="Thaa" typeface="MV Boli"/>
-        <a:font script="Deva" typeface="Mangal"/>
-        <a:font script="Telu" typeface="Gautami"/>
-        <a:font script="Taml" typeface="Latha"/>
-        <a:font script="Syrc" typeface="Estrangelo Edessa"/>
-        <a:font script="Orya" typeface="Kalinga"/>
-        <a:font script="Mlym" typeface="Kartika"/>
-        <a:font script="Laoo" typeface="DokChampa"/>
-        <a:font script="Sinh" typeface="Iskoola Pota"/>
-        <a:font script="Mong" typeface="Mongolian Baiti"/>
-        <a:font script="Viet" typeface="Arial"/>
-        <a:font script="Uigh" typeface="Microsoft Uighur"/>
-        <a:font script="Geor" typeface="Sylfaen"/>
-      </a:minorFont>
-    </a:fontScheme>
-    <a:fmtScheme name="Office">
-      <a:fillStyleLst>
-        <a:solidFill>
-          <a:schemeClr val="phClr"/>
-        </a:solidFill>
-        <a:gradFill rotWithShape="1">
-          <a:gsLst>
-            <a:gs pos="0">
-              <a:schemeClr val="phClr">
-                <a:tint val="50000"/>
-                <a:satMod val="300000"/>
-              </a:schemeClr>
-            </a:gs>
-            <a:gs pos="35000">
-              <a:schemeClr val="phClr">
-                <a:tint val="37000"/>
-                <a:satMod val="300000"/>
-              </a:schemeClr>
-            </a:gs>
-            <a:gs pos="100000">
-              <a:schemeClr val="phClr">
-                <a:tint val="15000"/>
-                <a:satMod val="350000"/>
-              </a:schemeClr>
-            </a:gs>
-          </a:gsLst>
-          <a:lin ang="16200000" scaled="1"/>
-        </a:gradFill>
-        <a:gradFill rotWithShape="1">
-          <a:gsLst>
-            <a:gs pos="0">
-              <a:schemeClr val="phClr">
-                <a:tint val="100000"/>
-                <a:shade val="100000"/>
-                <a:satMod val="130000"/>
-              </a:schemeClr>
-            </a:gs>
-            <a:gs pos="100000">
-              <a:schemeClr val="phClr">
-                <a:tint val="50000"/>
-                <a:shade val="100000"/>
-                <a:satMod val="350000"/>
-              </a:schemeClr>
-            </a:gs>
-          </a:gsLst>
-          <a:lin ang="16200000" scaled="0"/>
-        </a:gradFill>
-      </a:fillStyleLst>
-      <a:lnStyleLst>
-        <a:ln w="9525" cap="flat" cmpd="sng" algn="ctr">
-          <a:solidFill>
-            <a:schemeClr val="phClr">
-              <a:shade val="95000"/>
-              <a:satMod val="105000"/>
-            </a:schemeClr>
-          </a:solidFill>
-          <a:prstDash val="solid"/>
-        </a:ln>
-        <a:ln w="25400" cap="flat" cmpd="sng" algn="ctr">
-          <a:solidFill>
-            <a:schemeClr val="phClr"/>
-          </a:solidFill>
-          <a:prstDash val="solid"/>
-        </a:ln>
-        <a:ln w="38100" cap="flat" cmpd="sng" algn="ctr">
-          <a:solidFill>
-            <a:schemeClr val="phClr"/>
-          </a:solidFill>
-          <a:prstDash val="solid"/>
-        </a:ln>
-      </a:lnStyleLst>
-      <a:effectStyleLst>
-        <a:effectStyle>
-          <a:effectLst>
-            <a:outerShdw blurRad="40000" dist="20000" dir="5400000" rotWithShape="0">
-              <a:srgbClr val="000000">
-                <a:alpha val="38000"/>
-              </a:srgbClr>
-            </a:outerShdw>
-          </a:effectLst>
-        </a:effectStyle>
-        <a:effectStyle>
-          <a:effectLst>
-            <a:outerShdw blurRad="40000" dist="23000" dir="5400000" rotWithShape="0">
-              <a:srgbClr val="000000">
-                <a:alpha val="35000"/>
-              </a:srgbClr>
-            </a:outerShdw>
-          </a:effectLst>
-        </a:effectStyle>
-        <a:effectStyle>
-          <a:effectLst>
-            <a:outerShdw blurRad="40000" dist="23000" dir="5400000" rotWithShape="0">
-              <a:srgbClr val="000000">
-                <a:alpha val="35000"/>
-              </a:srgbClr>
-            </a:outerShdw>
-          </a:effectLst>
-          <a:scene3d>
-            <a:camera prst="orthographicFront">
-              <a:rot lat="0" lon="0" rev="0"/>
-            </a:camera>
-            <a:lightRig rig="threePt" dir="t">
-              <a:rot lat="0" lon="0" rev="1200000"/>
-            </a:lightRig>
-          </a:scene3d>
-          <a:sp3d>
-            <a:bevelT w="63500" h="25400"/>
-          </a:sp3d>
-        </a:effectStyle>
-      </a:effectStyleLst>
-      <a:bgFillStyleLst>
-        <a:solidFill>
-          <a:schemeClr val="phClr"/>
-        </a:solidFill>
-        <a:gradFill rotWithShape="1">
-          <a:gsLst>
-            <a:gs pos="0">
-              <a:schemeClr val="phClr">
-                <a:tint val="40000"/>
-                <a:satMod val="350000"/>
-              </a:schemeClr>
-            </a:gs>
-            <a:gs pos="40000">
-              <a:schemeClr val="phClr">
-                <a:tint val="45000"/>
-                <a:shade val="99000"/>
-                <a:satMod val="350000"/>
-              </a:schemeClr>
-            </a:gs>
-            <a:gs pos="100000">
-              <a:schemeClr val="phClr">
-                <a:shade val="20000"/>
-                <a:satMod val="255000"/>
-              </a:schemeClr>
-            </a:gs>
-          </a:gsLst>
-          <a:path path="circle">
-            <a:fillToRect l="50000" t="-80000" r="50000" b="180000"/>
-          </a:path>
-        </a:gradFill>
-        <a:gradFill rotWithShape="1">
-          <a:gsLst>
-            <a:gs pos="0">
-              <a:schemeClr val="phClr">
-                <a:tint val="80000"/>
-                <a:satMod val="300000"/>
-              </a:schemeClr>
-            </a:gs>
-            <a:gs pos="100000">
-              <a:schemeClr val="phClr">
-                <a:shade val="30000"/>
-                <a:satMod val="200000"/>
-              </a:schemeClr>
-            </a:gs>
-          </a:gsLst>
-          <a:path path="circle">
-            <a:fillToRect l="50000" t="50000" r="50000" b="50000"/>
-          </a:path>
-        </a:gradFill>
-      </a:bgFillStyleLst>
-    </a:fmtScheme>
-  </a:themeElements>
+  <a:objectDefaults/>
+  <a:extraClrSchemeLst/>
 </a:theme>
 </file>
--- a/units/10/lessons/2/resources/petascale-lesson-10.2-slides.pptx
+++ b/units/10/lessons/2/resources/petascale-lesson-10.2-slides.pptx
@@ -9,7 +9,7 @@
   </p:notesMasterIdLst>
   <p:sldIdLst>
     <p:sldId id="273" r:id="rId2"/>
-    <p:sldId id="274" r:id="rId3"/>
+    <p:sldId id="275" r:id="rId3"/>
     <p:sldId id="257" r:id="rId4"/>
     <p:sldId id="258" r:id="rId5"/>
     <p:sldId id="259" r:id="rId6"/>
@@ -7266,15 +7266,7 @@
                 <a:ea typeface="Times New Roman" charset="0"/>
                 <a:cs typeface="Times New Roman" charset="0"/>
               </a:rPr>
-              <a:t>Blue Waters Petascale</a:t>
-            </a:r>
-            <a:r>
-              <a:rPr lang="en-US" sz="2700" b="1" dirty="0">
-                <a:latin typeface="Times New Roman" charset="0"/>
-                <a:ea typeface="Times New Roman" charset="0"/>
-                <a:cs typeface="Times New Roman" charset="0"/>
-              </a:rPr>
-              <a:t> Semester Curriculum v1.0</a:t>
+              <a:t>Blue Waters Petascale Semester Curriculum v1.0</a:t>
             </a:r>
             <a:r>
               <a:rPr lang="en-US" sz="2700" dirty="0">
@@ -7297,15 +7289,7 @@
                 <a:ea typeface="Times New Roman" charset="0"/>
                 <a:cs typeface="Times New Roman" charset="0"/>
               </a:rPr>
-              <a:t>Unit </a:t>
-            </a:r>
-            <a:r>
-              <a:rPr lang="en-US" sz="2700" b="1" dirty="0">
-                <a:latin typeface="Times New Roman" charset="0"/>
-                <a:ea typeface="Times New Roman" charset="0"/>
-                <a:cs typeface="Times New Roman" charset="0"/>
-              </a:rPr>
-              <a:t>10: Productivity and </a:t>
+              <a:t>Unit 10: Productivity and </a:t>
             </a:r>
             <a:r>
               <a:rPr lang="en-US" sz="2700" b="1" dirty="0" smtClean="0">
@@ -7383,15 +7367,7 @@
                 <a:ea typeface="Times New Roman" charset="0"/>
                 <a:cs typeface="Times New Roman" charset="0"/>
               </a:rPr>
-              <a:t>by </a:t>
-            </a:r>
-            <a:r>
-              <a:rPr lang="en-US" sz="2700" i="1" dirty="0">
-                <a:latin typeface="Times New Roman" charset="0"/>
-                <a:ea typeface="Times New Roman" charset="0"/>
-                <a:cs typeface="Times New Roman" charset="0"/>
-              </a:rPr>
-              <a:t>Michael N. </a:t>
+              <a:t>by Michael N. </a:t>
             </a:r>
             <a:r>
               <a:rPr lang="en-US" sz="2700" i="1" dirty="0" smtClean="0">
@@ -9527,7 +9503,7 @@
         </p:nvSpPr>
         <p:spPr>
           <a:xfrm>
-            <a:off x="566059" y="0"/>
+            <a:off x="566057" y="0"/>
             <a:ext cx="8011886" cy="5143500"/>
           </a:xfrm>
         </p:spPr>
@@ -9574,7 +9550,23 @@
                 <a:ea typeface="Times New Roman" charset="0"/>
                 <a:cs typeface="Times New Roman" charset="0"/>
               </a:rPr>
-              <a:t>CC BY-NC 4.0. To view a copy of this license, visit </a:t>
+              <a:t>CC </a:t>
+            </a:r>
+            <a:r>
+              <a:rPr lang="en-US" sz="2100" dirty="0" smtClean="0">
+                <a:latin typeface="Times New Roman" charset="0"/>
+                <a:ea typeface="Times New Roman" charset="0"/>
+                <a:cs typeface="Times New Roman" charset="0"/>
+              </a:rPr>
+              <a:t>BY-SA </a:t>
+            </a:r>
+            <a:r>
+              <a:rPr lang="en-US" sz="2100" dirty="0">
+                <a:latin typeface="Times New Roman" charset="0"/>
+                <a:ea typeface="Times New Roman" charset="0"/>
+                <a:cs typeface="Times New Roman" charset="0"/>
+              </a:rPr>
+              <a:t>4.0. To view a copy of this license, visit </a:t>
             </a:r>
             <a:r>
               <a:rPr lang="en-US" sz="2100" dirty="0">
@@ -9583,7 +9575,16 @@
                 <a:cs typeface="Times New Roman" charset="0"/>
                 <a:hlinkClick r:id="rId2"/>
               </a:rPr>
-              <a:t>https://creativecommons.org/licenses/by-nc/4.0</a:t>
+              <a:t>https://</a:t>
+            </a:r>
+            <a:r>
+              <a:rPr lang="en-US" sz="2100" dirty="0" smtClean="0">
+                <a:latin typeface="Times New Roman" charset="0"/>
+                <a:ea typeface="Times New Roman" charset="0"/>
+                <a:cs typeface="Times New Roman" charset="0"/>
+                <a:hlinkClick r:id="rId2"/>
+              </a:rPr>
+              <a:t>creativecommons.org/licenses/by-sa/4.0</a:t>
             </a:r>
             <a:r>
               <a:rPr lang="en-US" sz="2100" dirty="0">
@@ -9737,20 +9738,13 @@
     </p:spTree>
     <p:extLst>
       <p:ext uri="{BB962C8B-B14F-4D97-AF65-F5344CB8AC3E}">
-        <p14:creationId xmlns:p14="http://schemas.microsoft.com/office/powerpoint/2010/main" val="1503939584"/>
+        <p14:creationId xmlns:p14="http://schemas.microsoft.com/office/powerpoint/2010/main" val="1642269814"/>
       </p:ext>
     </p:extLst>
   </p:cSld>
   <p:clrMapOvr>
     <a:masterClrMapping/>
   </p:clrMapOvr>
-  <p:timing>
-    <p:tnLst>
-      <p:par>
-        <p:cTn id="1" dur="indefinite" restart="never" nodeType="tmRoot"/>
-      </p:par>
-    </p:tnLst>
-  </p:timing>
 </p:sld>
 </file>
 

--- a/units/10/lessons/2/resources/petascale-lesson-10.2-slides.pptx
+++ b/units/10/lessons/2/resources/petascale-lesson-10.2-slides.pptx
@@ -1872,7 +1872,7 @@
         </p:nvSpPr>
         <p:spPr>
           <a:xfrm>
-            <a:off x="381300" y="685800"/>
+            <a:off x="381000" y="685800"/>
             <a:ext cx="6096000" cy="3429000"/>
           </a:xfrm>
           <a:custGeom>
@@ -7268,14 +7268,6 @@
               </a:rPr>
               <a:t>Blue Waters Petascale Semester Curriculum v1.0</a:t>
             </a:r>
-            <a:r>
-              <a:rPr lang="en-US" sz="2700" dirty="0">
-                <a:latin typeface="Times New Roman" charset="0"/>
-                <a:ea typeface="Times New Roman" charset="0"/>
-                <a:cs typeface="Times New Roman" charset="0"/>
-              </a:rPr>
-              <a:t/>
-            </a:r>
             <a:br>
               <a:rPr lang="en-US" sz="2700" dirty="0">
                 <a:latin typeface="Times New Roman" charset="0"/>
@@ -7289,23 +7281,7 @@
                 <a:ea typeface="Times New Roman" charset="0"/>
                 <a:cs typeface="Times New Roman" charset="0"/>
               </a:rPr>
-              <a:t>Unit 10: Productivity and </a:t>
-            </a:r>
-            <a:r>
-              <a:rPr lang="en-US" sz="2700" b="1" dirty="0" smtClean="0">
-                <a:latin typeface="Times New Roman" charset="0"/>
-                <a:ea typeface="Times New Roman" charset="0"/>
-                <a:cs typeface="Times New Roman" charset="0"/>
-              </a:rPr>
-              <a:t>Visualization</a:t>
-            </a:r>
-            <a:r>
-              <a:rPr lang="en-US" sz="2700" b="1" dirty="0">
-                <a:latin typeface="Times New Roman" charset="0"/>
-                <a:ea typeface="Times New Roman" charset="0"/>
-                <a:cs typeface="Times New Roman" charset="0"/>
-              </a:rPr>
-              <a:t/>
+              <a:t>Unit 10: Productivity and Visualization</a:t>
             </a:r>
             <a:br>
               <a:rPr lang="en-US" sz="2700" b="1" dirty="0">
@@ -7320,70 +7296,22 @@
                 <a:ea typeface="Times New Roman" charset="0"/>
                 <a:cs typeface="Times New Roman" charset="0"/>
               </a:rPr>
-              <a:t>Lesson </a:t>
-            </a:r>
-            <a:r>
-              <a:rPr lang="en-US" sz="2700" b="1" dirty="0" smtClean="0">
-                <a:latin typeface="Times New Roman" charset="0"/>
-                <a:ea typeface="Times New Roman" charset="0"/>
-                <a:cs typeface="Times New Roman" charset="0"/>
-              </a:rPr>
-              <a:t>2: </a:t>
-            </a:r>
-            <a:r>
-              <a:rPr lang="en-US" sz="2700" b="1" dirty="0">
-                <a:latin typeface="Times New Roman" charset="0"/>
-                <a:ea typeface="Times New Roman" charset="0"/>
-                <a:cs typeface="Times New Roman" charset="0"/>
-              </a:rPr>
-              <a:t>Python Scripting </a:t>
-            </a:r>
-            <a:r>
-              <a:rPr lang="en-US" sz="2700" b="1" dirty="0" smtClean="0">
-                <a:latin typeface="Times New Roman" charset="0"/>
-                <a:ea typeface="Times New Roman" charset="0"/>
-                <a:cs typeface="Times New Roman" charset="0"/>
-              </a:rPr>
-              <a:t>2</a:t>
+              <a:t>Lesson 2: Python Scripting 2</a:t>
             </a:r>
             <a:br>
-              <a:rPr lang="en-US" sz="2700" b="1" dirty="0" smtClean="0">
+              <a:rPr lang="en-US" sz="2700" b="1" dirty="0">
                 <a:latin typeface="Times New Roman" charset="0"/>
                 <a:ea typeface="Times New Roman" charset="0"/>
                 <a:cs typeface="Times New Roman" charset="0"/>
               </a:rPr>
             </a:br>
             <a:r>
-              <a:rPr lang="en-US" sz="2700" i="1" dirty="0" smtClean="0">
-                <a:latin typeface="Times New Roman" charset="0"/>
-                <a:ea typeface="Times New Roman" charset="0"/>
-                <a:cs typeface="Times New Roman" charset="0"/>
-              </a:rPr>
-              <a:t>Developed </a:t>
-            </a:r>
-            <a:r>
               <a:rPr lang="en-US" sz="2700" i="1" dirty="0">
                 <a:latin typeface="Times New Roman" charset="0"/>
                 <a:ea typeface="Times New Roman" charset="0"/>
                 <a:cs typeface="Times New Roman" charset="0"/>
               </a:rPr>
-              <a:t>by Michael N. </a:t>
-            </a:r>
-            <a:r>
-              <a:rPr lang="en-US" sz="2700" i="1" dirty="0" smtClean="0">
-                <a:latin typeface="Times New Roman" charset="0"/>
-                <a:ea typeface="Times New Roman" charset="0"/>
-                <a:cs typeface="Times New Roman" charset="0"/>
-              </a:rPr>
-              <a:t>Groves</a:t>
-            </a:r>
-            <a:r>
-              <a:rPr lang="en-US" sz="2700" i="1" dirty="0">
-                <a:latin typeface="Times New Roman" charset="0"/>
-                <a:ea typeface="Times New Roman" charset="0"/>
-                <a:cs typeface="Times New Roman" charset="0"/>
-              </a:rPr>
-              <a:t/>
+              <a:t>Developed by Michael N. Groves</a:t>
             </a:r>
             <a:br>
               <a:rPr lang="en-US" sz="2700" i="1" dirty="0">
@@ -7413,13 +7341,6 @@
   <p:clrMapOvr>
     <a:masterClrMapping/>
   </p:clrMapOvr>
-  <p:timing>
-    <p:tnLst>
-      <p:par>
-        <p:cTn id="1" dur="indefinite" restart="never" nodeType="tmRoot"/>
-      </p:par>
-    </p:tnLst>
-  </p:timing>
 </p:sld>
 </file>
 
@@ -9550,23 +9471,7 @@
                 <a:ea typeface="Times New Roman" charset="0"/>
                 <a:cs typeface="Times New Roman" charset="0"/>
               </a:rPr>
-              <a:t>CC </a:t>
-            </a:r>
-            <a:r>
-              <a:rPr lang="en-US" sz="2100" dirty="0" smtClean="0">
-                <a:latin typeface="Times New Roman" charset="0"/>
-                <a:ea typeface="Times New Roman" charset="0"/>
-                <a:cs typeface="Times New Roman" charset="0"/>
-              </a:rPr>
-              <a:t>BY-SA </a:t>
-            </a:r>
-            <a:r>
-              <a:rPr lang="en-US" sz="2100" dirty="0">
-                <a:latin typeface="Times New Roman" charset="0"/>
-                <a:ea typeface="Times New Roman" charset="0"/>
-                <a:cs typeface="Times New Roman" charset="0"/>
-              </a:rPr>
-              <a:t>4.0. To view a copy of this license, visit </a:t>
+              <a:t>CC BY-SA 4.0. To view a copy of this license, visit </a:t>
             </a:r>
             <a:r>
               <a:rPr lang="en-US" sz="2100" dirty="0">
@@ -9575,24 +9480,7 @@
                 <a:cs typeface="Times New Roman" charset="0"/>
                 <a:hlinkClick r:id="rId2"/>
               </a:rPr>
-              <a:t>https://</a:t>
-            </a:r>
-            <a:r>
-              <a:rPr lang="en-US" sz="2100" dirty="0" smtClean="0">
-                <a:latin typeface="Times New Roman" charset="0"/>
-                <a:ea typeface="Times New Roman" charset="0"/>
-                <a:cs typeface="Times New Roman" charset="0"/>
-                <a:hlinkClick r:id="rId2"/>
-              </a:rPr>
-              <a:t>creativecommons.org/licenses/by-sa/4.0</a:t>
-            </a:r>
-            <a:r>
-              <a:rPr lang="en-US" sz="2100" dirty="0">
-                <a:latin typeface="Times New Roman" charset="0"/>
-                <a:ea typeface="Times New Roman" charset="0"/>
-                <a:cs typeface="Times New Roman" charset="0"/>
-              </a:rPr>
-              <a:t/>
+              <a:t>https://creativecommons.org/licenses/by-sa/4.0</a:t>
             </a:r>
             <a:br>
               <a:rPr lang="en-US" sz="2100" dirty="0">
@@ -9601,14 +9489,6 @@
                 <a:cs typeface="Times New Roman" charset="0"/>
               </a:rPr>
             </a:br>
-            <a:r>
-              <a:rPr lang="en-US" sz="2100" dirty="0">
-                <a:latin typeface="Times New Roman" charset="0"/>
-                <a:ea typeface="Times New Roman" charset="0"/>
-                <a:cs typeface="Times New Roman" charset="0"/>
-              </a:rPr>
-              <a:t/>
-            </a:r>
             <a:br>
               <a:rPr lang="en-US" sz="2100" dirty="0">
                 <a:latin typeface="Times New Roman" charset="0"/>
@@ -9633,14 +9513,6 @@
               </a:rPr>
               <a:t>http://shodor.org/petascale/materials/semester-curriculum</a:t>
             </a:r>
-            <a:r>
-              <a:rPr lang="en-US" sz="2100" dirty="0">
-                <a:latin typeface="Times New Roman" charset="0"/>
-                <a:ea typeface="Times New Roman" charset="0"/>
-                <a:cs typeface="Times New Roman" charset="0"/>
-              </a:rPr>
-              <a:t/>
-            </a:r>
             <a:br>
               <a:rPr lang="en-US" sz="2100" dirty="0">
                 <a:latin typeface="Times New Roman" charset="0"/>
@@ -9648,14 +9520,6 @@
                 <a:cs typeface="Times New Roman" charset="0"/>
               </a:rPr>
             </a:br>
-            <a:r>
-              <a:rPr lang="en-US" sz="2100" dirty="0">
-                <a:latin typeface="Times New Roman" charset="0"/>
-                <a:ea typeface="Times New Roman" charset="0"/>
-                <a:cs typeface="Times New Roman" charset="0"/>
-              </a:rPr>
-              <a:t/>
-            </a:r>
             <a:br>
               <a:rPr lang="en-US" sz="2100" dirty="0">
                 <a:latin typeface="Times New Roman" charset="0"/>
@@ -9680,14 +9544,6 @@
               </a:rPr>
               <a:t>https://github.com/shodor-education/petascale-semester-curriculum</a:t>
             </a:r>
-            <a:r>
-              <a:rPr lang="en-US" sz="2100" dirty="0">
-                <a:latin typeface="Times New Roman" charset="0"/>
-                <a:ea typeface="Times New Roman" charset="0"/>
-                <a:cs typeface="Times New Roman" charset="0"/>
-              </a:rPr>
-              <a:t/>
-            </a:r>
             <a:br>
               <a:rPr lang="en-US" sz="2100" dirty="0">
                 <a:latin typeface="Times New Roman" charset="0"/>
@@ -9695,14 +9551,6 @@
                 <a:cs typeface="Times New Roman" charset="0"/>
               </a:rPr>
             </a:br>
-            <a:r>
-              <a:rPr lang="en-US" sz="2100" dirty="0">
-                <a:latin typeface="Times New Roman" charset="0"/>
-                <a:ea typeface="Times New Roman" charset="0"/>
-                <a:cs typeface="Times New Roman" charset="0"/>
-              </a:rPr>
-              <a:t/>
-            </a:r>
             <a:br>
               <a:rPr lang="en-US" sz="2100" dirty="0">
                 <a:latin typeface="Times New Roman" charset="0"/>
@@ -10189,32 +10037,90 @@
       </p:sp>
       <p:pic>
         <p:nvPicPr>
-          <p:cNvPr id="73" name="Google Shape;73;p16"/>
-          <p:cNvPicPr preferRelativeResize="0"/>
+          <p:cNvPr id="3" name="Picture 2" descr="Logo&#10;&#10;Description automatically generated">
+            <a:extLst>
+              <a:ext uri="{FF2B5EF4-FFF2-40B4-BE49-F238E27FC236}">
+                <a16:creationId xmlns:a16="http://schemas.microsoft.com/office/drawing/2014/main" id="{9E87B412-7238-4111-8B29-427D08FEFE37}"/>
+              </a:ext>
+            </a:extLst>
+          </p:cNvPr>
+          <p:cNvPicPr>
+            <a:picLocks noChangeAspect="1"/>
+          </p:cNvPicPr>
           <p:nvPr/>
         </p:nvPicPr>
         <p:blipFill>
-          <a:blip r:embed="rId3">
-            <a:alphaModFix/>
-          </a:blip>
+          <a:blip r:embed="rId3"/>
           <a:stretch>
             <a:fillRect/>
           </a:stretch>
         </p:blipFill>
         <p:spPr>
           <a:xfrm>
-            <a:off x="311688" y="440850"/>
-            <a:ext cx="1685925" cy="581025"/>
+            <a:off x="311700" y="79390"/>
+            <a:ext cx="2388781" cy="1073085"/>
+          </a:xfrm>
+          <a:prstGeom prst="rect">
+            <a:avLst/>
+          </a:prstGeom>
+        </p:spPr>
+      </p:pic>
+      <p:sp>
+        <p:nvSpPr>
+          <p:cNvPr id="4" name="TextBox 3">
+            <a:extLst>
+              <a:ext uri="{FF2B5EF4-FFF2-40B4-BE49-F238E27FC236}">
+                <a16:creationId xmlns:a16="http://schemas.microsoft.com/office/drawing/2014/main" id="{957052BA-EF6A-4556-BE05-C08086D4FF83}"/>
+              </a:ext>
+            </a:extLst>
+          </p:cNvPr>
+          <p:cNvSpPr txBox="1"/>
+          <p:nvPr/>
+        </p:nvSpPr>
+        <p:spPr>
+          <a:xfrm>
+            <a:off x="2700481" y="308155"/>
+            <a:ext cx="3678865" cy="523220"/>
           </a:xfrm>
           <a:prstGeom prst="rect">
             <a:avLst/>
           </a:prstGeom>
           <a:noFill/>
-          <a:ln>
-            <a:noFill/>
-          </a:ln>
-        </p:spPr>
-      </p:pic>
+        </p:spPr>
+        <p:txBody>
+          <a:bodyPr wrap="square" rtlCol="0">
+            <a:spAutoFit/>
+          </a:bodyPr>
+          <a:lstStyle/>
+          <a:p>
+            <a:r>
+              <a:rPr lang="en-US" dirty="0">
+                <a:hlinkClick r:id="rId4"/>
+              </a:rPr>
+              <a:t>NumPy logo 2020.svg</a:t>
+            </a:r>
+            <a:r>
+              <a:rPr lang="en-US" dirty="0"/>
+              <a:t> by Isabela </a:t>
+            </a:r>
+            <a:r>
+              <a:rPr lang="en-US" dirty="0" err="1"/>
+              <a:t>Presedo</a:t>
+            </a:r>
+            <a:r>
+              <a:rPr lang="en-US" dirty="0"/>
+              <a:t>-Floyd is licensed under </a:t>
+            </a:r>
+            <a:r>
+              <a:rPr lang="en-US" dirty="0">
+                <a:hlinkClick r:id="rId5"/>
+              </a:rPr>
+              <a:t>CC-BY-SA-4.0</a:t>
+            </a:r>
+            <a:endParaRPr lang="en-US" dirty="0"/>
+          </a:p>
+        </p:txBody>
+      </p:sp>
     </p:spTree>
   </p:cSld>
   <p:clrMapOvr>
